--- a/翻譯海報.pptx
+++ b/翻譯海報.pptx
@@ -243,7 +243,7 @@
           <a:p>
             <a:fld id="{D6C2DB01-FA2F-4842-83FB-CEC0F2C70720}" type="datetimeFigureOut">
               <a:rPr lang="zh-TW" altLang="en-US" smtClean="0"/>
-              <a:t>2014/12/23</a:t>
+              <a:t>2014/12/30</a:t>
             </a:fld>
             <a:endParaRPr lang="zh-TW" altLang="en-US"/>
           </a:p>
@@ -413,7 +413,7 @@
           <a:p>
             <a:fld id="{D6C2DB01-FA2F-4842-83FB-CEC0F2C70720}" type="datetimeFigureOut">
               <a:rPr lang="zh-TW" altLang="en-US" smtClean="0"/>
-              <a:t>2014/12/23</a:t>
+              <a:t>2014/12/30</a:t>
             </a:fld>
             <a:endParaRPr lang="zh-TW" altLang="en-US"/>
           </a:p>
@@ -593,7 +593,7 @@
           <a:p>
             <a:fld id="{D6C2DB01-FA2F-4842-83FB-CEC0F2C70720}" type="datetimeFigureOut">
               <a:rPr lang="zh-TW" altLang="en-US" smtClean="0"/>
-              <a:t>2014/12/23</a:t>
+              <a:t>2014/12/30</a:t>
             </a:fld>
             <a:endParaRPr lang="zh-TW" altLang="en-US"/>
           </a:p>
@@ -763,7 +763,7 @@
           <a:p>
             <a:fld id="{D6C2DB01-FA2F-4842-83FB-CEC0F2C70720}" type="datetimeFigureOut">
               <a:rPr lang="zh-TW" altLang="en-US" smtClean="0"/>
-              <a:t>2014/12/23</a:t>
+              <a:t>2014/12/30</a:t>
             </a:fld>
             <a:endParaRPr lang="zh-TW" altLang="en-US"/>
           </a:p>
@@ -1009,7 +1009,7 @@
           <a:p>
             <a:fld id="{D6C2DB01-FA2F-4842-83FB-CEC0F2C70720}" type="datetimeFigureOut">
               <a:rPr lang="zh-TW" altLang="en-US" smtClean="0"/>
-              <a:t>2014/12/23</a:t>
+              <a:t>2014/12/30</a:t>
             </a:fld>
             <a:endParaRPr lang="zh-TW" altLang="en-US"/>
           </a:p>
@@ -1241,7 +1241,7 @@
           <a:p>
             <a:fld id="{D6C2DB01-FA2F-4842-83FB-CEC0F2C70720}" type="datetimeFigureOut">
               <a:rPr lang="zh-TW" altLang="en-US" smtClean="0"/>
-              <a:t>2014/12/23</a:t>
+              <a:t>2014/12/30</a:t>
             </a:fld>
             <a:endParaRPr lang="zh-TW" altLang="en-US"/>
           </a:p>
@@ -1608,7 +1608,7 @@
           <a:p>
             <a:fld id="{D6C2DB01-FA2F-4842-83FB-CEC0F2C70720}" type="datetimeFigureOut">
               <a:rPr lang="zh-TW" altLang="en-US" smtClean="0"/>
-              <a:t>2014/12/23</a:t>
+              <a:t>2014/12/30</a:t>
             </a:fld>
             <a:endParaRPr lang="zh-TW" altLang="en-US"/>
           </a:p>
@@ -1726,7 +1726,7 @@
           <a:p>
             <a:fld id="{D6C2DB01-FA2F-4842-83FB-CEC0F2C70720}" type="datetimeFigureOut">
               <a:rPr lang="zh-TW" altLang="en-US" smtClean="0"/>
-              <a:t>2014/12/23</a:t>
+              <a:t>2014/12/30</a:t>
             </a:fld>
             <a:endParaRPr lang="zh-TW" altLang="en-US"/>
           </a:p>
@@ -1821,7 +1821,7 @@
           <a:p>
             <a:fld id="{D6C2DB01-FA2F-4842-83FB-CEC0F2C70720}" type="datetimeFigureOut">
               <a:rPr lang="zh-TW" altLang="en-US" smtClean="0"/>
-              <a:t>2014/12/23</a:t>
+              <a:t>2014/12/30</a:t>
             </a:fld>
             <a:endParaRPr lang="zh-TW" altLang="en-US"/>
           </a:p>
@@ -2098,7 +2098,7 @@
           <a:p>
             <a:fld id="{D6C2DB01-FA2F-4842-83FB-CEC0F2C70720}" type="datetimeFigureOut">
               <a:rPr lang="zh-TW" altLang="en-US" smtClean="0"/>
-              <a:t>2014/12/23</a:t>
+              <a:t>2014/12/30</a:t>
             </a:fld>
             <a:endParaRPr lang="zh-TW" altLang="en-US"/>
           </a:p>
@@ -2351,7 +2351,7 @@
           <a:p>
             <a:fld id="{D6C2DB01-FA2F-4842-83FB-CEC0F2C70720}" type="datetimeFigureOut">
               <a:rPr lang="zh-TW" altLang="en-US" smtClean="0"/>
-              <a:t>2014/12/23</a:t>
+              <a:t>2014/12/30</a:t>
             </a:fld>
             <a:endParaRPr lang="zh-TW" altLang="en-US"/>
           </a:p>
@@ -2564,7 +2564,7 @@
           <a:p>
             <a:fld id="{D6C2DB01-FA2F-4842-83FB-CEC0F2C70720}" type="datetimeFigureOut">
               <a:rPr lang="zh-TW" altLang="en-US" smtClean="0"/>
-              <a:t>2014/12/23</a:t>
+              <a:t>2014/12/30</a:t>
             </a:fld>
             <a:endParaRPr lang="zh-TW" altLang="en-US"/>
           </a:p>
@@ -2998,7 +2998,7 @@
             </a:r>
             <a:r>
               <a:rPr lang="zh-TW" altLang="en-US" dirty="0" smtClean="0"/>
-              <a:t>處理</a:t>
+              <a:t>處理 －</a:t>
             </a:r>
             <a:r>
               <a:rPr lang="en-US" altLang="zh-TW" dirty="0" smtClean="0"/>
@@ -3058,7 +3058,7 @@
         <p:spPr>
           <a:xfrm>
             <a:off x="2081420" y="10174277"/>
-            <a:ext cx="26112371" cy="18465693"/>
+            <a:ext cx="26112371" cy="22469803"/>
           </a:xfrm>
         </p:spPr>
         <p:txBody>
@@ -3074,16 +3074,10 @@
               <a:buNone/>
             </a:pPr>
             <a:r>
-              <a:rPr lang="en-US" altLang="zh-TW" sz="7200" b="1" dirty="0" smtClean="0">
-                <a:latin typeface="Times New Roman" panose="02020603050405020304" pitchFamily="18" charset="0"/>
-                <a:cs typeface="Times New Roman" panose="02020603050405020304" pitchFamily="18" charset="0"/>
-              </a:rPr>
-              <a:t>Abstract</a:t>
-            </a:r>
-            <a:endParaRPr lang="en-US" altLang="zh-TW" sz="7200" dirty="0" smtClean="0">
-              <a:latin typeface="Times New Roman" panose="02020603050405020304" pitchFamily="18" charset="0"/>
-              <a:cs typeface="Times New Roman" panose="02020603050405020304" pitchFamily="18" charset="0"/>
-            </a:endParaRPr>
+              <a:rPr lang="zh-TW" altLang="en-US" sz="8000" b="1" dirty="0" smtClean="0"/>
+              <a:t>踏話頭</a:t>
+            </a:r>
+            <a:endParaRPr lang="en-US" altLang="zh-TW" sz="8000" b="1" dirty="0" smtClean="0"/>
           </a:p>
           <a:p>
             <a:pPr marL="0" indent="0">
@@ -3093,166 +3087,232 @@
               <a:buNone/>
             </a:pPr>
             <a:r>
-              <a:rPr lang="en-US" altLang="zh-TW" sz="6600" dirty="0" smtClean="0">
-                <a:latin typeface="Times New Roman" panose="02020603050405020304" pitchFamily="18" charset="0"/>
-                <a:cs typeface="Times New Roman" panose="02020603050405020304" pitchFamily="18" charset="0"/>
-              </a:rPr>
-              <a:t>Recently</a:t>
-            </a:r>
-            <a:r>
-              <a:rPr lang="en-US" altLang="zh-TW" sz="6600" dirty="0">
-                <a:latin typeface="Times New Roman" panose="02020603050405020304" pitchFamily="18" charset="0"/>
-                <a:cs typeface="Times New Roman" panose="02020603050405020304" pitchFamily="18" charset="0"/>
-              </a:rPr>
-              <a:t>, with the development of depth sense technologies, depth sensors such as Kinect, </a:t>
-            </a:r>
-            <a:r>
-              <a:rPr lang="en-US" altLang="zh-TW" sz="6600" dirty="0" err="1">
-                <a:latin typeface="Times New Roman" panose="02020603050405020304" pitchFamily="18" charset="0"/>
-                <a:cs typeface="Times New Roman" panose="02020603050405020304" pitchFamily="18" charset="0"/>
-              </a:rPr>
-              <a:t>Xtion</a:t>
-            </a:r>
-            <a:r>
-              <a:rPr lang="en-US" altLang="zh-TW" sz="6600" dirty="0">
-                <a:latin typeface="Times New Roman" panose="02020603050405020304" pitchFamily="18" charset="0"/>
-                <a:cs typeface="Times New Roman" panose="02020603050405020304" pitchFamily="18" charset="0"/>
-              </a:rPr>
-              <a:t> are widely used in various applications which support Natural User Interface (NUI). Instead of using </a:t>
-            </a:r>
-            <a:r>
-              <a:rPr lang="en-US" altLang="zh-TW" sz="6600" dirty="0" smtClean="0">
-                <a:latin typeface="Times New Roman" panose="02020603050405020304" pitchFamily="18" charset="0"/>
-                <a:cs typeface="Times New Roman" panose="02020603050405020304" pitchFamily="18" charset="0"/>
-              </a:rPr>
-              <a:t>controllers, </a:t>
-            </a:r>
-            <a:r>
-              <a:rPr lang="en-US" altLang="zh-TW" sz="6600" dirty="0">
-                <a:latin typeface="Times New Roman" panose="02020603050405020304" pitchFamily="18" charset="0"/>
-                <a:cs typeface="Times New Roman" panose="02020603050405020304" pitchFamily="18" charset="0"/>
-              </a:rPr>
-              <a:t>the NUI applications provide an easier way to interact with machines</a:t>
-            </a:r>
-            <a:r>
-              <a:rPr lang="en-US" altLang="zh-TW" sz="6600" dirty="0" smtClean="0">
-                <a:latin typeface="Times New Roman" panose="02020603050405020304" pitchFamily="18" charset="0"/>
-                <a:cs typeface="Times New Roman" panose="02020603050405020304" pitchFamily="18" charset="0"/>
-              </a:rPr>
-              <a:t>. In </a:t>
-            </a:r>
-            <a:r>
-              <a:rPr lang="en-US" altLang="zh-TW" sz="6600" dirty="0">
-                <a:latin typeface="Times New Roman" panose="02020603050405020304" pitchFamily="18" charset="0"/>
-                <a:cs typeface="Times New Roman" panose="02020603050405020304" pitchFamily="18" charset="0"/>
-              </a:rPr>
-              <a:t>this paper, we propose a methodology to authenticate user using </a:t>
-            </a:r>
-            <a:r>
-              <a:rPr lang="en-US" altLang="zh-TW" sz="6600" dirty="0" err="1">
-                <a:latin typeface="Times New Roman" panose="02020603050405020304" pitchFamily="18" charset="0"/>
-                <a:cs typeface="Times New Roman" panose="02020603050405020304" pitchFamily="18" charset="0"/>
-              </a:rPr>
-              <a:t>Xtion</a:t>
-            </a:r>
-            <a:r>
-              <a:rPr lang="en-US" altLang="zh-TW" sz="6600" dirty="0">
-                <a:latin typeface="Times New Roman" panose="02020603050405020304" pitchFamily="18" charset="0"/>
-                <a:cs typeface="Times New Roman" panose="02020603050405020304" pitchFamily="18" charset="0"/>
-              </a:rPr>
-              <a:t>, the depth sensor provided by ASUS. The method recognizes people by skeleton and gesture data</a:t>
-            </a:r>
-            <a:r>
-              <a:rPr lang="en-US" altLang="zh-TW" sz="6600" dirty="0" smtClean="0">
-                <a:latin typeface="Times New Roman" panose="02020603050405020304" pitchFamily="18" charset="0"/>
-                <a:cs typeface="Times New Roman" panose="02020603050405020304" pitchFamily="18" charset="0"/>
-              </a:rPr>
-              <a:t>. To </a:t>
-            </a:r>
-            <a:r>
-              <a:rPr lang="en-US" altLang="zh-TW" sz="6600" dirty="0">
-                <a:latin typeface="Times New Roman" panose="02020603050405020304" pitchFamily="18" charset="0"/>
-                <a:cs typeface="Times New Roman" panose="02020603050405020304" pitchFamily="18" charset="0"/>
-              </a:rPr>
-              <a:t>get skeleton features, we extract the positions of users' joints and calculate the length of each adjacent joint </a:t>
-            </a:r>
-            <a:r>
-              <a:rPr lang="en-US" altLang="zh-TW" sz="6600" dirty="0" smtClean="0">
-                <a:latin typeface="Times New Roman" panose="02020603050405020304" pitchFamily="18" charset="0"/>
-                <a:cs typeface="Times New Roman" panose="02020603050405020304" pitchFamily="18" charset="0"/>
-              </a:rPr>
-              <a:t>pairs. </a:t>
-            </a:r>
-            <a:r>
-              <a:rPr lang="en-US" altLang="zh-TW" sz="6600" dirty="0">
-                <a:latin typeface="Times New Roman" panose="02020603050405020304" pitchFamily="18" charset="0"/>
-                <a:cs typeface="Times New Roman" panose="02020603050405020304" pitchFamily="18" charset="0"/>
-              </a:rPr>
-              <a:t>Also, feature selection is performed to improve the accuracy of authentication</a:t>
-            </a:r>
-            <a:r>
-              <a:rPr lang="en-US" altLang="zh-TW" sz="6600" dirty="0" smtClean="0">
-                <a:latin typeface="Times New Roman" panose="02020603050405020304" pitchFamily="18" charset="0"/>
-                <a:cs typeface="Times New Roman" panose="02020603050405020304" pitchFamily="18" charset="0"/>
-              </a:rPr>
-              <a:t>. In </a:t>
-            </a:r>
-            <a:r>
-              <a:rPr lang="en-US" altLang="zh-TW" sz="6600" dirty="0">
-                <a:latin typeface="Times New Roman" panose="02020603050405020304" pitchFamily="18" charset="0"/>
-                <a:cs typeface="Times New Roman" panose="02020603050405020304" pitchFamily="18" charset="0"/>
-              </a:rPr>
-              <a:t>addition, users are required to set their own password pattern and draw it in the air through their hands to be tracked by </a:t>
-            </a:r>
-            <a:r>
-              <a:rPr lang="en-US" altLang="zh-TW" sz="6600" dirty="0" err="1">
-                <a:latin typeface="Times New Roman" panose="02020603050405020304" pitchFamily="18" charset="0"/>
-                <a:cs typeface="Times New Roman" panose="02020603050405020304" pitchFamily="18" charset="0"/>
-              </a:rPr>
-              <a:t>Xtion</a:t>
-            </a:r>
-            <a:r>
-              <a:rPr lang="en-US" altLang="zh-TW" sz="6600" dirty="0">
-                <a:latin typeface="Times New Roman" panose="02020603050405020304" pitchFamily="18" charset="0"/>
-                <a:cs typeface="Times New Roman" panose="02020603050405020304" pitchFamily="18" charset="0"/>
-              </a:rPr>
-              <a:t>. We propose three strategies to eliminate noises during pattern </a:t>
-            </a:r>
-            <a:r>
-              <a:rPr lang="en-US" altLang="zh-TW" sz="6600" dirty="0" err="1">
-                <a:latin typeface="Times New Roman" panose="02020603050405020304" pitchFamily="18" charset="0"/>
-                <a:cs typeface="Times New Roman" panose="02020603050405020304" pitchFamily="18" charset="0"/>
-              </a:rPr>
-              <a:t>trackings</a:t>
-            </a:r>
-            <a:r>
-              <a:rPr lang="en-US" altLang="zh-TW" sz="6600" dirty="0" smtClean="0">
-                <a:latin typeface="Times New Roman" panose="02020603050405020304" pitchFamily="18" charset="0"/>
-                <a:cs typeface="Times New Roman" panose="02020603050405020304" pitchFamily="18" charset="0"/>
-              </a:rPr>
-              <a:t>. After </a:t>
-            </a:r>
-            <a:r>
-              <a:rPr lang="en-US" altLang="zh-TW" sz="6600" dirty="0">
-                <a:latin typeface="Times New Roman" panose="02020603050405020304" pitchFamily="18" charset="0"/>
-                <a:cs typeface="Times New Roman" panose="02020603050405020304" pitchFamily="18" charset="0"/>
-              </a:rPr>
-              <a:t>these efforts, we get the gesture data of password and are ready to use DTW algorithm to measure similarity between gestures</a:t>
-            </a:r>
-            <a:r>
-              <a:rPr lang="en-US" altLang="zh-TW" sz="6600" dirty="0" smtClean="0">
-                <a:latin typeface="Times New Roman" panose="02020603050405020304" pitchFamily="18" charset="0"/>
-                <a:cs typeface="Times New Roman" panose="02020603050405020304" pitchFamily="18" charset="0"/>
-              </a:rPr>
-              <a:t>. Experimental </a:t>
-            </a:r>
-            <a:r>
-              <a:rPr lang="en-US" altLang="zh-TW" sz="6600" dirty="0">
-                <a:latin typeface="Times New Roman" panose="02020603050405020304" pitchFamily="18" charset="0"/>
-                <a:cs typeface="Times New Roman" panose="02020603050405020304" pitchFamily="18" charset="0"/>
-              </a:rPr>
-              <a:t>results show that our method can achieve very low FRR and promise high-level security.</a:t>
-            </a:r>
+              <a:rPr lang="zh-TW" altLang="en-US" sz="7200" dirty="0" smtClean="0"/>
+              <a:t>臺灣</a:t>
+            </a:r>
+            <a:r>
+              <a:rPr lang="zh-TW" altLang="en-US" sz="7200" dirty="0"/>
+              <a:t>是一个多元民族、多元語言的國家</a:t>
+            </a:r>
+            <a:r>
+              <a:rPr lang="zh-TW" altLang="en-US" sz="7200" dirty="0" smtClean="0"/>
+              <a:t>。講</a:t>
+            </a:r>
+            <a:r>
+              <a:rPr lang="zh-TW" altLang="en-US" sz="7200" dirty="0"/>
+              <a:t>母語、使用母語是上基本的權利</a:t>
+            </a:r>
+            <a:r>
+              <a:rPr lang="zh-TW" altLang="en-US" sz="7200" dirty="0" smtClean="0"/>
+              <a:t>，毋</a:t>
+            </a:r>
+            <a:r>
+              <a:rPr lang="zh-TW" altLang="en-US" sz="7200" dirty="0"/>
+              <a:t>過母語的電腦相關應用煞誠</a:t>
+            </a:r>
+            <a:r>
+              <a:rPr lang="zh-TW" altLang="en-US" sz="7200" dirty="0" smtClean="0"/>
+              <a:t>少，需要</a:t>
+            </a:r>
+            <a:r>
+              <a:rPr lang="zh-TW" altLang="en-US" sz="7200" dirty="0"/>
+              <a:t>加強自然語言處理的研究佮語料收集整理</a:t>
+            </a:r>
+            <a:r>
+              <a:rPr lang="zh-TW" altLang="en-US" sz="7200" dirty="0" smtClean="0"/>
+              <a:t>。臺灣</a:t>
+            </a:r>
+            <a:r>
+              <a:rPr lang="zh-TW" altLang="en-US" sz="7200" dirty="0"/>
+              <a:t>本土語言百百種</a:t>
+            </a:r>
+            <a:r>
+              <a:rPr lang="zh-TW" altLang="en-US" sz="7200" dirty="0" smtClean="0"/>
+              <a:t>，</a:t>
+            </a:r>
+            <a:endParaRPr lang="en-US" altLang="zh-TW" sz="7200" dirty="0" smtClean="0"/>
+          </a:p>
+          <a:p>
+            <a:pPr marL="0" indent="0">
+              <a:lnSpc>
+                <a:spcPct val="120000"/>
+              </a:lnSpc>
+              <a:buNone/>
+            </a:pPr>
+            <a:r>
+              <a:rPr lang="zh-TW" altLang="en-US" sz="7200" dirty="0"/>
+              <a:t/>
+            </a:r>
+            <a:br>
+              <a:rPr lang="zh-TW" altLang="en-US" sz="7200" dirty="0"/>
+            </a:br>
+            <a:r>
+              <a:rPr lang="zh-TW" altLang="en-US" sz="7200" dirty="0"/>
+              <a:t>本論文是針對閩南語</a:t>
+            </a:r>
+            <a:r>
+              <a:rPr lang="zh-TW" altLang="en-US" sz="7200" dirty="0" smtClean="0"/>
+              <a:t>，研究</a:t>
+            </a:r>
+            <a:r>
+              <a:rPr lang="zh-TW" altLang="en-US" sz="7200" dirty="0"/>
+              <a:t>伊翻譯語料的特性</a:t>
+            </a:r>
+            <a:r>
+              <a:rPr lang="zh-TW" altLang="en-US" sz="7200" dirty="0" smtClean="0"/>
+              <a:t>。除了</a:t>
+            </a:r>
+            <a:r>
+              <a:rPr lang="zh-TW" altLang="en-US" sz="7200" dirty="0"/>
+              <a:t>閩南語本身以外</a:t>
+            </a:r>
+            <a:r>
+              <a:rPr lang="zh-TW" altLang="en-US" sz="7200" dirty="0" smtClean="0"/>
+              <a:t>，嘛</a:t>
+            </a:r>
+            <a:r>
+              <a:rPr lang="zh-TW" altLang="en-US" sz="7200" dirty="0"/>
+              <a:t>希望研究結果對別的本土語言有幫助。</a:t>
+            </a:r>
+            <a:br>
+              <a:rPr lang="zh-TW" altLang="en-US" sz="7200" dirty="0"/>
+            </a:br>
+            <a:r>
+              <a:rPr lang="zh-TW" altLang="en-US" sz="7200" dirty="0"/>
+              <a:t/>
+            </a:r>
+            <a:br>
+              <a:rPr lang="zh-TW" altLang="en-US" sz="7200" dirty="0"/>
+            </a:br>
+            <a:r>
+              <a:rPr lang="zh-TW" altLang="en-US" sz="7200" dirty="0"/>
+              <a:t>本論文提出一个自動整理漢語語料的方法</a:t>
+            </a:r>
+            <a:r>
+              <a:rPr lang="zh-TW" altLang="en-US" sz="7200" dirty="0" smtClean="0"/>
+              <a:t>，予</a:t>
+            </a:r>
+            <a:r>
+              <a:rPr lang="zh-TW" altLang="en-US" sz="7200" dirty="0"/>
+              <a:t>資訊無完整的語料庫補足資訊</a:t>
+            </a:r>
+            <a:r>
+              <a:rPr lang="zh-TW" altLang="en-US" sz="7200" dirty="0" smtClean="0"/>
+              <a:t>，發揮</a:t>
+            </a:r>
+            <a:r>
+              <a:rPr lang="zh-TW" altLang="en-US" sz="7200" dirty="0"/>
+              <a:t>上大的價值</a:t>
+            </a:r>
+            <a:r>
+              <a:rPr lang="zh-TW" altLang="en-US" sz="7200" dirty="0" smtClean="0"/>
+              <a:t>，</a:t>
+            </a:r>
+            <a:r>
+              <a:rPr lang="en-US" altLang="zh-TW" sz="7200" dirty="0" smtClean="0"/>
+              <a:t>BLEU</a:t>
+            </a:r>
+            <a:r>
+              <a:rPr lang="zh-TW" altLang="en-US" sz="7200" dirty="0"/>
+              <a:t>分數對</a:t>
+            </a:r>
+            <a:r>
+              <a:rPr lang="en-US" altLang="zh-TW" sz="7200" dirty="0"/>
+              <a:t>9.30</a:t>
+            </a:r>
+            <a:r>
+              <a:rPr lang="zh-TW" altLang="en-US" sz="7200" dirty="0"/>
+              <a:t>搝到</a:t>
+            </a:r>
+            <a:r>
+              <a:rPr lang="en-US" altLang="zh-TW" sz="7200" dirty="0"/>
+              <a:t>13.82</a:t>
+            </a:r>
+            <a:r>
+              <a:rPr lang="zh-TW" altLang="en-US" sz="7200" dirty="0" smtClean="0"/>
+              <a:t>。另外</a:t>
+            </a:r>
+            <a:r>
+              <a:rPr lang="zh-TW" altLang="en-US" sz="7200" dirty="0"/>
+              <a:t>閣用實驗證明平行語料數量無到十萬句的</a:t>
+            </a:r>
+            <a:r>
+              <a:rPr lang="zh-TW" altLang="en-US" sz="7200" dirty="0" smtClean="0"/>
+              <a:t>時，加</a:t>
+            </a:r>
+            <a:r>
+              <a:rPr lang="zh-TW" altLang="en-US" sz="7200" dirty="0"/>
+              <a:t>語料對翻譯的效果影響非常大</a:t>
+            </a:r>
+            <a:r>
+              <a:rPr lang="zh-TW" altLang="en-US" sz="7200" dirty="0" smtClean="0"/>
+              <a:t>，原本</a:t>
+            </a:r>
+            <a:r>
+              <a:rPr lang="en-US" altLang="zh-TW" sz="7200" dirty="0"/>
+              <a:t>64121</a:t>
+            </a:r>
+            <a:r>
+              <a:rPr lang="zh-TW" altLang="en-US" sz="7200" dirty="0"/>
+              <a:t>句加到</a:t>
+            </a:r>
+            <a:r>
+              <a:rPr lang="en-US" altLang="zh-TW" sz="7200" dirty="0"/>
+              <a:t>99147</a:t>
+            </a:r>
+            <a:r>
+              <a:rPr lang="zh-TW" altLang="en-US" sz="7200" dirty="0"/>
+              <a:t>句了後</a:t>
+            </a:r>
+            <a:r>
+              <a:rPr lang="zh-TW" altLang="en-US" sz="7200" dirty="0" smtClean="0"/>
+              <a:t>，</a:t>
+            </a:r>
+            <a:r>
+              <a:rPr lang="en-US" altLang="zh-TW" sz="7200" dirty="0" smtClean="0"/>
+              <a:t>BLEU</a:t>
+            </a:r>
+            <a:r>
+              <a:rPr lang="zh-TW" altLang="en-US" sz="7200" dirty="0"/>
+              <a:t>分數對</a:t>
+            </a:r>
+            <a:r>
+              <a:rPr lang="en-US" altLang="zh-TW" sz="7200" dirty="0"/>
+              <a:t>13.82</a:t>
+            </a:r>
+            <a:r>
+              <a:rPr lang="zh-TW" altLang="en-US" sz="7200" dirty="0"/>
+              <a:t>提昇到</a:t>
+            </a:r>
+            <a:r>
+              <a:rPr lang="en-US" altLang="zh-TW" sz="7200" dirty="0"/>
+              <a:t>19.33</a:t>
+            </a:r>
+            <a:r>
+              <a:rPr lang="zh-TW" altLang="en-US" sz="7200" dirty="0"/>
+              <a:t>。</a:t>
+            </a:r>
+            <a:br>
+              <a:rPr lang="zh-TW" altLang="en-US" sz="7200" dirty="0"/>
+            </a:br>
+            <a:r>
+              <a:rPr lang="zh-TW" altLang="en-US" sz="7200" dirty="0"/>
+              <a:t/>
+            </a:r>
+            <a:br>
+              <a:rPr lang="zh-TW" altLang="en-US" sz="7200" dirty="0"/>
+            </a:br>
+            <a:r>
+              <a:rPr lang="zh-TW" altLang="en-US" sz="7200" b="1" dirty="0"/>
+              <a:t>關鍵字</a:t>
+            </a:r>
+            <a:r>
+              <a:rPr lang="zh-TW" altLang="en-US" sz="7200" dirty="0"/>
+              <a:t>：臺灣閩南語、華語、翻譯、語料、斷詞、語言分類</a:t>
+            </a:r>
+            <a:br>
+              <a:rPr lang="zh-TW" altLang="en-US" sz="7200" dirty="0"/>
+            </a:br>
             <a:endParaRPr lang="zh-TW" altLang="en-US" sz="6600" dirty="0">
               <a:latin typeface="Times New Roman" panose="02020603050405020304" pitchFamily="18" charset="0"/>
               <a:cs typeface="Times New Roman" panose="02020603050405020304" pitchFamily="18" charset="0"/>
@@ -3302,14 +3362,7 @@
                 <a:latin typeface="Times New Roman" panose="02020603050405020304" pitchFamily="18" charset="0"/>
                 <a:cs typeface="Times New Roman" panose="02020603050405020304" pitchFamily="18" charset="0"/>
               </a:rPr>
-              <a:t>Student</a:t>
-            </a:r>
-            <a:r>
-              <a:rPr lang="en-US" altLang="zh-TW" sz="7200" dirty="0" smtClean="0">
-                <a:latin typeface="Times New Roman" panose="02020603050405020304" pitchFamily="18" charset="0"/>
-                <a:cs typeface="Times New Roman" panose="02020603050405020304" pitchFamily="18" charset="0"/>
-              </a:rPr>
-              <a:t>: </a:t>
+              <a:t>Student: </a:t>
             </a:r>
             <a:r>
               <a:rPr lang="en-US" altLang="zh-TW" sz="7200" dirty="0" err="1" smtClean="0">

--- a/翻譯海報.pptx
+++ b/翻譯海報.pptx
@@ -3484,6 +3484,242 @@
           </a:p>
         </p:txBody>
       </p:sp>
+      <p:graphicFrame>
+        <p:nvGraphicFramePr>
+          <p:cNvPr id="7" name="表格 6"/>
+          <p:cNvGraphicFramePr>
+            <a:graphicFrameLocks noGrp="1"/>
+          </p:cNvGraphicFramePr>
+          <p:nvPr>
+            <p:extLst>
+              <p:ext uri="{D42A27DB-BD31-4B8C-83A1-F6EECF244321}">
+                <p14:modId xmlns:p14="http://schemas.microsoft.com/office/powerpoint/2010/main" val="1706998882"/>
+              </p:ext>
+            </p:extLst>
+          </p:nvPr>
+        </p:nvGraphicFramePr>
+        <p:xfrm>
+          <a:off x="2042948" y="36982083"/>
+          <a:ext cx="26150843" cy="5059680"/>
+        </p:xfrm>
+        <a:graphic>
+          <a:graphicData uri="http://schemas.openxmlformats.org/drawingml/2006/table">
+            <a:tbl>
+              <a:tblPr firstCol="1" bandRow="1">
+                <a:tableStyleId>{5DA37D80-6434-44D0-A028-1B22A696006F}</a:tableStyleId>
+              </a:tblPr>
+              <a:tblGrid>
+                <a:gridCol w="5473341"/>
+                <a:gridCol w="20677502"/>
+              </a:tblGrid>
+              <a:tr h="370840">
+                <a:tc>
+                  <a:txBody>
+                    <a:bodyPr/>
+                    <a:lstStyle/>
+                    <a:p>
+                      <a:pPr algn="ctr"/>
+                      <a:r>
+                        <a:rPr lang="zh-TW" altLang="en-US" sz="8000" dirty="0" smtClean="0"/>
+                        <a:t>華語輸入</a:t>
+                      </a:r>
+                      <a:endParaRPr lang="zh-TW" altLang="en-US" sz="8000" dirty="0"/>
+                    </a:p>
+                  </a:txBody>
+                  <a:tcPr anchor="ctr"/>
+                </a:tc>
+                <a:tc>
+                  <a:txBody>
+                    <a:bodyPr/>
+                    <a:lstStyle/>
+                    <a:p>
+                      <a:r>
+                        <a:rPr lang="zh-TW" altLang="en-US" sz="8000" dirty="0" smtClean="0"/>
+                        <a:t>如果傳統的重要族群活動，看不到文化，體會不到精神，</a:t>
+                      </a:r>
+                      <a:endParaRPr lang="zh-TW" altLang="en-US" sz="8000" dirty="0"/>
+                    </a:p>
+                  </a:txBody>
+                  <a:tcPr/>
+                </a:tc>
+              </a:tr>
+              <a:tr h="370840">
+                <a:tc>
+                  <a:txBody>
+                    <a:bodyPr/>
+                    <a:lstStyle/>
+                    <a:p>
+                      <a:pPr algn="ctr"/>
+                      <a:r>
+                        <a:rPr lang="zh-TW" altLang="en-US" sz="8000" dirty="0" smtClean="0"/>
+                        <a:t>閩南語</a:t>
+                      </a:r>
+                      <a:endParaRPr lang="en-US" altLang="zh-TW" sz="8000" dirty="0" smtClean="0"/>
+                    </a:p>
+                    <a:p>
+                      <a:pPr algn="ctr"/>
+                      <a:r>
+                        <a:rPr lang="zh-TW" altLang="en-US" sz="8000" dirty="0" smtClean="0"/>
+                        <a:t>輸出</a:t>
+                      </a:r>
+                      <a:endParaRPr lang="zh-TW" altLang="en-US" sz="8000" dirty="0"/>
+                    </a:p>
+                  </a:txBody>
+                  <a:tcPr anchor="ctr"/>
+                </a:tc>
+                <a:tc>
+                  <a:txBody>
+                    <a:bodyPr/>
+                    <a:lstStyle/>
+                    <a:p>
+                      <a:r>
+                        <a:rPr lang="zh-TW" altLang="en-US" sz="8000" dirty="0" smtClean="0"/>
+                        <a:t>若是傳統的重要的族群活動，看袂著文化，體會毋著精神，</a:t>
+                      </a:r>
+                      <a:endParaRPr lang="zh-TW" altLang="en-US" sz="8000" dirty="0"/>
+                    </a:p>
+                  </a:txBody>
+                  <a:tcPr/>
+                </a:tc>
+              </a:tr>
+            </a:tbl>
+          </a:graphicData>
+        </a:graphic>
+      </p:graphicFrame>
+      <p:graphicFrame>
+        <p:nvGraphicFramePr>
+          <p:cNvPr id="5" name="表格 4"/>
+          <p:cNvGraphicFramePr>
+            <a:graphicFrameLocks noGrp="1"/>
+          </p:cNvGraphicFramePr>
+          <p:nvPr>
+            <p:extLst>
+              <p:ext uri="{D42A27DB-BD31-4B8C-83A1-F6EECF244321}">
+                <p14:modId xmlns:p14="http://schemas.microsoft.com/office/powerpoint/2010/main" val="1031197627"/>
+              </p:ext>
+            </p:extLst>
+          </p:nvPr>
+        </p:nvGraphicFramePr>
+        <p:xfrm>
+          <a:off x="2042948" y="31272480"/>
+          <a:ext cx="26112372" cy="5059680"/>
+        </p:xfrm>
+        <a:graphic>
+          <a:graphicData uri="http://schemas.openxmlformats.org/drawingml/2006/table">
+            <a:tbl>
+              <a:tblPr firstCol="1" bandRow="1">
+                <a:tableStyleId>{0E3FDE45-AF77-4B5C-9715-49D594BDF05E}</a:tableStyleId>
+              </a:tblPr>
+              <a:tblGrid>
+                <a:gridCol w="5471654"/>
+                <a:gridCol w="20640718"/>
+              </a:tblGrid>
+              <a:tr h="1631942">
+                <a:tc>
+                  <a:txBody>
+                    <a:bodyPr/>
+                    <a:lstStyle/>
+                    <a:p>
+                      <a:pPr algn="ctr"/>
+                      <a:r>
+                        <a:rPr lang="zh-TW" altLang="en-US" sz="8000" dirty="0" smtClean="0"/>
+                        <a:t>華語輸入</a:t>
+                      </a:r>
+                      <a:endParaRPr lang="zh-TW" altLang="en-US" sz="8000" dirty="0"/>
+                    </a:p>
+                  </a:txBody>
+                  <a:tcPr anchor="ctr"/>
+                </a:tc>
+                <a:tc>
+                  <a:txBody>
+                    <a:bodyPr/>
+                    <a:lstStyle/>
+                    <a:p>
+                      <a:r>
+                        <a:rPr lang="zh-TW" altLang="en-US" sz="8000" dirty="0" smtClean="0"/>
+                        <a:t>食安問題連環爆，立法院長王金平下午主持</a:t>
+                      </a:r>
+                      <a:r>
+                        <a:rPr lang="en-US" altLang="zh-TW" sz="8000" dirty="0" smtClean="0"/>
+                        <a:t>《</a:t>
+                      </a:r>
+                      <a:r>
+                        <a:rPr lang="zh-TW" altLang="en-US" sz="8000" dirty="0" smtClean="0"/>
+                        <a:t>食品安全衛生管理法</a:t>
+                      </a:r>
+                      <a:r>
+                        <a:rPr lang="en-US" altLang="zh-TW" sz="8000" dirty="0" smtClean="0"/>
+                        <a:t>》</a:t>
+                      </a:r>
+                      <a:r>
+                        <a:rPr lang="zh-TW" altLang="en-US" sz="8000" dirty="0" smtClean="0"/>
+                        <a:t>協商仍未獲共識</a:t>
+                      </a:r>
+                      <a:endParaRPr lang="zh-TW" altLang="en-US" sz="8000" dirty="0"/>
+                    </a:p>
+                  </a:txBody>
+                  <a:tcPr/>
+                </a:tc>
+              </a:tr>
+              <a:tr h="1111258">
+                <a:tc>
+                  <a:txBody>
+                    <a:bodyPr/>
+                    <a:lstStyle/>
+                    <a:p>
+                      <a:pPr algn="ctr"/>
+                      <a:r>
+                        <a:rPr lang="zh-TW" altLang="en-US" sz="8000" dirty="0" smtClean="0"/>
+                        <a:t>閩南語</a:t>
+                      </a:r>
+                      <a:endParaRPr lang="en-US" altLang="zh-TW" sz="8000" dirty="0" smtClean="0"/>
+                    </a:p>
+                    <a:p>
+                      <a:pPr algn="ctr"/>
+                      <a:r>
+                        <a:rPr lang="zh-TW" altLang="en-US" sz="8000" dirty="0" smtClean="0"/>
+                        <a:t>輸出</a:t>
+                      </a:r>
+                      <a:endParaRPr lang="zh-TW" altLang="en-US" sz="8000" dirty="0"/>
+                    </a:p>
+                  </a:txBody>
+                  <a:tcPr anchor="ctr"/>
+                </a:tc>
+                <a:tc>
+                  <a:txBody>
+                    <a:bodyPr/>
+                    <a:lstStyle/>
+                    <a:p>
+                      <a:r>
+                        <a:rPr lang="zh-TW" altLang="en-US" sz="8000" dirty="0" smtClean="0"/>
+                        <a:t>食安問題連環爆，立法院長王金平下晡主持</a:t>
+                      </a:r>
+                      <a:r>
+                        <a:rPr lang="en-US" altLang="zh-TW" sz="8000" dirty="0" smtClean="0"/>
+                        <a:t>《</a:t>
+                      </a:r>
+                      <a:r>
+                        <a:rPr lang="zh-TW" altLang="en-US" sz="8000" dirty="0" smtClean="0"/>
+                        <a:t>食品安全衛生管理法</a:t>
+                      </a:r>
+                      <a:r>
+                        <a:rPr lang="en-US" altLang="zh-TW" sz="8000" dirty="0" smtClean="0"/>
+                        <a:t>》</a:t>
+                      </a:r>
+                      <a:r>
+                        <a:rPr lang="zh-TW" altLang="en-US" sz="8000" dirty="0" smtClean="0"/>
+                        <a:t>協商猶未獲共識</a:t>
+                      </a:r>
+                      <a:endParaRPr lang="zh-TW" altLang="en-US" sz="8000" dirty="0"/>
+                    </a:p>
+                  </a:txBody>
+                  <a:tcPr/>
+                </a:tc>
+              </a:tr>
+            </a:tbl>
+          </a:graphicData>
+        </a:graphic>
+      </p:graphicFrame>
     </p:spTree>
     <p:extLst>
       <p:ext uri="{BB962C8B-B14F-4D97-AF65-F5344CB8AC3E}">

--- a/翻譯海報.pptx
+++ b/翻譯海報.pptx
@@ -2981,64 +2981,49 @@
         </p:nvSpPr>
         <p:spPr>
           <a:xfrm>
-            <a:off x="2081420" y="1262913"/>
-            <a:ext cx="26112371" cy="5473105"/>
+            <a:off x="2042948" y="1579379"/>
+            <a:ext cx="26112371" cy="3775779"/>
           </a:xfrm>
         </p:spPr>
         <p:txBody>
           <a:bodyPr>
-            <a:normAutofit fontScale="90000"/>
+            <a:normAutofit/>
           </a:bodyPr>
           <a:lstStyle/>
           <a:p>
-            <a:pPr algn="ctr"/>
-            <a:r>
-              <a:rPr lang="zh-TW" altLang="en-US" dirty="0"/>
+            <a:pPr algn="ctr">
+              <a:spcBef>
+                <a:spcPts val="600"/>
+              </a:spcBef>
+            </a:pPr>
+            <a:r>
+              <a:rPr lang="zh-TW" altLang="en-US" sz="9600" dirty="0"/>
               <a:t>漢語間統計式機器翻譯語料</a:t>
             </a:r>
             <a:r>
-              <a:rPr lang="zh-TW" altLang="en-US" dirty="0" smtClean="0"/>
+              <a:rPr lang="zh-TW" altLang="en-US" sz="9600" dirty="0" smtClean="0"/>
               <a:t>處理 －</a:t>
             </a:r>
             <a:r>
-              <a:rPr lang="en-US" altLang="zh-TW" dirty="0" smtClean="0"/>
+              <a:rPr lang="en-US" altLang="zh-TW" sz="9600" dirty="0" smtClean="0"/>
               <a:t/>
             </a:r>
             <a:br>
-              <a:rPr lang="en-US" altLang="zh-TW" dirty="0" smtClean="0"/>
+              <a:rPr lang="en-US" altLang="zh-TW" sz="9600" dirty="0" smtClean="0"/>
             </a:br>
             <a:r>
-              <a:rPr lang="zh-TW" altLang="en-US" dirty="0" smtClean="0"/>
+              <a:rPr lang="zh-TW" altLang="en-US" sz="9600" dirty="0" smtClean="0"/>
               <a:t>用</a:t>
             </a:r>
             <a:r>
-              <a:rPr lang="zh-TW" altLang="en-US" dirty="0"/>
+              <a:rPr lang="zh-TW" altLang="en-US" sz="9600" dirty="0"/>
               <a:t>臺灣閩南語</a:t>
             </a:r>
             <a:r>
-              <a:rPr lang="zh-TW" altLang="en-US" dirty="0" smtClean="0"/>
+              <a:rPr lang="zh-TW" altLang="en-US" sz="9600" dirty="0" smtClean="0"/>
               <a:t>示範</a:t>
             </a:r>
-            <a:r>
-              <a:rPr lang="en-US" altLang="zh-TW" dirty="0" smtClean="0"/>
-              <a:t/>
-            </a:r>
-            <a:br>
-              <a:rPr lang="en-US" altLang="zh-TW" dirty="0" smtClean="0"/>
-            </a:br>
-            <a:r>
-              <a:rPr lang="en-US" altLang="zh-TW" sz="8000" dirty="0"/>
-              <a:t>Corpus Preprocessing for Statistical Machine Translation between the Chinese Languages </a:t>
-            </a:r>
-            <a:r>
-              <a:rPr lang="en-US" altLang="zh-TW" sz="8000" dirty="0" smtClean="0"/>
-              <a:t>- Using </a:t>
-            </a:r>
-            <a:r>
-              <a:rPr lang="en-US" altLang="zh-TW" sz="8000" dirty="0"/>
-              <a:t>Taiwan Southern Min as Examples</a:t>
-            </a:r>
-            <a:endParaRPr lang="zh-TW" altLang="en-US" sz="8000" b="1" dirty="0">
+            <a:endParaRPr lang="zh-TW" altLang="en-US" sz="9600" b="1" dirty="0">
               <a:latin typeface="Times New Roman" panose="02020603050405020304" pitchFamily="18" charset="0"/>
               <a:cs typeface="Times New Roman" panose="02020603050405020304" pitchFamily="18" charset="0"/>
             </a:endParaRPr>
@@ -3057,8 +3042,8 @@
         </p:nvSpPr>
         <p:spPr>
           <a:xfrm>
-            <a:off x="2081420" y="10174277"/>
-            <a:ext cx="26112371" cy="22469803"/>
+            <a:off x="2042947" y="8034726"/>
+            <a:ext cx="26112371" cy="20655110"/>
           </a:xfrm>
         </p:spPr>
         <p:txBody>
@@ -3088,7 +3073,7 @@
             </a:pPr>
             <a:r>
               <a:rPr lang="zh-TW" altLang="en-US" sz="7200" dirty="0" smtClean="0"/>
-              <a:t>臺灣</a:t>
+              <a:t>　　臺灣</a:t>
             </a:r>
             <a:r>
               <a:rPr lang="zh-TW" altLang="en-US" sz="7200" dirty="0"/>
@@ -3120,17 +3105,9 @@
             </a:r>
             <a:r>
               <a:rPr lang="zh-TW" altLang="en-US" sz="7200" dirty="0" smtClean="0"/>
-              <a:t>。臺灣</a:t>
-            </a:r>
-            <a:r>
-              <a:rPr lang="zh-TW" altLang="en-US" sz="7200" dirty="0"/>
-              <a:t>本土語言百百種</a:t>
-            </a:r>
-            <a:r>
-              <a:rPr lang="zh-TW" altLang="en-US" sz="7200" dirty="0" smtClean="0"/>
-              <a:t>，</a:t>
-            </a:r>
-            <a:endParaRPr lang="en-US" altLang="zh-TW" sz="7200" dirty="0" smtClean="0"/>
+              <a:t>。</a:t>
+            </a:r>
+            <a:endParaRPr lang="en-US" altLang="zh-TW" sz="7200" dirty="0"/>
           </a:p>
           <a:p>
             <a:pPr marL="0" indent="0">
@@ -3139,16 +3116,30 @@
               </a:lnSpc>
               <a:buNone/>
             </a:pPr>
+            <a:endParaRPr lang="en-US" altLang="zh-TW" sz="3600" dirty="0"/>
+          </a:p>
+          <a:p>
+            <a:pPr marL="0" indent="0">
+              <a:lnSpc>
+                <a:spcPct val="120000"/>
+              </a:lnSpc>
+              <a:buNone/>
+            </a:pPr>
+            <a:r>
+              <a:rPr lang="zh-TW" altLang="en-US" sz="7200" dirty="0" smtClean="0"/>
+              <a:t>　　臺灣</a:t>
+            </a:r>
             <a:r>
               <a:rPr lang="zh-TW" altLang="en-US" sz="7200" dirty="0"/>
-              <a:t/>
-            </a:r>
-            <a:br>
+              <a:t>本土語言百百種</a:t>
+            </a:r>
+            <a:r>
+              <a:rPr lang="zh-TW" altLang="en-US" sz="7200" dirty="0" smtClean="0"/>
+              <a:t>，本</a:t>
+            </a:r>
+            <a:r>
               <a:rPr lang="zh-TW" altLang="en-US" sz="7200" dirty="0"/>
-            </a:br>
-            <a:r>
-              <a:rPr lang="zh-TW" altLang="en-US" sz="7200" dirty="0"/>
-              <a:t>本論文是針對閩南語</a:t>
+              <a:t>論文是針對閩南語</a:t>
             </a:r>
             <a:r>
               <a:rPr lang="zh-TW" altLang="en-US" sz="7200" dirty="0" smtClean="0"/>
@@ -3172,21 +3163,37 @@
             </a:r>
             <a:r>
               <a:rPr lang="zh-TW" altLang="en-US" sz="7200" dirty="0"/>
-              <a:t>希望研究結果對別的本土語言有幫助。</a:t>
-            </a:r>
-            <a:br>
+              <a:t>希望研究結果對別的本土語言有幫助</a:t>
+            </a:r>
+            <a:r>
+              <a:rPr lang="zh-TW" altLang="en-US" sz="7200" dirty="0" smtClean="0"/>
+              <a:t>。</a:t>
+            </a:r>
+            <a:endParaRPr lang="en-US" altLang="zh-TW" sz="7200" dirty="0" smtClean="0"/>
+          </a:p>
+          <a:p>
+            <a:pPr marL="0" indent="0">
+              <a:lnSpc>
+                <a:spcPct val="120000"/>
+              </a:lnSpc>
+              <a:buNone/>
+            </a:pPr>
+            <a:endParaRPr lang="en-US" altLang="zh-TW" sz="3600" dirty="0"/>
+          </a:p>
+          <a:p>
+            <a:pPr marL="0" indent="0">
+              <a:lnSpc>
+                <a:spcPct val="120000"/>
+              </a:lnSpc>
+              <a:buNone/>
+            </a:pPr>
+            <a:r>
+              <a:rPr lang="zh-TW" altLang="en-US" sz="7200" dirty="0" smtClean="0"/>
+              <a:t>　　本</a:t>
+            </a:r>
+            <a:r>
               <a:rPr lang="zh-TW" altLang="en-US" sz="7200" dirty="0"/>
-            </a:br>
-            <a:r>
-              <a:rPr lang="zh-TW" altLang="en-US" sz="7200" dirty="0"/>
-              <a:t/>
-            </a:r>
-            <a:br>
-              <a:rPr lang="zh-TW" altLang="en-US" sz="7200" dirty="0"/>
-            </a:br>
-            <a:r>
-              <a:rPr lang="zh-TW" altLang="en-US" sz="7200" dirty="0"/>
-              <a:t>本論文提出一个自動整理漢語語料的方法</a:t>
+              <a:t>論文提出一个自動整理漢語語料的方法</a:t>
             </a:r>
             <a:r>
               <a:rPr lang="zh-TW" altLang="en-US" sz="7200" dirty="0" smtClean="0"/>
@@ -3289,21 +3296,20 @@
               <a:t>19.33</a:t>
             </a:r>
             <a:r>
-              <a:rPr lang="zh-TW" altLang="en-US" sz="7200" dirty="0"/>
+              <a:rPr lang="zh-TW" altLang="en-US" sz="7200" dirty="0" smtClean="0"/>
               <a:t>。</a:t>
             </a:r>
-            <a:br>
-              <a:rPr lang="zh-TW" altLang="en-US" sz="7200" dirty="0"/>
-            </a:br>
-            <a:r>
-              <a:rPr lang="zh-TW" altLang="en-US" sz="7200" dirty="0"/>
-              <a:t/>
-            </a:r>
-            <a:br>
-              <a:rPr lang="zh-TW" altLang="en-US" sz="7200" dirty="0"/>
-            </a:br>
-            <a:r>
-              <a:rPr lang="zh-TW" altLang="en-US" sz="7200" b="1" dirty="0"/>
+            <a:endParaRPr lang="en-US" altLang="zh-TW" sz="7200" dirty="0" smtClean="0"/>
+          </a:p>
+          <a:p>
+            <a:pPr marL="0" indent="0">
+              <a:lnSpc>
+                <a:spcPct val="120000"/>
+              </a:lnSpc>
+              <a:buNone/>
+            </a:pPr>
+            <a:r>
+              <a:rPr lang="zh-TW" altLang="en-US" sz="7200" b="1" dirty="0" smtClean="0"/>
               <a:t>關鍵字</a:t>
             </a:r>
             <a:r>
@@ -3328,8 +3334,8 @@
         </p:nvSpPr>
         <p:spPr>
           <a:xfrm>
-            <a:off x="2042948" y="6736018"/>
-            <a:ext cx="9238426" cy="2098476"/>
+            <a:off x="2042947" y="5540780"/>
+            <a:ext cx="8688180" cy="2308324"/>
           </a:xfrm>
           <a:prstGeom prst="rect">
             <a:avLst/>
@@ -3337,18 +3343,24 @@
           <a:noFill/>
         </p:spPr>
         <p:txBody>
-          <a:bodyPr wrap="none" rtlCol="0">
+          <a:bodyPr wrap="square" rtlCol="0">
             <a:spAutoFit/>
           </a:bodyPr>
           <a:lstStyle/>
           <a:p>
-            <a:pPr algn="dist"/>
             <a:r>
               <a:rPr lang="zh-TW" altLang="en-US" sz="7200" dirty="0" smtClean="0">
                 <a:latin typeface="Times New Roman" panose="02020603050405020304" pitchFamily="18" charset="0"/>
                 <a:cs typeface="Times New Roman" panose="02020603050405020304" pitchFamily="18" charset="0"/>
               </a:rPr>
-              <a:t>學生：薛丞宏</a:t>
+              <a:t>學生：薛丞</a:t>
+            </a:r>
+            <a:r>
+              <a:rPr lang="zh-TW" altLang="en-US" sz="7200" dirty="0" smtClean="0">
+                <a:latin typeface="Times New Roman" panose="02020603050405020304" pitchFamily="18" charset="0"/>
+                <a:cs typeface="Times New Roman" panose="02020603050405020304" pitchFamily="18" charset="0"/>
+              </a:rPr>
+              <a:t>宏</a:t>
             </a:r>
             <a:endParaRPr lang="en-US" altLang="zh-TW" sz="7200" dirty="0" smtClean="0">
               <a:latin typeface="Times New Roman" panose="02020603050405020304" pitchFamily="18" charset="0"/>
@@ -3356,13 +3368,12 @@
             </a:endParaRPr>
           </a:p>
           <a:p>
-            <a:pPr algn="dist"/>
-            <a:r>
-              <a:rPr lang="en-US" altLang="zh-TW" sz="7200" dirty="0" smtClean="0">
+            <a:r>
+              <a:rPr lang="zh-TW" altLang="en-US" sz="7200" dirty="0" smtClean="0">
                 <a:latin typeface="Times New Roman" panose="02020603050405020304" pitchFamily="18" charset="0"/>
                 <a:cs typeface="Times New Roman" panose="02020603050405020304" pitchFamily="18" charset="0"/>
               </a:rPr>
-              <a:t>Student: </a:t>
+              <a:t>　　　</a:t>
             </a:r>
             <a:r>
               <a:rPr lang="en-US" altLang="zh-TW" sz="7200" dirty="0" err="1" smtClean="0">
@@ -3400,8 +3411,8 @@
         </p:nvSpPr>
         <p:spPr>
           <a:xfrm>
-            <a:off x="16895328" y="6694942"/>
-            <a:ext cx="11729301" cy="3105745"/>
+            <a:off x="18896100" y="5540780"/>
+            <a:ext cx="7650812" cy="2308324"/>
           </a:xfrm>
           <a:prstGeom prst="rect">
             <a:avLst/>
@@ -3414,7 +3425,7 @@
           </a:bodyPr>
           <a:lstStyle/>
           <a:p>
-            <a:pPr algn="dist"/>
+            <a:pPr algn="r"/>
             <a:r>
               <a:rPr lang="zh-TW" altLang="en-US" sz="7200" dirty="0">
                 <a:latin typeface="Times New Roman" panose="02020603050405020304" pitchFamily="18" charset="0"/>
@@ -3427,7 +3438,14 @@
                 <a:latin typeface="Times New Roman" panose="02020603050405020304" pitchFamily="18" charset="0"/>
                 <a:cs typeface="Times New Roman" panose="02020603050405020304" pitchFamily="18" charset="0"/>
               </a:rPr>
-              <a:t>：張智星、易志偉</a:t>
+              <a:t>：</a:t>
+            </a:r>
+            <a:r>
+              <a:rPr lang="zh-TW" altLang="en-US" sz="7200" dirty="0" smtClean="0">
+                <a:latin typeface="Times New Roman" panose="02020603050405020304" pitchFamily="18" charset="0"/>
+                <a:cs typeface="Times New Roman" panose="02020603050405020304" pitchFamily="18" charset="0"/>
+              </a:rPr>
+              <a:t>張智星</a:t>
             </a:r>
             <a:endParaRPr lang="en-US" altLang="zh-TW" sz="7200" dirty="0" smtClean="0">
               <a:latin typeface="Times New Roman" panose="02020603050405020304" pitchFamily="18" charset="0"/>
@@ -3435,47 +3453,13 @@
             </a:endParaRPr>
           </a:p>
           <a:p>
-            <a:pPr algn="dist"/>
-            <a:r>
-              <a:rPr lang="en-US" altLang="zh-TW" sz="7200" dirty="0" smtClean="0">
+            <a:pPr algn="r"/>
+            <a:r>
+              <a:rPr lang="zh-TW" altLang="en-US" sz="7200" dirty="0" smtClean="0">
                 <a:latin typeface="Times New Roman" panose="02020603050405020304" pitchFamily="18" charset="0"/>
                 <a:cs typeface="Times New Roman" panose="02020603050405020304" pitchFamily="18" charset="0"/>
               </a:rPr>
-              <a:t>Advisor: </a:t>
-            </a:r>
-            <a:r>
-              <a:rPr lang="en-US" altLang="zh-TW" sz="7200" dirty="0" err="1" smtClean="0">
-                <a:latin typeface="Times New Roman" panose="02020603050405020304" pitchFamily="18" charset="0"/>
-                <a:cs typeface="Times New Roman" panose="02020603050405020304" pitchFamily="18" charset="0"/>
-              </a:rPr>
-              <a:t>J</a:t>
-            </a:r>
-            <a:r>
-              <a:rPr lang="en-US" altLang="zh-TW" sz="7200" dirty="0" err="1" smtClean="0"/>
-              <a:t>yh-Shing</a:t>
-            </a:r>
-            <a:r>
-              <a:rPr lang="en-US" altLang="zh-TW" sz="7200" dirty="0" smtClean="0"/>
-              <a:t> Roger Jang,</a:t>
-            </a:r>
-          </a:p>
-          <a:p>
-            <a:pPr algn="dist"/>
-            <a:r>
-              <a:rPr lang="en-US" altLang="zh-TW" sz="7200" dirty="0"/>
-              <a:t>	</a:t>
-            </a:r>
-            <a:r>
-              <a:rPr lang="en-US" altLang="zh-TW" sz="7200" dirty="0" err="1" smtClean="0"/>
-              <a:t>Chih</a:t>
-            </a:r>
-            <a:r>
-              <a:rPr lang="en-US" altLang="zh-TW" sz="7200" dirty="0" smtClean="0"/>
-              <a:t>-Wei </a:t>
-            </a:r>
-            <a:r>
-              <a:rPr lang="en-US" altLang="zh-TW" sz="7200" dirty="0"/>
-              <a:t>Yi</a:t>
+              <a:t>　　　　　易志偉</a:t>
             </a:r>
             <a:endParaRPr lang="en-US" altLang="zh-TW" sz="7200" dirty="0" smtClean="0">
               <a:latin typeface="Times New Roman" panose="02020603050405020304" pitchFamily="18" charset="0"/>
@@ -3493,13 +3477,13 @@
           <p:nvPr>
             <p:extLst>
               <p:ext uri="{D42A27DB-BD31-4B8C-83A1-F6EECF244321}">
-                <p14:modId xmlns:p14="http://schemas.microsoft.com/office/powerpoint/2010/main" val="1706998882"/>
+                <p14:modId xmlns:p14="http://schemas.microsoft.com/office/powerpoint/2010/main" val="3760793079"/>
               </p:ext>
             </p:extLst>
           </p:nvPr>
         </p:nvGraphicFramePr>
         <p:xfrm>
-          <a:off x="2042948" y="36982083"/>
+          <a:off x="2042947" y="36342003"/>
           <a:ext cx="26150843" cy="5059680"/>
         </p:xfrm>
         <a:graphic>
@@ -3595,13 +3579,13 @@
           <p:nvPr>
             <p:extLst>
               <p:ext uri="{D42A27DB-BD31-4B8C-83A1-F6EECF244321}">
-                <p14:modId xmlns:p14="http://schemas.microsoft.com/office/powerpoint/2010/main" val="1031197627"/>
+                <p14:modId xmlns:p14="http://schemas.microsoft.com/office/powerpoint/2010/main" val="1992830175"/>
               </p:ext>
             </p:extLst>
           </p:nvPr>
         </p:nvGraphicFramePr>
         <p:xfrm>
-          <a:off x="2042948" y="31272480"/>
+          <a:off x="2042947" y="29798612"/>
           <a:ext cx="26112372" cy="5059680"/>
         </p:xfrm>
         <a:graphic>

--- a/翻譯海報.pptx
+++ b/翻譯海報.pptx
@@ -5,7 +5,15 @@
     <p:sldMasterId id="2147483744" r:id="rId1"/>
   </p:sldMasterIdLst>
   <p:sldIdLst>
-    <p:sldId id="256" r:id="rId2"/>
+    <p:sldId id="259" r:id="rId2"/>
+    <p:sldId id="256" r:id="rId3"/>
+    <p:sldId id="257" r:id="rId4"/>
+    <p:sldId id="258" r:id="rId5"/>
+    <p:sldId id="264" r:id="rId6"/>
+    <p:sldId id="261" r:id="rId7"/>
+    <p:sldId id="262" r:id="rId8"/>
+    <p:sldId id="265" r:id="rId9"/>
+    <p:sldId id="266" r:id="rId10"/>
   </p:sldIdLst>
   <p:sldSz cx="30275213" cy="42803763"/>
   <p:notesSz cx="6858000" cy="9144000"/>
@@ -105,8 +113,44 @@
     </a:lvl9pPr>
   </p:defaultTextStyle>
   <p:extLst>
+    <p:ext uri="{521415D9-36F7-43E2-AB2F-B90AF26B5E84}">
+      <p14:sectionLst xmlns:p14="http://schemas.microsoft.com/office/powerpoint/2010/main">
+        <p14:section name="預設章節" id="{BE70C59D-DBA8-4710-B444-A95749D8B1BF}">
+          <p14:sldIdLst>
+            <p14:sldId id="259"/>
+            <p14:sldId id="256"/>
+            <p14:sldId id="257"/>
+            <p14:sldId id="258"/>
+          </p14:sldIdLst>
+        </p14:section>
+        <p14:section name="內文" id="{3584BF5C-1123-42B1-920F-8C8B64FE9369}">
+          <p14:sldIdLst>
+            <p14:sldId id="264"/>
+            <p14:sldId id="261"/>
+            <p14:sldId id="262"/>
+            <p14:sldId id="265"/>
+          </p14:sldIdLst>
+        </p14:section>
+        <p14:section name="成品" id="{BBAC8AE3-0C47-4670-9375-E97DF6289D50}">
+          <p14:sldIdLst>
+            <p14:sldId id="266"/>
+          </p14:sldIdLst>
+        </p14:section>
+      </p14:sectionLst>
+    </p:ext>
     <p:ext uri="{EFAFB233-063F-42B5-8137-9DF3F51BA10A}">
-      <p15:sldGuideLst xmlns:p15="http://schemas.microsoft.com/office/powerpoint/2012/main"/>
+      <p15:sldGuideLst xmlns:p15="http://schemas.microsoft.com/office/powerpoint/2012/main">
+        <p15:guide id="1" orient="horz" pos="13481" userDrawn="1">
+          <p15:clr>
+            <a:srgbClr val="A4A3A4"/>
+          </p15:clr>
+        </p15:guide>
+        <p15:guide id="2" pos="9535" userDrawn="1">
+          <p15:clr>
+            <a:srgbClr val="A4A3A4"/>
+          </p15:clr>
+        </p15:guide>
+      </p15:sldGuideLst>
     </p:ext>
   </p:extLst>
 </p:presentation>
@@ -2997,34 +3041,56 @@
               </a:spcBef>
             </a:pPr>
             <a:r>
-              <a:rPr lang="zh-TW" altLang="en-US" sz="9600" dirty="0"/>
+              <a:rPr lang="zh-TW" altLang="en-US" sz="9700" spc="300" dirty="0">
+                <a:latin typeface="KaiTi" panose="02010609060101010101" pitchFamily="49" charset="-122"/>
+                <a:ea typeface="KaiTi" panose="02010609060101010101" pitchFamily="49" charset="-122"/>
+              </a:rPr>
               <a:t>漢語間統計式機器翻譯語料</a:t>
             </a:r>
             <a:r>
-              <a:rPr lang="zh-TW" altLang="en-US" sz="9600" dirty="0" smtClean="0"/>
+              <a:rPr lang="zh-TW" altLang="en-US" sz="9700" spc="300" dirty="0" smtClean="0">
+                <a:latin typeface="KaiTi" panose="02010609060101010101" pitchFamily="49" charset="-122"/>
+                <a:ea typeface="KaiTi" panose="02010609060101010101" pitchFamily="49" charset="-122"/>
+              </a:rPr>
               <a:t>處理 －</a:t>
             </a:r>
             <a:r>
-              <a:rPr lang="en-US" altLang="zh-TW" sz="9600" dirty="0" smtClean="0"/>
+              <a:rPr lang="en-US" altLang="zh-TW" sz="9700" spc="300" dirty="0" smtClean="0">
+                <a:latin typeface="KaiTi" panose="02010609060101010101" pitchFamily="49" charset="-122"/>
+                <a:ea typeface="KaiTi" panose="02010609060101010101" pitchFamily="49" charset="-122"/>
+              </a:rPr>
               <a:t/>
             </a:r>
             <a:br>
-              <a:rPr lang="en-US" altLang="zh-TW" sz="9600" dirty="0" smtClean="0"/>
+              <a:rPr lang="en-US" altLang="zh-TW" sz="9700" spc="300" dirty="0" smtClean="0">
+                <a:latin typeface="KaiTi" panose="02010609060101010101" pitchFamily="49" charset="-122"/>
+                <a:ea typeface="KaiTi" panose="02010609060101010101" pitchFamily="49" charset="-122"/>
+              </a:rPr>
             </a:br>
             <a:r>
-              <a:rPr lang="zh-TW" altLang="en-US" sz="9600" dirty="0" smtClean="0"/>
+              <a:rPr lang="zh-TW" altLang="en-US" sz="9700" spc="300" dirty="0" smtClean="0">
+                <a:latin typeface="KaiTi" panose="02010609060101010101" pitchFamily="49" charset="-122"/>
+                <a:ea typeface="KaiTi" panose="02010609060101010101" pitchFamily="49" charset="-122"/>
+              </a:rPr>
               <a:t>用</a:t>
             </a:r>
             <a:r>
-              <a:rPr lang="zh-TW" altLang="en-US" sz="9600" dirty="0"/>
+              <a:rPr lang="zh-TW" altLang="en-US" sz="9700" spc="300" dirty="0">
+                <a:latin typeface="KaiTi" panose="02010609060101010101" pitchFamily="49" charset="-122"/>
+                <a:ea typeface="KaiTi" panose="02010609060101010101" pitchFamily="49" charset="-122"/>
+              </a:rPr>
               <a:t>臺灣閩南語</a:t>
             </a:r>
             <a:r>
-              <a:rPr lang="zh-TW" altLang="en-US" sz="9600" dirty="0" smtClean="0"/>
+              <a:rPr lang="zh-TW" altLang="en-US" sz="9700" spc="300" dirty="0" smtClean="0">
+                <a:latin typeface="KaiTi" panose="02010609060101010101" pitchFamily="49" charset="-122"/>
+                <a:ea typeface="KaiTi" panose="02010609060101010101" pitchFamily="49" charset="-122"/>
+              </a:rPr>
               <a:t>示範</a:t>
             </a:r>
-            <a:endParaRPr lang="zh-TW" altLang="en-US" sz="9600" b="1" dirty="0">
-              <a:latin typeface="Times New Roman" panose="02020603050405020304" pitchFamily="18" charset="0"/>
+            <a:endParaRPr lang="zh-TW" altLang="en-US" sz="9700" b="1" spc="300" dirty="0">
+              <a:latin typeface="KaiTi" panose="02010609060101010101" pitchFamily="49" charset="-122"/>
+              <a:ea typeface="KaiTi" panose="02010609060101010101" pitchFamily="49" charset="-122"/>
               <a:cs typeface="Times New Roman" panose="02020603050405020304" pitchFamily="18" charset="0"/>
             </a:endParaRPr>
           </a:p>
@@ -3116,7 +3182,7 @@
               </a:lnSpc>
               <a:buNone/>
             </a:pPr>
-            <a:endParaRPr lang="en-US" altLang="zh-TW" sz="3600" dirty="0"/>
+            <a:endParaRPr lang="en-US" altLang="zh-TW" sz="2800" dirty="0"/>
           </a:p>
           <a:p>
             <a:pPr marL="0" indent="0">
@@ -3178,7 +3244,7 @@
               </a:lnSpc>
               <a:buNone/>
             </a:pPr>
-            <a:endParaRPr lang="en-US" altLang="zh-TW" sz="3600" dirty="0"/>
+            <a:endParaRPr lang="en-US" altLang="zh-TW" sz="2800" dirty="0"/>
           </a:p>
           <a:p>
             <a:pPr marL="0" indent="0">
@@ -3353,14 +3419,7 @@
                 <a:latin typeface="Times New Roman" panose="02020603050405020304" pitchFamily="18" charset="0"/>
                 <a:cs typeface="Times New Roman" panose="02020603050405020304" pitchFamily="18" charset="0"/>
               </a:rPr>
-              <a:t>學生：薛丞</a:t>
-            </a:r>
-            <a:r>
-              <a:rPr lang="zh-TW" altLang="en-US" sz="7200" dirty="0" smtClean="0">
-                <a:latin typeface="Times New Roman" panose="02020603050405020304" pitchFamily="18" charset="0"/>
-                <a:cs typeface="Times New Roman" panose="02020603050405020304" pitchFamily="18" charset="0"/>
-              </a:rPr>
-              <a:t>宏</a:t>
+              <a:t>學生：薛丞宏</a:t>
             </a:r>
             <a:endParaRPr lang="en-US" altLang="zh-TW" sz="7200" dirty="0" smtClean="0">
               <a:latin typeface="Times New Roman" panose="02020603050405020304" pitchFamily="18" charset="0"/>
@@ -3438,14 +3497,7 @@
                 <a:latin typeface="Times New Roman" panose="02020603050405020304" pitchFamily="18" charset="0"/>
                 <a:cs typeface="Times New Roman" panose="02020603050405020304" pitchFamily="18" charset="0"/>
               </a:rPr>
-              <a:t>：</a:t>
-            </a:r>
-            <a:r>
-              <a:rPr lang="zh-TW" altLang="en-US" sz="7200" dirty="0" smtClean="0">
-                <a:latin typeface="Times New Roman" panose="02020603050405020304" pitchFamily="18" charset="0"/>
-                <a:cs typeface="Times New Roman" panose="02020603050405020304" pitchFamily="18" charset="0"/>
-              </a:rPr>
-              <a:t>張智星</a:t>
+              <a:t>：張智星</a:t>
             </a:r>
             <a:endParaRPr lang="en-US" altLang="zh-TW" sz="7200" dirty="0" smtClean="0">
               <a:latin typeface="Times New Roman" panose="02020603050405020304" pitchFamily="18" charset="0"/>
@@ -3475,16 +3527,12 @@
             <a:graphicFrameLocks noGrp="1"/>
           </p:cNvGraphicFramePr>
           <p:nvPr>
-            <p:extLst>
-              <p:ext uri="{D42A27DB-BD31-4B8C-83A1-F6EECF244321}">
-                <p14:modId xmlns:p14="http://schemas.microsoft.com/office/powerpoint/2010/main" val="3760793079"/>
-              </p:ext>
-            </p:extLst>
+            <p:extLst/>
           </p:nvPr>
         </p:nvGraphicFramePr>
         <p:xfrm>
           <a:off x="2042947" y="36342003"/>
-          <a:ext cx="26150843" cy="5059680"/>
+          <a:ext cx="26150843" cy="5034280"/>
         </p:xfrm>
         <a:graphic>
           <a:graphicData uri="http://schemas.openxmlformats.org/drawingml/2006/table">
@@ -3517,11 +3565,36 @@
                     <a:bodyPr/>
                     <a:lstStyle/>
                     <a:p>
-                      <a:r>
-                        <a:rPr lang="zh-TW" altLang="en-US" sz="8000" dirty="0" smtClean="0"/>
+                      <a:pPr marL="0" algn="l" defTabSz="2270638" rtl="0" eaLnBrk="1" latinLnBrk="0" hangingPunct="1">
+                        <a:lnSpc>
+                          <a:spcPts val="9500"/>
+                        </a:lnSpc>
+                        <a:spcBef>
+                          <a:spcPts val="600"/>
+                        </a:spcBef>
+                        <a:spcAft>
+                          <a:spcPts val="600"/>
+                        </a:spcAft>
+                      </a:pPr>
+                      <a:r>
+                        <a:rPr lang="zh-TW" altLang="en-US" sz="7200" kern="1200" dirty="0" smtClean="0">
+                          <a:solidFill>
+                            <a:schemeClr val="tx1"/>
+                          </a:solidFill>
+                          <a:latin typeface="+mn-lt"/>
+                          <a:ea typeface="+mn-ea"/>
+                          <a:cs typeface="+mn-cs"/>
+                        </a:rPr>
                         <a:t>如果傳統的重要族群活動，看不到文化，體會不到精神，</a:t>
                       </a:r>
-                      <a:endParaRPr lang="zh-TW" altLang="en-US" sz="8000" dirty="0"/>
+                      <a:endParaRPr lang="zh-TW" altLang="en-US" sz="7200" kern="1200" dirty="0">
+                        <a:solidFill>
+                          <a:schemeClr val="tx1"/>
+                        </a:solidFill>
+                        <a:latin typeface="+mn-lt"/>
+                        <a:ea typeface="+mn-ea"/>
+                        <a:cs typeface="+mn-cs"/>
+                      </a:endParaRPr>
                     </a:p>
                   </a:txBody>
                   <a:tcPr/>
@@ -3556,11 +3629,884 @@
                     <a:bodyPr/>
                     <a:lstStyle/>
                     <a:p>
+                      <a:pPr marL="0" algn="l" defTabSz="2270638" rtl="0" eaLnBrk="1" latinLnBrk="0" hangingPunct="1">
+                        <a:lnSpc>
+                          <a:spcPts val="9500"/>
+                        </a:lnSpc>
+                        <a:spcBef>
+                          <a:spcPts val="600"/>
+                        </a:spcBef>
+                        <a:spcAft>
+                          <a:spcPts val="600"/>
+                        </a:spcAft>
+                      </a:pPr>
+                      <a:r>
+                        <a:rPr lang="zh-TW" altLang="en-US" sz="7200" kern="1200" dirty="0" smtClean="0">
+                          <a:solidFill>
+                            <a:schemeClr val="tx1"/>
+                          </a:solidFill>
+                          <a:latin typeface="+mn-lt"/>
+                          <a:ea typeface="+mn-ea"/>
+                          <a:cs typeface="+mn-cs"/>
+                        </a:rPr>
+                        <a:t>若是傳統的重要的族群活動，看袂著文化，體會毋著精神，</a:t>
+                      </a:r>
+                      <a:endParaRPr lang="zh-TW" altLang="en-US" sz="7200" kern="1200" dirty="0">
+                        <a:solidFill>
+                          <a:schemeClr val="tx1"/>
+                        </a:solidFill>
+                        <a:latin typeface="+mn-lt"/>
+                        <a:ea typeface="+mn-ea"/>
+                        <a:cs typeface="+mn-cs"/>
+                      </a:endParaRPr>
+                    </a:p>
+                  </a:txBody>
+                  <a:tcPr/>
+                </a:tc>
+              </a:tr>
+            </a:tbl>
+          </a:graphicData>
+        </a:graphic>
+      </p:graphicFrame>
+      <p:graphicFrame>
+        <p:nvGraphicFramePr>
+          <p:cNvPr id="5" name="表格 4"/>
+          <p:cNvGraphicFramePr>
+            <a:graphicFrameLocks noGrp="1"/>
+          </p:cNvGraphicFramePr>
+          <p:nvPr>
+            <p:extLst/>
+          </p:nvPr>
+        </p:nvGraphicFramePr>
+        <p:xfrm>
+          <a:off x="2042947" y="29798612"/>
+          <a:ext cx="26112372" cy="5034280"/>
+        </p:xfrm>
+        <a:graphic>
+          <a:graphicData uri="http://schemas.openxmlformats.org/drawingml/2006/table">
+            <a:tbl>
+              <a:tblPr firstCol="1" bandRow="1">
+                <a:tableStyleId>{0E3FDE45-AF77-4B5C-9715-49D594BDF05E}</a:tableStyleId>
+              </a:tblPr>
+              <a:tblGrid>
+                <a:gridCol w="5471654"/>
+                <a:gridCol w="20640718"/>
+              </a:tblGrid>
+              <a:tr h="1631942">
+                <a:tc>
+                  <a:txBody>
+                    <a:bodyPr/>
+                    <a:lstStyle/>
+                    <a:p>
+                      <a:pPr algn="ctr"/>
                       <a:r>
                         <a:rPr lang="zh-TW" altLang="en-US" sz="8000" dirty="0" smtClean="0"/>
+                        <a:t>華語輸入</a:t>
+                      </a:r>
+                      <a:endParaRPr lang="zh-TW" altLang="en-US" sz="8000" dirty="0"/>
+                    </a:p>
+                  </a:txBody>
+                  <a:tcPr anchor="ctr"/>
+                </a:tc>
+                <a:tc>
+                  <a:txBody>
+                    <a:bodyPr/>
+                    <a:lstStyle/>
+                    <a:p>
+                      <a:pPr>
+                        <a:lnSpc>
+                          <a:spcPts val="9500"/>
+                        </a:lnSpc>
+                        <a:spcBef>
+                          <a:spcPts val="600"/>
+                        </a:spcBef>
+                        <a:spcAft>
+                          <a:spcPts val="600"/>
+                        </a:spcAft>
+                      </a:pPr>
+                      <a:r>
+                        <a:rPr lang="zh-TW" altLang="en-US" sz="7200" dirty="0" smtClean="0"/>
+                        <a:t>食安問題連環爆，立法院長王金平下午主持</a:t>
+                      </a:r>
+                      <a:r>
+                        <a:rPr lang="en-US" altLang="zh-TW" sz="7200" dirty="0" smtClean="0"/>
+                        <a:t>《</a:t>
+                      </a:r>
+                      <a:r>
+                        <a:rPr lang="zh-TW" altLang="en-US" sz="7200" dirty="0" smtClean="0"/>
+                        <a:t>食品安全衛生管理法</a:t>
+                      </a:r>
+                      <a:r>
+                        <a:rPr lang="en-US" altLang="zh-TW" sz="7200" dirty="0" smtClean="0"/>
+                        <a:t>》</a:t>
+                      </a:r>
+                      <a:r>
+                        <a:rPr lang="zh-TW" altLang="en-US" sz="7200" dirty="0" smtClean="0"/>
+                        <a:t>協商仍未獲共識</a:t>
+                      </a:r>
+                      <a:endParaRPr lang="zh-TW" altLang="en-US" sz="7200" dirty="0"/>
+                    </a:p>
+                  </a:txBody>
+                  <a:tcPr/>
+                </a:tc>
+              </a:tr>
+              <a:tr h="1111258">
+                <a:tc>
+                  <a:txBody>
+                    <a:bodyPr/>
+                    <a:lstStyle/>
+                    <a:p>
+                      <a:pPr algn="ctr"/>
+                      <a:r>
+                        <a:rPr lang="zh-TW" altLang="en-US" sz="8000" dirty="0" smtClean="0"/>
+                        <a:t>閩南語</a:t>
+                      </a:r>
+                      <a:endParaRPr lang="en-US" altLang="zh-TW" sz="8000" dirty="0" smtClean="0"/>
+                    </a:p>
+                    <a:p>
+                      <a:pPr algn="ctr"/>
+                      <a:r>
+                        <a:rPr lang="zh-TW" altLang="en-US" sz="8000" dirty="0" smtClean="0"/>
+                        <a:t>輸出</a:t>
+                      </a:r>
+                      <a:endParaRPr lang="zh-TW" altLang="en-US" sz="8000" dirty="0"/>
+                    </a:p>
+                  </a:txBody>
+                  <a:tcPr anchor="ctr"/>
+                </a:tc>
+                <a:tc>
+                  <a:txBody>
+                    <a:bodyPr/>
+                    <a:lstStyle/>
+                    <a:p>
+                      <a:pPr>
+                        <a:lnSpc>
+                          <a:spcPts val="9500"/>
+                        </a:lnSpc>
+                        <a:spcBef>
+                          <a:spcPts val="600"/>
+                        </a:spcBef>
+                        <a:spcAft>
+                          <a:spcPts val="600"/>
+                        </a:spcAft>
+                      </a:pPr>
+                      <a:r>
+                        <a:rPr lang="zh-TW" altLang="en-US" sz="7200" dirty="0" smtClean="0"/>
+                        <a:t>食安問題連環爆，立法院長王金平下晡主持</a:t>
+                      </a:r>
+                      <a:r>
+                        <a:rPr lang="en-US" altLang="zh-TW" sz="7200" dirty="0" smtClean="0"/>
+                        <a:t>《</a:t>
+                      </a:r>
+                      <a:r>
+                        <a:rPr lang="zh-TW" altLang="en-US" sz="7200" dirty="0" smtClean="0"/>
+                        <a:t>食品安全衛生管理法</a:t>
+                      </a:r>
+                      <a:r>
+                        <a:rPr lang="en-US" altLang="zh-TW" sz="7200" dirty="0" smtClean="0"/>
+                        <a:t>》</a:t>
+                      </a:r>
+                      <a:r>
+                        <a:rPr lang="zh-TW" altLang="en-US" sz="7200" dirty="0" smtClean="0"/>
+                        <a:t>協商猶未獲共識</a:t>
+                      </a:r>
+                      <a:endParaRPr lang="zh-TW" altLang="en-US" sz="7200" dirty="0"/>
+                    </a:p>
+                  </a:txBody>
+                  <a:tcPr/>
+                </a:tc>
+              </a:tr>
+            </a:tbl>
+          </a:graphicData>
+        </a:graphic>
+      </p:graphicFrame>
+    </p:spTree>
+    <p:extLst>
+      <p:ext uri="{BB962C8B-B14F-4D97-AF65-F5344CB8AC3E}">
+        <p14:creationId xmlns:p14="http://schemas.microsoft.com/office/powerpoint/2010/main" val="3754629949"/>
+      </p:ext>
+    </p:extLst>
+  </p:cSld>
+  <p:clrMapOvr>
+    <a:masterClrMapping/>
+  </p:clrMapOvr>
+  <p:timing>
+    <p:tnLst>
+      <p:par>
+        <p:cTn id="1" dur="indefinite" restart="never" nodeType="tmRoot"/>
+      </p:par>
+    </p:tnLst>
+  </p:timing>
+</p:sld>
+</file>
+
+<file path=ppt/slides/slide2.xml><?xml version="1.0" encoding="utf-8"?>
+<p:sld xmlns:a="http://schemas.openxmlformats.org/drawingml/2006/main" xmlns:r="http://schemas.openxmlformats.org/officeDocument/2006/relationships" xmlns:p="http://schemas.openxmlformats.org/presentationml/2006/main">
+  <p:cSld>
+    <p:spTree>
+      <p:nvGrpSpPr>
+        <p:cNvPr id="1" name=""/>
+        <p:cNvGrpSpPr/>
+        <p:nvPr/>
+      </p:nvGrpSpPr>
+      <p:grpSpPr>
+        <a:xfrm>
+          <a:off x="0" y="0"/>
+          <a:ext cx="0" cy="0"/>
+          <a:chOff x="0" y="0"/>
+          <a:chExt cx="0" cy="0"/>
+        </a:xfrm>
+      </p:grpSpPr>
+      <p:sp>
+        <p:nvSpPr>
+          <p:cNvPr id="3" name="標題 2"/>
+          <p:cNvSpPr>
+            <a:spLocks noGrp="1"/>
+          </p:cNvSpPr>
+          <p:nvPr>
+            <p:ph type="title"/>
+          </p:nvPr>
+        </p:nvSpPr>
+        <p:spPr>
+          <a:xfrm>
+            <a:off x="2042948" y="1579379"/>
+            <a:ext cx="26112371" cy="3775779"/>
+          </a:xfrm>
+        </p:spPr>
+        <p:txBody>
+          <a:bodyPr>
+            <a:normAutofit/>
+          </a:bodyPr>
+          <a:lstStyle/>
+          <a:p>
+            <a:pPr algn="ctr">
+              <a:spcBef>
+                <a:spcPts val="600"/>
+              </a:spcBef>
+            </a:pPr>
+            <a:r>
+              <a:rPr lang="zh-TW" altLang="en-US" sz="9600" spc="300" dirty="0">
+                <a:latin typeface="Kozuka Mincho Pr6N B" panose="02020800000000000000" pitchFamily="18" charset="-128"/>
+                <a:ea typeface="Kozuka Mincho Pr6N B" panose="02020800000000000000" pitchFamily="18" charset="-128"/>
+              </a:rPr>
+              <a:t>漢語間統計式機器翻譯語料</a:t>
+            </a:r>
+            <a:r>
+              <a:rPr lang="zh-TW" altLang="en-US" sz="9600" spc="300" dirty="0" smtClean="0">
+                <a:latin typeface="Kozuka Mincho Pr6N B" panose="02020800000000000000" pitchFamily="18" charset="-128"/>
+                <a:ea typeface="Kozuka Mincho Pr6N B" panose="02020800000000000000" pitchFamily="18" charset="-128"/>
+              </a:rPr>
+              <a:t>處理 －</a:t>
+            </a:r>
+            <a:r>
+              <a:rPr lang="en-US" altLang="zh-TW" sz="9600" spc="300" dirty="0" smtClean="0">
+                <a:latin typeface="Kozuka Mincho Pr6N B" panose="02020800000000000000" pitchFamily="18" charset="-128"/>
+                <a:ea typeface="Kozuka Mincho Pr6N B" panose="02020800000000000000" pitchFamily="18" charset="-128"/>
+              </a:rPr>
+              <a:t/>
+            </a:r>
+            <a:br>
+              <a:rPr lang="en-US" altLang="zh-TW" sz="9600" spc="300" dirty="0" smtClean="0">
+                <a:latin typeface="Kozuka Mincho Pr6N B" panose="02020800000000000000" pitchFamily="18" charset="-128"/>
+                <a:ea typeface="Kozuka Mincho Pr6N B" panose="02020800000000000000" pitchFamily="18" charset="-128"/>
+              </a:rPr>
+            </a:br>
+            <a:r>
+              <a:rPr lang="zh-TW" altLang="en-US" sz="9600" spc="300" dirty="0" smtClean="0">
+                <a:latin typeface="Kozuka Mincho Pr6N B" panose="02020800000000000000" pitchFamily="18" charset="-128"/>
+                <a:ea typeface="Kozuka Mincho Pr6N B" panose="02020800000000000000" pitchFamily="18" charset="-128"/>
+              </a:rPr>
+              <a:t>用</a:t>
+            </a:r>
+            <a:r>
+              <a:rPr lang="zh-TW" altLang="en-US" sz="9600" spc="300" dirty="0">
+                <a:latin typeface="Kozuka Mincho Pr6N B" panose="02020800000000000000" pitchFamily="18" charset="-128"/>
+                <a:ea typeface="Kozuka Mincho Pr6N B" panose="02020800000000000000" pitchFamily="18" charset="-128"/>
+              </a:rPr>
+              <a:t>臺灣閩南語</a:t>
+            </a:r>
+            <a:r>
+              <a:rPr lang="zh-TW" altLang="en-US" sz="9600" spc="300" dirty="0" smtClean="0">
+                <a:latin typeface="Kozuka Mincho Pr6N B" panose="02020800000000000000" pitchFamily="18" charset="-128"/>
+                <a:ea typeface="Kozuka Mincho Pr6N B" panose="02020800000000000000" pitchFamily="18" charset="-128"/>
+              </a:rPr>
+              <a:t>示範</a:t>
+            </a:r>
+            <a:endParaRPr lang="zh-TW" altLang="en-US" sz="9600" b="1" spc="300" dirty="0">
+              <a:latin typeface="Kozuka Mincho Pr6N B" panose="02020800000000000000" pitchFamily="18" charset="-128"/>
+              <a:ea typeface="Kozuka Mincho Pr6N B" panose="02020800000000000000" pitchFamily="18" charset="-128"/>
+              <a:cs typeface="Times New Roman" panose="02020603050405020304" pitchFamily="18" charset="0"/>
+            </a:endParaRPr>
+          </a:p>
+        </p:txBody>
+      </p:sp>
+      <p:sp>
+        <p:nvSpPr>
+          <p:cNvPr id="4" name="內容版面配置區 3"/>
+          <p:cNvSpPr>
+            <a:spLocks noGrp="1"/>
+          </p:cNvSpPr>
+          <p:nvPr>
+            <p:ph idx="1"/>
+          </p:nvPr>
+        </p:nvSpPr>
+        <p:spPr>
+          <a:xfrm>
+            <a:off x="2042947" y="8034726"/>
+            <a:ext cx="26112371" cy="20655110"/>
+          </a:xfrm>
+        </p:spPr>
+        <p:txBody>
+          <a:bodyPr>
+            <a:noAutofit/>
+          </a:bodyPr>
+          <a:lstStyle/>
+          <a:p>
+            <a:pPr marL="0" indent="0" algn="ctr">
+              <a:lnSpc>
+                <a:spcPct val="120000"/>
+              </a:lnSpc>
+              <a:buNone/>
+            </a:pPr>
+            <a:r>
+              <a:rPr lang="zh-TW" altLang="en-US" sz="8000" b="1" dirty="0" smtClean="0"/>
+              <a:t>踏話頭</a:t>
+            </a:r>
+            <a:endParaRPr lang="en-US" altLang="zh-TW" sz="8000" b="1" dirty="0" smtClean="0"/>
+          </a:p>
+          <a:p>
+            <a:pPr marL="0" indent="0">
+              <a:lnSpc>
+                <a:spcPct val="120000"/>
+              </a:lnSpc>
+              <a:buNone/>
+            </a:pPr>
+            <a:r>
+              <a:rPr lang="zh-TW" altLang="en-US" sz="7200" dirty="0" smtClean="0"/>
+              <a:t>　　臺灣</a:t>
+            </a:r>
+            <a:r>
+              <a:rPr lang="zh-TW" altLang="en-US" sz="7200" dirty="0"/>
+              <a:t>是一个多元民族、多元語言的國家</a:t>
+            </a:r>
+            <a:r>
+              <a:rPr lang="zh-TW" altLang="en-US" sz="7200" dirty="0" smtClean="0"/>
+              <a:t>。講</a:t>
+            </a:r>
+            <a:r>
+              <a:rPr lang="zh-TW" altLang="en-US" sz="7200" dirty="0"/>
+              <a:t>母語、使用母語是上基本的權利</a:t>
+            </a:r>
+            <a:r>
+              <a:rPr lang="zh-TW" altLang="en-US" sz="7200" dirty="0" smtClean="0"/>
+              <a:t>，毋</a:t>
+            </a:r>
+            <a:r>
+              <a:rPr lang="zh-TW" altLang="en-US" sz="7200" dirty="0"/>
+              <a:t>過母語的電腦相關應用煞誠</a:t>
+            </a:r>
+            <a:r>
+              <a:rPr lang="zh-TW" altLang="en-US" sz="7200" dirty="0" smtClean="0"/>
+              <a:t>少，需要</a:t>
+            </a:r>
+            <a:r>
+              <a:rPr lang="zh-TW" altLang="en-US" sz="7200" dirty="0"/>
+              <a:t>加強自然語言處理的研究佮語料收集整理</a:t>
+            </a:r>
+            <a:r>
+              <a:rPr lang="zh-TW" altLang="en-US" sz="7200" dirty="0" smtClean="0"/>
+              <a:t>。</a:t>
+            </a:r>
+            <a:endParaRPr lang="en-US" altLang="zh-TW" sz="7200" dirty="0"/>
+          </a:p>
+          <a:p>
+            <a:pPr marL="0" indent="0">
+              <a:lnSpc>
+                <a:spcPct val="120000"/>
+              </a:lnSpc>
+              <a:buNone/>
+            </a:pPr>
+            <a:endParaRPr lang="en-US" altLang="zh-TW" sz="2800" dirty="0"/>
+          </a:p>
+          <a:p>
+            <a:pPr marL="0" indent="0">
+              <a:lnSpc>
+                <a:spcPct val="120000"/>
+              </a:lnSpc>
+              <a:buNone/>
+            </a:pPr>
+            <a:r>
+              <a:rPr lang="zh-TW" altLang="en-US" sz="7200" dirty="0" smtClean="0"/>
+              <a:t>　　臺灣</a:t>
+            </a:r>
+            <a:r>
+              <a:rPr lang="zh-TW" altLang="en-US" sz="7200" dirty="0"/>
+              <a:t>本土語言百百種</a:t>
+            </a:r>
+            <a:r>
+              <a:rPr lang="zh-TW" altLang="en-US" sz="7200" dirty="0" smtClean="0"/>
+              <a:t>，本</a:t>
+            </a:r>
+            <a:r>
+              <a:rPr lang="zh-TW" altLang="en-US" sz="7200" dirty="0"/>
+              <a:t>論文是針對閩南語</a:t>
+            </a:r>
+            <a:r>
+              <a:rPr lang="zh-TW" altLang="en-US" sz="7200" dirty="0" smtClean="0"/>
+              <a:t>，研究</a:t>
+            </a:r>
+            <a:r>
+              <a:rPr lang="zh-TW" altLang="en-US" sz="7200" dirty="0"/>
+              <a:t>伊翻譯語料的特性</a:t>
+            </a:r>
+            <a:r>
+              <a:rPr lang="zh-TW" altLang="en-US" sz="7200" dirty="0" smtClean="0"/>
+              <a:t>。除了</a:t>
+            </a:r>
+            <a:r>
+              <a:rPr lang="zh-TW" altLang="en-US" sz="7200" dirty="0"/>
+              <a:t>閩南語本身以外</a:t>
+            </a:r>
+            <a:r>
+              <a:rPr lang="zh-TW" altLang="en-US" sz="7200" dirty="0" smtClean="0"/>
+              <a:t>，嘛</a:t>
+            </a:r>
+            <a:r>
+              <a:rPr lang="zh-TW" altLang="en-US" sz="7200" dirty="0"/>
+              <a:t>希望研究結果對別的本土語言有幫助</a:t>
+            </a:r>
+            <a:r>
+              <a:rPr lang="zh-TW" altLang="en-US" sz="7200" dirty="0" smtClean="0"/>
+              <a:t>。</a:t>
+            </a:r>
+            <a:endParaRPr lang="en-US" altLang="zh-TW" sz="7200" dirty="0" smtClean="0"/>
+          </a:p>
+          <a:p>
+            <a:pPr marL="0" indent="0">
+              <a:lnSpc>
+                <a:spcPct val="120000"/>
+              </a:lnSpc>
+              <a:buNone/>
+            </a:pPr>
+            <a:endParaRPr lang="en-US" altLang="zh-TW" sz="2800" dirty="0"/>
+          </a:p>
+          <a:p>
+            <a:pPr marL="0" indent="0">
+              <a:lnSpc>
+                <a:spcPct val="120000"/>
+              </a:lnSpc>
+              <a:buNone/>
+            </a:pPr>
+            <a:r>
+              <a:rPr lang="zh-TW" altLang="en-US" sz="7200" dirty="0" smtClean="0"/>
+              <a:t>　　本</a:t>
+            </a:r>
+            <a:r>
+              <a:rPr lang="zh-TW" altLang="en-US" sz="7200" dirty="0"/>
+              <a:t>論文提出一个自動整理漢語語料的方法</a:t>
+            </a:r>
+            <a:r>
+              <a:rPr lang="zh-TW" altLang="en-US" sz="7200" dirty="0" smtClean="0"/>
+              <a:t>，予</a:t>
+            </a:r>
+            <a:r>
+              <a:rPr lang="zh-TW" altLang="en-US" sz="7200" dirty="0"/>
+              <a:t>資訊無完整的語料庫補足資訊</a:t>
+            </a:r>
+            <a:r>
+              <a:rPr lang="zh-TW" altLang="en-US" sz="7200" dirty="0" smtClean="0"/>
+              <a:t>，發揮</a:t>
+            </a:r>
+            <a:r>
+              <a:rPr lang="zh-TW" altLang="en-US" sz="7200" dirty="0"/>
+              <a:t>上大的價值</a:t>
+            </a:r>
+            <a:r>
+              <a:rPr lang="zh-TW" altLang="en-US" sz="7200" dirty="0" smtClean="0"/>
+              <a:t>，</a:t>
+            </a:r>
+            <a:r>
+              <a:rPr lang="en-US" altLang="zh-TW" sz="7200" dirty="0" smtClean="0"/>
+              <a:t>BLEU</a:t>
+            </a:r>
+            <a:r>
+              <a:rPr lang="zh-TW" altLang="en-US" sz="7200" dirty="0"/>
+              <a:t>分數對</a:t>
+            </a:r>
+            <a:r>
+              <a:rPr lang="en-US" altLang="zh-TW" sz="7200" dirty="0"/>
+              <a:t>9.30</a:t>
+            </a:r>
+            <a:r>
+              <a:rPr lang="zh-TW" altLang="en-US" sz="7200" dirty="0"/>
+              <a:t>搝到</a:t>
+            </a:r>
+            <a:r>
+              <a:rPr lang="en-US" altLang="zh-TW" sz="7200" dirty="0"/>
+              <a:t>13.82</a:t>
+            </a:r>
+            <a:r>
+              <a:rPr lang="zh-TW" altLang="en-US" sz="7200" dirty="0" smtClean="0"/>
+              <a:t>。另外</a:t>
+            </a:r>
+            <a:r>
+              <a:rPr lang="zh-TW" altLang="en-US" sz="7200" dirty="0"/>
+              <a:t>閣用實驗證明平行語料數量無到十萬句的</a:t>
+            </a:r>
+            <a:r>
+              <a:rPr lang="zh-TW" altLang="en-US" sz="7200" dirty="0" smtClean="0"/>
+              <a:t>時，加</a:t>
+            </a:r>
+            <a:r>
+              <a:rPr lang="zh-TW" altLang="en-US" sz="7200" dirty="0"/>
+              <a:t>語料對翻譯的效果影響非常大</a:t>
+            </a:r>
+            <a:r>
+              <a:rPr lang="zh-TW" altLang="en-US" sz="7200" dirty="0" smtClean="0"/>
+              <a:t>，原本</a:t>
+            </a:r>
+            <a:r>
+              <a:rPr lang="en-US" altLang="zh-TW" sz="7200" dirty="0"/>
+              <a:t>64121</a:t>
+            </a:r>
+            <a:r>
+              <a:rPr lang="zh-TW" altLang="en-US" sz="7200" dirty="0"/>
+              <a:t>句加到</a:t>
+            </a:r>
+            <a:r>
+              <a:rPr lang="en-US" altLang="zh-TW" sz="7200" dirty="0"/>
+              <a:t>99147</a:t>
+            </a:r>
+            <a:r>
+              <a:rPr lang="zh-TW" altLang="en-US" sz="7200" dirty="0"/>
+              <a:t>句了後</a:t>
+            </a:r>
+            <a:r>
+              <a:rPr lang="zh-TW" altLang="en-US" sz="7200" dirty="0" smtClean="0"/>
+              <a:t>，</a:t>
+            </a:r>
+            <a:r>
+              <a:rPr lang="en-US" altLang="zh-TW" sz="7200" dirty="0" smtClean="0"/>
+              <a:t>BLEU</a:t>
+            </a:r>
+            <a:r>
+              <a:rPr lang="zh-TW" altLang="en-US" sz="7200" dirty="0"/>
+              <a:t>分數對</a:t>
+            </a:r>
+            <a:r>
+              <a:rPr lang="en-US" altLang="zh-TW" sz="7200" dirty="0"/>
+              <a:t>13.82</a:t>
+            </a:r>
+            <a:r>
+              <a:rPr lang="zh-TW" altLang="en-US" sz="7200" dirty="0"/>
+              <a:t>提昇到</a:t>
+            </a:r>
+            <a:r>
+              <a:rPr lang="en-US" altLang="zh-TW" sz="7200" dirty="0"/>
+              <a:t>19.33</a:t>
+            </a:r>
+            <a:r>
+              <a:rPr lang="zh-TW" altLang="en-US" sz="7200" dirty="0" smtClean="0"/>
+              <a:t>。</a:t>
+            </a:r>
+            <a:endParaRPr lang="en-US" altLang="zh-TW" sz="7200" dirty="0" smtClean="0"/>
+          </a:p>
+          <a:p>
+            <a:pPr marL="0" indent="0">
+              <a:lnSpc>
+                <a:spcPct val="120000"/>
+              </a:lnSpc>
+              <a:buNone/>
+            </a:pPr>
+            <a:r>
+              <a:rPr lang="zh-TW" altLang="en-US" sz="7200" b="1" dirty="0" smtClean="0"/>
+              <a:t>關鍵字</a:t>
+            </a:r>
+            <a:r>
+              <a:rPr lang="zh-TW" altLang="en-US" sz="7200" dirty="0"/>
+              <a:t>：臺灣閩南語、華語、翻譯、語料、斷詞、語言分類</a:t>
+            </a:r>
+            <a:br>
+              <a:rPr lang="zh-TW" altLang="en-US" sz="7200" dirty="0"/>
+            </a:br>
+            <a:endParaRPr lang="zh-TW" altLang="en-US" sz="6600" dirty="0">
+              <a:latin typeface="Times New Roman" panose="02020603050405020304" pitchFamily="18" charset="0"/>
+              <a:cs typeface="Times New Roman" panose="02020603050405020304" pitchFamily="18" charset="0"/>
+            </a:endParaRPr>
+          </a:p>
+        </p:txBody>
+      </p:sp>
+      <p:sp>
+        <p:nvSpPr>
+          <p:cNvPr id="22" name="文字方塊 21"/>
+          <p:cNvSpPr txBox="1"/>
+          <p:nvPr/>
+        </p:nvSpPr>
+        <p:spPr>
+          <a:xfrm>
+            <a:off x="2042947" y="5540780"/>
+            <a:ext cx="8688180" cy="2308324"/>
+          </a:xfrm>
+          <a:prstGeom prst="rect">
+            <a:avLst/>
+          </a:prstGeom>
+          <a:noFill/>
+        </p:spPr>
+        <p:txBody>
+          <a:bodyPr wrap="square" rtlCol="0">
+            <a:spAutoFit/>
+          </a:bodyPr>
+          <a:lstStyle/>
+          <a:p>
+            <a:r>
+              <a:rPr lang="zh-TW" altLang="en-US" sz="7200" dirty="0" smtClean="0">
+                <a:latin typeface="Times New Roman" panose="02020603050405020304" pitchFamily="18" charset="0"/>
+                <a:cs typeface="Times New Roman" panose="02020603050405020304" pitchFamily="18" charset="0"/>
+              </a:rPr>
+              <a:t>學生：薛丞宏</a:t>
+            </a:r>
+            <a:endParaRPr lang="en-US" altLang="zh-TW" sz="7200" dirty="0" smtClean="0">
+              <a:latin typeface="Times New Roman" panose="02020603050405020304" pitchFamily="18" charset="0"/>
+              <a:cs typeface="Times New Roman" panose="02020603050405020304" pitchFamily="18" charset="0"/>
+            </a:endParaRPr>
+          </a:p>
+          <a:p>
+            <a:r>
+              <a:rPr lang="zh-TW" altLang="en-US" sz="7200" dirty="0" smtClean="0">
+                <a:latin typeface="Times New Roman" panose="02020603050405020304" pitchFamily="18" charset="0"/>
+                <a:cs typeface="Times New Roman" panose="02020603050405020304" pitchFamily="18" charset="0"/>
+              </a:rPr>
+              <a:t>　　　</a:t>
+            </a:r>
+            <a:r>
+              <a:rPr lang="en-US" altLang="zh-TW" sz="7200" dirty="0" err="1" smtClean="0">
+                <a:latin typeface="Times New Roman" panose="02020603050405020304" pitchFamily="18" charset="0"/>
+                <a:cs typeface="Times New Roman" panose="02020603050405020304" pitchFamily="18" charset="0"/>
+              </a:rPr>
+              <a:t>Sih</a:t>
+            </a:r>
+            <a:r>
+              <a:rPr lang="en-US" altLang="zh-TW" sz="7200" dirty="0" smtClean="0">
+                <a:latin typeface="Times New Roman" panose="02020603050405020304" pitchFamily="18" charset="0"/>
+                <a:cs typeface="Times New Roman" panose="02020603050405020304" pitchFamily="18" charset="0"/>
+              </a:rPr>
+              <a:t>, Sing-</a:t>
+            </a:r>
+            <a:r>
+              <a:rPr lang="en-US" altLang="zh-TW" sz="7200" dirty="0" err="1" smtClean="0">
+                <a:latin typeface="Times New Roman" panose="02020603050405020304" pitchFamily="18" charset="0"/>
+                <a:cs typeface="Times New Roman" panose="02020603050405020304" pitchFamily="18" charset="0"/>
+              </a:rPr>
+              <a:t>Hông</a:t>
+            </a:r>
+            <a:endParaRPr lang="en-US" altLang="zh-TW" sz="7200" dirty="0">
+              <a:latin typeface="Times New Roman" panose="02020603050405020304" pitchFamily="18" charset="0"/>
+              <a:cs typeface="Times New Roman" panose="02020603050405020304" pitchFamily="18" charset="0"/>
+            </a:endParaRPr>
+          </a:p>
+        </p:txBody>
+      </p:sp>
+      <p:sp>
+        <p:nvSpPr>
+          <p:cNvPr id="23" name="文字方塊 22"/>
+          <p:cNvSpPr txBox="1"/>
+          <p:nvPr/>
+        </p:nvSpPr>
+        <p:spPr>
+          <a:xfrm>
+            <a:off x="18896100" y="5540780"/>
+            <a:ext cx="7650812" cy="2308324"/>
+          </a:xfrm>
+          <a:prstGeom prst="rect">
+            <a:avLst/>
+          </a:prstGeom>
+          <a:noFill/>
+        </p:spPr>
+        <p:txBody>
+          <a:bodyPr wrap="none" rtlCol="0">
+            <a:spAutoFit/>
+          </a:bodyPr>
+          <a:lstStyle/>
+          <a:p>
+            <a:pPr algn="r"/>
+            <a:r>
+              <a:rPr lang="zh-TW" altLang="en-US" sz="7200" dirty="0">
+                <a:latin typeface="Times New Roman" panose="02020603050405020304" pitchFamily="18" charset="0"/>
+                <a:cs typeface="Times New Roman" panose="02020603050405020304" pitchFamily="18" charset="0"/>
+              </a:rPr>
+              <a:t>指導教授</a:t>
+            </a:r>
+            <a:r>
+              <a:rPr lang="zh-TW" altLang="en-US" sz="7200" dirty="0" smtClean="0">
+                <a:latin typeface="Times New Roman" panose="02020603050405020304" pitchFamily="18" charset="0"/>
+                <a:cs typeface="Times New Roman" panose="02020603050405020304" pitchFamily="18" charset="0"/>
+              </a:rPr>
+              <a:t>：張智星</a:t>
+            </a:r>
+            <a:endParaRPr lang="en-US" altLang="zh-TW" sz="7200" dirty="0" smtClean="0">
+              <a:latin typeface="Times New Roman" panose="02020603050405020304" pitchFamily="18" charset="0"/>
+              <a:cs typeface="Times New Roman" panose="02020603050405020304" pitchFamily="18" charset="0"/>
+            </a:endParaRPr>
+          </a:p>
+          <a:p>
+            <a:pPr algn="r"/>
+            <a:r>
+              <a:rPr lang="zh-TW" altLang="en-US" sz="7200" dirty="0" smtClean="0">
+                <a:latin typeface="Times New Roman" panose="02020603050405020304" pitchFamily="18" charset="0"/>
+                <a:cs typeface="Times New Roman" panose="02020603050405020304" pitchFamily="18" charset="0"/>
+              </a:rPr>
+              <a:t>　　　　　易志偉</a:t>
+            </a:r>
+            <a:endParaRPr lang="en-US" altLang="zh-TW" sz="7200" dirty="0" smtClean="0">
+              <a:latin typeface="Times New Roman" panose="02020603050405020304" pitchFamily="18" charset="0"/>
+              <a:cs typeface="Times New Roman" panose="02020603050405020304" pitchFamily="18" charset="0"/>
+            </a:endParaRPr>
+          </a:p>
+        </p:txBody>
+      </p:sp>
+      <p:graphicFrame>
+        <p:nvGraphicFramePr>
+          <p:cNvPr id="7" name="表格 6"/>
+          <p:cNvGraphicFramePr>
+            <a:graphicFrameLocks noGrp="1"/>
+          </p:cNvGraphicFramePr>
+          <p:nvPr>
+            <p:extLst>
+              <p:ext uri="{D42A27DB-BD31-4B8C-83A1-F6EECF244321}">
+                <p14:modId xmlns:p14="http://schemas.microsoft.com/office/powerpoint/2010/main" val="1356026395"/>
+              </p:ext>
+            </p:extLst>
+          </p:nvPr>
+        </p:nvGraphicFramePr>
+        <p:xfrm>
+          <a:off x="2042947" y="36342003"/>
+          <a:ext cx="26150843" cy="4969129"/>
+        </p:xfrm>
+        <a:graphic>
+          <a:graphicData uri="http://schemas.openxmlformats.org/drawingml/2006/table">
+            <a:tbl>
+              <a:tblPr firstCol="1" bandRow="1">
+                <a:tableStyleId>{5DA37D80-6434-44D0-A028-1B22A696006F}</a:tableStyleId>
+              </a:tblPr>
+              <a:tblGrid>
+                <a:gridCol w="5473341"/>
+                <a:gridCol w="20677502"/>
+              </a:tblGrid>
+              <a:tr h="370840">
+                <a:tc>
+                  <a:txBody>
+                    <a:bodyPr/>
+                    <a:lstStyle/>
+                    <a:p>
+                      <a:pPr algn="ctr"/>
+                      <a:r>
+                        <a:rPr lang="zh-TW" altLang="en-US" sz="8000" dirty="0" smtClean="0"/>
+                        <a:t>華語輸入</a:t>
+                      </a:r>
+                      <a:endParaRPr lang="zh-TW" altLang="en-US" sz="8000" dirty="0"/>
+                    </a:p>
+                  </a:txBody>
+                  <a:tcPr anchor="ctr"/>
+                </a:tc>
+                <a:tc>
+                  <a:txBody>
+                    <a:bodyPr/>
+                    <a:lstStyle/>
+                    <a:p>
+                      <a:pPr marL="0" algn="l" defTabSz="2270638" rtl="0" eaLnBrk="1" latinLnBrk="0" hangingPunct="1">
+                        <a:lnSpc>
+                          <a:spcPts val="9500"/>
+                        </a:lnSpc>
+                        <a:spcBef>
+                          <a:spcPts val="600"/>
+                        </a:spcBef>
+                        <a:spcAft>
+                          <a:spcPts val="600"/>
+                        </a:spcAft>
+                      </a:pPr>
+                      <a:r>
+                        <a:rPr lang="zh-TW" altLang="en-US" sz="7200" kern="1200" dirty="0" smtClean="0">
+                          <a:solidFill>
+                            <a:schemeClr val="tx1"/>
+                          </a:solidFill>
+                          <a:latin typeface="+mn-lt"/>
+                          <a:ea typeface="+mn-ea"/>
+                          <a:cs typeface="+mn-cs"/>
+                        </a:rPr>
+                        <a:t>如果傳統的重要族群活動，看不到文化，體會不到精神，</a:t>
+                      </a:r>
+                      <a:endParaRPr lang="zh-TW" altLang="en-US" sz="7200" kern="1200" dirty="0">
+                        <a:solidFill>
+                          <a:schemeClr val="tx1"/>
+                        </a:solidFill>
+                        <a:latin typeface="+mn-lt"/>
+                        <a:ea typeface="+mn-ea"/>
+                        <a:cs typeface="+mn-cs"/>
+                      </a:endParaRPr>
+                    </a:p>
+                  </a:txBody>
+                  <a:tcPr/>
+                </a:tc>
+              </a:tr>
+              <a:tr h="370840">
+                <a:tc>
+                  <a:txBody>
+                    <a:bodyPr/>
+                    <a:lstStyle/>
+                    <a:p>
+                      <a:pPr algn="ctr"/>
+                      <a:r>
+                        <a:rPr lang="zh-TW" altLang="en-US" sz="8000" dirty="0" smtClean="0"/>
+                        <a:t>閩南語</a:t>
+                      </a:r>
+                      <a:endParaRPr lang="en-US" altLang="zh-TW" sz="8000" dirty="0" smtClean="0"/>
+                    </a:p>
+                    <a:p>
+                      <a:pPr algn="ctr"/>
+                      <a:r>
+                        <a:rPr lang="zh-TW" altLang="en-US" sz="8000" dirty="0" smtClean="0"/>
+                        <a:t>輸出</a:t>
+                      </a:r>
+                      <a:endParaRPr lang="zh-TW" altLang="en-US" sz="8000" dirty="0"/>
+                    </a:p>
+                  </a:txBody>
+                  <a:tcPr anchor="ctr"/>
+                </a:tc>
+                <a:tc>
+                  <a:txBody>
+                    <a:bodyPr/>
+                    <a:lstStyle/>
+                    <a:p>
+                      <a:pPr marL="0" algn="l" defTabSz="2270638" rtl="0" eaLnBrk="1" latinLnBrk="0" hangingPunct="1">
+                        <a:lnSpc>
+                          <a:spcPts val="9500"/>
+                        </a:lnSpc>
+                        <a:spcBef>
+                          <a:spcPts val="600"/>
+                        </a:spcBef>
+                        <a:spcAft>
+                          <a:spcPts val="600"/>
+                        </a:spcAft>
+                      </a:pPr>
+                      <a:r>
+                        <a:rPr lang="zh-TW" altLang="en-US" sz="7200" kern="1200" dirty="0" smtClean="0">
+                          <a:solidFill>
+                            <a:schemeClr val="tx1"/>
+                          </a:solidFill>
+                          <a:latin typeface="+mn-lt"/>
+                          <a:ea typeface="+mn-ea"/>
+                          <a:cs typeface="+mn-cs"/>
+                        </a:rPr>
                         <a:t>若是傳統的重要的族群活動，看袂著文化，體會毋著精神，</a:t>
                       </a:r>
-                      <a:endParaRPr lang="zh-TW" altLang="en-US" sz="8000" dirty="0"/>
+                      <a:endParaRPr lang="zh-TW" altLang="en-US" sz="7200" kern="1200" dirty="0">
+                        <a:solidFill>
+                          <a:schemeClr val="tx1"/>
+                        </a:solidFill>
+                        <a:latin typeface="+mn-lt"/>
+                        <a:ea typeface="+mn-ea"/>
+                        <a:cs typeface="+mn-cs"/>
+                      </a:endParaRPr>
                     </a:p>
                   </a:txBody>
                   <a:tcPr/>
@@ -3579,14 +4525,14 @@
           <p:nvPr>
             <p:extLst>
               <p:ext uri="{D42A27DB-BD31-4B8C-83A1-F6EECF244321}">
-                <p14:modId xmlns:p14="http://schemas.microsoft.com/office/powerpoint/2010/main" val="1992830175"/>
+                <p14:modId xmlns:p14="http://schemas.microsoft.com/office/powerpoint/2010/main" val="4128156523"/>
               </p:ext>
             </p:extLst>
           </p:nvPr>
         </p:nvGraphicFramePr>
         <p:xfrm>
           <a:off x="2042947" y="29798612"/>
-          <a:ext cx="26112372" cy="5059680"/>
+          <a:ext cx="26112372" cy="4969129"/>
         </p:xfrm>
         <a:graphic>
           <a:graphicData uri="http://schemas.openxmlformats.org/drawingml/2006/table">
@@ -3619,27 +4565,38 @@
                     <a:bodyPr/>
                     <a:lstStyle/>
                     <a:p>
-                      <a:r>
-                        <a:rPr lang="zh-TW" altLang="en-US" sz="8000" dirty="0" smtClean="0"/>
+                      <a:pPr>
+                        <a:lnSpc>
+                          <a:spcPts val="9500"/>
+                        </a:lnSpc>
+                        <a:spcBef>
+                          <a:spcPts val="600"/>
+                        </a:spcBef>
+                        <a:spcAft>
+                          <a:spcPts val="600"/>
+                        </a:spcAft>
+                      </a:pPr>
+                      <a:r>
+                        <a:rPr lang="zh-TW" altLang="en-US" sz="7200" dirty="0" smtClean="0"/>
                         <a:t>食安問題連環爆，立法院長王金平下午主持</a:t>
                       </a:r>
                       <a:r>
-                        <a:rPr lang="en-US" altLang="zh-TW" sz="8000" dirty="0" smtClean="0"/>
+                        <a:rPr lang="en-US" altLang="zh-TW" sz="7200" dirty="0" smtClean="0"/>
                         <a:t>《</a:t>
                       </a:r>
                       <a:r>
-                        <a:rPr lang="zh-TW" altLang="en-US" sz="8000" dirty="0" smtClean="0"/>
+                        <a:rPr lang="zh-TW" altLang="en-US" sz="7200" dirty="0" smtClean="0"/>
                         <a:t>食品安全衛生管理法</a:t>
                       </a:r>
                       <a:r>
-                        <a:rPr lang="en-US" altLang="zh-TW" sz="8000" dirty="0" smtClean="0"/>
+                        <a:rPr lang="en-US" altLang="zh-TW" sz="7200" dirty="0" smtClean="0"/>
                         <a:t>》</a:t>
                       </a:r>
                       <a:r>
-                        <a:rPr lang="zh-TW" altLang="en-US" sz="8000" dirty="0" smtClean="0"/>
+                        <a:rPr lang="zh-TW" altLang="en-US" sz="7200" dirty="0" smtClean="0"/>
                         <a:t>協商仍未獲共識</a:t>
                       </a:r>
-                      <a:endParaRPr lang="zh-TW" altLang="en-US" sz="8000" dirty="0"/>
+                      <a:endParaRPr lang="zh-TW" altLang="en-US" sz="7200" dirty="0"/>
                     </a:p>
                   </a:txBody>
                   <a:tcPr/>
@@ -3674,27 +4631,38 @@
                     <a:bodyPr/>
                     <a:lstStyle/>
                     <a:p>
-                      <a:r>
-                        <a:rPr lang="zh-TW" altLang="en-US" sz="8000" dirty="0" smtClean="0"/>
+                      <a:pPr>
+                        <a:lnSpc>
+                          <a:spcPts val="9500"/>
+                        </a:lnSpc>
+                        <a:spcBef>
+                          <a:spcPts val="600"/>
+                        </a:spcBef>
+                        <a:spcAft>
+                          <a:spcPts val="600"/>
+                        </a:spcAft>
+                      </a:pPr>
+                      <a:r>
+                        <a:rPr lang="zh-TW" altLang="en-US" sz="7200" dirty="0" smtClean="0"/>
                         <a:t>食安問題連環爆，立法院長王金平下晡主持</a:t>
                       </a:r>
                       <a:r>
-                        <a:rPr lang="en-US" altLang="zh-TW" sz="8000" dirty="0" smtClean="0"/>
+                        <a:rPr lang="en-US" altLang="zh-TW" sz="7200" dirty="0" smtClean="0"/>
                         <a:t>《</a:t>
                       </a:r>
                       <a:r>
-                        <a:rPr lang="zh-TW" altLang="en-US" sz="8000" dirty="0" smtClean="0"/>
+                        <a:rPr lang="zh-TW" altLang="en-US" sz="7200" dirty="0" smtClean="0"/>
                         <a:t>食品安全衛生管理法</a:t>
                       </a:r>
                       <a:r>
-                        <a:rPr lang="en-US" altLang="zh-TW" sz="8000" dirty="0" smtClean="0"/>
+                        <a:rPr lang="en-US" altLang="zh-TW" sz="7200" dirty="0" smtClean="0"/>
                         <a:t>》</a:t>
                       </a:r>
                       <a:r>
-                        <a:rPr lang="zh-TW" altLang="en-US" sz="8000" dirty="0" smtClean="0"/>
+                        <a:rPr lang="zh-TW" altLang="en-US" sz="7200" dirty="0" smtClean="0"/>
                         <a:t>協商猶未獲共識</a:t>
                       </a:r>
-                      <a:endParaRPr lang="zh-TW" altLang="en-US" sz="8000" dirty="0"/>
+                      <a:endParaRPr lang="zh-TW" altLang="en-US" sz="7200" dirty="0"/>
                     </a:p>
                   </a:txBody>
                   <a:tcPr/>
@@ -3708,6 +4676,8052 @@
     <p:extLst>
       <p:ext uri="{BB962C8B-B14F-4D97-AF65-F5344CB8AC3E}">
         <p14:creationId xmlns:p14="http://schemas.microsoft.com/office/powerpoint/2010/main" val="1910072503"/>
+      </p:ext>
+    </p:extLst>
+  </p:cSld>
+  <p:clrMapOvr>
+    <a:masterClrMapping/>
+  </p:clrMapOvr>
+  <p:timing>
+    <p:tnLst>
+      <p:par>
+        <p:cTn id="1" dur="indefinite" restart="never" nodeType="tmRoot"/>
+      </p:par>
+    </p:tnLst>
+  </p:timing>
+</p:sld>
+</file>
+
+<file path=ppt/slides/slide3.xml><?xml version="1.0" encoding="utf-8"?>
+<p:sld xmlns:a="http://schemas.openxmlformats.org/drawingml/2006/main" xmlns:r="http://schemas.openxmlformats.org/officeDocument/2006/relationships" xmlns:p="http://schemas.openxmlformats.org/presentationml/2006/main">
+  <p:cSld>
+    <p:spTree>
+      <p:nvGrpSpPr>
+        <p:cNvPr id="1" name=""/>
+        <p:cNvGrpSpPr/>
+        <p:nvPr/>
+      </p:nvGrpSpPr>
+      <p:grpSpPr>
+        <a:xfrm>
+          <a:off x="0" y="0"/>
+          <a:ext cx="0" cy="0"/>
+          <a:chOff x="0" y="0"/>
+          <a:chExt cx="0" cy="0"/>
+        </a:xfrm>
+      </p:grpSpPr>
+      <p:sp>
+        <p:nvSpPr>
+          <p:cNvPr id="3" name="標題 2"/>
+          <p:cNvSpPr>
+            <a:spLocks noGrp="1"/>
+          </p:cNvSpPr>
+          <p:nvPr>
+            <p:ph type="title"/>
+          </p:nvPr>
+        </p:nvSpPr>
+        <p:spPr>
+          <a:xfrm>
+            <a:off x="2042948" y="1579379"/>
+            <a:ext cx="26112371" cy="3775779"/>
+          </a:xfrm>
+        </p:spPr>
+        <p:txBody>
+          <a:bodyPr>
+            <a:normAutofit/>
+          </a:bodyPr>
+          <a:lstStyle/>
+          <a:p>
+            <a:pPr algn="ctr">
+              <a:spcBef>
+                <a:spcPts val="600"/>
+              </a:spcBef>
+            </a:pPr>
+            <a:r>
+              <a:rPr lang="zh-TW" altLang="en-US" sz="9800" spc="600" dirty="0">
+                <a:latin typeface="Adobe 仿宋 Std R" panose="02020400000000000000" pitchFamily="18" charset="-128"/>
+                <a:ea typeface="Adobe 仿宋 Std R" panose="02020400000000000000" pitchFamily="18" charset="-128"/>
+              </a:rPr>
+              <a:t>漢語間統計式機器翻譯語料</a:t>
+            </a:r>
+            <a:r>
+              <a:rPr lang="zh-TW" altLang="en-US" sz="9800" spc="600" dirty="0" smtClean="0">
+                <a:latin typeface="Adobe 仿宋 Std R" panose="02020400000000000000" pitchFamily="18" charset="-128"/>
+                <a:ea typeface="Adobe 仿宋 Std R" panose="02020400000000000000" pitchFamily="18" charset="-128"/>
+              </a:rPr>
+              <a:t>處理 </a:t>
+            </a:r>
+            <a:r>
+              <a:rPr lang="zh-TW" altLang="en-US" sz="9800" spc="600" dirty="0" smtClean="0">
+                <a:latin typeface="Adobe 仿宋 Std R" panose="02020400000000000000" pitchFamily="18" charset="-128"/>
+                <a:ea typeface="Adobe 仿宋 Std R" panose="02020400000000000000" pitchFamily="18" charset="-128"/>
+              </a:rPr>
+              <a:t>－</a:t>
+            </a:r>
+            <a:r>
+              <a:rPr lang="en-US" altLang="zh-TW" sz="9800" spc="600" dirty="0">
+                <a:latin typeface="Adobe 仿宋 Std R" panose="02020400000000000000" pitchFamily="18" charset="-128"/>
+                <a:ea typeface="Adobe 仿宋 Std R" panose="02020400000000000000" pitchFamily="18" charset="-128"/>
+              </a:rPr>
+              <a:t/>
+            </a:r>
+            <a:br>
+              <a:rPr lang="en-US" altLang="zh-TW" sz="9800" spc="600" dirty="0">
+                <a:latin typeface="Adobe 仿宋 Std R" panose="02020400000000000000" pitchFamily="18" charset="-128"/>
+                <a:ea typeface="Adobe 仿宋 Std R" panose="02020400000000000000" pitchFamily="18" charset="-128"/>
+              </a:rPr>
+            </a:br>
+            <a:r>
+              <a:rPr lang="zh-TW" altLang="en-US" sz="9800" spc="600" dirty="0" smtClean="0">
+                <a:latin typeface="Adobe 仿宋 Std R" panose="02020400000000000000" pitchFamily="18" charset="-128"/>
+                <a:ea typeface="Adobe 仿宋 Std R" panose="02020400000000000000" pitchFamily="18" charset="-128"/>
+              </a:rPr>
+              <a:t>用</a:t>
+            </a:r>
+            <a:r>
+              <a:rPr lang="zh-TW" altLang="en-US" sz="9800" spc="600" dirty="0">
+                <a:latin typeface="Adobe 仿宋 Std R" panose="02020400000000000000" pitchFamily="18" charset="-128"/>
+                <a:ea typeface="Adobe 仿宋 Std R" panose="02020400000000000000" pitchFamily="18" charset="-128"/>
+              </a:rPr>
+              <a:t>臺灣閩南語</a:t>
+            </a:r>
+            <a:r>
+              <a:rPr lang="zh-TW" altLang="en-US" sz="9800" spc="600" dirty="0" smtClean="0">
+                <a:latin typeface="Adobe 仿宋 Std R" panose="02020400000000000000" pitchFamily="18" charset="-128"/>
+                <a:ea typeface="Adobe 仿宋 Std R" panose="02020400000000000000" pitchFamily="18" charset="-128"/>
+              </a:rPr>
+              <a:t>示範</a:t>
+            </a:r>
+            <a:endParaRPr lang="zh-TW" altLang="en-US" sz="9800" b="1" spc="600" dirty="0">
+              <a:latin typeface="Adobe 仿宋 Std R" panose="02020400000000000000" pitchFamily="18" charset="-128"/>
+              <a:ea typeface="Adobe 仿宋 Std R" panose="02020400000000000000" pitchFamily="18" charset="-128"/>
+              <a:cs typeface="Times New Roman" panose="02020603050405020304" pitchFamily="18" charset="0"/>
+            </a:endParaRPr>
+          </a:p>
+        </p:txBody>
+      </p:sp>
+      <p:sp>
+        <p:nvSpPr>
+          <p:cNvPr id="4" name="內容版面配置區 3"/>
+          <p:cNvSpPr>
+            <a:spLocks noGrp="1"/>
+          </p:cNvSpPr>
+          <p:nvPr>
+            <p:ph idx="1"/>
+          </p:nvPr>
+        </p:nvSpPr>
+        <p:spPr>
+          <a:xfrm>
+            <a:off x="2042947" y="8034726"/>
+            <a:ext cx="26112371" cy="20655110"/>
+          </a:xfrm>
+        </p:spPr>
+        <p:txBody>
+          <a:bodyPr>
+            <a:noAutofit/>
+          </a:bodyPr>
+          <a:lstStyle/>
+          <a:p>
+            <a:pPr marL="0" indent="0" algn="ctr">
+              <a:lnSpc>
+                <a:spcPct val="120000"/>
+              </a:lnSpc>
+              <a:buNone/>
+            </a:pPr>
+            <a:r>
+              <a:rPr lang="zh-TW" altLang="en-US" sz="8000" b="1" dirty="0" smtClean="0"/>
+              <a:t>踏話頭</a:t>
+            </a:r>
+            <a:endParaRPr lang="en-US" altLang="zh-TW" sz="8000" b="1" dirty="0" smtClean="0"/>
+          </a:p>
+          <a:p>
+            <a:pPr marL="0" indent="0">
+              <a:lnSpc>
+                <a:spcPct val="120000"/>
+              </a:lnSpc>
+              <a:buNone/>
+            </a:pPr>
+            <a:r>
+              <a:rPr lang="zh-TW" altLang="en-US" sz="7200" dirty="0" smtClean="0"/>
+              <a:t>　　臺灣</a:t>
+            </a:r>
+            <a:r>
+              <a:rPr lang="zh-TW" altLang="en-US" sz="7200" dirty="0"/>
+              <a:t>是一个多元民族、多元語言的國家</a:t>
+            </a:r>
+            <a:r>
+              <a:rPr lang="zh-TW" altLang="en-US" sz="7200" dirty="0" smtClean="0"/>
+              <a:t>。講</a:t>
+            </a:r>
+            <a:r>
+              <a:rPr lang="zh-TW" altLang="en-US" sz="7200" dirty="0"/>
+              <a:t>母語、使用母語是上基本的權利</a:t>
+            </a:r>
+            <a:r>
+              <a:rPr lang="zh-TW" altLang="en-US" sz="7200" dirty="0" smtClean="0"/>
+              <a:t>，毋</a:t>
+            </a:r>
+            <a:r>
+              <a:rPr lang="zh-TW" altLang="en-US" sz="7200" dirty="0"/>
+              <a:t>過母語的電腦相關應用煞誠</a:t>
+            </a:r>
+            <a:r>
+              <a:rPr lang="zh-TW" altLang="en-US" sz="7200" dirty="0" smtClean="0"/>
+              <a:t>少，需要</a:t>
+            </a:r>
+            <a:r>
+              <a:rPr lang="zh-TW" altLang="en-US" sz="7200" dirty="0"/>
+              <a:t>加強自然語言處理的研究佮語料收集整理</a:t>
+            </a:r>
+            <a:r>
+              <a:rPr lang="zh-TW" altLang="en-US" sz="7200" dirty="0" smtClean="0"/>
+              <a:t>。</a:t>
+            </a:r>
+            <a:endParaRPr lang="en-US" altLang="zh-TW" sz="7200" dirty="0"/>
+          </a:p>
+          <a:p>
+            <a:pPr marL="0" indent="0">
+              <a:lnSpc>
+                <a:spcPct val="120000"/>
+              </a:lnSpc>
+              <a:buNone/>
+            </a:pPr>
+            <a:endParaRPr lang="en-US" altLang="zh-TW" sz="2800" dirty="0"/>
+          </a:p>
+          <a:p>
+            <a:pPr marL="0" indent="0">
+              <a:lnSpc>
+                <a:spcPct val="120000"/>
+              </a:lnSpc>
+              <a:buNone/>
+            </a:pPr>
+            <a:r>
+              <a:rPr lang="zh-TW" altLang="en-US" sz="7200" dirty="0" smtClean="0"/>
+              <a:t>　　臺灣</a:t>
+            </a:r>
+            <a:r>
+              <a:rPr lang="zh-TW" altLang="en-US" sz="7200" dirty="0"/>
+              <a:t>本土語言百百種</a:t>
+            </a:r>
+            <a:r>
+              <a:rPr lang="zh-TW" altLang="en-US" sz="7200" dirty="0" smtClean="0"/>
+              <a:t>，本</a:t>
+            </a:r>
+            <a:r>
+              <a:rPr lang="zh-TW" altLang="en-US" sz="7200" dirty="0"/>
+              <a:t>論文是針對閩南語</a:t>
+            </a:r>
+            <a:r>
+              <a:rPr lang="zh-TW" altLang="en-US" sz="7200" dirty="0" smtClean="0"/>
+              <a:t>，研究</a:t>
+            </a:r>
+            <a:r>
+              <a:rPr lang="zh-TW" altLang="en-US" sz="7200" dirty="0"/>
+              <a:t>伊翻譯語料的特性</a:t>
+            </a:r>
+            <a:r>
+              <a:rPr lang="zh-TW" altLang="en-US" sz="7200" dirty="0" smtClean="0"/>
+              <a:t>。除了</a:t>
+            </a:r>
+            <a:r>
+              <a:rPr lang="zh-TW" altLang="en-US" sz="7200" dirty="0"/>
+              <a:t>閩南語本身以外</a:t>
+            </a:r>
+            <a:r>
+              <a:rPr lang="zh-TW" altLang="en-US" sz="7200" dirty="0" smtClean="0"/>
+              <a:t>，嘛</a:t>
+            </a:r>
+            <a:r>
+              <a:rPr lang="zh-TW" altLang="en-US" sz="7200" dirty="0"/>
+              <a:t>希望研究結果對別的本土語言有幫助</a:t>
+            </a:r>
+            <a:r>
+              <a:rPr lang="zh-TW" altLang="en-US" sz="7200" dirty="0" smtClean="0"/>
+              <a:t>。</a:t>
+            </a:r>
+            <a:endParaRPr lang="en-US" altLang="zh-TW" sz="7200" dirty="0" smtClean="0"/>
+          </a:p>
+          <a:p>
+            <a:pPr marL="0" indent="0">
+              <a:lnSpc>
+                <a:spcPct val="120000"/>
+              </a:lnSpc>
+              <a:buNone/>
+            </a:pPr>
+            <a:endParaRPr lang="en-US" altLang="zh-TW" sz="2800" dirty="0"/>
+          </a:p>
+          <a:p>
+            <a:pPr marL="0" indent="0">
+              <a:lnSpc>
+                <a:spcPct val="120000"/>
+              </a:lnSpc>
+              <a:buNone/>
+            </a:pPr>
+            <a:r>
+              <a:rPr lang="zh-TW" altLang="en-US" sz="7200" dirty="0" smtClean="0"/>
+              <a:t>　　本</a:t>
+            </a:r>
+            <a:r>
+              <a:rPr lang="zh-TW" altLang="en-US" sz="7200" dirty="0"/>
+              <a:t>論文提出一个自動整理漢語語料的方法</a:t>
+            </a:r>
+            <a:r>
+              <a:rPr lang="zh-TW" altLang="en-US" sz="7200" dirty="0" smtClean="0"/>
+              <a:t>，予</a:t>
+            </a:r>
+            <a:r>
+              <a:rPr lang="zh-TW" altLang="en-US" sz="7200" dirty="0"/>
+              <a:t>資訊無完整的語料庫補足資訊</a:t>
+            </a:r>
+            <a:r>
+              <a:rPr lang="zh-TW" altLang="en-US" sz="7200" dirty="0" smtClean="0"/>
+              <a:t>，發揮</a:t>
+            </a:r>
+            <a:r>
+              <a:rPr lang="zh-TW" altLang="en-US" sz="7200" dirty="0"/>
+              <a:t>上大的價值</a:t>
+            </a:r>
+            <a:r>
+              <a:rPr lang="zh-TW" altLang="en-US" sz="7200" dirty="0" smtClean="0"/>
+              <a:t>，</a:t>
+            </a:r>
+            <a:r>
+              <a:rPr lang="en-US" altLang="zh-TW" sz="7200" dirty="0" smtClean="0"/>
+              <a:t>BLEU</a:t>
+            </a:r>
+            <a:r>
+              <a:rPr lang="zh-TW" altLang="en-US" sz="7200" dirty="0"/>
+              <a:t>分數對</a:t>
+            </a:r>
+            <a:r>
+              <a:rPr lang="en-US" altLang="zh-TW" sz="7200" dirty="0"/>
+              <a:t>9.30</a:t>
+            </a:r>
+            <a:r>
+              <a:rPr lang="zh-TW" altLang="en-US" sz="7200" dirty="0"/>
+              <a:t>搝到</a:t>
+            </a:r>
+            <a:r>
+              <a:rPr lang="en-US" altLang="zh-TW" sz="7200" dirty="0"/>
+              <a:t>13.82</a:t>
+            </a:r>
+            <a:r>
+              <a:rPr lang="zh-TW" altLang="en-US" sz="7200" dirty="0" smtClean="0"/>
+              <a:t>。另外</a:t>
+            </a:r>
+            <a:r>
+              <a:rPr lang="zh-TW" altLang="en-US" sz="7200" dirty="0"/>
+              <a:t>閣用實驗證明平行語料數量無到十萬句的</a:t>
+            </a:r>
+            <a:r>
+              <a:rPr lang="zh-TW" altLang="en-US" sz="7200" dirty="0" smtClean="0"/>
+              <a:t>時，加</a:t>
+            </a:r>
+            <a:r>
+              <a:rPr lang="zh-TW" altLang="en-US" sz="7200" dirty="0"/>
+              <a:t>語料對翻譯的效果影響非常大</a:t>
+            </a:r>
+            <a:r>
+              <a:rPr lang="zh-TW" altLang="en-US" sz="7200" dirty="0" smtClean="0"/>
+              <a:t>，原本</a:t>
+            </a:r>
+            <a:r>
+              <a:rPr lang="en-US" altLang="zh-TW" sz="7200" dirty="0"/>
+              <a:t>64121</a:t>
+            </a:r>
+            <a:r>
+              <a:rPr lang="zh-TW" altLang="en-US" sz="7200" dirty="0"/>
+              <a:t>句加到</a:t>
+            </a:r>
+            <a:r>
+              <a:rPr lang="en-US" altLang="zh-TW" sz="7200" dirty="0"/>
+              <a:t>99147</a:t>
+            </a:r>
+            <a:r>
+              <a:rPr lang="zh-TW" altLang="en-US" sz="7200" dirty="0"/>
+              <a:t>句了後</a:t>
+            </a:r>
+            <a:r>
+              <a:rPr lang="zh-TW" altLang="en-US" sz="7200" dirty="0" smtClean="0"/>
+              <a:t>，</a:t>
+            </a:r>
+            <a:r>
+              <a:rPr lang="en-US" altLang="zh-TW" sz="7200" dirty="0" smtClean="0"/>
+              <a:t>BLEU</a:t>
+            </a:r>
+            <a:r>
+              <a:rPr lang="zh-TW" altLang="en-US" sz="7200" dirty="0"/>
+              <a:t>分數對</a:t>
+            </a:r>
+            <a:r>
+              <a:rPr lang="en-US" altLang="zh-TW" sz="7200" dirty="0"/>
+              <a:t>13.82</a:t>
+            </a:r>
+            <a:r>
+              <a:rPr lang="zh-TW" altLang="en-US" sz="7200" dirty="0"/>
+              <a:t>提昇到</a:t>
+            </a:r>
+            <a:r>
+              <a:rPr lang="en-US" altLang="zh-TW" sz="7200" dirty="0"/>
+              <a:t>19.33</a:t>
+            </a:r>
+            <a:r>
+              <a:rPr lang="zh-TW" altLang="en-US" sz="7200" dirty="0" smtClean="0"/>
+              <a:t>。</a:t>
+            </a:r>
+            <a:endParaRPr lang="en-US" altLang="zh-TW" sz="7200" dirty="0" smtClean="0"/>
+          </a:p>
+          <a:p>
+            <a:pPr marL="0" indent="0">
+              <a:lnSpc>
+                <a:spcPct val="120000"/>
+              </a:lnSpc>
+              <a:buNone/>
+            </a:pPr>
+            <a:r>
+              <a:rPr lang="zh-TW" altLang="en-US" sz="7200" b="1" dirty="0" smtClean="0"/>
+              <a:t>關鍵字</a:t>
+            </a:r>
+            <a:r>
+              <a:rPr lang="zh-TW" altLang="en-US" sz="7200" dirty="0"/>
+              <a:t>：臺灣閩南語、華語、翻譯、語料、斷詞、語言分類</a:t>
+            </a:r>
+            <a:br>
+              <a:rPr lang="zh-TW" altLang="en-US" sz="7200" dirty="0"/>
+            </a:br>
+            <a:endParaRPr lang="zh-TW" altLang="en-US" sz="6600" dirty="0">
+              <a:latin typeface="Times New Roman" panose="02020603050405020304" pitchFamily="18" charset="0"/>
+              <a:cs typeface="Times New Roman" panose="02020603050405020304" pitchFamily="18" charset="0"/>
+            </a:endParaRPr>
+          </a:p>
+        </p:txBody>
+      </p:sp>
+      <p:sp>
+        <p:nvSpPr>
+          <p:cNvPr id="22" name="文字方塊 21"/>
+          <p:cNvSpPr txBox="1"/>
+          <p:nvPr/>
+        </p:nvSpPr>
+        <p:spPr>
+          <a:xfrm>
+            <a:off x="2042947" y="5540780"/>
+            <a:ext cx="8688180" cy="2308324"/>
+          </a:xfrm>
+          <a:prstGeom prst="rect">
+            <a:avLst/>
+          </a:prstGeom>
+          <a:noFill/>
+        </p:spPr>
+        <p:txBody>
+          <a:bodyPr wrap="square" rtlCol="0">
+            <a:spAutoFit/>
+          </a:bodyPr>
+          <a:lstStyle/>
+          <a:p>
+            <a:r>
+              <a:rPr lang="zh-TW" altLang="en-US" sz="7200" dirty="0" smtClean="0">
+                <a:latin typeface="Times New Roman" panose="02020603050405020304" pitchFamily="18" charset="0"/>
+                <a:cs typeface="Times New Roman" panose="02020603050405020304" pitchFamily="18" charset="0"/>
+              </a:rPr>
+              <a:t>學生：薛丞宏</a:t>
+            </a:r>
+            <a:endParaRPr lang="en-US" altLang="zh-TW" sz="7200" dirty="0" smtClean="0">
+              <a:latin typeface="Times New Roman" panose="02020603050405020304" pitchFamily="18" charset="0"/>
+              <a:cs typeface="Times New Roman" panose="02020603050405020304" pitchFamily="18" charset="0"/>
+            </a:endParaRPr>
+          </a:p>
+          <a:p>
+            <a:r>
+              <a:rPr lang="zh-TW" altLang="en-US" sz="7200" dirty="0" smtClean="0">
+                <a:latin typeface="Times New Roman" panose="02020603050405020304" pitchFamily="18" charset="0"/>
+                <a:cs typeface="Times New Roman" panose="02020603050405020304" pitchFamily="18" charset="0"/>
+              </a:rPr>
+              <a:t>　　　</a:t>
+            </a:r>
+            <a:r>
+              <a:rPr lang="en-US" altLang="zh-TW" sz="7200" dirty="0" err="1" smtClean="0">
+                <a:latin typeface="Times New Roman" panose="02020603050405020304" pitchFamily="18" charset="0"/>
+                <a:cs typeface="Times New Roman" panose="02020603050405020304" pitchFamily="18" charset="0"/>
+              </a:rPr>
+              <a:t>Sih</a:t>
+            </a:r>
+            <a:r>
+              <a:rPr lang="en-US" altLang="zh-TW" sz="7200" dirty="0" smtClean="0">
+                <a:latin typeface="Times New Roman" panose="02020603050405020304" pitchFamily="18" charset="0"/>
+                <a:cs typeface="Times New Roman" panose="02020603050405020304" pitchFamily="18" charset="0"/>
+              </a:rPr>
+              <a:t>, Sing-</a:t>
+            </a:r>
+            <a:r>
+              <a:rPr lang="en-US" altLang="zh-TW" sz="7200" dirty="0" err="1" smtClean="0">
+                <a:latin typeface="Times New Roman" panose="02020603050405020304" pitchFamily="18" charset="0"/>
+                <a:cs typeface="Times New Roman" panose="02020603050405020304" pitchFamily="18" charset="0"/>
+              </a:rPr>
+              <a:t>Hông</a:t>
+            </a:r>
+            <a:endParaRPr lang="en-US" altLang="zh-TW" sz="7200" dirty="0">
+              <a:latin typeface="Times New Roman" panose="02020603050405020304" pitchFamily="18" charset="0"/>
+              <a:cs typeface="Times New Roman" panose="02020603050405020304" pitchFamily="18" charset="0"/>
+            </a:endParaRPr>
+          </a:p>
+        </p:txBody>
+      </p:sp>
+      <p:sp>
+        <p:nvSpPr>
+          <p:cNvPr id="23" name="文字方塊 22"/>
+          <p:cNvSpPr txBox="1"/>
+          <p:nvPr/>
+        </p:nvSpPr>
+        <p:spPr>
+          <a:xfrm>
+            <a:off x="18896100" y="5540780"/>
+            <a:ext cx="7650812" cy="2308324"/>
+          </a:xfrm>
+          <a:prstGeom prst="rect">
+            <a:avLst/>
+          </a:prstGeom>
+          <a:noFill/>
+        </p:spPr>
+        <p:txBody>
+          <a:bodyPr wrap="none" rtlCol="0">
+            <a:spAutoFit/>
+          </a:bodyPr>
+          <a:lstStyle/>
+          <a:p>
+            <a:pPr algn="r"/>
+            <a:r>
+              <a:rPr lang="zh-TW" altLang="en-US" sz="7200" dirty="0">
+                <a:latin typeface="Times New Roman" panose="02020603050405020304" pitchFamily="18" charset="0"/>
+                <a:cs typeface="Times New Roman" panose="02020603050405020304" pitchFamily="18" charset="0"/>
+              </a:rPr>
+              <a:t>指導教授</a:t>
+            </a:r>
+            <a:r>
+              <a:rPr lang="zh-TW" altLang="en-US" sz="7200" dirty="0" smtClean="0">
+                <a:latin typeface="Times New Roman" panose="02020603050405020304" pitchFamily="18" charset="0"/>
+                <a:cs typeface="Times New Roman" panose="02020603050405020304" pitchFamily="18" charset="0"/>
+              </a:rPr>
+              <a:t>：張智星</a:t>
+            </a:r>
+            <a:endParaRPr lang="en-US" altLang="zh-TW" sz="7200" dirty="0" smtClean="0">
+              <a:latin typeface="Times New Roman" panose="02020603050405020304" pitchFamily="18" charset="0"/>
+              <a:cs typeface="Times New Roman" panose="02020603050405020304" pitchFamily="18" charset="0"/>
+            </a:endParaRPr>
+          </a:p>
+          <a:p>
+            <a:pPr algn="r"/>
+            <a:r>
+              <a:rPr lang="zh-TW" altLang="en-US" sz="7200" dirty="0" smtClean="0">
+                <a:latin typeface="Times New Roman" panose="02020603050405020304" pitchFamily="18" charset="0"/>
+                <a:cs typeface="Times New Roman" panose="02020603050405020304" pitchFamily="18" charset="0"/>
+              </a:rPr>
+              <a:t>　　　　　易志偉</a:t>
+            </a:r>
+            <a:endParaRPr lang="en-US" altLang="zh-TW" sz="7200" dirty="0" smtClean="0">
+              <a:latin typeface="Times New Roman" panose="02020603050405020304" pitchFamily="18" charset="0"/>
+              <a:cs typeface="Times New Roman" panose="02020603050405020304" pitchFamily="18" charset="0"/>
+            </a:endParaRPr>
+          </a:p>
+        </p:txBody>
+      </p:sp>
+      <p:graphicFrame>
+        <p:nvGraphicFramePr>
+          <p:cNvPr id="7" name="表格 6"/>
+          <p:cNvGraphicFramePr>
+            <a:graphicFrameLocks noGrp="1"/>
+          </p:cNvGraphicFramePr>
+          <p:nvPr>
+            <p:extLst/>
+          </p:nvPr>
+        </p:nvGraphicFramePr>
+        <p:xfrm>
+          <a:off x="2042947" y="36342003"/>
+          <a:ext cx="26150843" cy="5034280"/>
+        </p:xfrm>
+        <a:graphic>
+          <a:graphicData uri="http://schemas.openxmlformats.org/drawingml/2006/table">
+            <a:tbl>
+              <a:tblPr firstCol="1" bandRow="1">
+                <a:tableStyleId>{5DA37D80-6434-44D0-A028-1B22A696006F}</a:tableStyleId>
+              </a:tblPr>
+              <a:tblGrid>
+                <a:gridCol w="5473341"/>
+                <a:gridCol w="20677502"/>
+              </a:tblGrid>
+              <a:tr h="370840">
+                <a:tc>
+                  <a:txBody>
+                    <a:bodyPr/>
+                    <a:lstStyle/>
+                    <a:p>
+                      <a:pPr algn="ctr"/>
+                      <a:r>
+                        <a:rPr lang="zh-TW" altLang="en-US" sz="8000" dirty="0" smtClean="0"/>
+                        <a:t>華語輸入</a:t>
+                      </a:r>
+                      <a:endParaRPr lang="zh-TW" altLang="en-US" sz="8000" dirty="0"/>
+                    </a:p>
+                  </a:txBody>
+                  <a:tcPr anchor="ctr"/>
+                </a:tc>
+                <a:tc>
+                  <a:txBody>
+                    <a:bodyPr/>
+                    <a:lstStyle/>
+                    <a:p>
+                      <a:pPr marL="0" algn="l" defTabSz="2270638" rtl="0" eaLnBrk="1" latinLnBrk="0" hangingPunct="1">
+                        <a:lnSpc>
+                          <a:spcPts val="9500"/>
+                        </a:lnSpc>
+                        <a:spcBef>
+                          <a:spcPts val="600"/>
+                        </a:spcBef>
+                        <a:spcAft>
+                          <a:spcPts val="600"/>
+                        </a:spcAft>
+                      </a:pPr>
+                      <a:r>
+                        <a:rPr lang="zh-TW" altLang="en-US" sz="7200" kern="1200" dirty="0" smtClean="0">
+                          <a:solidFill>
+                            <a:schemeClr val="tx1"/>
+                          </a:solidFill>
+                          <a:latin typeface="+mn-lt"/>
+                          <a:ea typeface="+mn-ea"/>
+                          <a:cs typeface="+mn-cs"/>
+                        </a:rPr>
+                        <a:t>如果傳統的重要族群活動，看不到文化，體會不到精神，</a:t>
+                      </a:r>
+                      <a:endParaRPr lang="zh-TW" altLang="en-US" sz="7200" kern="1200" dirty="0">
+                        <a:solidFill>
+                          <a:schemeClr val="tx1"/>
+                        </a:solidFill>
+                        <a:latin typeface="+mn-lt"/>
+                        <a:ea typeface="+mn-ea"/>
+                        <a:cs typeface="+mn-cs"/>
+                      </a:endParaRPr>
+                    </a:p>
+                  </a:txBody>
+                  <a:tcPr/>
+                </a:tc>
+              </a:tr>
+              <a:tr h="370840">
+                <a:tc>
+                  <a:txBody>
+                    <a:bodyPr/>
+                    <a:lstStyle/>
+                    <a:p>
+                      <a:pPr algn="ctr"/>
+                      <a:r>
+                        <a:rPr lang="zh-TW" altLang="en-US" sz="8000" dirty="0" smtClean="0"/>
+                        <a:t>閩南語</a:t>
+                      </a:r>
+                      <a:endParaRPr lang="en-US" altLang="zh-TW" sz="8000" dirty="0" smtClean="0"/>
+                    </a:p>
+                    <a:p>
+                      <a:pPr algn="ctr"/>
+                      <a:r>
+                        <a:rPr lang="zh-TW" altLang="en-US" sz="8000" dirty="0" smtClean="0"/>
+                        <a:t>輸出</a:t>
+                      </a:r>
+                      <a:endParaRPr lang="zh-TW" altLang="en-US" sz="8000" dirty="0"/>
+                    </a:p>
+                  </a:txBody>
+                  <a:tcPr anchor="ctr"/>
+                </a:tc>
+                <a:tc>
+                  <a:txBody>
+                    <a:bodyPr/>
+                    <a:lstStyle/>
+                    <a:p>
+                      <a:pPr marL="0" algn="l" defTabSz="2270638" rtl="0" eaLnBrk="1" latinLnBrk="0" hangingPunct="1">
+                        <a:lnSpc>
+                          <a:spcPts val="9500"/>
+                        </a:lnSpc>
+                        <a:spcBef>
+                          <a:spcPts val="600"/>
+                        </a:spcBef>
+                        <a:spcAft>
+                          <a:spcPts val="600"/>
+                        </a:spcAft>
+                      </a:pPr>
+                      <a:r>
+                        <a:rPr lang="zh-TW" altLang="en-US" sz="7200" kern="1200" dirty="0" smtClean="0">
+                          <a:solidFill>
+                            <a:schemeClr val="tx1"/>
+                          </a:solidFill>
+                          <a:latin typeface="+mn-lt"/>
+                          <a:ea typeface="+mn-ea"/>
+                          <a:cs typeface="+mn-cs"/>
+                        </a:rPr>
+                        <a:t>若是傳統的重要的族群活動，看袂著文化，體會毋著精神，</a:t>
+                      </a:r>
+                      <a:endParaRPr lang="zh-TW" altLang="en-US" sz="7200" kern="1200" dirty="0">
+                        <a:solidFill>
+                          <a:schemeClr val="tx1"/>
+                        </a:solidFill>
+                        <a:latin typeface="+mn-lt"/>
+                        <a:ea typeface="+mn-ea"/>
+                        <a:cs typeface="+mn-cs"/>
+                      </a:endParaRPr>
+                    </a:p>
+                  </a:txBody>
+                  <a:tcPr/>
+                </a:tc>
+              </a:tr>
+            </a:tbl>
+          </a:graphicData>
+        </a:graphic>
+      </p:graphicFrame>
+      <p:graphicFrame>
+        <p:nvGraphicFramePr>
+          <p:cNvPr id="5" name="表格 4"/>
+          <p:cNvGraphicFramePr>
+            <a:graphicFrameLocks noGrp="1"/>
+          </p:cNvGraphicFramePr>
+          <p:nvPr>
+            <p:extLst/>
+          </p:nvPr>
+        </p:nvGraphicFramePr>
+        <p:xfrm>
+          <a:off x="2042947" y="29798612"/>
+          <a:ext cx="26112372" cy="5034280"/>
+        </p:xfrm>
+        <a:graphic>
+          <a:graphicData uri="http://schemas.openxmlformats.org/drawingml/2006/table">
+            <a:tbl>
+              <a:tblPr firstCol="1" bandRow="1">
+                <a:tableStyleId>{0E3FDE45-AF77-4B5C-9715-49D594BDF05E}</a:tableStyleId>
+              </a:tblPr>
+              <a:tblGrid>
+                <a:gridCol w="5471654"/>
+                <a:gridCol w="20640718"/>
+              </a:tblGrid>
+              <a:tr h="1631942">
+                <a:tc>
+                  <a:txBody>
+                    <a:bodyPr/>
+                    <a:lstStyle/>
+                    <a:p>
+                      <a:pPr algn="ctr"/>
+                      <a:r>
+                        <a:rPr lang="zh-TW" altLang="en-US" sz="8000" dirty="0" smtClean="0"/>
+                        <a:t>華語輸入</a:t>
+                      </a:r>
+                      <a:endParaRPr lang="zh-TW" altLang="en-US" sz="8000" dirty="0"/>
+                    </a:p>
+                  </a:txBody>
+                  <a:tcPr anchor="ctr"/>
+                </a:tc>
+                <a:tc>
+                  <a:txBody>
+                    <a:bodyPr/>
+                    <a:lstStyle/>
+                    <a:p>
+                      <a:pPr>
+                        <a:lnSpc>
+                          <a:spcPts val="9500"/>
+                        </a:lnSpc>
+                        <a:spcBef>
+                          <a:spcPts val="600"/>
+                        </a:spcBef>
+                        <a:spcAft>
+                          <a:spcPts val="600"/>
+                        </a:spcAft>
+                      </a:pPr>
+                      <a:r>
+                        <a:rPr lang="zh-TW" altLang="en-US" sz="7200" dirty="0" smtClean="0"/>
+                        <a:t>食安問題連環爆，立法院長王金平下午主持</a:t>
+                      </a:r>
+                      <a:r>
+                        <a:rPr lang="en-US" altLang="zh-TW" sz="7200" dirty="0" smtClean="0"/>
+                        <a:t>《</a:t>
+                      </a:r>
+                      <a:r>
+                        <a:rPr lang="zh-TW" altLang="en-US" sz="7200" dirty="0" smtClean="0"/>
+                        <a:t>食品安全衛生管理法</a:t>
+                      </a:r>
+                      <a:r>
+                        <a:rPr lang="en-US" altLang="zh-TW" sz="7200" dirty="0" smtClean="0"/>
+                        <a:t>》</a:t>
+                      </a:r>
+                      <a:r>
+                        <a:rPr lang="zh-TW" altLang="en-US" sz="7200" dirty="0" smtClean="0"/>
+                        <a:t>協商仍未獲共識</a:t>
+                      </a:r>
+                      <a:endParaRPr lang="zh-TW" altLang="en-US" sz="7200" dirty="0"/>
+                    </a:p>
+                  </a:txBody>
+                  <a:tcPr/>
+                </a:tc>
+              </a:tr>
+              <a:tr h="1111258">
+                <a:tc>
+                  <a:txBody>
+                    <a:bodyPr/>
+                    <a:lstStyle/>
+                    <a:p>
+                      <a:pPr algn="ctr"/>
+                      <a:r>
+                        <a:rPr lang="zh-TW" altLang="en-US" sz="8000" dirty="0" smtClean="0"/>
+                        <a:t>閩南語</a:t>
+                      </a:r>
+                      <a:endParaRPr lang="en-US" altLang="zh-TW" sz="8000" dirty="0" smtClean="0"/>
+                    </a:p>
+                    <a:p>
+                      <a:pPr algn="ctr"/>
+                      <a:r>
+                        <a:rPr lang="zh-TW" altLang="en-US" sz="8000" dirty="0" smtClean="0"/>
+                        <a:t>輸出</a:t>
+                      </a:r>
+                      <a:endParaRPr lang="zh-TW" altLang="en-US" sz="8000" dirty="0"/>
+                    </a:p>
+                  </a:txBody>
+                  <a:tcPr anchor="ctr"/>
+                </a:tc>
+                <a:tc>
+                  <a:txBody>
+                    <a:bodyPr/>
+                    <a:lstStyle/>
+                    <a:p>
+                      <a:pPr>
+                        <a:lnSpc>
+                          <a:spcPts val="9500"/>
+                        </a:lnSpc>
+                        <a:spcBef>
+                          <a:spcPts val="600"/>
+                        </a:spcBef>
+                        <a:spcAft>
+                          <a:spcPts val="600"/>
+                        </a:spcAft>
+                      </a:pPr>
+                      <a:r>
+                        <a:rPr lang="zh-TW" altLang="en-US" sz="7200" dirty="0" smtClean="0"/>
+                        <a:t>食安問題連環爆，立法院長王金平下晡主持</a:t>
+                      </a:r>
+                      <a:r>
+                        <a:rPr lang="en-US" altLang="zh-TW" sz="7200" dirty="0" smtClean="0"/>
+                        <a:t>《</a:t>
+                      </a:r>
+                      <a:r>
+                        <a:rPr lang="zh-TW" altLang="en-US" sz="7200" dirty="0" smtClean="0"/>
+                        <a:t>食品安全衛生管理法</a:t>
+                      </a:r>
+                      <a:r>
+                        <a:rPr lang="en-US" altLang="zh-TW" sz="7200" dirty="0" smtClean="0"/>
+                        <a:t>》</a:t>
+                      </a:r>
+                      <a:r>
+                        <a:rPr lang="zh-TW" altLang="en-US" sz="7200" dirty="0" smtClean="0"/>
+                        <a:t>協商猶未獲共識</a:t>
+                      </a:r>
+                      <a:endParaRPr lang="zh-TW" altLang="en-US" sz="7200" dirty="0"/>
+                    </a:p>
+                  </a:txBody>
+                  <a:tcPr/>
+                </a:tc>
+              </a:tr>
+            </a:tbl>
+          </a:graphicData>
+        </a:graphic>
+      </p:graphicFrame>
+    </p:spTree>
+    <p:extLst>
+      <p:ext uri="{BB962C8B-B14F-4D97-AF65-F5344CB8AC3E}">
+        <p14:creationId xmlns:p14="http://schemas.microsoft.com/office/powerpoint/2010/main" val="1118497696"/>
+      </p:ext>
+    </p:extLst>
+  </p:cSld>
+  <p:clrMapOvr>
+    <a:masterClrMapping/>
+  </p:clrMapOvr>
+  <p:timing>
+    <p:tnLst>
+      <p:par>
+        <p:cTn id="1" dur="indefinite" restart="never" nodeType="tmRoot"/>
+      </p:par>
+    </p:tnLst>
+  </p:timing>
+</p:sld>
+</file>
+
+<file path=ppt/slides/slide4.xml><?xml version="1.0" encoding="utf-8"?>
+<p:sld xmlns:a="http://schemas.openxmlformats.org/drawingml/2006/main" xmlns:r="http://schemas.openxmlformats.org/officeDocument/2006/relationships" xmlns:p="http://schemas.openxmlformats.org/presentationml/2006/main">
+  <p:cSld>
+    <p:spTree>
+      <p:nvGrpSpPr>
+        <p:cNvPr id="1" name=""/>
+        <p:cNvGrpSpPr/>
+        <p:nvPr/>
+      </p:nvGrpSpPr>
+      <p:grpSpPr>
+        <a:xfrm>
+          <a:off x="0" y="0"/>
+          <a:ext cx="0" cy="0"/>
+          <a:chOff x="0" y="0"/>
+          <a:chExt cx="0" cy="0"/>
+        </a:xfrm>
+      </p:grpSpPr>
+      <p:sp>
+        <p:nvSpPr>
+          <p:cNvPr id="3" name="標題 2"/>
+          <p:cNvSpPr>
+            <a:spLocks noGrp="1"/>
+          </p:cNvSpPr>
+          <p:nvPr>
+            <p:ph type="title"/>
+          </p:nvPr>
+        </p:nvSpPr>
+        <p:spPr>
+          <a:xfrm>
+            <a:off x="2042948" y="1579379"/>
+            <a:ext cx="26112371" cy="3775779"/>
+          </a:xfrm>
+        </p:spPr>
+        <p:txBody>
+          <a:bodyPr>
+            <a:normAutofit/>
+          </a:bodyPr>
+          <a:lstStyle/>
+          <a:p>
+            <a:pPr algn="ctr">
+              <a:spcBef>
+                <a:spcPts val="600"/>
+              </a:spcBef>
+            </a:pPr>
+            <a:r>
+              <a:rPr lang="zh-TW" altLang="en-US" sz="9800" spc="600" dirty="0">
+                <a:latin typeface="Adobe 仿宋 Std R" panose="02020400000000000000" pitchFamily="18" charset="-128"/>
+                <a:ea typeface="Adobe 仿宋 Std R" panose="02020400000000000000" pitchFamily="18" charset="-128"/>
+              </a:rPr>
+              <a:t>漢語間統計式機器翻譯語料</a:t>
+            </a:r>
+            <a:r>
+              <a:rPr lang="zh-TW" altLang="en-US" sz="9800" spc="600" dirty="0" smtClean="0">
+                <a:latin typeface="Adobe 仿宋 Std R" panose="02020400000000000000" pitchFamily="18" charset="-128"/>
+                <a:ea typeface="Adobe 仿宋 Std R" panose="02020400000000000000" pitchFamily="18" charset="-128"/>
+              </a:rPr>
+              <a:t>處理 </a:t>
+            </a:r>
+            <a:r>
+              <a:rPr lang="en-US" altLang="zh-TW" sz="9800" spc="600" dirty="0" smtClean="0">
+                <a:latin typeface="Adobe 仿宋 Std R" panose="02020400000000000000" pitchFamily="18" charset="-128"/>
+                <a:ea typeface="Adobe 仿宋 Std R" panose="02020400000000000000" pitchFamily="18" charset="-128"/>
+              </a:rPr>
+              <a:t/>
+            </a:r>
+            <a:br>
+              <a:rPr lang="en-US" altLang="zh-TW" sz="9800" spc="600" dirty="0" smtClean="0">
+                <a:latin typeface="Adobe 仿宋 Std R" panose="02020400000000000000" pitchFamily="18" charset="-128"/>
+                <a:ea typeface="Adobe 仿宋 Std R" panose="02020400000000000000" pitchFamily="18" charset="-128"/>
+              </a:rPr>
+            </a:br>
+            <a:r>
+              <a:rPr lang="zh-TW" altLang="en-US" sz="9800" spc="600" dirty="0" smtClean="0">
+                <a:latin typeface="Adobe 仿宋 Std R" panose="02020400000000000000" pitchFamily="18" charset="-128"/>
+                <a:ea typeface="Adobe 仿宋 Std R" panose="02020400000000000000" pitchFamily="18" charset="-128"/>
+              </a:rPr>
+              <a:t>－　用</a:t>
+            </a:r>
+            <a:r>
+              <a:rPr lang="zh-TW" altLang="en-US" sz="9800" spc="600" dirty="0">
+                <a:latin typeface="Adobe 仿宋 Std R" panose="02020400000000000000" pitchFamily="18" charset="-128"/>
+                <a:ea typeface="Adobe 仿宋 Std R" panose="02020400000000000000" pitchFamily="18" charset="-128"/>
+              </a:rPr>
+              <a:t>臺灣閩南語</a:t>
+            </a:r>
+            <a:r>
+              <a:rPr lang="zh-TW" altLang="en-US" sz="9800" spc="600" dirty="0" smtClean="0">
+                <a:latin typeface="Adobe 仿宋 Std R" panose="02020400000000000000" pitchFamily="18" charset="-128"/>
+                <a:ea typeface="Adobe 仿宋 Std R" panose="02020400000000000000" pitchFamily="18" charset="-128"/>
+              </a:rPr>
+              <a:t>示範</a:t>
+            </a:r>
+            <a:endParaRPr lang="zh-TW" altLang="en-US" sz="9800" b="1" spc="600" dirty="0">
+              <a:latin typeface="Adobe 仿宋 Std R" panose="02020400000000000000" pitchFamily="18" charset="-128"/>
+              <a:ea typeface="Adobe 仿宋 Std R" panose="02020400000000000000" pitchFamily="18" charset="-128"/>
+              <a:cs typeface="Times New Roman" panose="02020603050405020304" pitchFamily="18" charset="0"/>
+            </a:endParaRPr>
+          </a:p>
+        </p:txBody>
+      </p:sp>
+      <p:sp>
+        <p:nvSpPr>
+          <p:cNvPr id="4" name="內容版面配置區 3"/>
+          <p:cNvSpPr>
+            <a:spLocks noGrp="1"/>
+          </p:cNvSpPr>
+          <p:nvPr>
+            <p:ph idx="1"/>
+          </p:nvPr>
+        </p:nvSpPr>
+        <p:spPr>
+          <a:xfrm>
+            <a:off x="2042947" y="8034726"/>
+            <a:ext cx="26112371" cy="20655110"/>
+          </a:xfrm>
+        </p:spPr>
+        <p:txBody>
+          <a:bodyPr>
+            <a:noAutofit/>
+          </a:bodyPr>
+          <a:lstStyle/>
+          <a:p>
+            <a:pPr marL="0" indent="0" algn="ctr">
+              <a:lnSpc>
+                <a:spcPct val="120000"/>
+              </a:lnSpc>
+              <a:buNone/>
+            </a:pPr>
+            <a:r>
+              <a:rPr lang="zh-TW" altLang="en-US" sz="8000" b="1" dirty="0" smtClean="0"/>
+              <a:t>踏話頭</a:t>
+            </a:r>
+            <a:endParaRPr lang="en-US" altLang="zh-TW" sz="8000" b="1" dirty="0" smtClean="0"/>
+          </a:p>
+          <a:p>
+            <a:pPr marL="0" indent="0">
+              <a:lnSpc>
+                <a:spcPct val="120000"/>
+              </a:lnSpc>
+              <a:buNone/>
+            </a:pPr>
+            <a:r>
+              <a:rPr lang="zh-TW" altLang="en-US" sz="7200" dirty="0" smtClean="0"/>
+              <a:t>　　臺灣</a:t>
+            </a:r>
+            <a:r>
+              <a:rPr lang="zh-TW" altLang="en-US" sz="7200" dirty="0"/>
+              <a:t>是一个多元民族、多元語言的國家</a:t>
+            </a:r>
+            <a:r>
+              <a:rPr lang="zh-TW" altLang="en-US" sz="7200" dirty="0" smtClean="0"/>
+              <a:t>。講</a:t>
+            </a:r>
+            <a:r>
+              <a:rPr lang="zh-TW" altLang="en-US" sz="7200" dirty="0"/>
+              <a:t>母語、使用母語是上基本的權利</a:t>
+            </a:r>
+            <a:r>
+              <a:rPr lang="zh-TW" altLang="en-US" sz="7200" dirty="0" smtClean="0"/>
+              <a:t>，毋</a:t>
+            </a:r>
+            <a:r>
+              <a:rPr lang="zh-TW" altLang="en-US" sz="7200" dirty="0"/>
+              <a:t>過母語的電腦相關應用煞誠</a:t>
+            </a:r>
+            <a:r>
+              <a:rPr lang="zh-TW" altLang="en-US" sz="7200" dirty="0" smtClean="0"/>
+              <a:t>少，需要</a:t>
+            </a:r>
+            <a:r>
+              <a:rPr lang="zh-TW" altLang="en-US" sz="7200" dirty="0"/>
+              <a:t>加強自然語言處理的研究佮語料收集整理</a:t>
+            </a:r>
+            <a:r>
+              <a:rPr lang="zh-TW" altLang="en-US" sz="7200" dirty="0" smtClean="0"/>
+              <a:t>。</a:t>
+            </a:r>
+            <a:endParaRPr lang="en-US" altLang="zh-TW" sz="7200" dirty="0"/>
+          </a:p>
+          <a:p>
+            <a:pPr marL="0" indent="0">
+              <a:lnSpc>
+                <a:spcPct val="120000"/>
+              </a:lnSpc>
+              <a:buNone/>
+            </a:pPr>
+            <a:endParaRPr lang="en-US" altLang="zh-TW" sz="2800" dirty="0"/>
+          </a:p>
+          <a:p>
+            <a:pPr marL="0" indent="0">
+              <a:lnSpc>
+                <a:spcPct val="120000"/>
+              </a:lnSpc>
+              <a:buNone/>
+            </a:pPr>
+            <a:r>
+              <a:rPr lang="zh-TW" altLang="en-US" sz="7200" dirty="0" smtClean="0"/>
+              <a:t>　　臺灣</a:t>
+            </a:r>
+            <a:r>
+              <a:rPr lang="zh-TW" altLang="en-US" sz="7200" dirty="0"/>
+              <a:t>本土語言百百種</a:t>
+            </a:r>
+            <a:r>
+              <a:rPr lang="zh-TW" altLang="en-US" sz="7200" dirty="0" smtClean="0"/>
+              <a:t>，本</a:t>
+            </a:r>
+            <a:r>
+              <a:rPr lang="zh-TW" altLang="en-US" sz="7200" dirty="0"/>
+              <a:t>論文是針對閩南語</a:t>
+            </a:r>
+            <a:r>
+              <a:rPr lang="zh-TW" altLang="en-US" sz="7200" dirty="0" smtClean="0"/>
+              <a:t>，研究</a:t>
+            </a:r>
+            <a:r>
+              <a:rPr lang="zh-TW" altLang="en-US" sz="7200" dirty="0"/>
+              <a:t>伊翻譯語料的特性</a:t>
+            </a:r>
+            <a:r>
+              <a:rPr lang="zh-TW" altLang="en-US" sz="7200" dirty="0" smtClean="0"/>
+              <a:t>。除了</a:t>
+            </a:r>
+            <a:r>
+              <a:rPr lang="zh-TW" altLang="en-US" sz="7200" dirty="0"/>
+              <a:t>閩南語本身以外</a:t>
+            </a:r>
+            <a:r>
+              <a:rPr lang="zh-TW" altLang="en-US" sz="7200" dirty="0" smtClean="0"/>
+              <a:t>，嘛</a:t>
+            </a:r>
+            <a:r>
+              <a:rPr lang="zh-TW" altLang="en-US" sz="7200" dirty="0"/>
+              <a:t>希望研究結果對別的本土語言有幫助</a:t>
+            </a:r>
+            <a:r>
+              <a:rPr lang="zh-TW" altLang="en-US" sz="7200" dirty="0" smtClean="0"/>
+              <a:t>。</a:t>
+            </a:r>
+            <a:endParaRPr lang="en-US" altLang="zh-TW" sz="7200" dirty="0" smtClean="0"/>
+          </a:p>
+          <a:p>
+            <a:pPr marL="0" indent="0">
+              <a:lnSpc>
+                <a:spcPct val="120000"/>
+              </a:lnSpc>
+              <a:buNone/>
+            </a:pPr>
+            <a:endParaRPr lang="en-US" altLang="zh-TW" sz="2800" dirty="0"/>
+          </a:p>
+          <a:p>
+            <a:pPr marL="0" indent="0">
+              <a:lnSpc>
+                <a:spcPct val="120000"/>
+              </a:lnSpc>
+              <a:buNone/>
+            </a:pPr>
+            <a:r>
+              <a:rPr lang="zh-TW" altLang="en-US" sz="7200" dirty="0" smtClean="0"/>
+              <a:t>　　本</a:t>
+            </a:r>
+            <a:r>
+              <a:rPr lang="zh-TW" altLang="en-US" sz="7200" dirty="0"/>
+              <a:t>論文提出一个自動整理漢語語料的方法</a:t>
+            </a:r>
+            <a:r>
+              <a:rPr lang="zh-TW" altLang="en-US" sz="7200" dirty="0" smtClean="0"/>
+              <a:t>，予</a:t>
+            </a:r>
+            <a:r>
+              <a:rPr lang="zh-TW" altLang="en-US" sz="7200" dirty="0"/>
+              <a:t>資訊無完整的語料庫補足資訊</a:t>
+            </a:r>
+            <a:r>
+              <a:rPr lang="zh-TW" altLang="en-US" sz="7200" dirty="0" smtClean="0"/>
+              <a:t>，發揮</a:t>
+            </a:r>
+            <a:r>
+              <a:rPr lang="zh-TW" altLang="en-US" sz="7200" dirty="0"/>
+              <a:t>上大的價值</a:t>
+            </a:r>
+            <a:r>
+              <a:rPr lang="zh-TW" altLang="en-US" sz="7200" dirty="0" smtClean="0"/>
+              <a:t>，</a:t>
+            </a:r>
+            <a:r>
+              <a:rPr lang="en-US" altLang="zh-TW" sz="7200" dirty="0" smtClean="0"/>
+              <a:t>BLEU</a:t>
+            </a:r>
+            <a:r>
+              <a:rPr lang="zh-TW" altLang="en-US" sz="7200" dirty="0"/>
+              <a:t>分數對</a:t>
+            </a:r>
+            <a:r>
+              <a:rPr lang="en-US" altLang="zh-TW" sz="7200" dirty="0"/>
+              <a:t>9.30</a:t>
+            </a:r>
+            <a:r>
+              <a:rPr lang="zh-TW" altLang="en-US" sz="7200" dirty="0"/>
+              <a:t>搝到</a:t>
+            </a:r>
+            <a:r>
+              <a:rPr lang="en-US" altLang="zh-TW" sz="7200" dirty="0"/>
+              <a:t>13.82</a:t>
+            </a:r>
+            <a:r>
+              <a:rPr lang="zh-TW" altLang="en-US" sz="7200" dirty="0" smtClean="0"/>
+              <a:t>。另外</a:t>
+            </a:r>
+            <a:r>
+              <a:rPr lang="zh-TW" altLang="en-US" sz="7200" dirty="0"/>
+              <a:t>閣用實驗證明平行語料數量無到十萬句的</a:t>
+            </a:r>
+            <a:r>
+              <a:rPr lang="zh-TW" altLang="en-US" sz="7200" dirty="0" smtClean="0"/>
+              <a:t>時，加</a:t>
+            </a:r>
+            <a:r>
+              <a:rPr lang="zh-TW" altLang="en-US" sz="7200" dirty="0"/>
+              <a:t>語料對翻譯的效果影響非常大</a:t>
+            </a:r>
+            <a:r>
+              <a:rPr lang="zh-TW" altLang="en-US" sz="7200" dirty="0" smtClean="0"/>
+              <a:t>，原本</a:t>
+            </a:r>
+            <a:r>
+              <a:rPr lang="en-US" altLang="zh-TW" sz="7200" dirty="0"/>
+              <a:t>64121</a:t>
+            </a:r>
+            <a:r>
+              <a:rPr lang="zh-TW" altLang="en-US" sz="7200" dirty="0"/>
+              <a:t>句加到</a:t>
+            </a:r>
+            <a:r>
+              <a:rPr lang="en-US" altLang="zh-TW" sz="7200" dirty="0"/>
+              <a:t>99147</a:t>
+            </a:r>
+            <a:r>
+              <a:rPr lang="zh-TW" altLang="en-US" sz="7200" dirty="0"/>
+              <a:t>句了後</a:t>
+            </a:r>
+            <a:r>
+              <a:rPr lang="zh-TW" altLang="en-US" sz="7200" dirty="0" smtClean="0"/>
+              <a:t>，</a:t>
+            </a:r>
+            <a:r>
+              <a:rPr lang="en-US" altLang="zh-TW" sz="7200" dirty="0" smtClean="0"/>
+              <a:t>BLEU</a:t>
+            </a:r>
+            <a:r>
+              <a:rPr lang="zh-TW" altLang="en-US" sz="7200" dirty="0"/>
+              <a:t>分數對</a:t>
+            </a:r>
+            <a:r>
+              <a:rPr lang="en-US" altLang="zh-TW" sz="7200" dirty="0"/>
+              <a:t>13.82</a:t>
+            </a:r>
+            <a:r>
+              <a:rPr lang="zh-TW" altLang="en-US" sz="7200" dirty="0"/>
+              <a:t>提昇到</a:t>
+            </a:r>
+            <a:r>
+              <a:rPr lang="en-US" altLang="zh-TW" sz="7200" dirty="0"/>
+              <a:t>19.33</a:t>
+            </a:r>
+            <a:r>
+              <a:rPr lang="zh-TW" altLang="en-US" sz="7200" dirty="0" smtClean="0"/>
+              <a:t>。</a:t>
+            </a:r>
+            <a:endParaRPr lang="en-US" altLang="zh-TW" sz="7200" dirty="0" smtClean="0"/>
+          </a:p>
+          <a:p>
+            <a:pPr marL="0" indent="0">
+              <a:lnSpc>
+                <a:spcPct val="120000"/>
+              </a:lnSpc>
+              <a:buNone/>
+            </a:pPr>
+            <a:r>
+              <a:rPr lang="zh-TW" altLang="en-US" sz="7200" b="1" dirty="0" smtClean="0"/>
+              <a:t>關鍵字</a:t>
+            </a:r>
+            <a:r>
+              <a:rPr lang="zh-TW" altLang="en-US" sz="7200" dirty="0"/>
+              <a:t>：臺灣閩南語、華語、翻譯、語料、斷詞、語言分類</a:t>
+            </a:r>
+            <a:br>
+              <a:rPr lang="zh-TW" altLang="en-US" sz="7200" dirty="0"/>
+            </a:br>
+            <a:endParaRPr lang="zh-TW" altLang="en-US" sz="6600" dirty="0">
+              <a:latin typeface="Times New Roman" panose="02020603050405020304" pitchFamily="18" charset="0"/>
+              <a:cs typeface="Times New Roman" panose="02020603050405020304" pitchFamily="18" charset="0"/>
+            </a:endParaRPr>
+          </a:p>
+        </p:txBody>
+      </p:sp>
+      <p:sp>
+        <p:nvSpPr>
+          <p:cNvPr id="22" name="文字方塊 21"/>
+          <p:cNvSpPr txBox="1"/>
+          <p:nvPr/>
+        </p:nvSpPr>
+        <p:spPr>
+          <a:xfrm>
+            <a:off x="2042947" y="5540780"/>
+            <a:ext cx="8688180" cy="2308324"/>
+          </a:xfrm>
+          <a:prstGeom prst="rect">
+            <a:avLst/>
+          </a:prstGeom>
+          <a:noFill/>
+        </p:spPr>
+        <p:txBody>
+          <a:bodyPr wrap="square" rtlCol="0">
+            <a:spAutoFit/>
+          </a:bodyPr>
+          <a:lstStyle/>
+          <a:p>
+            <a:r>
+              <a:rPr lang="zh-TW" altLang="en-US" sz="7200" dirty="0" smtClean="0">
+                <a:latin typeface="Times New Roman" panose="02020603050405020304" pitchFamily="18" charset="0"/>
+                <a:cs typeface="Times New Roman" panose="02020603050405020304" pitchFamily="18" charset="0"/>
+              </a:rPr>
+              <a:t>學生：薛丞宏</a:t>
+            </a:r>
+            <a:endParaRPr lang="en-US" altLang="zh-TW" sz="7200" dirty="0" smtClean="0">
+              <a:latin typeface="Times New Roman" panose="02020603050405020304" pitchFamily="18" charset="0"/>
+              <a:cs typeface="Times New Roman" panose="02020603050405020304" pitchFamily="18" charset="0"/>
+            </a:endParaRPr>
+          </a:p>
+          <a:p>
+            <a:r>
+              <a:rPr lang="zh-TW" altLang="en-US" sz="7200" dirty="0" smtClean="0">
+                <a:latin typeface="Times New Roman" panose="02020603050405020304" pitchFamily="18" charset="0"/>
+                <a:cs typeface="Times New Roman" panose="02020603050405020304" pitchFamily="18" charset="0"/>
+              </a:rPr>
+              <a:t>　　　</a:t>
+            </a:r>
+            <a:r>
+              <a:rPr lang="en-US" altLang="zh-TW" sz="7200" dirty="0" err="1" smtClean="0">
+                <a:latin typeface="Times New Roman" panose="02020603050405020304" pitchFamily="18" charset="0"/>
+                <a:cs typeface="Times New Roman" panose="02020603050405020304" pitchFamily="18" charset="0"/>
+              </a:rPr>
+              <a:t>Sih</a:t>
+            </a:r>
+            <a:r>
+              <a:rPr lang="en-US" altLang="zh-TW" sz="7200" dirty="0" smtClean="0">
+                <a:latin typeface="Times New Roman" panose="02020603050405020304" pitchFamily="18" charset="0"/>
+                <a:cs typeface="Times New Roman" panose="02020603050405020304" pitchFamily="18" charset="0"/>
+              </a:rPr>
+              <a:t>, Sing-</a:t>
+            </a:r>
+            <a:r>
+              <a:rPr lang="en-US" altLang="zh-TW" sz="7200" dirty="0" err="1" smtClean="0">
+                <a:latin typeface="Times New Roman" panose="02020603050405020304" pitchFamily="18" charset="0"/>
+                <a:cs typeface="Times New Roman" panose="02020603050405020304" pitchFamily="18" charset="0"/>
+              </a:rPr>
+              <a:t>Hông</a:t>
+            </a:r>
+            <a:endParaRPr lang="en-US" altLang="zh-TW" sz="7200" dirty="0">
+              <a:latin typeface="Times New Roman" panose="02020603050405020304" pitchFamily="18" charset="0"/>
+              <a:cs typeface="Times New Roman" panose="02020603050405020304" pitchFamily="18" charset="0"/>
+            </a:endParaRPr>
+          </a:p>
+        </p:txBody>
+      </p:sp>
+      <p:sp>
+        <p:nvSpPr>
+          <p:cNvPr id="23" name="文字方塊 22"/>
+          <p:cNvSpPr txBox="1"/>
+          <p:nvPr/>
+        </p:nvSpPr>
+        <p:spPr>
+          <a:xfrm>
+            <a:off x="18896100" y="5540780"/>
+            <a:ext cx="7650812" cy="2308324"/>
+          </a:xfrm>
+          <a:prstGeom prst="rect">
+            <a:avLst/>
+          </a:prstGeom>
+          <a:noFill/>
+        </p:spPr>
+        <p:txBody>
+          <a:bodyPr wrap="none" rtlCol="0">
+            <a:spAutoFit/>
+          </a:bodyPr>
+          <a:lstStyle/>
+          <a:p>
+            <a:pPr algn="r"/>
+            <a:r>
+              <a:rPr lang="zh-TW" altLang="en-US" sz="7200" dirty="0">
+                <a:latin typeface="Times New Roman" panose="02020603050405020304" pitchFamily="18" charset="0"/>
+                <a:cs typeface="Times New Roman" panose="02020603050405020304" pitchFamily="18" charset="0"/>
+              </a:rPr>
+              <a:t>指導教授</a:t>
+            </a:r>
+            <a:r>
+              <a:rPr lang="zh-TW" altLang="en-US" sz="7200" dirty="0" smtClean="0">
+                <a:latin typeface="Times New Roman" panose="02020603050405020304" pitchFamily="18" charset="0"/>
+                <a:cs typeface="Times New Roman" panose="02020603050405020304" pitchFamily="18" charset="0"/>
+              </a:rPr>
+              <a:t>：張智星</a:t>
+            </a:r>
+            <a:endParaRPr lang="en-US" altLang="zh-TW" sz="7200" dirty="0" smtClean="0">
+              <a:latin typeface="Times New Roman" panose="02020603050405020304" pitchFamily="18" charset="0"/>
+              <a:cs typeface="Times New Roman" panose="02020603050405020304" pitchFamily="18" charset="0"/>
+            </a:endParaRPr>
+          </a:p>
+          <a:p>
+            <a:pPr algn="r"/>
+            <a:r>
+              <a:rPr lang="zh-TW" altLang="en-US" sz="7200" dirty="0" smtClean="0">
+                <a:latin typeface="Times New Roman" panose="02020603050405020304" pitchFamily="18" charset="0"/>
+                <a:cs typeface="Times New Roman" panose="02020603050405020304" pitchFamily="18" charset="0"/>
+              </a:rPr>
+              <a:t>　　　　　易志偉</a:t>
+            </a:r>
+            <a:endParaRPr lang="en-US" altLang="zh-TW" sz="7200" dirty="0" smtClean="0">
+              <a:latin typeface="Times New Roman" panose="02020603050405020304" pitchFamily="18" charset="0"/>
+              <a:cs typeface="Times New Roman" panose="02020603050405020304" pitchFamily="18" charset="0"/>
+            </a:endParaRPr>
+          </a:p>
+        </p:txBody>
+      </p:sp>
+      <p:graphicFrame>
+        <p:nvGraphicFramePr>
+          <p:cNvPr id="7" name="表格 6"/>
+          <p:cNvGraphicFramePr>
+            <a:graphicFrameLocks noGrp="1"/>
+          </p:cNvGraphicFramePr>
+          <p:nvPr>
+            <p:extLst/>
+          </p:nvPr>
+        </p:nvGraphicFramePr>
+        <p:xfrm>
+          <a:off x="2042947" y="36342003"/>
+          <a:ext cx="26150843" cy="5034280"/>
+        </p:xfrm>
+        <a:graphic>
+          <a:graphicData uri="http://schemas.openxmlformats.org/drawingml/2006/table">
+            <a:tbl>
+              <a:tblPr firstCol="1" bandRow="1">
+                <a:tableStyleId>{5DA37D80-6434-44D0-A028-1B22A696006F}</a:tableStyleId>
+              </a:tblPr>
+              <a:tblGrid>
+                <a:gridCol w="5473341"/>
+                <a:gridCol w="20677502"/>
+              </a:tblGrid>
+              <a:tr h="370840">
+                <a:tc>
+                  <a:txBody>
+                    <a:bodyPr/>
+                    <a:lstStyle/>
+                    <a:p>
+                      <a:pPr algn="ctr"/>
+                      <a:r>
+                        <a:rPr lang="zh-TW" altLang="en-US" sz="8000" dirty="0" smtClean="0"/>
+                        <a:t>華語輸入</a:t>
+                      </a:r>
+                      <a:endParaRPr lang="zh-TW" altLang="en-US" sz="8000" dirty="0"/>
+                    </a:p>
+                  </a:txBody>
+                  <a:tcPr anchor="ctr"/>
+                </a:tc>
+                <a:tc>
+                  <a:txBody>
+                    <a:bodyPr/>
+                    <a:lstStyle/>
+                    <a:p>
+                      <a:pPr marL="0" algn="l" defTabSz="2270638" rtl="0" eaLnBrk="1" latinLnBrk="0" hangingPunct="1">
+                        <a:lnSpc>
+                          <a:spcPts val="9500"/>
+                        </a:lnSpc>
+                        <a:spcBef>
+                          <a:spcPts val="600"/>
+                        </a:spcBef>
+                        <a:spcAft>
+                          <a:spcPts val="600"/>
+                        </a:spcAft>
+                      </a:pPr>
+                      <a:r>
+                        <a:rPr lang="zh-TW" altLang="en-US" sz="7200" kern="1200" dirty="0" smtClean="0">
+                          <a:solidFill>
+                            <a:schemeClr val="tx1"/>
+                          </a:solidFill>
+                          <a:latin typeface="+mn-lt"/>
+                          <a:ea typeface="+mn-ea"/>
+                          <a:cs typeface="+mn-cs"/>
+                        </a:rPr>
+                        <a:t>如果傳統的重要族群活動，看不到文化，體會不到精神，</a:t>
+                      </a:r>
+                      <a:endParaRPr lang="zh-TW" altLang="en-US" sz="7200" kern="1200" dirty="0">
+                        <a:solidFill>
+                          <a:schemeClr val="tx1"/>
+                        </a:solidFill>
+                        <a:latin typeface="+mn-lt"/>
+                        <a:ea typeface="+mn-ea"/>
+                        <a:cs typeface="+mn-cs"/>
+                      </a:endParaRPr>
+                    </a:p>
+                  </a:txBody>
+                  <a:tcPr/>
+                </a:tc>
+              </a:tr>
+              <a:tr h="370840">
+                <a:tc>
+                  <a:txBody>
+                    <a:bodyPr/>
+                    <a:lstStyle/>
+                    <a:p>
+                      <a:pPr algn="ctr"/>
+                      <a:r>
+                        <a:rPr lang="zh-TW" altLang="en-US" sz="8000" dirty="0" smtClean="0"/>
+                        <a:t>閩南語</a:t>
+                      </a:r>
+                      <a:endParaRPr lang="en-US" altLang="zh-TW" sz="8000" dirty="0" smtClean="0"/>
+                    </a:p>
+                    <a:p>
+                      <a:pPr algn="ctr"/>
+                      <a:r>
+                        <a:rPr lang="zh-TW" altLang="en-US" sz="8000" dirty="0" smtClean="0"/>
+                        <a:t>輸出</a:t>
+                      </a:r>
+                      <a:endParaRPr lang="zh-TW" altLang="en-US" sz="8000" dirty="0"/>
+                    </a:p>
+                  </a:txBody>
+                  <a:tcPr anchor="ctr"/>
+                </a:tc>
+                <a:tc>
+                  <a:txBody>
+                    <a:bodyPr/>
+                    <a:lstStyle/>
+                    <a:p>
+                      <a:pPr marL="0" algn="l" defTabSz="2270638" rtl="0" eaLnBrk="1" latinLnBrk="0" hangingPunct="1">
+                        <a:lnSpc>
+                          <a:spcPts val="9500"/>
+                        </a:lnSpc>
+                        <a:spcBef>
+                          <a:spcPts val="600"/>
+                        </a:spcBef>
+                        <a:spcAft>
+                          <a:spcPts val="600"/>
+                        </a:spcAft>
+                      </a:pPr>
+                      <a:r>
+                        <a:rPr lang="zh-TW" altLang="en-US" sz="7200" kern="1200" dirty="0" smtClean="0">
+                          <a:solidFill>
+                            <a:schemeClr val="tx1"/>
+                          </a:solidFill>
+                          <a:latin typeface="+mn-lt"/>
+                          <a:ea typeface="+mn-ea"/>
+                          <a:cs typeface="+mn-cs"/>
+                        </a:rPr>
+                        <a:t>若是傳統的重要的族群活動，看袂著文化，體會毋著精神，</a:t>
+                      </a:r>
+                      <a:endParaRPr lang="zh-TW" altLang="en-US" sz="7200" kern="1200" dirty="0">
+                        <a:solidFill>
+                          <a:schemeClr val="tx1"/>
+                        </a:solidFill>
+                        <a:latin typeface="+mn-lt"/>
+                        <a:ea typeface="+mn-ea"/>
+                        <a:cs typeface="+mn-cs"/>
+                      </a:endParaRPr>
+                    </a:p>
+                  </a:txBody>
+                  <a:tcPr/>
+                </a:tc>
+              </a:tr>
+            </a:tbl>
+          </a:graphicData>
+        </a:graphic>
+      </p:graphicFrame>
+      <p:graphicFrame>
+        <p:nvGraphicFramePr>
+          <p:cNvPr id="5" name="表格 4"/>
+          <p:cNvGraphicFramePr>
+            <a:graphicFrameLocks noGrp="1"/>
+          </p:cNvGraphicFramePr>
+          <p:nvPr>
+            <p:extLst/>
+          </p:nvPr>
+        </p:nvGraphicFramePr>
+        <p:xfrm>
+          <a:off x="2042947" y="29798612"/>
+          <a:ext cx="26112372" cy="5034280"/>
+        </p:xfrm>
+        <a:graphic>
+          <a:graphicData uri="http://schemas.openxmlformats.org/drawingml/2006/table">
+            <a:tbl>
+              <a:tblPr firstCol="1" bandRow="1">
+                <a:tableStyleId>{0E3FDE45-AF77-4B5C-9715-49D594BDF05E}</a:tableStyleId>
+              </a:tblPr>
+              <a:tblGrid>
+                <a:gridCol w="5471654"/>
+                <a:gridCol w="20640718"/>
+              </a:tblGrid>
+              <a:tr h="1631942">
+                <a:tc>
+                  <a:txBody>
+                    <a:bodyPr/>
+                    <a:lstStyle/>
+                    <a:p>
+                      <a:pPr algn="ctr"/>
+                      <a:r>
+                        <a:rPr lang="zh-TW" altLang="en-US" sz="8000" dirty="0" smtClean="0"/>
+                        <a:t>華語輸入</a:t>
+                      </a:r>
+                      <a:endParaRPr lang="zh-TW" altLang="en-US" sz="8000" dirty="0"/>
+                    </a:p>
+                  </a:txBody>
+                  <a:tcPr anchor="ctr"/>
+                </a:tc>
+                <a:tc>
+                  <a:txBody>
+                    <a:bodyPr/>
+                    <a:lstStyle/>
+                    <a:p>
+                      <a:pPr>
+                        <a:lnSpc>
+                          <a:spcPts val="9500"/>
+                        </a:lnSpc>
+                        <a:spcBef>
+                          <a:spcPts val="600"/>
+                        </a:spcBef>
+                        <a:spcAft>
+                          <a:spcPts val="600"/>
+                        </a:spcAft>
+                      </a:pPr>
+                      <a:r>
+                        <a:rPr lang="zh-TW" altLang="en-US" sz="7200" dirty="0" smtClean="0"/>
+                        <a:t>食安問題連環爆，立法院長王金平下午主持</a:t>
+                      </a:r>
+                      <a:r>
+                        <a:rPr lang="en-US" altLang="zh-TW" sz="7200" dirty="0" smtClean="0"/>
+                        <a:t>《</a:t>
+                      </a:r>
+                      <a:r>
+                        <a:rPr lang="zh-TW" altLang="en-US" sz="7200" dirty="0" smtClean="0"/>
+                        <a:t>食品安全衛生管理法</a:t>
+                      </a:r>
+                      <a:r>
+                        <a:rPr lang="en-US" altLang="zh-TW" sz="7200" dirty="0" smtClean="0"/>
+                        <a:t>》</a:t>
+                      </a:r>
+                      <a:r>
+                        <a:rPr lang="zh-TW" altLang="en-US" sz="7200" dirty="0" smtClean="0"/>
+                        <a:t>協商仍未獲共識</a:t>
+                      </a:r>
+                      <a:endParaRPr lang="zh-TW" altLang="en-US" sz="7200" dirty="0"/>
+                    </a:p>
+                  </a:txBody>
+                  <a:tcPr/>
+                </a:tc>
+              </a:tr>
+              <a:tr h="1111258">
+                <a:tc>
+                  <a:txBody>
+                    <a:bodyPr/>
+                    <a:lstStyle/>
+                    <a:p>
+                      <a:pPr algn="ctr"/>
+                      <a:r>
+                        <a:rPr lang="zh-TW" altLang="en-US" sz="8000" dirty="0" smtClean="0"/>
+                        <a:t>閩南語</a:t>
+                      </a:r>
+                      <a:endParaRPr lang="en-US" altLang="zh-TW" sz="8000" dirty="0" smtClean="0"/>
+                    </a:p>
+                    <a:p>
+                      <a:pPr algn="ctr"/>
+                      <a:r>
+                        <a:rPr lang="zh-TW" altLang="en-US" sz="8000" dirty="0" smtClean="0"/>
+                        <a:t>輸出</a:t>
+                      </a:r>
+                      <a:endParaRPr lang="zh-TW" altLang="en-US" sz="8000" dirty="0"/>
+                    </a:p>
+                  </a:txBody>
+                  <a:tcPr anchor="ctr"/>
+                </a:tc>
+                <a:tc>
+                  <a:txBody>
+                    <a:bodyPr/>
+                    <a:lstStyle/>
+                    <a:p>
+                      <a:pPr>
+                        <a:lnSpc>
+                          <a:spcPts val="9500"/>
+                        </a:lnSpc>
+                        <a:spcBef>
+                          <a:spcPts val="600"/>
+                        </a:spcBef>
+                        <a:spcAft>
+                          <a:spcPts val="600"/>
+                        </a:spcAft>
+                      </a:pPr>
+                      <a:r>
+                        <a:rPr lang="zh-TW" altLang="en-US" sz="7200" dirty="0" smtClean="0"/>
+                        <a:t>食安問題連環爆，立法院長王金平下晡主持</a:t>
+                      </a:r>
+                      <a:r>
+                        <a:rPr lang="en-US" altLang="zh-TW" sz="7200" dirty="0" smtClean="0"/>
+                        <a:t>《</a:t>
+                      </a:r>
+                      <a:r>
+                        <a:rPr lang="zh-TW" altLang="en-US" sz="7200" dirty="0" smtClean="0"/>
+                        <a:t>食品安全衛生管理法</a:t>
+                      </a:r>
+                      <a:r>
+                        <a:rPr lang="en-US" altLang="zh-TW" sz="7200" dirty="0" smtClean="0"/>
+                        <a:t>》</a:t>
+                      </a:r>
+                      <a:r>
+                        <a:rPr lang="zh-TW" altLang="en-US" sz="7200" dirty="0" smtClean="0"/>
+                        <a:t>協商猶未獲共識</a:t>
+                      </a:r>
+                      <a:endParaRPr lang="zh-TW" altLang="en-US" sz="7200" dirty="0"/>
+                    </a:p>
+                  </a:txBody>
+                  <a:tcPr/>
+                </a:tc>
+              </a:tr>
+            </a:tbl>
+          </a:graphicData>
+        </a:graphic>
+      </p:graphicFrame>
+    </p:spTree>
+    <p:extLst>
+      <p:ext uri="{BB962C8B-B14F-4D97-AF65-F5344CB8AC3E}">
+        <p14:creationId xmlns:p14="http://schemas.microsoft.com/office/powerpoint/2010/main" val="3153196366"/>
+      </p:ext>
+    </p:extLst>
+  </p:cSld>
+  <p:clrMapOvr>
+    <a:masterClrMapping/>
+  </p:clrMapOvr>
+  <p:timing>
+    <p:tnLst>
+      <p:par>
+        <p:cTn id="1" dur="indefinite" restart="never" nodeType="tmRoot"/>
+      </p:par>
+    </p:tnLst>
+  </p:timing>
+</p:sld>
+</file>
+
+<file path=ppt/slides/slide5.xml><?xml version="1.0" encoding="utf-8"?>
+<p:sld xmlns:a="http://schemas.openxmlformats.org/drawingml/2006/main" xmlns:r="http://schemas.openxmlformats.org/officeDocument/2006/relationships" xmlns:p="http://schemas.openxmlformats.org/presentationml/2006/main">
+  <p:cSld>
+    <p:spTree>
+      <p:nvGrpSpPr>
+        <p:cNvPr id="1" name=""/>
+        <p:cNvGrpSpPr/>
+        <p:nvPr/>
+      </p:nvGrpSpPr>
+      <p:grpSpPr>
+        <a:xfrm>
+          <a:off x="0" y="0"/>
+          <a:ext cx="0" cy="0"/>
+          <a:chOff x="0" y="0"/>
+          <a:chExt cx="0" cy="0"/>
+        </a:xfrm>
+      </p:grpSpPr>
+      <p:sp>
+        <p:nvSpPr>
+          <p:cNvPr id="3" name="標題 2"/>
+          <p:cNvSpPr>
+            <a:spLocks noGrp="1"/>
+          </p:cNvSpPr>
+          <p:nvPr>
+            <p:ph type="title"/>
+          </p:nvPr>
+        </p:nvSpPr>
+        <p:spPr>
+          <a:xfrm>
+            <a:off x="2042948" y="1579379"/>
+            <a:ext cx="26112371" cy="3775779"/>
+          </a:xfrm>
+        </p:spPr>
+        <p:txBody>
+          <a:bodyPr>
+            <a:normAutofit/>
+          </a:bodyPr>
+          <a:lstStyle/>
+          <a:p>
+            <a:pPr algn="ctr">
+              <a:spcBef>
+                <a:spcPts val="600"/>
+              </a:spcBef>
+            </a:pPr>
+            <a:r>
+              <a:rPr lang="zh-TW" altLang="en-US" sz="9700" spc="300" dirty="0">
+                <a:latin typeface="KaiTi" panose="02010609060101010101" pitchFamily="49" charset="-122"/>
+                <a:ea typeface="KaiTi" panose="02010609060101010101" pitchFamily="49" charset="-122"/>
+              </a:rPr>
+              <a:t>漢語間統計式機器翻譯語料</a:t>
+            </a:r>
+            <a:r>
+              <a:rPr lang="zh-TW" altLang="en-US" sz="9700" spc="300" dirty="0" smtClean="0">
+                <a:latin typeface="KaiTi" panose="02010609060101010101" pitchFamily="49" charset="-122"/>
+                <a:ea typeface="KaiTi" panose="02010609060101010101" pitchFamily="49" charset="-122"/>
+              </a:rPr>
+              <a:t>處理 －</a:t>
+            </a:r>
+            <a:r>
+              <a:rPr lang="en-US" altLang="zh-TW" sz="9700" spc="300" dirty="0" smtClean="0">
+                <a:latin typeface="KaiTi" panose="02010609060101010101" pitchFamily="49" charset="-122"/>
+                <a:ea typeface="KaiTi" panose="02010609060101010101" pitchFamily="49" charset="-122"/>
+              </a:rPr>
+              <a:t/>
+            </a:r>
+            <a:br>
+              <a:rPr lang="en-US" altLang="zh-TW" sz="9700" spc="300" dirty="0" smtClean="0">
+                <a:latin typeface="KaiTi" panose="02010609060101010101" pitchFamily="49" charset="-122"/>
+                <a:ea typeface="KaiTi" panose="02010609060101010101" pitchFamily="49" charset="-122"/>
+              </a:rPr>
+            </a:br>
+            <a:r>
+              <a:rPr lang="zh-TW" altLang="en-US" sz="9700" spc="300" dirty="0" smtClean="0">
+                <a:latin typeface="KaiTi" panose="02010609060101010101" pitchFamily="49" charset="-122"/>
+                <a:ea typeface="KaiTi" panose="02010609060101010101" pitchFamily="49" charset="-122"/>
+              </a:rPr>
+              <a:t>用</a:t>
+            </a:r>
+            <a:r>
+              <a:rPr lang="zh-TW" altLang="en-US" sz="9700" spc="300" dirty="0">
+                <a:latin typeface="KaiTi" panose="02010609060101010101" pitchFamily="49" charset="-122"/>
+                <a:ea typeface="KaiTi" panose="02010609060101010101" pitchFamily="49" charset="-122"/>
+              </a:rPr>
+              <a:t>臺灣閩南語</a:t>
+            </a:r>
+            <a:r>
+              <a:rPr lang="zh-TW" altLang="en-US" sz="9700" spc="300" dirty="0" smtClean="0">
+                <a:latin typeface="KaiTi" panose="02010609060101010101" pitchFamily="49" charset="-122"/>
+                <a:ea typeface="KaiTi" panose="02010609060101010101" pitchFamily="49" charset="-122"/>
+              </a:rPr>
+              <a:t>示範</a:t>
+            </a:r>
+            <a:endParaRPr lang="zh-TW" altLang="en-US" sz="9700" b="1" spc="300" dirty="0">
+              <a:latin typeface="KaiTi" panose="02010609060101010101" pitchFamily="49" charset="-122"/>
+              <a:ea typeface="KaiTi" panose="02010609060101010101" pitchFamily="49" charset="-122"/>
+              <a:cs typeface="Times New Roman" panose="02020603050405020304" pitchFamily="18" charset="0"/>
+            </a:endParaRPr>
+          </a:p>
+        </p:txBody>
+      </p:sp>
+      <p:sp>
+        <p:nvSpPr>
+          <p:cNvPr id="4" name="內容版面配置區 3"/>
+          <p:cNvSpPr>
+            <a:spLocks noGrp="1"/>
+          </p:cNvSpPr>
+          <p:nvPr>
+            <p:ph idx="1"/>
+          </p:nvPr>
+        </p:nvSpPr>
+        <p:spPr>
+          <a:xfrm>
+            <a:off x="2042947" y="8034726"/>
+            <a:ext cx="26112371" cy="20655110"/>
+          </a:xfrm>
+        </p:spPr>
+        <p:txBody>
+          <a:bodyPr>
+            <a:noAutofit/>
+          </a:bodyPr>
+          <a:lstStyle/>
+          <a:p>
+            <a:pPr marL="0" indent="0" algn="ctr">
+              <a:lnSpc>
+                <a:spcPct val="120000"/>
+              </a:lnSpc>
+              <a:buNone/>
+            </a:pPr>
+            <a:r>
+              <a:rPr lang="zh-TW" altLang="en-US" sz="8000" b="1" dirty="0" smtClean="0">
+                <a:ea typeface="SimHei" panose="02010609060101010101" pitchFamily="49" charset="-122"/>
+              </a:rPr>
+              <a:t>踏話頭</a:t>
+            </a:r>
+            <a:endParaRPr lang="en-US" altLang="zh-TW" sz="8000" b="1" dirty="0" smtClean="0">
+              <a:ea typeface="SimHei" panose="02010609060101010101" pitchFamily="49" charset="-122"/>
+            </a:endParaRPr>
+          </a:p>
+          <a:p>
+            <a:pPr marL="0" indent="0">
+              <a:lnSpc>
+                <a:spcPct val="120000"/>
+              </a:lnSpc>
+              <a:buNone/>
+            </a:pPr>
+            <a:r>
+              <a:rPr lang="zh-TW" altLang="en-US" sz="7200" dirty="0" smtClean="0">
+                <a:ea typeface="SimHei" panose="02010609060101010101" pitchFamily="49" charset="-122"/>
+              </a:rPr>
+              <a:t>　　臺灣</a:t>
+            </a:r>
+            <a:r>
+              <a:rPr lang="zh-TW" altLang="en-US" sz="7200" dirty="0">
+                <a:ea typeface="SimHei" panose="02010609060101010101" pitchFamily="49" charset="-122"/>
+              </a:rPr>
+              <a:t>是一个多元民族、多元語言的國家</a:t>
+            </a:r>
+            <a:r>
+              <a:rPr lang="zh-TW" altLang="en-US" sz="7200" dirty="0" smtClean="0">
+                <a:ea typeface="SimHei" panose="02010609060101010101" pitchFamily="49" charset="-122"/>
+              </a:rPr>
+              <a:t>。講</a:t>
+            </a:r>
+            <a:r>
+              <a:rPr lang="zh-TW" altLang="en-US" sz="7200" dirty="0">
+                <a:ea typeface="SimHei" panose="02010609060101010101" pitchFamily="49" charset="-122"/>
+              </a:rPr>
+              <a:t>母語、使用母語是上基本的權利</a:t>
+            </a:r>
+            <a:r>
+              <a:rPr lang="zh-TW" altLang="en-US" sz="7200" dirty="0" smtClean="0">
+                <a:ea typeface="SimHei" panose="02010609060101010101" pitchFamily="49" charset="-122"/>
+              </a:rPr>
+              <a:t>，毋</a:t>
+            </a:r>
+            <a:r>
+              <a:rPr lang="zh-TW" altLang="en-US" sz="7200" dirty="0">
+                <a:ea typeface="SimHei" panose="02010609060101010101" pitchFamily="49" charset="-122"/>
+              </a:rPr>
+              <a:t>過母語的電腦相關應用煞誠</a:t>
+            </a:r>
+            <a:r>
+              <a:rPr lang="zh-TW" altLang="en-US" sz="7200" dirty="0" smtClean="0">
+                <a:ea typeface="SimHei" panose="02010609060101010101" pitchFamily="49" charset="-122"/>
+              </a:rPr>
+              <a:t>少，需要</a:t>
+            </a:r>
+            <a:r>
+              <a:rPr lang="zh-TW" altLang="en-US" sz="7200" dirty="0">
+                <a:ea typeface="SimHei" panose="02010609060101010101" pitchFamily="49" charset="-122"/>
+              </a:rPr>
+              <a:t>加強自然語言處理的研究佮語料收集整理</a:t>
+            </a:r>
+            <a:r>
+              <a:rPr lang="zh-TW" altLang="en-US" sz="7200" dirty="0" smtClean="0">
+                <a:ea typeface="SimHei" panose="02010609060101010101" pitchFamily="49" charset="-122"/>
+              </a:rPr>
+              <a:t>。</a:t>
+            </a:r>
+            <a:endParaRPr lang="en-US" altLang="zh-TW" sz="7200" dirty="0">
+              <a:ea typeface="SimHei" panose="02010609060101010101" pitchFamily="49" charset="-122"/>
+            </a:endParaRPr>
+          </a:p>
+          <a:p>
+            <a:pPr marL="0" indent="0">
+              <a:lnSpc>
+                <a:spcPct val="120000"/>
+              </a:lnSpc>
+              <a:buNone/>
+            </a:pPr>
+            <a:endParaRPr lang="en-US" altLang="zh-TW" sz="2400" dirty="0">
+              <a:ea typeface="SimHei" panose="02010609060101010101" pitchFamily="49" charset="-122"/>
+            </a:endParaRPr>
+          </a:p>
+          <a:p>
+            <a:pPr marL="0" indent="0">
+              <a:lnSpc>
+                <a:spcPct val="120000"/>
+              </a:lnSpc>
+              <a:buNone/>
+            </a:pPr>
+            <a:r>
+              <a:rPr lang="zh-TW" altLang="en-US" sz="7200" dirty="0" smtClean="0">
+                <a:ea typeface="SimHei" panose="02010609060101010101" pitchFamily="49" charset="-122"/>
+              </a:rPr>
+              <a:t>　　臺灣</a:t>
+            </a:r>
+            <a:r>
+              <a:rPr lang="zh-TW" altLang="en-US" sz="7200" dirty="0">
+                <a:ea typeface="SimHei" panose="02010609060101010101" pitchFamily="49" charset="-122"/>
+              </a:rPr>
+              <a:t>本土語言百百種</a:t>
+            </a:r>
+            <a:r>
+              <a:rPr lang="zh-TW" altLang="en-US" sz="7200" dirty="0" smtClean="0">
+                <a:ea typeface="SimHei" panose="02010609060101010101" pitchFamily="49" charset="-122"/>
+              </a:rPr>
+              <a:t>，本</a:t>
+            </a:r>
+            <a:r>
+              <a:rPr lang="zh-TW" altLang="en-US" sz="7200" dirty="0">
+                <a:ea typeface="SimHei" panose="02010609060101010101" pitchFamily="49" charset="-122"/>
+              </a:rPr>
+              <a:t>論文是針對閩南語</a:t>
+            </a:r>
+            <a:r>
+              <a:rPr lang="zh-TW" altLang="en-US" sz="7200" dirty="0" smtClean="0">
+                <a:ea typeface="SimHei" panose="02010609060101010101" pitchFamily="49" charset="-122"/>
+              </a:rPr>
+              <a:t>，研究</a:t>
+            </a:r>
+            <a:r>
+              <a:rPr lang="zh-TW" altLang="en-US" sz="7200" dirty="0">
+                <a:ea typeface="SimHei" panose="02010609060101010101" pitchFamily="49" charset="-122"/>
+              </a:rPr>
+              <a:t>伊翻譯語料的特性</a:t>
+            </a:r>
+            <a:r>
+              <a:rPr lang="zh-TW" altLang="en-US" sz="7200" dirty="0" smtClean="0">
+                <a:ea typeface="SimHei" panose="02010609060101010101" pitchFamily="49" charset="-122"/>
+              </a:rPr>
+              <a:t>。除了</a:t>
+            </a:r>
+            <a:r>
+              <a:rPr lang="zh-TW" altLang="en-US" sz="7200" dirty="0">
+                <a:ea typeface="SimHei" panose="02010609060101010101" pitchFamily="49" charset="-122"/>
+              </a:rPr>
+              <a:t>閩南語本身以外</a:t>
+            </a:r>
+            <a:r>
+              <a:rPr lang="zh-TW" altLang="en-US" sz="7200" dirty="0" smtClean="0">
+                <a:ea typeface="SimHei" panose="02010609060101010101" pitchFamily="49" charset="-122"/>
+              </a:rPr>
+              <a:t>，嘛</a:t>
+            </a:r>
+            <a:r>
+              <a:rPr lang="zh-TW" altLang="en-US" sz="7200" dirty="0">
+                <a:ea typeface="SimHei" panose="02010609060101010101" pitchFamily="49" charset="-122"/>
+              </a:rPr>
+              <a:t>希望研究結果對別的本土語言有幫助</a:t>
+            </a:r>
+            <a:r>
+              <a:rPr lang="zh-TW" altLang="en-US" sz="7200" dirty="0" smtClean="0">
+                <a:ea typeface="SimHei" panose="02010609060101010101" pitchFamily="49" charset="-122"/>
+              </a:rPr>
+              <a:t>。</a:t>
+            </a:r>
+            <a:endParaRPr lang="en-US" altLang="zh-TW" sz="7200" dirty="0" smtClean="0">
+              <a:ea typeface="SimHei" panose="02010609060101010101" pitchFamily="49" charset="-122"/>
+            </a:endParaRPr>
+          </a:p>
+          <a:p>
+            <a:pPr marL="0" indent="0">
+              <a:lnSpc>
+                <a:spcPct val="120000"/>
+              </a:lnSpc>
+              <a:buNone/>
+            </a:pPr>
+            <a:endParaRPr lang="en-US" altLang="zh-TW" sz="2400" dirty="0">
+              <a:ea typeface="SimHei" panose="02010609060101010101" pitchFamily="49" charset="-122"/>
+            </a:endParaRPr>
+          </a:p>
+          <a:p>
+            <a:pPr marL="0" indent="0">
+              <a:lnSpc>
+                <a:spcPct val="120000"/>
+              </a:lnSpc>
+              <a:buNone/>
+            </a:pPr>
+            <a:r>
+              <a:rPr lang="zh-TW" altLang="en-US" sz="7200" dirty="0" smtClean="0">
+                <a:ea typeface="SimHei" panose="02010609060101010101" pitchFamily="49" charset="-122"/>
+              </a:rPr>
+              <a:t>　　本</a:t>
+            </a:r>
+            <a:r>
+              <a:rPr lang="zh-TW" altLang="en-US" sz="7200" dirty="0">
+                <a:ea typeface="SimHei" panose="02010609060101010101" pitchFamily="49" charset="-122"/>
+              </a:rPr>
+              <a:t>論文提出一个自動整理漢語語料的方法</a:t>
+            </a:r>
+            <a:r>
+              <a:rPr lang="zh-TW" altLang="en-US" sz="7200" dirty="0" smtClean="0">
+                <a:ea typeface="SimHei" panose="02010609060101010101" pitchFamily="49" charset="-122"/>
+              </a:rPr>
+              <a:t>，予</a:t>
+            </a:r>
+            <a:r>
+              <a:rPr lang="zh-TW" altLang="en-US" sz="7200" dirty="0">
+                <a:ea typeface="SimHei" panose="02010609060101010101" pitchFamily="49" charset="-122"/>
+              </a:rPr>
+              <a:t>資訊無完整的語料庫補足資訊</a:t>
+            </a:r>
+            <a:r>
+              <a:rPr lang="zh-TW" altLang="en-US" sz="7200" dirty="0" smtClean="0">
+                <a:ea typeface="SimHei" panose="02010609060101010101" pitchFamily="49" charset="-122"/>
+              </a:rPr>
+              <a:t>，發揮</a:t>
+            </a:r>
+            <a:r>
+              <a:rPr lang="zh-TW" altLang="en-US" sz="7200" dirty="0">
+                <a:ea typeface="SimHei" panose="02010609060101010101" pitchFamily="49" charset="-122"/>
+              </a:rPr>
+              <a:t>上大的價值</a:t>
+            </a:r>
+            <a:r>
+              <a:rPr lang="zh-TW" altLang="en-US" sz="7200" dirty="0" smtClean="0">
+                <a:ea typeface="SimHei" panose="02010609060101010101" pitchFamily="49" charset="-122"/>
+              </a:rPr>
+              <a:t>，</a:t>
+            </a:r>
+            <a:r>
+              <a:rPr lang="en-US" altLang="zh-TW" sz="7200" dirty="0" smtClean="0">
+                <a:ea typeface="SimHei" panose="02010609060101010101" pitchFamily="49" charset="-122"/>
+              </a:rPr>
+              <a:t>BLEU</a:t>
+            </a:r>
+            <a:r>
+              <a:rPr lang="zh-TW" altLang="en-US" sz="7200" dirty="0">
+                <a:ea typeface="SimHei" panose="02010609060101010101" pitchFamily="49" charset="-122"/>
+              </a:rPr>
+              <a:t>分數對</a:t>
+            </a:r>
+            <a:r>
+              <a:rPr lang="en-US" altLang="zh-TW" sz="7200" dirty="0">
+                <a:ea typeface="SimHei" panose="02010609060101010101" pitchFamily="49" charset="-122"/>
+              </a:rPr>
+              <a:t>9.30</a:t>
+            </a:r>
+            <a:r>
+              <a:rPr lang="zh-TW" altLang="en-US" sz="7200" dirty="0">
+                <a:ea typeface="SimHei" panose="02010609060101010101" pitchFamily="49" charset="-122"/>
+              </a:rPr>
+              <a:t>搝到</a:t>
+            </a:r>
+            <a:r>
+              <a:rPr lang="en-US" altLang="zh-TW" sz="7200" dirty="0">
+                <a:ea typeface="SimHei" panose="02010609060101010101" pitchFamily="49" charset="-122"/>
+              </a:rPr>
+              <a:t>13.82</a:t>
+            </a:r>
+            <a:r>
+              <a:rPr lang="zh-TW" altLang="en-US" sz="7200" dirty="0" smtClean="0">
+                <a:ea typeface="SimHei" panose="02010609060101010101" pitchFamily="49" charset="-122"/>
+              </a:rPr>
+              <a:t>。另外</a:t>
+            </a:r>
+            <a:r>
+              <a:rPr lang="zh-TW" altLang="en-US" sz="7200" dirty="0">
+                <a:ea typeface="SimHei" panose="02010609060101010101" pitchFamily="49" charset="-122"/>
+              </a:rPr>
+              <a:t>閣用實驗證明平行語料數量無到十萬句的</a:t>
+            </a:r>
+            <a:r>
+              <a:rPr lang="zh-TW" altLang="en-US" sz="7200" dirty="0" smtClean="0">
+                <a:ea typeface="SimHei" panose="02010609060101010101" pitchFamily="49" charset="-122"/>
+              </a:rPr>
+              <a:t>時，加</a:t>
+            </a:r>
+            <a:r>
+              <a:rPr lang="zh-TW" altLang="en-US" sz="7200" dirty="0">
+                <a:ea typeface="SimHei" panose="02010609060101010101" pitchFamily="49" charset="-122"/>
+              </a:rPr>
+              <a:t>語料對翻譯的效果影響非常大</a:t>
+            </a:r>
+            <a:r>
+              <a:rPr lang="zh-TW" altLang="en-US" sz="7200" dirty="0" smtClean="0">
+                <a:ea typeface="SimHei" panose="02010609060101010101" pitchFamily="49" charset="-122"/>
+              </a:rPr>
+              <a:t>，原本</a:t>
+            </a:r>
+            <a:r>
+              <a:rPr lang="en-US" altLang="zh-TW" sz="7200" dirty="0">
+                <a:ea typeface="SimHei" panose="02010609060101010101" pitchFamily="49" charset="-122"/>
+              </a:rPr>
+              <a:t>64121</a:t>
+            </a:r>
+            <a:r>
+              <a:rPr lang="zh-TW" altLang="en-US" sz="7200" dirty="0">
+                <a:ea typeface="SimHei" panose="02010609060101010101" pitchFamily="49" charset="-122"/>
+              </a:rPr>
+              <a:t>句加到</a:t>
+            </a:r>
+            <a:r>
+              <a:rPr lang="en-US" altLang="zh-TW" sz="7200" dirty="0">
+                <a:ea typeface="SimHei" panose="02010609060101010101" pitchFamily="49" charset="-122"/>
+              </a:rPr>
+              <a:t>99147</a:t>
+            </a:r>
+            <a:r>
+              <a:rPr lang="zh-TW" altLang="en-US" sz="7200" dirty="0">
+                <a:ea typeface="SimHei" panose="02010609060101010101" pitchFamily="49" charset="-122"/>
+              </a:rPr>
+              <a:t>句了後</a:t>
+            </a:r>
+            <a:r>
+              <a:rPr lang="zh-TW" altLang="en-US" sz="7200" dirty="0" smtClean="0">
+                <a:ea typeface="SimHei" panose="02010609060101010101" pitchFamily="49" charset="-122"/>
+              </a:rPr>
+              <a:t>，</a:t>
+            </a:r>
+            <a:r>
+              <a:rPr lang="en-US" altLang="zh-TW" sz="7200" dirty="0" smtClean="0">
+                <a:ea typeface="SimHei" panose="02010609060101010101" pitchFamily="49" charset="-122"/>
+              </a:rPr>
+              <a:t>BLEU</a:t>
+            </a:r>
+            <a:r>
+              <a:rPr lang="zh-TW" altLang="en-US" sz="7200" dirty="0">
+                <a:ea typeface="SimHei" panose="02010609060101010101" pitchFamily="49" charset="-122"/>
+              </a:rPr>
+              <a:t>分數對</a:t>
+            </a:r>
+            <a:r>
+              <a:rPr lang="en-US" altLang="zh-TW" sz="7200" dirty="0">
+                <a:ea typeface="SimHei" panose="02010609060101010101" pitchFamily="49" charset="-122"/>
+              </a:rPr>
+              <a:t>13.82</a:t>
+            </a:r>
+            <a:r>
+              <a:rPr lang="zh-TW" altLang="en-US" sz="7200" dirty="0">
+                <a:ea typeface="SimHei" panose="02010609060101010101" pitchFamily="49" charset="-122"/>
+              </a:rPr>
+              <a:t>提昇到</a:t>
+            </a:r>
+            <a:r>
+              <a:rPr lang="en-US" altLang="zh-TW" sz="7200" dirty="0">
+                <a:ea typeface="SimHei" panose="02010609060101010101" pitchFamily="49" charset="-122"/>
+              </a:rPr>
+              <a:t>19.33</a:t>
+            </a:r>
+            <a:r>
+              <a:rPr lang="zh-TW" altLang="en-US" sz="7200" dirty="0" smtClean="0">
+                <a:ea typeface="SimHei" panose="02010609060101010101" pitchFamily="49" charset="-122"/>
+              </a:rPr>
+              <a:t>。</a:t>
+            </a:r>
+            <a:endParaRPr lang="en-US" altLang="zh-TW" sz="7200" dirty="0" smtClean="0">
+              <a:ea typeface="SimHei" panose="02010609060101010101" pitchFamily="49" charset="-122"/>
+            </a:endParaRPr>
+          </a:p>
+          <a:p>
+            <a:pPr marL="0" indent="0">
+              <a:lnSpc>
+                <a:spcPct val="120000"/>
+              </a:lnSpc>
+              <a:buNone/>
+            </a:pPr>
+            <a:r>
+              <a:rPr lang="zh-TW" altLang="en-US" sz="7200" b="1" dirty="0" smtClean="0">
+                <a:ea typeface="SimHei" panose="02010609060101010101" pitchFamily="49" charset="-122"/>
+              </a:rPr>
+              <a:t>關鍵字</a:t>
+            </a:r>
+            <a:r>
+              <a:rPr lang="zh-TW" altLang="en-US" sz="7200" dirty="0">
+                <a:ea typeface="SimHei" panose="02010609060101010101" pitchFamily="49" charset="-122"/>
+              </a:rPr>
+              <a:t>：臺灣閩南語、華語、翻譯、語料、斷詞、語言分類</a:t>
+            </a:r>
+            <a:br>
+              <a:rPr lang="zh-TW" altLang="en-US" sz="7200" dirty="0">
+                <a:ea typeface="SimHei" panose="02010609060101010101" pitchFamily="49" charset="-122"/>
+              </a:rPr>
+            </a:br>
+            <a:endParaRPr lang="zh-TW" altLang="en-US" sz="6600" dirty="0">
+              <a:latin typeface="Times New Roman" panose="02020603050405020304" pitchFamily="18" charset="0"/>
+              <a:ea typeface="SimHei" panose="02010609060101010101" pitchFamily="49" charset="-122"/>
+              <a:cs typeface="Times New Roman" panose="02020603050405020304" pitchFamily="18" charset="0"/>
+            </a:endParaRPr>
+          </a:p>
+        </p:txBody>
+      </p:sp>
+      <p:sp>
+        <p:nvSpPr>
+          <p:cNvPr id="22" name="文字方塊 21"/>
+          <p:cNvSpPr txBox="1"/>
+          <p:nvPr/>
+        </p:nvSpPr>
+        <p:spPr>
+          <a:xfrm>
+            <a:off x="2042947" y="5540780"/>
+            <a:ext cx="8688180" cy="2308324"/>
+          </a:xfrm>
+          <a:prstGeom prst="rect">
+            <a:avLst/>
+          </a:prstGeom>
+          <a:noFill/>
+        </p:spPr>
+        <p:txBody>
+          <a:bodyPr wrap="square" rtlCol="0">
+            <a:spAutoFit/>
+          </a:bodyPr>
+          <a:lstStyle/>
+          <a:p>
+            <a:r>
+              <a:rPr lang="zh-TW" altLang="en-US" sz="7200" dirty="0" smtClean="0">
+                <a:latin typeface="Times New Roman" panose="02020603050405020304" pitchFamily="18" charset="0"/>
+                <a:ea typeface="SimHei" panose="02010609060101010101" pitchFamily="49" charset="-122"/>
+                <a:cs typeface="Times New Roman" panose="02020603050405020304" pitchFamily="18" charset="0"/>
+              </a:rPr>
+              <a:t>學生：薛丞宏</a:t>
+            </a:r>
+            <a:endParaRPr lang="en-US" altLang="zh-TW" sz="7200" dirty="0" smtClean="0">
+              <a:latin typeface="Times New Roman" panose="02020603050405020304" pitchFamily="18" charset="0"/>
+              <a:ea typeface="SimHei" panose="02010609060101010101" pitchFamily="49" charset="-122"/>
+              <a:cs typeface="Times New Roman" panose="02020603050405020304" pitchFamily="18" charset="0"/>
+            </a:endParaRPr>
+          </a:p>
+          <a:p>
+            <a:r>
+              <a:rPr lang="zh-TW" altLang="en-US" sz="7200" dirty="0" smtClean="0">
+                <a:latin typeface="Times New Roman" panose="02020603050405020304" pitchFamily="18" charset="0"/>
+                <a:ea typeface="SimHei" panose="02010609060101010101" pitchFamily="49" charset="-122"/>
+                <a:cs typeface="Times New Roman" panose="02020603050405020304" pitchFamily="18" charset="0"/>
+              </a:rPr>
+              <a:t>　　　</a:t>
+            </a:r>
+            <a:r>
+              <a:rPr lang="en-US" altLang="zh-TW" sz="7200" dirty="0" err="1" smtClean="0">
+                <a:latin typeface="Times New Roman" panose="02020603050405020304" pitchFamily="18" charset="0"/>
+                <a:ea typeface="SimHei" panose="02010609060101010101" pitchFamily="49" charset="-122"/>
+                <a:cs typeface="Times New Roman" panose="02020603050405020304" pitchFamily="18" charset="0"/>
+              </a:rPr>
+              <a:t>Sih</a:t>
+            </a:r>
+            <a:r>
+              <a:rPr lang="en-US" altLang="zh-TW" sz="7200" dirty="0" smtClean="0">
+                <a:latin typeface="Times New Roman" panose="02020603050405020304" pitchFamily="18" charset="0"/>
+                <a:ea typeface="SimHei" panose="02010609060101010101" pitchFamily="49" charset="-122"/>
+                <a:cs typeface="Times New Roman" panose="02020603050405020304" pitchFamily="18" charset="0"/>
+              </a:rPr>
+              <a:t>, Sing-</a:t>
+            </a:r>
+            <a:r>
+              <a:rPr lang="en-US" altLang="zh-TW" sz="7200" dirty="0" err="1" smtClean="0">
+                <a:latin typeface="Times New Roman" panose="02020603050405020304" pitchFamily="18" charset="0"/>
+                <a:ea typeface="SimHei" panose="02010609060101010101" pitchFamily="49" charset="-122"/>
+                <a:cs typeface="Times New Roman" panose="02020603050405020304" pitchFamily="18" charset="0"/>
+              </a:rPr>
+              <a:t>Hông</a:t>
+            </a:r>
+            <a:endParaRPr lang="en-US" altLang="zh-TW" sz="7200" dirty="0">
+              <a:latin typeface="Times New Roman" panose="02020603050405020304" pitchFamily="18" charset="0"/>
+              <a:ea typeface="SimHei" panose="02010609060101010101" pitchFamily="49" charset="-122"/>
+              <a:cs typeface="Times New Roman" panose="02020603050405020304" pitchFamily="18" charset="0"/>
+            </a:endParaRPr>
+          </a:p>
+        </p:txBody>
+      </p:sp>
+      <p:sp>
+        <p:nvSpPr>
+          <p:cNvPr id="23" name="文字方塊 22"/>
+          <p:cNvSpPr txBox="1"/>
+          <p:nvPr/>
+        </p:nvSpPr>
+        <p:spPr>
+          <a:xfrm>
+            <a:off x="18896100" y="5540780"/>
+            <a:ext cx="7650812" cy="2308324"/>
+          </a:xfrm>
+          <a:prstGeom prst="rect">
+            <a:avLst/>
+          </a:prstGeom>
+          <a:noFill/>
+        </p:spPr>
+        <p:txBody>
+          <a:bodyPr wrap="none" rtlCol="0">
+            <a:spAutoFit/>
+          </a:bodyPr>
+          <a:lstStyle/>
+          <a:p>
+            <a:pPr algn="r"/>
+            <a:r>
+              <a:rPr lang="zh-TW" altLang="en-US" sz="7200" dirty="0">
+                <a:latin typeface="Times New Roman" panose="02020603050405020304" pitchFamily="18" charset="0"/>
+                <a:ea typeface="SimHei" panose="02010609060101010101" pitchFamily="49" charset="-122"/>
+                <a:cs typeface="Times New Roman" panose="02020603050405020304" pitchFamily="18" charset="0"/>
+              </a:rPr>
+              <a:t>指導教授</a:t>
+            </a:r>
+            <a:r>
+              <a:rPr lang="zh-TW" altLang="en-US" sz="7200" dirty="0" smtClean="0">
+                <a:latin typeface="Times New Roman" panose="02020603050405020304" pitchFamily="18" charset="0"/>
+                <a:ea typeface="SimHei" panose="02010609060101010101" pitchFamily="49" charset="-122"/>
+                <a:cs typeface="Times New Roman" panose="02020603050405020304" pitchFamily="18" charset="0"/>
+              </a:rPr>
+              <a:t>：張智星</a:t>
+            </a:r>
+            <a:endParaRPr lang="en-US" altLang="zh-TW" sz="7200" dirty="0" smtClean="0">
+              <a:latin typeface="Times New Roman" panose="02020603050405020304" pitchFamily="18" charset="0"/>
+              <a:ea typeface="SimHei" panose="02010609060101010101" pitchFamily="49" charset="-122"/>
+              <a:cs typeface="Times New Roman" panose="02020603050405020304" pitchFamily="18" charset="0"/>
+            </a:endParaRPr>
+          </a:p>
+          <a:p>
+            <a:pPr algn="r"/>
+            <a:r>
+              <a:rPr lang="zh-TW" altLang="en-US" sz="7200" dirty="0" smtClean="0">
+                <a:latin typeface="Times New Roman" panose="02020603050405020304" pitchFamily="18" charset="0"/>
+                <a:ea typeface="SimHei" panose="02010609060101010101" pitchFamily="49" charset="-122"/>
+                <a:cs typeface="Times New Roman" panose="02020603050405020304" pitchFamily="18" charset="0"/>
+              </a:rPr>
+              <a:t>　　　　　易志偉</a:t>
+            </a:r>
+            <a:endParaRPr lang="en-US" altLang="zh-TW" sz="7200" dirty="0" smtClean="0">
+              <a:latin typeface="Times New Roman" panose="02020603050405020304" pitchFamily="18" charset="0"/>
+              <a:ea typeface="SimHei" panose="02010609060101010101" pitchFamily="49" charset="-122"/>
+              <a:cs typeface="Times New Roman" panose="02020603050405020304" pitchFamily="18" charset="0"/>
+            </a:endParaRPr>
+          </a:p>
+        </p:txBody>
+      </p:sp>
+      <p:graphicFrame>
+        <p:nvGraphicFramePr>
+          <p:cNvPr id="7" name="表格 6"/>
+          <p:cNvGraphicFramePr>
+            <a:graphicFrameLocks noGrp="1"/>
+          </p:cNvGraphicFramePr>
+          <p:nvPr>
+            <p:extLst/>
+          </p:nvPr>
+        </p:nvGraphicFramePr>
+        <p:xfrm>
+          <a:off x="2042947" y="36342003"/>
+          <a:ext cx="26150843" cy="5034280"/>
+        </p:xfrm>
+        <a:graphic>
+          <a:graphicData uri="http://schemas.openxmlformats.org/drawingml/2006/table">
+            <a:tbl>
+              <a:tblPr firstCol="1" bandRow="1">
+                <a:tableStyleId>{5DA37D80-6434-44D0-A028-1B22A696006F}</a:tableStyleId>
+              </a:tblPr>
+              <a:tblGrid>
+                <a:gridCol w="5473341"/>
+                <a:gridCol w="20677502"/>
+              </a:tblGrid>
+              <a:tr h="370840">
+                <a:tc>
+                  <a:txBody>
+                    <a:bodyPr/>
+                    <a:lstStyle/>
+                    <a:p>
+                      <a:pPr algn="ctr"/>
+                      <a:r>
+                        <a:rPr lang="zh-TW" altLang="en-US" sz="8000" dirty="0" smtClean="0"/>
+                        <a:t>華語輸入</a:t>
+                      </a:r>
+                      <a:endParaRPr lang="zh-TW" altLang="en-US" sz="8000" dirty="0"/>
+                    </a:p>
+                  </a:txBody>
+                  <a:tcPr anchor="ctr"/>
+                </a:tc>
+                <a:tc>
+                  <a:txBody>
+                    <a:bodyPr/>
+                    <a:lstStyle/>
+                    <a:p>
+                      <a:pPr marL="0" algn="l" defTabSz="2270638" rtl="0" eaLnBrk="1" latinLnBrk="0" hangingPunct="1">
+                        <a:lnSpc>
+                          <a:spcPts val="9500"/>
+                        </a:lnSpc>
+                        <a:spcBef>
+                          <a:spcPts val="600"/>
+                        </a:spcBef>
+                        <a:spcAft>
+                          <a:spcPts val="600"/>
+                        </a:spcAft>
+                      </a:pPr>
+                      <a:r>
+                        <a:rPr lang="zh-TW" altLang="en-US" sz="7200" kern="1200" dirty="0" smtClean="0">
+                          <a:solidFill>
+                            <a:schemeClr val="tx1"/>
+                          </a:solidFill>
+                          <a:latin typeface="+mn-lt"/>
+                          <a:ea typeface="+mn-ea"/>
+                          <a:cs typeface="+mn-cs"/>
+                        </a:rPr>
+                        <a:t>如果傳統的重要族群活動，看不到文化，體會不到精神，</a:t>
+                      </a:r>
+                      <a:endParaRPr lang="zh-TW" altLang="en-US" sz="7200" kern="1200" dirty="0">
+                        <a:solidFill>
+                          <a:schemeClr val="tx1"/>
+                        </a:solidFill>
+                        <a:latin typeface="+mn-lt"/>
+                        <a:ea typeface="+mn-ea"/>
+                        <a:cs typeface="+mn-cs"/>
+                      </a:endParaRPr>
+                    </a:p>
+                  </a:txBody>
+                  <a:tcPr/>
+                </a:tc>
+              </a:tr>
+              <a:tr h="370840">
+                <a:tc>
+                  <a:txBody>
+                    <a:bodyPr/>
+                    <a:lstStyle/>
+                    <a:p>
+                      <a:pPr algn="ctr"/>
+                      <a:r>
+                        <a:rPr lang="zh-TW" altLang="en-US" sz="8000" dirty="0" smtClean="0"/>
+                        <a:t>閩南語</a:t>
+                      </a:r>
+                      <a:endParaRPr lang="en-US" altLang="zh-TW" sz="8000" dirty="0" smtClean="0"/>
+                    </a:p>
+                    <a:p>
+                      <a:pPr algn="ctr"/>
+                      <a:r>
+                        <a:rPr lang="zh-TW" altLang="en-US" sz="8000" dirty="0" smtClean="0"/>
+                        <a:t>輸出</a:t>
+                      </a:r>
+                      <a:endParaRPr lang="zh-TW" altLang="en-US" sz="8000" dirty="0"/>
+                    </a:p>
+                  </a:txBody>
+                  <a:tcPr anchor="ctr"/>
+                </a:tc>
+                <a:tc>
+                  <a:txBody>
+                    <a:bodyPr/>
+                    <a:lstStyle/>
+                    <a:p>
+                      <a:pPr marL="0" algn="l" defTabSz="2270638" rtl="0" eaLnBrk="1" latinLnBrk="0" hangingPunct="1">
+                        <a:lnSpc>
+                          <a:spcPts val="9500"/>
+                        </a:lnSpc>
+                        <a:spcBef>
+                          <a:spcPts val="600"/>
+                        </a:spcBef>
+                        <a:spcAft>
+                          <a:spcPts val="600"/>
+                        </a:spcAft>
+                      </a:pPr>
+                      <a:r>
+                        <a:rPr lang="zh-TW" altLang="en-US" sz="7200" kern="1200" dirty="0" smtClean="0">
+                          <a:solidFill>
+                            <a:schemeClr val="tx1"/>
+                          </a:solidFill>
+                          <a:latin typeface="+mn-lt"/>
+                          <a:ea typeface="+mn-ea"/>
+                          <a:cs typeface="+mn-cs"/>
+                        </a:rPr>
+                        <a:t>若是傳統的重要的族群活動，看袂著文化，體會毋著精神，</a:t>
+                      </a:r>
+                      <a:endParaRPr lang="zh-TW" altLang="en-US" sz="7200" kern="1200" dirty="0">
+                        <a:solidFill>
+                          <a:schemeClr val="tx1"/>
+                        </a:solidFill>
+                        <a:latin typeface="+mn-lt"/>
+                        <a:ea typeface="+mn-ea"/>
+                        <a:cs typeface="+mn-cs"/>
+                      </a:endParaRPr>
+                    </a:p>
+                  </a:txBody>
+                  <a:tcPr/>
+                </a:tc>
+              </a:tr>
+            </a:tbl>
+          </a:graphicData>
+        </a:graphic>
+      </p:graphicFrame>
+      <p:graphicFrame>
+        <p:nvGraphicFramePr>
+          <p:cNvPr id="5" name="表格 4"/>
+          <p:cNvGraphicFramePr>
+            <a:graphicFrameLocks noGrp="1"/>
+          </p:cNvGraphicFramePr>
+          <p:nvPr>
+            <p:extLst/>
+          </p:nvPr>
+        </p:nvGraphicFramePr>
+        <p:xfrm>
+          <a:off x="2042947" y="29798612"/>
+          <a:ext cx="26112372" cy="5034280"/>
+        </p:xfrm>
+        <a:graphic>
+          <a:graphicData uri="http://schemas.openxmlformats.org/drawingml/2006/table">
+            <a:tbl>
+              <a:tblPr firstCol="1" bandRow="1">
+                <a:tableStyleId>{0E3FDE45-AF77-4B5C-9715-49D594BDF05E}</a:tableStyleId>
+              </a:tblPr>
+              <a:tblGrid>
+                <a:gridCol w="5471654"/>
+                <a:gridCol w="20640718"/>
+              </a:tblGrid>
+              <a:tr h="1631942">
+                <a:tc>
+                  <a:txBody>
+                    <a:bodyPr/>
+                    <a:lstStyle/>
+                    <a:p>
+                      <a:pPr algn="ctr"/>
+                      <a:r>
+                        <a:rPr lang="zh-TW" altLang="en-US" sz="8000" dirty="0" smtClean="0"/>
+                        <a:t>華語輸入</a:t>
+                      </a:r>
+                      <a:endParaRPr lang="zh-TW" altLang="en-US" sz="8000" dirty="0"/>
+                    </a:p>
+                  </a:txBody>
+                  <a:tcPr anchor="ctr"/>
+                </a:tc>
+                <a:tc>
+                  <a:txBody>
+                    <a:bodyPr/>
+                    <a:lstStyle/>
+                    <a:p>
+                      <a:pPr>
+                        <a:lnSpc>
+                          <a:spcPts val="9500"/>
+                        </a:lnSpc>
+                        <a:spcBef>
+                          <a:spcPts val="600"/>
+                        </a:spcBef>
+                        <a:spcAft>
+                          <a:spcPts val="600"/>
+                        </a:spcAft>
+                      </a:pPr>
+                      <a:r>
+                        <a:rPr lang="zh-TW" altLang="en-US" sz="7200" dirty="0" smtClean="0"/>
+                        <a:t>食安問題連環爆，立法院長王金平下午主持</a:t>
+                      </a:r>
+                      <a:r>
+                        <a:rPr lang="en-US" altLang="zh-TW" sz="7200" dirty="0" smtClean="0"/>
+                        <a:t>《</a:t>
+                      </a:r>
+                      <a:r>
+                        <a:rPr lang="zh-TW" altLang="en-US" sz="7200" dirty="0" smtClean="0"/>
+                        <a:t>食品安全衛生管理法</a:t>
+                      </a:r>
+                      <a:r>
+                        <a:rPr lang="en-US" altLang="zh-TW" sz="7200" dirty="0" smtClean="0"/>
+                        <a:t>》</a:t>
+                      </a:r>
+                      <a:r>
+                        <a:rPr lang="zh-TW" altLang="en-US" sz="7200" dirty="0" smtClean="0"/>
+                        <a:t>協商仍未獲共識</a:t>
+                      </a:r>
+                      <a:endParaRPr lang="zh-TW" altLang="en-US" sz="7200" dirty="0"/>
+                    </a:p>
+                  </a:txBody>
+                  <a:tcPr/>
+                </a:tc>
+              </a:tr>
+              <a:tr h="1111258">
+                <a:tc>
+                  <a:txBody>
+                    <a:bodyPr/>
+                    <a:lstStyle/>
+                    <a:p>
+                      <a:pPr algn="ctr"/>
+                      <a:r>
+                        <a:rPr lang="zh-TW" altLang="en-US" sz="8000" dirty="0" smtClean="0"/>
+                        <a:t>閩南語</a:t>
+                      </a:r>
+                      <a:endParaRPr lang="en-US" altLang="zh-TW" sz="8000" dirty="0" smtClean="0"/>
+                    </a:p>
+                    <a:p>
+                      <a:pPr algn="ctr"/>
+                      <a:r>
+                        <a:rPr lang="zh-TW" altLang="en-US" sz="8000" dirty="0" smtClean="0"/>
+                        <a:t>輸出</a:t>
+                      </a:r>
+                      <a:endParaRPr lang="zh-TW" altLang="en-US" sz="8000" dirty="0"/>
+                    </a:p>
+                  </a:txBody>
+                  <a:tcPr anchor="ctr"/>
+                </a:tc>
+                <a:tc>
+                  <a:txBody>
+                    <a:bodyPr/>
+                    <a:lstStyle/>
+                    <a:p>
+                      <a:pPr>
+                        <a:lnSpc>
+                          <a:spcPts val="9500"/>
+                        </a:lnSpc>
+                        <a:spcBef>
+                          <a:spcPts val="600"/>
+                        </a:spcBef>
+                        <a:spcAft>
+                          <a:spcPts val="600"/>
+                        </a:spcAft>
+                      </a:pPr>
+                      <a:r>
+                        <a:rPr lang="zh-TW" altLang="en-US" sz="7200" dirty="0" smtClean="0"/>
+                        <a:t>食安問題連環爆，立法院長王金平下晡主持</a:t>
+                      </a:r>
+                      <a:r>
+                        <a:rPr lang="en-US" altLang="zh-TW" sz="7200" dirty="0" smtClean="0"/>
+                        <a:t>《</a:t>
+                      </a:r>
+                      <a:r>
+                        <a:rPr lang="zh-TW" altLang="en-US" sz="7200" dirty="0" smtClean="0"/>
+                        <a:t>食品安全衛生管理法</a:t>
+                      </a:r>
+                      <a:r>
+                        <a:rPr lang="en-US" altLang="zh-TW" sz="7200" dirty="0" smtClean="0"/>
+                        <a:t>》</a:t>
+                      </a:r>
+                      <a:r>
+                        <a:rPr lang="zh-TW" altLang="en-US" sz="7200" dirty="0" smtClean="0"/>
+                        <a:t>協商猶未獲共識</a:t>
+                      </a:r>
+                      <a:endParaRPr lang="zh-TW" altLang="en-US" sz="7200" dirty="0"/>
+                    </a:p>
+                  </a:txBody>
+                  <a:tcPr/>
+                </a:tc>
+              </a:tr>
+            </a:tbl>
+          </a:graphicData>
+        </a:graphic>
+      </p:graphicFrame>
+    </p:spTree>
+    <p:extLst>
+      <p:ext uri="{BB962C8B-B14F-4D97-AF65-F5344CB8AC3E}">
+        <p14:creationId xmlns:p14="http://schemas.microsoft.com/office/powerpoint/2010/main" val="3335143336"/>
+      </p:ext>
+    </p:extLst>
+  </p:cSld>
+  <p:clrMapOvr>
+    <a:masterClrMapping/>
+  </p:clrMapOvr>
+  <p:timing>
+    <p:tnLst>
+      <p:par>
+        <p:cTn id="1" dur="indefinite" restart="never" nodeType="tmRoot"/>
+      </p:par>
+    </p:tnLst>
+  </p:timing>
+</p:sld>
+</file>
+
+<file path=ppt/slides/slide6.xml><?xml version="1.0" encoding="utf-8"?>
+<p:sld xmlns:a="http://schemas.openxmlformats.org/drawingml/2006/main" xmlns:r="http://schemas.openxmlformats.org/officeDocument/2006/relationships" xmlns:p="http://schemas.openxmlformats.org/presentationml/2006/main">
+  <p:cSld>
+    <p:spTree>
+      <p:nvGrpSpPr>
+        <p:cNvPr id="1" name=""/>
+        <p:cNvGrpSpPr/>
+        <p:nvPr/>
+      </p:nvGrpSpPr>
+      <p:grpSpPr>
+        <a:xfrm>
+          <a:off x="0" y="0"/>
+          <a:ext cx="0" cy="0"/>
+          <a:chOff x="0" y="0"/>
+          <a:chExt cx="0" cy="0"/>
+        </a:xfrm>
+      </p:grpSpPr>
+      <p:sp>
+        <p:nvSpPr>
+          <p:cNvPr id="3" name="標題 2"/>
+          <p:cNvSpPr>
+            <a:spLocks noGrp="1"/>
+          </p:cNvSpPr>
+          <p:nvPr>
+            <p:ph type="title"/>
+          </p:nvPr>
+        </p:nvSpPr>
+        <p:spPr>
+          <a:xfrm>
+            <a:off x="2042948" y="997490"/>
+            <a:ext cx="26112371" cy="3775779"/>
+          </a:xfrm>
+        </p:spPr>
+        <p:txBody>
+          <a:bodyPr>
+            <a:normAutofit/>
+          </a:bodyPr>
+          <a:lstStyle/>
+          <a:p>
+            <a:pPr algn="ctr">
+              <a:spcBef>
+                <a:spcPts val="600"/>
+              </a:spcBef>
+            </a:pPr>
+            <a:r>
+              <a:rPr lang="zh-TW" altLang="en-US" sz="9700" spc="300" dirty="0">
+                <a:latin typeface="KaiTi" panose="02010609060101010101" pitchFamily="49" charset="-122"/>
+                <a:ea typeface="KaiTi" panose="02010609060101010101" pitchFamily="49" charset="-122"/>
+              </a:rPr>
+              <a:t>漢語間統計式機器翻譯語料</a:t>
+            </a:r>
+            <a:r>
+              <a:rPr lang="zh-TW" altLang="en-US" sz="9700" spc="300" dirty="0" smtClean="0">
+                <a:latin typeface="KaiTi" panose="02010609060101010101" pitchFamily="49" charset="-122"/>
+                <a:ea typeface="KaiTi" panose="02010609060101010101" pitchFamily="49" charset="-122"/>
+              </a:rPr>
+              <a:t>處理 －</a:t>
+            </a:r>
+            <a:r>
+              <a:rPr lang="en-US" altLang="zh-TW" sz="9700" spc="300" dirty="0" smtClean="0">
+                <a:latin typeface="KaiTi" panose="02010609060101010101" pitchFamily="49" charset="-122"/>
+                <a:ea typeface="KaiTi" panose="02010609060101010101" pitchFamily="49" charset="-122"/>
+              </a:rPr>
+              <a:t/>
+            </a:r>
+            <a:br>
+              <a:rPr lang="en-US" altLang="zh-TW" sz="9700" spc="300" dirty="0" smtClean="0">
+                <a:latin typeface="KaiTi" panose="02010609060101010101" pitchFamily="49" charset="-122"/>
+                <a:ea typeface="KaiTi" panose="02010609060101010101" pitchFamily="49" charset="-122"/>
+              </a:rPr>
+            </a:br>
+            <a:r>
+              <a:rPr lang="zh-TW" altLang="en-US" sz="9700" spc="300" dirty="0" smtClean="0">
+                <a:latin typeface="KaiTi" panose="02010609060101010101" pitchFamily="49" charset="-122"/>
+                <a:ea typeface="KaiTi" panose="02010609060101010101" pitchFamily="49" charset="-122"/>
+              </a:rPr>
+              <a:t>用</a:t>
+            </a:r>
+            <a:r>
+              <a:rPr lang="zh-TW" altLang="en-US" sz="9700" spc="300" dirty="0">
+                <a:latin typeface="KaiTi" panose="02010609060101010101" pitchFamily="49" charset="-122"/>
+                <a:ea typeface="KaiTi" panose="02010609060101010101" pitchFamily="49" charset="-122"/>
+              </a:rPr>
+              <a:t>臺灣閩南語</a:t>
+            </a:r>
+            <a:r>
+              <a:rPr lang="zh-TW" altLang="en-US" sz="9700" spc="300" dirty="0" smtClean="0">
+                <a:latin typeface="KaiTi" panose="02010609060101010101" pitchFamily="49" charset="-122"/>
+                <a:ea typeface="KaiTi" panose="02010609060101010101" pitchFamily="49" charset="-122"/>
+              </a:rPr>
+              <a:t>示範</a:t>
+            </a:r>
+            <a:endParaRPr lang="zh-TW" altLang="en-US" sz="9700" b="1" spc="300" dirty="0">
+              <a:latin typeface="KaiTi" panose="02010609060101010101" pitchFamily="49" charset="-122"/>
+              <a:ea typeface="KaiTi" panose="02010609060101010101" pitchFamily="49" charset="-122"/>
+              <a:cs typeface="Times New Roman" panose="02020603050405020304" pitchFamily="18" charset="0"/>
+            </a:endParaRPr>
+          </a:p>
+        </p:txBody>
+      </p:sp>
+      <p:sp>
+        <p:nvSpPr>
+          <p:cNvPr id="4" name="內容版面配置區 3"/>
+          <p:cNvSpPr>
+            <a:spLocks noGrp="1"/>
+          </p:cNvSpPr>
+          <p:nvPr>
+            <p:ph idx="1"/>
+          </p:nvPr>
+        </p:nvSpPr>
+        <p:spPr>
+          <a:xfrm>
+            <a:off x="2042947" y="7452837"/>
+            <a:ext cx="26112371" cy="20655110"/>
+          </a:xfrm>
+        </p:spPr>
+        <p:txBody>
+          <a:bodyPr>
+            <a:noAutofit/>
+          </a:bodyPr>
+          <a:lstStyle/>
+          <a:p>
+            <a:pPr marL="0" indent="0" algn="ctr">
+              <a:lnSpc>
+                <a:spcPct val="120000"/>
+              </a:lnSpc>
+              <a:buNone/>
+            </a:pPr>
+            <a:r>
+              <a:rPr lang="zh-TW" altLang="en-US" sz="8000" b="1" dirty="0" smtClean="0">
+                <a:latin typeface="Kozuka Mincho Pr6N R" panose="02020400000000000000" pitchFamily="18" charset="-128"/>
+                <a:ea typeface="Kozuka Mincho Pr6N R" panose="02020400000000000000" pitchFamily="18" charset="-128"/>
+              </a:rPr>
+              <a:t>踏話頭</a:t>
+            </a:r>
+            <a:endParaRPr lang="en-US" altLang="zh-TW" sz="8000" b="1" dirty="0" smtClean="0">
+              <a:latin typeface="Kozuka Mincho Pr6N R" panose="02020400000000000000" pitchFamily="18" charset="-128"/>
+              <a:ea typeface="Kozuka Mincho Pr6N R" panose="02020400000000000000" pitchFamily="18" charset="-128"/>
+            </a:endParaRPr>
+          </a:p>
+          <a:p>
+            <a:pPr marL="0" indent="0">
+              <a:lnSpc>
+                <a:spcPct val="120000"/>
+              </a:lnSpc>
+              <a:buNone/>
+            </a:pPr>
+            <a:r>
+              <a:rPr lang="zh-TW" altLang="en-US" sz="7200" dirty="0" smtClean="0">
+                <a:ea typeface="SimHei" panose="02010609060101010101" pitchFamily="49" charset="-122"/>
+              </a:rPr>
+              <a:t>　　</a:t>
+            </a:r>
+            <a:r>
+              <a:rPr lang="zh-TW" altLang="en-US" sz="7200" dirty="0">
+                <a:latin typeface="Kozuka Gothic Pro R" panose="020B0400000000000000" pitchFamily="34" charset="-128"/>
+                <a:ea typeface="Kozuka Gothic Pro R" panose="020B0400000000000000" pitchFamily="34" charset="-128"/>
+              </a:rPr>
+              <a:t>臺灣</a:t>
+            </a:r>
+            <a:r>
+              <a:rPr lang="zh-TW" altLang="en-US" sz="7200" dirty="0">
+                <a:latin typeface="Kozuka Gothic Pro R" panose="020B0400000000000000" pitchFamily="34" charset="-128"/>
+                <a:ea typeface="Kozuka Gothic Pro R" panose="020B0400000000000000" pitchFamily="34" charset="-128"/>
+              </a:rPr>
+              <a:t>是一个多元民族、多元語言的國家</a:t>
+            </a:r>
+            <a:r>
+              <a:rPr lang="zh-TW" altLang="en-US" sz="7200" dirty="0">
+                <a:latin typeface="Kozuka Gothic Pro R" panose="020B0400000000000000" pitchFamily="34" charset="-128"/>
+                <a:ea typeface="Kozuka Gothic Pro R" panose="020B0400000000000000" pitchFamily="34" charset="-128"/>
+              </a:rPr>
+              <a:t>。講</a:t>
+            </a:r>
+            <a:r>
+              <a:rPr lang="zh-TW" altLang="en-US" sz="7200" dirty="0">
+                <a:latin typeface="Kozuka Gothic Pro R" panose="020B0400000000000000" pitchFamily="34" charset="-128"/>
+                <a:ea typeface="Kozuka Gothic Pro R" panose="020B0400000000000000" pitchFamily="34" charset="-128"/>
+              </a:rPr>
+              <a:t>母語、使用母語是上基本的權利</a:t>
+            </a:r>
+            <a:r>
+              <a:rPr lang="zh-TW" altLang="en-US" sz="7200" dirty="0">
+                <a:latin typeface="Kozuka Gothic Pro R" panose="020B0400000000000000" pitchFamily="34" charset="-128"/>
+                <a:ea typeface="Kozuka Gothic Pro R" panose="020B0400000000000000" pitchFamily="34" charset="-128"/>
+              </a:rPr>
+              <a:t>，毋</a:t>
+            </a:r>
+            <a:r>
+              <a:rPr lang="zh-TW" altLang="en-US" sz="7200" dirty="0">
+                <a:latin typeface="Kozuka Gothic Pro R" panose="020B0400000000000000" pitchFamily="34" charset="-128"/>
+                <a:ea typeface="Kozuka Gothic Pro R" panose="020B0400000000000000" pitchFamily="34" charset="-128"/>
+              </a:rPr>
+              <a:t>過母語的電腦相關應用煞誠</a:t>
+            </a:r>
+            <a:r>
+              <a:rPr lang="zh-TW" altLang="en-US" sz="7200" dirty="0">
+                <a:latin typeface="Kozuka Gothic Pro R" panose="020B0400000000000000" pitchFamily="34" charset="-128"/>
+                <a:ea typeface="Kozuka Gothic Pro R" panose="020B0400000000000000" pitchFamily="34" charset="-128"/>
+              </a:rPr>
+              <a:t>少，需要</a:t>
+            </a:r>
+            <a:r>
+              <a:rPr lang="zh-TW" altLang="en-US" sz="7200" dirty="0">
+                <a:latin typeface="Kozuka Gothic Pro R" panose="020B0400000000000000" pitchFamily="34" charset="-128"/>
+                <a:ea typeface="Kozuka Gothic Pro R" panose="020B0400000000000000" pitchFamily="34" charset="-128"/>
+              </a:rPr>
+              <a:t>加強自然語言處理的研究佮語料收集整理</a:t>
+            </a:r>
+            <a:r>
+              <a:rPr lang="zh-TW" altLang="en-US" sz="7200" dirty="0">
+                <a:latin typeface="Kozuka Gothic Pro R" panose="020B0400000000000000" pitchFamily="34" charset="-128"/>
+                <a:ea typeface="Kozuka Gothic Pro R" panose="020B0400000000000000" pitchFamily="34" charset="-128"/>
+              </a:rPr>
+              <a:t>。</a:t>
+            </a:r>
+            <a:endParaRPr lang="en-US" altLang="zh-TW" sz="7200" dirty="0">
+              <a:latin typeface="Kozuka Gothic Pro R" panose="020B0400000000000000" pitchFamily="34" charset="-128"/>
+              <a:ea typeface="Kozuka Gothic Pro R" panose="020B0400000000000000" pitchFamily="34" charset="-128"/>
+            </a:endParaRPr>
+          </a:p>
+          <a:p>
+            <a:pPr marL="0" indent="0">
+              <a:lnSpc>
+                <a:spcPct val="120000"/>
+              </a:lnSpc>
+              <a:buNone/>
+            </a:pPr>
+            <a:endParaRPr lang="en-US" altLang="zh-TW" sz="1600" dirty="0">
+              <a:ea typeface="SimHei" panose="02010609060101010101" pitchFamily="49" charset="-122"/>
+            </a:endParaRPr>
+          </a:p>
+          <a:p>
+            <a:pPr marL="0" indent="0">
+              <a:lnSpc>
+                <a:spcPct val="120000"/>
+              </a:lnSpc>
+              <a:buNone/>
+            </a:pPr>
+            <a:r>
+              <a:rPr lang="zh-TW" altLang="en-US" sz="7200" dirty="0" smtClean="0">
+                <a:ea typeface="SimHei" panose="02010609060101010101" pitchFamily="49" charset="-122"/>
+              </a:rPr>
+              <a:t>　　</a:t>
+            </a:r>
+            <a:r>
+              <a:rPr lang="zh-TW" altLang="en-US" sz="7200" dirty="0" smtClean="0">
+                <a:latin typeface="Kozuka Gothic Pro R" panose="020B0400000000000000" pitchFamily="34" charset="-128"/>
+                <a:ea typeface="Kozuka Gothic Pro R" panose="020B0400000000000000" pitchFamily="34" charset="-128"/>
+              </a:rPr>
+              <a:t>臺灣</a:t>
+            </a:r>
+            <a:r>
+              <a:rPr lang="zh-TW" altLang="en-US" sz="7200" dirty="0">
+                <a:latin typeface="Kozuka Gothic Pro R" panose="020B0400000000000000" pitchFamily="34" charset="-128"/>
+                <a:ea typeface="Kozuka Gothic Pro R" panose="020B0400000000000000" pitchFamily="34" charset="-128"/>
+              </a:rPr>
+              <a:t>本土語言百百種</a:t>
+            </a:r>
+            <a:r>
+              <a:rPr lang="zh-TW" altLang="en-US" sz="7200" dirty="0" smtClean="0">
+                <a:latin typeface="Kozuka Gothic Pro R" panose="020B0400000000000000" pitchFamily="34" charset="-128"/>
+                <a:ea typeface="Kozuka Gothic Pro R" panose="020B0400000000000000" pitchFamily="34" charset="-128"/>
+              </a:rPr>
+              <a:t>，本</a:t>
+            </a:r>
+            <a:r>
+              <a:rPr lang="zh-TW" altLang="en-US" sz="7200" dirty="0">
+                <a:latin typeface="Kozuka Gothic Pro R" panose="020B0400000000000000" pitchFamily="34" charset="-128"/>
+                <a:ea typeface="Kozuka Gothic Pro R" panose="020B0400000000000000" pitchFamily="34" charset="-128"/>
+              </a:rPr>
+              <a:t>論文是針對閩南語</a:t>
+            </a:r>
+            <a:r>
+              <a:rPr lang="zh-TW" altLang="en-US" sz="7200" dirty="0" smtClean="0">
+                <a:latin typeface="Kozuka Gothic Pro R" panose="020B0400000000000000" pitchFamily="34" charset="-128"/>
+                <a:ea typeface="Kozuka Gothic Pro R" panose="020B0400000000000000" pitchFamily="34" charset="-128"/>
+              </a:rPr>
+              <a:t>，研究</a:t>
+            </a:r>
+            <a:r>
+              <a:rPr lang="zh-TW" altLang="en-US" sz="7200" dirty="0">
+                <a:latin typeface="Kozuka Gothic Pro R" panose="020B0400000000000000" pitchFamily="34" charset="-128"/>
+                <a:ea typeface="Kozuka Gothic Pro R" panose="020B0400000000000000" pitchFamily="34" charset="-128"/>
+              </a:rPr>
+              <a:t>伊翻譯語料的特性</a:t>
+            </a:r>
+            <a:r>
+              <a:rPr lang="zh-TW" altLang="en-US" sz="7200" dirty="0" smtClean="0">
+                <a:latin typeface="Kozuka Gothic Pro R" panose="020B0400000000000000" pitchFamily="34" charset="-128"/>
+                <a:ea typeface="Kozuka Gothic Pro R" panose="020B0400000000000000" pitchFamily="34" charset="-128"/>
+              </a:rPr>
+              <a:t>。除了</a:t>
+            </a:r>
+            <a:r>
+              <a:rPr lang="zh-TW" altLang="en-US" sz="7200" dirty="0">
+                <a:latin typeface="Kozuka Gothic Pro R" panose="020B0400000000000000" pitchFamily="34" charset="-128"/>
+                <a:ea typeface="Kozuka Gothic Pro R" panose="020B0400000000000000" pitchFamily="34" charset="-128"/>
+              </a:rPr>
+              <a:t>閩南語本身以外</a:t>
+            </a:r>
+            <a:r>
+              <a:rPr lang="zh-TW" altLang="en-US" sz="7200" dirty="0" smtClean="0">
+                <a:latin typeface="Kozuka Gothic Pro R" panose="020B0400000000000000" pitchFamily="34" charset="-128"/>
+                <a:ea typeface="Kozuka Gothic Pro R" panose="020B0400000000000000" pitchFamily="34" charset="-128"/>
+              </a:rPr>
+              <a:t>，嘛</a:t>
+            </a:r>
+            <a:r>
+              <a:rPr lang="zh-TW" altLang="en-US" sz="7200" dirty="0">
+                <a:latin typeface="Kozuka Gothic Pro R" panose="020B0400000000000000" pitchFamily="34" charset="-128"/>
+                <a:ea typeface="Kozuka Gothic Pro R" panose="020B0400000000000000" pitchFamily="34" charset="-128"/>
+              </a:rPr>
+              <a:t>希望研究結果對別的本土語言有幫助</a:t>
+            </a:r>
+            <a:r>
+              <a:rPr lang="zh-TW" altLang="en-US" sz="7200" dirty="0" smtClean="0">
+                <a:latin typeface="Kozuka Gothic Pro R" panose="020B0400000000000000" pitchFamily="34" charset="-128"/>
+                <a:ea typeface="Kozuka Gothic Pro R" panose="020B0400000000000000" pitchFamily="34" charset="-128"/>
+              </a:rPr>
+              <a:t>。</a:t>
+            </a:r>
+            <a:endParaRPr lang="en-US" altLang="zh-TW" sz="7200" dirty="0" smtClean="0">
+              <a:latin typeface="Kozuka Gothic Pro R" panose="020B0400000000000000" pitchFamily="34" charset="-128"/>
+              <a:ea typeface="Kozuka Gothic Pro R" panose="020B0400000000000000" pitchFamily="34" charset="-128"/>
+            </a:endParaRPr>
+          </a:p>
+          <a:p>
+            <a:pPr marL="0" indent="0">
+              <a:lnSpc>
+                <a:spcPct val="120000"/>
+              </a:lnSpc>
+              <a:buNone/>
+            </a:pPr>
+            <a:endParaRPr lang="en-US" altLang="zh-TW" sz="1600" dirty="0">
+              <a:ea typeface="SimHei" panose="02010609060101010101" pitchFamily="49" charset="-122"/>
+            </a:endParaRPr>
+          </a:p>
+          <a:p>
+            <a:pPr marL="0" indent="0">
+              <a:lnSpc>
+                <a:spcPct val="120000"/>
+              </a:lnSpc>
+              <a:buNone/>
+            </a:pPr>
+            <a:r>
+              <a:rPr lang="zh-TW" altLang="en-US" sz="7200" dirty="0" smtClean="0">
+                <a:ea typeface="SimHei" panose="02010609060101010101" pitchFamily="49" charset="-122"/>
+              </a:rPr>
+              <a:t>　　</a:t>
+            </a:r>
+            <a:r>
+              <a:rPr lang="zh-TW" altLang="en-US" sz="7200" dirty="0">
+                <a:latin typeface="Kozuka Gothic Pro R" panose="020B0400000000000000" pitchFamily="34" charset="-128"/>
+                <a:ea typeface="Kozuka Gothic Pro R" panose="020B0400000000000000" pitchFamily="34" charset="-128"/>
+              </a:rPr>
+              <a:t>本</a:t>
+            </a:r>
+            <a:r>
+              <a:rPr lang="zh-TW" altLang="en-US" sz="7200" dirty="0">
+                <a:latin typeface="Kozuka Gothic Pro R" panose="020B0400000000000000" pitchFamily="34" charset="-128"/>
+                <a:ea typeface="Kozuka Gothic Pro R" panose="020B0400000000000000" pitchFamily="34" charset="-128"/>
+              </a:rPr>
+              <a:t>論文提出一个自動整理漢語語料的方法，予資訊無完整的語料庫補足資訊，發揮上大的價值，</a:t>
+            </a:r>
+            <a:r>
+              <a:rPr lang="en-US" altLang="zh-TW" sz="7200" dirty="0">
+                <a:latin typeface="Kozuka Gothic Pro R" panose="020B0400000000000000" pitchFamily="34" charset="-128"/>
+                <a:ea typeface="Kozuka Gothic Pro R" panose="020B0400000000000000" pitchFamily="34" charset="-128"/>
+              </a:rPr>
+              <a:t>BLEU</a:t>
+            </a:r>
+            <a:r>
+              <a:rPr lang="zh-TW" altLang="en-US" sz="7200" dirty="0">
+                <a:latin typeface="Kozuka Gothic Pro R" panose="020B0400000000000000" pitchFamily="34" charset="-128"/>
+                <a:ea typeface="Kozuka Gothic Pro R" panose="020B0400000000000000" pitchFamily="34" charset="-128"/>
+              </a:rPr>
+              <a:t>分數對</a:t>
+            </a:r>
+            <a:r>
+              <a:rPr lang="en-US" altLang="zh-TW" sz="7200" dirty="0">
+                <a:latin typeface="Kozuka Gothic Pro R" panose="020B0400000000000000" pitchFamily="34" charset="-128"/>
+                <a:ea typeface="Kozuka Gothic Pro R" panose="020B0400000000000000" pitchFamily="34" charset="-128"/>
+              </a:rPr>
+              <a:t>9.30</a:t>
+            </a:r>
+            <a:r>
+              <a:rPr lang="zh-TW" altLang="en-US" sz="7200" dirty="0">
+                <a:latin typeface="Kozuka Gothic Pro R" panose="020B0400000000000000" pitchFamily="34" charset="-128"/>
+                <a:ea typeface="Kozuka Gothic Pro R" panose="020B0400000000000000" pitchFamily="34" charset="-128"/>
+              </a:rPr>
+              <a:t>搝到</a:t>
+            </a:r>
+            <a:r>
+              <a:rPr lang="en-US" altLang="zh-TW" sz="7200" dirty="0">
+                <a:latin typeface="Kozuka Gothic Pro R" panose="020B0400000000000000" pitchFamily="34" charset="-128"/>
+                <a:ea typeface="Kozuka Gothic Pro R" panose="020B0400000000000000" pitchFamily="34" charset="-128"/>
+              </a:rPr>
+              <a:t>13.82</a:t>
+            </a:r>
+            <a:r>
+              <a:rPr lang="zh-TW" altLang="en-US" sz="7200" dirty="0">
+                <a:latin typeface="Kozuka Gothic Pro R" panose="020B0400000000000000" pitchFamily="34" charset="-128"/>
+                <a:ea typeface="Kozuka Gothic Pro R" panose="020B0400000000000000" pitchFamily="34" charset="-128"/>
+              </a:rPr>
+              <a:t>。另外閣用實驗證明平行語料數量無到十萬句的時，加語料對翻譯的效果影響非常大，原本</a:t>
+            </a:r>
+            <a:r>
+              <a:rPr lang="en-US" altLang="zh-TW" sz="7200" dirty="0">
+                <a:latin typeface="Kozuka Gothic Pro R" panose="020B0400000000000000" pitchFamily="34" charset="-128"/>
+                <a:ea typeface="Kozuka Gothic Pro R" panose="020B0400000000000000" pitchFamily="34" charset="-128"/>
+              </a:rPr>
+              <a:t>64121</a:t>
+            </a:r>
+            <a:r>
+              <a:rPr lang="zh-TW" altLang="en-US" sz="7200" dirty="0">
+                <a:latin typeface="Kozuka Gothic Pro R" panose="020B0400000000000000" pitchFamily="34" charset="-128"/>
+                <a:ea typeface="Kozuka Gothic Pro R" panose="020B0400000000000000" pitchFamily="34" charset="-128"/>
+              </a:rPr>
+              <a:t>句加到</a:t>
+            </a:r>
+            <a:r>
+              <a:rPr lang="en-US" altLang="zh-TW" sz="7200" dirty="0">
+                <a:latin typeface="Kozuka Gothic Pro R" panose="020B0400000000000000" pitchFamily="34" charset="-128"/>
+                <a:ea typeface="Kozuka Gothic Pro R" panose="020B0400000000000000" pitchFamily="34" charset="-128"/>
+              </a:rPr>
+              <a:t>99147</a:t>
+            </a:r>
+            <a:r>
+              <a:rPr lang="zh-TW" altLang="en-US" sz="7200" dirty="0">
+                <a:latin typeface="Kozuka Gothic Pro R" panose="020B0400000000000000" pitchFamily="34" charset="-128"/>
+                <a:ea typeface="Kozuka Gothic Pro R" panose="020B0400000000000000" pitchFamily="34" charset="-128"/>
+              </a:rPr>
+              <a:t>句了後</a:t>
+            </a:r>
+            <a:r>
+              <a:rPr lang="zh-TW" altLang="en-US" sz="7200" dirty="0">
+                <a:latin typeface="Kozuka Gothic Pro R" panose="020B0400000000000000" pitchFamily="34" charset="-128"/>
+                <a:ea typeface="Kozuka Gothic Pro R" panose="020B0400000000000000" pitchFamily="34" charset="-128"/>
+              </a:rPr>
+              <a:t>，</a:t>
+            </a:r>
+            <a:r>
+              <a:rPr lang="en-US" altLang="zh-TW" sz="7200" dirty="0">
+                <a:latin typeface="Kozuka Gothic Pro R" panose="020B0400000000000000" pitchFamily="34" charset="-128"/>
+                <a:ea typeface="Kozuka Gothic Pro R" panose="020B0400000000000000" pitchFamily="34" charset="-128"/>
+              </a:rPr>
+              <a:t>BLEU</a:t>
+            </a:r>
+            <a:r>
+              <a:rPr lang="zh-TW" altLang="en-US" sz="7200" dirty="0">
+                <a:latin typeface="Kozuka Gothic Pro R" panose="020B0400000000000000" pitchFamily="34" charset="-128"/>
+                <a:ea typeface="Kozuka Gothic Pro R" panose="020B0400000000000000" pitchFamily="34" charset="-128"/>
+              </a:rPr>
+              <a:t>分數對</a:t>
+            </a:r>
+            <a:r>
+              <a:rPr lang="en-US" altLang="zh-TW" sz="7200" dirty="0">
+                <a:latin typeface="Kozuka Gothic Pro R" panose="020B0400000000000000" pitchFamily="34" charset="-128"/>
+                <a:ea typeface="Kozuka Gothic Pro R" panose="020B0400000000000000" pitchFamily="34" charset="-128"/>
+              </a:rPr>
+              <a:t>13.82</a:t>
+            </a:r>
+            <a:r>
+              <a:rPr lang="zh-TW" altLang="en-US" sz="7200" dirty="0">
+                <a:latin typeface="Kozuka Gothic Pro R" panose="020B0400000000000000" pitchFamily="34" charset="-128"/>
+                <a:ea typeface="Kozuka Gothic Pro R" panose="020B0400000000000000" pitchFamily="34" charset="-128"/>
+              </a:rPr>
+              <a:t>提昇到</a:t>
+            </a:r>
+            <a:r>
+              <a:rPr lang="en-US" altLang="zh-TW" sz="7200" dirty="0">
+                <a:latin typeface="Kozuka Gothic Pro R" panose="020B0400000000000000" pitchFamily="34" charset="-128"/>
+                <a:ea typeface="Kozuka Gothic Pro R" panose="020B0400000000000000" pitchFamily="34" charset="-128"/>
+              </a:rPr>
+              <a:t>19.33</a:t>
+            </a:r>
+            <a:r>
+              <a:rPr lang="zh-TW" altLang="en-US" sz="7200" dirty="0">
+                <a:latin typeface="Kozuka Gothic Pro R" panose="020B0400000000000000" pitchFamily="34" charset="-128"/>
+                <a:ea typeface="Kozuka Gothic Pro R" panose="020B0400000000000000" pitchFamily="34" charset="-128"/>
+              </a:rPr>
+              <a:t>。</a:t>
+            </a:r>
+            <a:endParaRPr lang="en-US" altLang="zh-TW" sz="7200" dirty="0">
+              <a:latin typeface="Kozuka Gothic Pro R" panose="020B0400000000000000" pitchFamily="34" charset="-128"/>
+              <a:ea typeface="Kozuka Gothic Pro R" panose="020B0400000000000000" pitchFamily="34" charset="-128"/>
+            </a:endParaRPr>
+          </a:p>
+          <a:p>
+            <a:pPr marL="0" indent="0">
+              <a:lnSpc>
+                <a:spcPct val="120000"/>
+              </a:lnSpc>
+              <a:buNone/>
+            </a:pPr>
+            <a:r>
+              <a:rPr lang="zh-TW" altLang="en-US" sz="7200" b="1" dirty="0" smtClean="0">
+                <a:ea typeface="SimHei" panose="02010609060101010101" pitchFamily="49" charset="-122"/>
+              </a:rPr>
+              <a:t>關鍵字</a:t>
+            </a:r>
+            <a:r>
+              <a:rPr lang="zh-TW" altLang="en-US" sz="7200" dirty="0">
+                <a:ea typeface="SimHei" panose="02010609060101010101" pitchFamily="49" charset="-122"/>
+              </a:rPr>
+              <a:t>：</a:t>
+            </a:r>
+            <a:r>
+              <a:rPr lang="zh-TW" altLang="en-US" sz="7200" dirty="0">
+                <a:latin typeface="Kozuka Gothic Pro R" panose="020B0400000000000000" pitchFamily="34" charset="-128"/>
+                <a:ea typeface="Kozuka Gothic Pro R" panose="020B0400000000000000" pitchFamily="34" charset="-128"/>
+              </a:rPr>
+              <a:t>臺灣閩南語、華語、翻譯、語料、斷詞、語言分類</a:t>
+            </a:r>
+            <a:br>
+              <a:rPr lang="zh-TW" altLang="en-US" sz="7200" dirty="0">
+                <a:latin typeface="Kozuka Gothic Pro R" panose="020B0400000000000000" pitchFamily="34" charset="-128"/>
+                <a:ea typeface="Kozuka Gothic Pro R" panose="020B0400000000000000" pitchFamily="34" charset="-128"/>
+              </a:rPr>
+            </a:br>
+            <a:endParaRPr lang="zh-TW" altLang="en-US" sz="7200" dirty="0">
+              <a:latin typeface="Kozuka Gothic Pro R" panose="020B0400000000000000" pitchFamily="34" charset="-128"/>
+              <a:ea typeface="Kozuka Gothic Pro R" panose="020B0400000000000000" pitchFamily="34" charset="-128"/>
+            </a:endParaRPr>
+          </a:p>
+        </p:txBody>
+      </p:sp>
+      <p:sp>
+        <p:nvSpPr>
+          <p:cNvPr id="22" name="文字方塊 21"/>
+          <p:cNvSpPr txBox="1"/>
+          <p:nvPr/>
+        </p:nvSpPr>
+        <p:spPr>
+          <a:xfrm>
+            <a:off x="2042947" y="4958891"/>
+            <a:ext cx="8688180" cy="2308324"/>
+          </a:xfrm>
+          <a:prstGeom prst="rect">
+            <a:avLst/>
+          </a:prstGeom>
+          <a:noFill/>
+        </p:spPr>
+        <p:txBody>
+          <a:bodyPr wrap="square" rtlCol="0">
+            <a:spAutoFit/>
+          </a:bodyPr>
+          <a:lstStyle/>
+          <a:p>
+            <a:r>
+              <a:rPr lang="zh-TW" altLang="en-US" sz="7200" dirty="0" smtClean="0">
+                <a:latin typeface="Times New Roman" panose="02020603050405020304" pitchFamily="18" charset="0"/>
+                <a:ea typeface="SimHei" panose="02010609060101010101" pitchFamily="49" charset="-122"/>
+                <a:cs typeface="Times New Roman" panose="02020603050405020304" pitchFamily="18" charset="0"/>
+              </a:rPr>
+              <a:t>學生：薛丞宏</a:t>
+            </a:r>
+            <a:endParaRPr lang="en-US" altLang="zh-TW" sz="7200" dirty="0" smtClean="0">
+              <a:latin typeface="Times New Roman" panose="02020603050405020304" pitchFamily="18" charset="0"/>
+              <a:ea typeface="SimHei" panose="02010609060101010101" pitchFamily="49" charset="-122"/>
+              <a:cs typeface="Times New Roman" panose="02020603050405020304" pitchFamily="18" charset="0"/>
+            </a:endParaRPr>
+          </a:p>
+          <a:p>
+            <a:r>
+              <a:rPr lang="zh-TW" altLang="en-US" sz="7200" dirty="0" smtClean="0">
+                <a:latin typeface="Times New Roman" panose="02020603050405020304" pitchFamily="18" charset="0"/>
+                <a:ea typeface="SimHei" panose="02010609060101010101" pitchFamily="49" charset="-122"/>
+                <a:cs typeface="Times New Roman" panose="02020603050405020304" pitchFamily="18" charset="0"/>
+              </a:rPr>
+              <a:t>　　　</a:t>
+            </a:r>
+            <a:r>
+              <a:rPr lang="en-US" altLang="zh-TW" sz="7200" dirty="0" err="1" smtClean="0">
+                <a:latin typeface="Times New Roman" panose="02020603050405020304" pitchFamily="18" charset="0"/>
+                <a:ea typeface="SimHei" panose="02010609060101010101" pitchFamily="49" charset="-122"/>
+                <a:cs typeface="Times New Roman" panose="02020603050405020304" pitchFamily="18" charset="0"/>
+              </a:rPr>
+              <a:t>Sih</a:t>
+            </a:r>
+            <a:r>
+              <a:rPr lang="en-US" altLang="zh-TW" sz="7200" dirty="0" smtClean="0">
+                <a:latin typeface="Times New Roman" panose="02020603050405020304" pitchFamily="18" charset="0"/>
+                <a:ea typeface="SimHei" panose="02010609060101010101" pitchFamily="49" charset="-122"/>
+                <a:cs typeface="Times New Roman" panose="02020603050405020304" pitchFamily="18" charset="0"/>
+              </a:rPr>
+              <a:t>, Sing-</a:t>
+            </a:r>
+            <a:r>
+              <a:rPr lang="en-US" altLang="zh-TW" sz="7200" dirty="0" err="1" smtClean="0">
+                <a:latin typeface="Times New Roman" panose="02020603050405020304" pitchFamily="18" charset="0"/>
+                <a:ea typeface="SimHei" panose="02010609060101010101" pitchFamily="49" charset="-122"/>
+                <a:cs typeface="Times New Roman" panose="02020603050405020304" pitchFamily="18" charset="0"/>
+              </a:rPr>
+              <a:t>Hông</a:t>
+            </a:r>
+            <a:endParaRPr lang="en-US" altLang="zh-TW" sz="7200" dirty="0">
+              <a:latin typeface="Times New Roman" panose="02020603050405020304" pitchFamily="18" charset="0"/>
+              <a:ea typeface="SimHei" panose="02010609060101010101" pitchFamily="49" charset="-122"/>
+              <a:cs typeface="Times New Roman" panose="02020603050405020304" pitchFamily="18" charset="0"/>
+            </a:endParaRPr>
+          </a:p>
+        </p:txBody>
+      </p:sp>
+      <p:sp>
+        <p:nvSpPr>
+          <p:cNvPr id="23" name="文字方塊 22"/>
+          <p:cNvSpPr txBox="1"/>
+          <p:nvPr/>
+        </p:nvSpPr>
+        <p:spPr>
+          <a:xfrm>
+            <a:off x="18896100" y="4958891"/>
+            <a:ext cx="7650812" cy="2308324"/>
+          </a:xfrm>
+          <a:prstGeom prst="rect">
+            <a:avLst/>
+          </a:prstGeom>
+          <a:noFill/>
+        </p:spPr>
+        <p:txBody>
+          <a:bodyPr wrap="none" rtlCol="0">
+            <a:spAutoFit/>
+          </a:bodyPr>
+          <a:lstStyle/>
+          <a:p>
+            <a:pPr algn="r"/>
+            <a:r>
+              <a:rPr lang="zh-TW" altLang="en-US" sz="7200" dirty="0">
+                <a:latin typeface="Times New Roman" panose="02020603050405020304" pitchFamily="18" charset="0"/>
+                <a:ea typeface="SimHei" panose="02010609060101010101" pitchFamily="49" charset="-122"/>
+                <a:cs typeface="Times New Roman" panose="02020603050405020304" pitchFamily="18" charset="0"/>
+              </a:rPr>
+              <a:t>指導教授</a:t>
+            </a:r>
+            <a:r>
+              <a:rPr lang="zh-TW" altLang="en-US" sz="7200" dirty="0" smtClean="0">
+                <a:latin typeface="Times New Roman" panose="02020603050405020304" pitchFamily="18" charset="0"/>
+                <a:ea typeface="SimHei" panose="02010609060101010101" pitchFamily="49" charset="-122"/>
+                <a:cs typeface="Times New Roman" panose="02020603050405020304" pitchFamily="18" charset="0"/>
+              </a:rPr>
+              <a:t>：張智星</a:t>
+            </a:r>
+            <a:endParaRPr lang="en-US" altLang="zh-TW" sz="7200" dirty="0" smtClean="0">
+              <a:latin typeface="Times New Roman" panose="02020603050405020304" pitchFamily="18" charset="0"/>
+              <a:ea typeface="SimHei" panose="02010609060101010101" pitchFamily="49" charset="-122"/>
+              <a:cs typeface="Times New Roman" panose="02020603050405020304" pitchFamily="18" charset="0"/>
+            </a:endParaRPr>
+          </a:p>
+          <a:p>
+            <a:pPr algn="r"/>
+            <a:r>
+              <a:rPr lang="zh-TW" altLang="en-US" sz="7200" dirty="0" smtClean="0">
+                <a:latin typeface="Times New Roman" panose="02020603050405020304" pitchFamily="18" charset="0"/>
+                <a:ea typeface="SimHei" panose="02010609060101010101" pitchFamily="49" charset="-122"/>
+                <a:cs typeface="Times New Roman" panose="02020603050405020304" pitchFamily="18" charset="0"/>
+              </a:rPr>
+              <a:t>　　　　　易志偉</a:t>
+            </a:r>
+            <a:endParaRPr lang="en-US" altLang="zh-TW" sz="7200" dirty="0" smtClean="0">
+              <a:latin typeface="Times New Roman" panose="02020603050405020304" pitchFamily="18" charset="0"/>
+              <a:ea typeface="SimHei" panose="02010609060101010101" pitchFamily="49" charset="-122"/>
+              <a:cs typeface="Times New Roman" panose="02020603050405020304" pitchFamily="18" charset="0"/>
+            </a:endParaRPr>
+          </a:p>
+        </p:txBody>
+      </p:sp>
+      <p:graphicFrame>
+        <p:nvGraphicFramePr>
+          <p:cNvPr id="7" name="表格 6"/>
+          <p:cNvGraphicFramePr>
+            <a:graphicFrameLocks noGrp="1"/>
+          </p:cNvGraphicFramePr>
+          <p:nvPr>
+            <p:extLst>
+              <p:ext uri="{D42A27DB-BD31-4B8C-83A1-F6EECF244321}">
+                <p14:modId xmlns:p14="http://schemas.microsoft.com/office/powerpoint/2010/main" val="1330871707"/>
+              </p:ext>
+            </p:extLst>
+          </p:nvPr>
+        </p:nvGraphicFramePr>
+        <p:xfrm>
+          <a:off x="2042947" y="35427606"/>
+          <a:ext cx="26150843" cy="6085840"/>
+        </p:xfrm>
+        <a:graphic>
+          <a:graphicData uri="http://schemas.openxmlformats.org/drawingml/2006/table">
+            <a:tbl>
+              <a:tblPr firstCol="1" bandRow="1">
+                <a:tableStyleId>{5DA37D80-6434-44D0-A028-1B22A696006F}</a:tableStyleId>
+              </a:tblPr>
+              <a:tblGrid>
+                <a:gridCol w="5473341"/>
+                <a:gridCol w="20677502"/>
+              </a:tblGrid>
+              <a:tr h="370840">
+                <a:tc>
+                  <a:txBody>
+                    <a:bodyPr/>
+                    <a:lstStyle/>
+                    <a:p>
+                      <a:pPr algn="ctr"/>
+                      <a:r>
+                        <a:rPr lang="zh-TW" altLang="en-US" sz="8000" dirty="0" smtClean="0"/>
+                        <a:t>華語輸入</a:t>
+                      </a:r>
+                      <a:endParaRPr lang="zh-TW" altLang="en-US" sz="8000" dirty="0"/>
+                    </a:p>
+                  </a:txBody>
+                  <a:tcPr anchor="ctr"/>
+                </a:tc>
+                <a:tc>
+                  <a:txBody>
+                    <a:bodyPr/>
+                    <a:lstStyle/>
+                    <a:p>
+                      <a:pPr marL="0" marR="0" indent="0" algn="l" defTabSz="2270638" rtl="0" eaLnBrk="1" fontAlgn="auto" latinLnBrk="0" hangingPunct="1">
+                        <a:lnSpc>
+                          <a:spcPct val="100000"/>
+                        </a:lnSpc>
+                        <a:spcBef>
+                          <a:spcPts val="0"/>
+                        </a:spcBef>
+                        <a:spcAft>
+                          <a:spcPts val="200"/>
+                        </a:spcAft>
+                        <a:buClrTx/>
+                        <a:buSzTx/>
+                        <a:buFontTx/>
+                        <a:buNone/>
+                        <a:tabLst/>
+                        <a:defRPr/>
+                      </a:pPr>
+                      <a:endParaRPr lang="en-US" altLang="zh-TW" sz="1100" kern="1200" dirty="0" smtClean="0">
+                        <a:solidFill>
+                          <a:schemeClr val="tx1"/>
+                        </a:solidFill>
+                        <a:latin typeface="Times New Roman" panose="02020603050405020304" pitchFamily="18" charset="0"/>
+                        <a:ea typeface="SimHei" panose="02010609060101010101" pitchFamily="49" charset="-122"/>
+                        <a:cs typeface="Times New Roman" panose="02020603050405020304" pitchFamily="18" charset="0"/>
+                      </a:endParaRPr>
+                    </a:p>
+                    <a:p>
+                      <a:pPr marL="0" algn="l" defTabSz="2270638" rtl="0" eaLnBrk="1" latinLnBrk="0" hangingPunct="1">
+                        <a:lnSpc>
+                          <a:spcPts val="9500"/>
+                        </a:lnSpc>
+                        <a:spcBef>
+                          <a:spcPts val="600"/>
+                        </a:spcBef>
+                        <a:spcAft>
+                          <a:spcPts val="0"/>
+                        </a:spcAft>
+                      </a:pPr>
+                      <a:r>
+                        <a:rPr lang="zh-TW" altLang="en-US" sz="7200" kern="1200" dirty="0" smtClean="0">
+                          <a:solidFill>
+                            <a:schemeClr val="tx1"/>
+                          </a:solidFill>
+                          <a:latin typeface="Times New Roman" panose="02020603050405020304" pitchFamily="18" charset="0"/>
+                          <a:ea typeface="SimHei" panose="02010609060101010101" pitchFamily="49" charset="-122"/>
+                          <a:cs typeface="Times New Roman" panose="02020603050405020304" pitchFamily="18" charset="0"/>
+                        </a:rPr>
+                        <a:t>如果</a:t>
+                      </a:r>
+                      <a:r>
+                        <a:rPr lang="zh-TW" altLang="en-US" sz="7200" kern="1200" dirty="0" smtClean="0">
+                          <a:solidFill>
+                            <a:schemeClr val="tx1"/>
+                          </a:solidFill>
+                          <a:latin typeface="Times New Roman" panose="02020603050405020304" pitchFamily="18" charset="0"/>
+                          <a:ea typeface="SimHei" panose="02010609060101010101" pitchFamily="49" charset="-122"/>
+                          <a:cs typeface="Times New Roman" panose="02020603050405020304" pitchFamily="18" charset="0"/>
+                        </a:rPr>
+                        <a:t>傳統的重要族群活動，看不到文化，體會不到精神</a:t>
+                      </a:r>
+                      <a:r>
+                        <a:rPr lang="zh-TW" altLang="en-US" sz="7200" kern="1200" dirty="0" smtClean="0">
+                          <a:solidFill>
+                            <a:schemeClr val="tx1"/>
+                          </a:solidFill>
+                          <a:latin typeface="Times New Roman" panose="02020603050405020304" pitchFamily="18" charset="0"/>
+                          <a:ea typeface="SimHei" panose="02010609060101010101" pitchFamily="49" charset="-122"/>
+                          <a:cs typeface="Times New Roman" panose="02020603050405020304" pitchFamily="18" charset="0"/>
+                        </a:rPr>
+                        <a:t>，</a:t>
+                      </a:r>
+                      <a:endParaRPr lang="en-US" altLang="zh-TW" sz="7200" kern="1200" dirty="0" smtClean="0">
+                        <a:solidFill>
+                          <a:schemeClr val="tx1"/>
+                        </a:solidFill>
+                        <a:latin typeface="Times New Roman" panose="02020603050405020304" pitchFamily="18" charset="0"/>
+                        <a:ea typeface="SimHei" panose="02010609060101010101" pitchFamily="49" charset="-122"/>
+                        <a:cs typeface="Times New Roman" panose="02020603050405020304" pitchFamily="18" charset="0"/>
+                      </a:endParaRPr>
+                    </a:p>
+                    <a:p>
+                      <a:pPr marL="0" algn="l" defTabSz="2270638" rtl="0" eaLnBrk="1" latinLnBrk="0" hangingPunct="1">
+                        <a:lnSpc>
+                          <a:spcPct val="100000"/>
+                        </a:lnSpc>
+                        <a:spcBef>
+                          <a:spcPts val="800"/>
+                        </a:spcBef>
+                        <a:spcAft>
+                          <a:spcPts val="0"/>
+                        </a:spcAft>
+                      </a:pPr>
+                      <a:r>
+                        <a:rPr lang="en-US" altLang="zh-TW" sz="1100" kern="1200" dirty="0" smtClean="0">
+                          <a:solidFill>
+                            <a:schemeClr val="tx1"/>
+                          </a:solidFill>
+                          <a:latin typeface="Times New Roman" panose="02020603050405020304" pitchFamily="18" charset="0"/>
+                          <a:ea typeface="SimHei" panose="02010609060101010101" pitchFamily="49" charset="-122"/>
+                          <a:cs typeface="Times New Roman" panose="02020603050405020304" pitchFamily="18" charset="0"/>
+                        </a:rPr>
+                        <a:t> </a:t>
+                      </a:r>
+                    </a:p>
+                  </a:txBody>
+                  <a:tcPr/>
+                </a:tc>
+              </a:tr>
+              <a:tr h="370840">
+                <a:tc>
+                  <a:txBody>
+                    <a:bodyPr/>
+                    <a:lstStyle/>
+                    <a:p>
+                      <a:pPr algn="ctr"/>
+                      <a:r>
+                        <a:rPr lang="zh-TW" altLang="en-US" sz="8000" dirty="0" smtClean="0"/>
+                        <a:t>閩南語</a:t>
+                      </a:r>
+                      <a:endParaRPr lang="en-US" altLang="zh-TW" sz="8000" dirty="0" smtClean="0"/>
+                    </a:p>
+                    <a:p>
+                      <a:pPr algn="ctr"/>
+                      <a:r>
+                        <a:rPr lang="zh-TW" altLang="en-US" sz="8000" dirty="0" smtClean="0"/>
+                        <a:t>輸出</a:t>
+                      </a:r>
+                      <a:endParaRPr lang="zh-TW" altLang="en-US" sz="8000" dirty="0"/>
+                    </a:p>
+                  </a:txBody>
+                  <a:tcPr anchor="ctr"/>
+                </a:tc>
+                <a:tc>
+                  <a:txBody>
+                    <a:bodyPr/>
+                    <a:lstStyle/>
+                    <a:p>
+                      <a:pPr marL="0" marR="0" indent="0" algn="l" defTabSz="2270638" rtl="0" eaLnBrk="1" fontAlgn="auto" latinLnBrk="0" hangingPunct="1">
+                        <a:lnSpc>
+                          <a:spcPct val="100000"/>
+                        </a:lnSpc>
+                        <a:spcBef>
+                          <a:spcPts val="0"/>
+                        </a:spcBef>
+                        <a:spcAft>
+                          <a:spcPts val="200"/>
+                        </a:spcAft>
+                        <a:buClrTx/>
+                        <a:buSzTx/>
+                        <a:buFontTx/>
+                        <a:buNone/>
+                        <a:tabLst/>
+                        <a:defRPr/>
+                      </a:pPr>
+                      <a:endParaRPr lang="en-US" altLang="zh-TW" sz="1100" kern="1200" dirty="0" smtClean="0">
+                        <a:solidFill>
+                          <a:schemeClr val="tx1"/>
+                        </a:solidFill>
+                        <a:latin typeface="Times New Roman" panose="02020603050405020304" pitchFamily="18" charset="0"/>
+                        <a:ea typeface="SimHei" panose="02010609060101010101" pitchFamily="49" charset="-122"/>
+                        <a:cs typeface="Times New Roman" panose="02020603050405020304" pitchFamily="18" charset="0"/>
+                      </a:endParaRPr>
+                    </a:p>
+                    <a:p>
+                      <a:pPr marL="0" algn="l" defTabSz="2270638" rtl="0" eaLnBrk="1" latinLnBrk="0" hangingPunct="1">
+                        <a:lnSpc>
+                          <a:spcPts val="9500"/>
+                        </a:lnSpc>
+                        <a:spcBef>
+                          <a:spcPts val="600"/>
+                        </a:spcBef>
+                        <a:spcAft>
+                          <a:spcPts val="0"/>
+                        </a:spcAft>
+                      </a:pPr>
+                      <a:r>
+                        <a:rPr lang="zh-TW" altLang="en-US" sz="7200" kern="1200" dirty="0" smtClean="0">
+                          <a:solidFill>
+                            <a:schemeClr val="tx1"/>
+                          </a:solidFill>
+                          <a:latin typeface="Times New Roman" panose="02020603050405020304" pitchFamily="18" charset="0"/>
+                          <a:ea typeface="SimHei" panose="02010609060101010101" pitchFamily="49" charset="-122"/>
+                          <a:cs typeface="Times New Roman" panose="02020603050405020304" pitchFamily="18" charset="0"/>
+                        </a:rPr>
+                        <a:t>如果傳統的重要族群活動，看不到文化，體會不到精神，</a:t>
+                      </a:r>
+                      <a:endParaRPr lang="en-US" altLang="zh-TW" sz="7200" kern="1200" dirty="0" smtClean="0">
+                        <a:solidFill>
+                          <a:schemeClr val="tx1"/>
+                        </a:solidFill>
+                        <a:latin typeface="Times New Roman" panose="02020603050405020304" pitchFamily="18" charset="0"/>
+                        <a:ea typeface="SimHei" panose="02010609060101010101" pitchFamily="49" charset="-122"/>
+                        <a:cs typeface="Times New Roman" panose="02020603050405020304" pitchFamily="18" charset="0"/>
+                      </a:endParaRPr>
+                    </a:p>
+                    <a:p>
+                      <a:pPr marL="0" algn="l" defTabSz="2270638" rtl="0" eaLnBrk="1" latinLnBrk="0" hangingPunct="1">
+                        <a:lnSpc>
+                          <a:spcPct val="100000"/>
+                        </a:lnSpc>
+                        <a:spcBef>
+                          <a:spcPts val="800"/>
+                        </a:spcBef>
+                        <a:spcAft>
+                          <a:spcPts val="0"/>
+                        </a:spcAft>
+                      </a:pPr>
+                      <a:r>
+                        <a:rPr lang="en-US" altLang="zh-TW" sz="1100" kern="1200" dirty="0" smtClean="0">
+                          <a:solidFill>
+                            <a:schemeClr val="tx1"/>
+                          </a:solidFill>
+                          <a:latin typeface="Times New Roman" panose="02020603050405020304" pitchFamily="18" charset="0"/>
+                          <a:ea typeface="SimHei" panose="02010609060101010101" pitchFamily="49" charset="-122"/>
+                          <a:cs typeface="Times New Roman" panose="02020603050405020304" pitchFamily="18" charset="0"/>
+                        </a:rPr>
+                        <a:t> </a:t>
+                      </a:r>
+                      <a:endParaRPr lang="en-US" altLang="zh-TW" sz="1100" kern="1200" dirty="0" smtClean="0">
+                        <a:solidFill>
+                          <a:schemeClr val="tx1"/>
+                        </a:solidFill>
+                        <a:latin typeface="Times New Roman" panose="02020603050405020304" pitchFamily="18" charset="0"/>
+                        <a:ea typeface="SimHei" panose="02010609060101010101" pitchFamily="49" charset="-122"/>
+                        <a:cs typeface="Times New Roman" panose="02020603050405020304" pitchFamily="18" charset="0"/>
+                      </a:endParaRPr>
+                    </a:p>
+                  </a:txBody>
+                  <a:tcPr/>
+                </a:tc>
+              </a:tr>
+            </a:tbl>
+          </a:graphicData>
+        </a:graphic>
+      </p:graphicFrame>
+      <p:graphicFrame>
+        <p:nvGraphicFramePr>
+          <p:cNvPr id="5" name="表格 4"/>
+          <p:cNvGraphicFramePr>
+            <a:graphicFrameLocks noGrp="1"/>
+          </p:cNvGraphicFramePr>
+          <p:nvPr>
+            <p:extLst>
+              <p:ext uri="{D42A27DB-BD31-4B8C-83A1-F6EECF244321}">
+                <p14:modId xmlns:p14="http://schemas.microsoft.com/office/powerpoint/2010/main" val="3978664175"/>
+              </p:ext>
+            </p:extLst>
+          </p:nvPr>
+        </p:nvGraphicFramePr>
+        <p:xfrm>
+          <a:off x="1995055" y="28385453"/>
+          <a:ext cx="26160264" cy="6339840"/>
+        </p:xfrm>
+        <a:graphic>
+          <a:graphicData uri="http://schemas.openxmlformats.org/drawingml/2006/table">
+            <a:tbl>
+              <a:tblPr firstCol="1" bandRow="1">
+                <a:tableStyleId>{0E3FDE45-AF77-4B5C-9715-49D594BDF05E}</a:tableStyleId>
+              </a:tblPr>
+              <a:tblGrid>
+                <a:gridCol w="5519546"/>
+                <a:gridCol w="20640718"/>
+              </a:tblGrid>
+              <a:tr h="1631942">
+                <a:tc>
+                  <a:txBody>
+                    <a:bodyPr/>
+                    <a:lstStyle/>
+                    <a:p>
+                      <a:pPr algn="ctr"/>
+                      <a:r>
+                        <a:rPr lang="zh-TW" altLang="en-US" sz="8000" dirty="0" smtClean="0"/>
+                        <a:t>華語輸入</a:t>
+                      </a:r>
+                      <a:endParaRPr lang="zh-TW" altLang="en-US" sz="8000" dirty="0"/>
+                    </a:p>
+                  </a:txBody>
+                  <a:tcPr anchor="ctr"/>
+                </a:tc>
+                <a:tc>
+                  <a:txBody>
+                    <a:bodyPr/>
+                    <a:lstStyle/>
+                    <a:p>
+                      <a:pPr>
+                        <a:lnSpc>
+                          <a:spcPct val="100000"/>
+                        </a:lnSpc>
+                        <a:spcBef>
+                          <a:spcPts val="0"/>
+                        </a:spcBef>
+                        <a:spcAft>
+                          <a:spcPts val="200"/>
+                        </a:spcAft>
+                      </a:pPr>
+                      <a:endParaRPr lang="en-US" altLang="zh-TW" sz="1100" kern="1200" dirty="0" smtClean="0">
+                        <a:solidFill>
+                          <a:schemeClr val="tx1"/>
+                        </a:solidFill>
+                        <a:latin typeface="Times New Roman" panose="02020603050405020304" pitchFamily="18" charset="0"/>
+                        <a:ea typeface="SimHei" panose="02010609060101010101" pitchFamily="49" charset="-122"/>
+                        <a:cs typeface="Times New Roman" panose="02020603050405020304" pitchFamily="18" charset="0"/>
+                      </a:endParaRPr>
+                    </a:p>
+                    <a:p>
+                      <a:pPr marL="0" marR="0" indent="0" algn="l" defTabSz="2270638" rtl="0" eaLnBrk="1" fontAlgn="auto" latinLnBrk="0" hangingPunct="1">
+                        <a:lnSpc>
+                          <a:spcPts val="10000"/>
+                        </a:lnSpc>
+                        <a:spcBef>
+                          <a:spcPts val="600"/>
+                        </a:spcBef>
+                        <a:spcAft>
+                          <a:spcPts val="0"/>
+                        </a:spcAft>
+                        <a:buClrTx/>
+                        <a:buSzTx/>
+                        <a:buFontTx/>
+                        <a:buNone/>
+                        <a:tabLst/>
+                        <a:defRPr/>
+                      </a:pPr>
+                      <a:r>
+                        <a:rPr lang="zh-TW" altLang="en-US" sz="7200" kern="1200" dirty="0" smtClean="0">
+                          <a:solidFill>
+                            <a:schemeClr val="tx1"/>
+                          </a:solidFill>
+                          <a:latin typeface="Times New Roman" panose="02020603050405020304" pitchFamily="18" charset="0"/>
+                          <a:ea typeface="SimHei" panose="02010609060101010101" pitchFamily="49" charset="-122"/>
+                          <a:cs typeface="Times New Roman" panose="02020603050405020304" pitchFamily="18" charset="0"/>
+                        </a:rPr>
+                        <a:t>食</a:t>
+                      </a:r>
+                      <a:r>
+                        <a:rPr lang="zh-TW" altLang="en-US" sz="7200" kern="1200" dirty="0" smtClean="0">
+                          <a:solidFill>
+                            <a:schemeClr val="tx1"/>
+                          </a:solidFill>
+                          <a:latin typeface="Times New Roman" panose="02020603050405020304" pitchFamily="18" charset="0"/>
+                          <a:ea typeface="SimHei" panose="02010609060101010101" pitchFamily="49" charset="-122"/>
+                          <a:cs typeface="Times New Roman" panose="02020603050405020304" pitchFamily="18" charset="0"/>
+                        </a:rPr>
+                        <a:t>安問題連環爆，立法院長王金平下午主持</a:t>
+                      </a:r>
+                      <a:r>
+                        <a:rPr lang="en-US" altLang="zh-TW" sz="7200" kern="1200" dirty="0" smtClean="0">
+                          <a:solidFill>
+                            <a:schemeClr val="tx1"/>
+                          </a:solidFill>
+                          <a:latin typeface="Times New Roman" panose="02020603050405020304" pitchFamily="18" charset="0"/>
+                          <a:ea typeface="SimHei" panose="02010609060101010101" pitchFamily="49" charset="-122"/>
+                          <a:cs typeface="Times New Roman" panose="02020603050405020304" pitchFamily="18" charset="0"/>
+                        </a:rPr>
+                        <a:t>《</a:t>
+                      </a:r>
+                      <a:r>
+                        <a:rPr lang="zh-TW" altLang="en-US" sz="7200" kern="1200" dirty="0" smtClean="0">
+                          <a:solidFill>
+                            <a:schemeClr val="tx1"/>
+                          </a:solidFill>
+                          <a:latin typeface="Times New Roman" panose="02020603050405020304" pitchFamily="18" charset="0"/>
+                          <a:ea typeface="SimHei" panose="02010609060101010101" pitchFamily="49" charset="-122"/>
+                          <a:cs typeface="Times New Roman" panose="02020603050405020304" pitchFamily="18" charset="0"/>
+                        </a:rPr>
+                        <a:t>食品安全衛生管理法</a:t>
+                      </a:r>
+                      <a:r>
+                        <a:rPr lang="en-US" altLang="zh-TW" sz="7200" kern="1200" dirty="0" smtClean="0">
+                          <a:solidFill>
+                            <a:schemeClr val="tx1"/>
+                          </a:solidFill>
+                          <a:latin typeface="Times New Roman" panose="02020603050405020304" pitchFamily="18" charset="0"/>
+                          <a:ea typeface="SimHei" panose="02010609060101010101" pitchFamily="49" charset="-122"/>
+                          <a:cs typeface="Times New Roman" panose="02020603050405020304" pitchFamily="18" charset="0"/>
+                        </a:rPr>
+                        <a:t>》</a:t>
+                      </a:r>
+                      <a:r>
+                        <a:rPr lang="zh-TW" altLang="en-US" sz="7200" kern="1200" dirty="0" smtClean="0">
+                          <a:solidFill>
+                            <a:schemeClr val="tx1"/>
+                          </a:solidFill>
+                          <a:latin typeface="Times New Roman" panose="02020603050405020304" pitchFamily="18" charset="0"/>
+                          <a:ea typeface="SimHei" panose="02010609060101010101" pitchFamily="49" charset="-122"/>
+                          <a:cs typeface="Times New Roman" panose="02020603050405020304" pitchFamily="18" charset="0"/>
+                        </a:rPr>
+                        <a:t>協商仍未獲</a:t>
+                      </a:r>
+                      <a:r>
+                        <a:rPr lang="zh-TW" altLang="en-US" sz="7200" kern="1200" dirty="0" smtClean="0">
+                          <a:solidFill>
+                            <a:schemeClr val="tx1"/>
+                          </a:solidFill>
+                          <a:latin typeface="Times New Roman" panose="02020603050405020304" pitchFamily="18" charset="0"/>
+                          <a:ea typeface="SimHei" panose="02010609060101010101" pitchFamily="49" charset="-122"/>
+                          <a:cs typeface="Times New Roman" panose="02020603050405020304" pitchFamily="18" charset="0"/>
+                        </a:rPr>
+                        <a:t>共識</a:t>
+                      </a:r>
+                      <a:endParaRPr lang="en-US" altLang="zh-TW" sz="1100" kern="1200" dirty="0" smtClean="0">
+                        <a:solidFill>
+                          <a:schemeClr val="tx1"/>
+                        </a:solidFill>
+                        <a:latin typeface="Times New Roman" panose="02020603050405020304" pitchFamily="18" charset="0"/>
+                        <a:ea typeface="SimHei" panose="02010609060101010101" pitchFamily="49" charset="-122"/>
+                        <a:cs typeface="Times New Roman" panose="02020603050405020304" pitchFamily="18" charset="0"/>
+                      </a:endParaRPr>
+                    </a:p>
+                    <a:p>
+                      <a:pPr marL="0" marR="0" indent="0" algn="l" defTabSz="2270638" rtl="0" eaLnBrk="1" fontAlgn="auto" latinLnBrk="0" hangingPunct="1">
+                        <a:lnSpc>
+                          <a:spcPct val="100000"/>
+                        </a:lnSpc>
+                        <a:spcBef>
+                          <a:spcPts val="800"/>
+                        </a:spcBef>
+                        <a:spcAft>
+                          <a:spcPts val="0"/>
+                        </a:spcAft>
+                        <a:buClrTx/>
+                        <a:buSzTx/>
+                        <a:buFontTx/>
+                        <a:buNone/>
+                        <a:tabLst/>
+                        <a:defRPr/>
+                      </a:pPr>
+                      <a:r>
+                        <a:rPr lang="en-US" altLang="zh-TW" sz="1100" kern="1200" dirty="0" smtClean="0">
+                          <a:solidFill>
+                            <a:schemeClr val="tx1"/>
+                          </a:solidFill>
+                          <a:latin typeface="Times New Roman" panose="02020603050405020304" pitchFamily="18" charset="0"/>
+                          <a:ea typeface="SimHei" panose="02010609060101010101" pitchFamily="49" charset="-122"/>
+                          <a:cs typeface="Times New Roman" panose="02020603050405020304" pitchFamily="18" charset="0"/>
+                        </a:rPr>
+                        <a:t> </a:t>
+                      </a:r>
+                    </a:p>
+                  </a:txBody>
+                  <a:tcPr/>
+                </a:tc>
+              </a:tr>
+              <a:tr h="1111258">
+                <a:tc>
+                  <a:txBody>
+                    <a:bodyPr/>
+                    <a:lstStyle/>
+                    <a:p>
+                      <a:pPr algn="ctr"/>
+                      <a:r>
+                        <a:rPr lang="zh-TW" altLang="en-US" sz="8000" dirty="0" smtClean="0"/>
+                        <a:t>閩南語</a:t>
+                      </a:r>
+                      <a:endParaRPr lang="en-US" altLang="zh-TW" sz="8000" dirty="0" smtClean="0"/>
+                    </a:p>
+                    <a:p>
+                      <a:pPr algn="ctr"/>
+                      <a:r>
+                        <a:rPr lang="zh-TW" altLang="en-US" sz="8000" dirty="0" smtClean="0"/>
+                        <a:t>輸出</a:t>
+                      </a:r>
+                      <a:endParaRPr lang="zh-TW" altLang="en-US" sz="8000" dirty="0"/>
+                    </a:p>
+                  </a:txBody>
+                  <a:tcPr anchor="ctr"/>
+                </a:tc>
+                <a:tc>
+                  <a:txBody>
+                    <a:bodyPr/>
+                    <a:lstStyle/>
+                    <a:p>
+                      <a:pPr>
+                        <a:lnSpc>
+                          <a:spcPct val="100000"/>
+                        </a:lnSpc>
+                        <a:spcBef>
+                          <a:spcPts val="0"/>
+                        </a:spcBef>
+                        <a:spcAft>
+                          <a:spcPts val="200"/>
+                        </a:spcAft>
+                      </a:pPr>
+                      <a:endParaRPr lang="en-US" altLang="zh-TW" sz="1100" kern="1200" dirty="0" smtClean="0">
+                        <a:solidFill>
+                          <a:schemeClr val="tx1"/>
+                        </a:solidFill>
+                        <a:latin typeface="Times New Roman" panose="02020603050405020304" pitchFamily="18" charset="0"/>
+                        <a:ea typeface="SimHei" panose="02010609060101010101" pitchFamily="49" charset="-122"/>
+                        <a:cs typeface="Times New Roman" panose="02020603050405020304" pitchFamily="18" charset="0"/>
+                      </a:endParaRPr>
+                    </a:p>
+                    <a:p>
+                      <a:pPr marL="0" marR="0" indent="0" algn="l" defTabSz="2270638" rtl="0" eaLnBrk="1" fontAlgn="auto" latinLnBrk="0" hangingPunct="1">
+                        <a:lnSpc>
+                          <a:spcPts val="10000"/>
+                        </a:lnSpc>
+                        <a:spcBef>
+                          <a:spcPts val="600"/>
+                        </a:spcBef>
+                        <a:spcAft>
+                          <a:spcPts val="0"/>
+                        </a:spcAft>
+                        <a:buClrTx/>
+                        <a:buSzTx/>
+                        <a:buFontTx/>
+                        <a:buNone/>
+                        <a:tabLst/>
+                        <a:defRPr/>
+                      </a:pPr>
+                      <a:r>
+                        <a:rPr lang="zh-TW" altLang="en-US" sz="7200" kern="1200" dirty="0" smtClean="0">
+                          <a:solidFill>
+                            <a:schemeClr val="tx1"/>
+                          </a:solidFill>
+                          <a:latin typeface="Times New Roman" panose="02020603050405020304" pitchFamily="18" charset="0"/>
+                          <a:ea typeface="SimHei" panose="02010609060101010101" pitchFamily="49" charset="-122"/>
+                          <a:cs typeface="Times New Roman" panose="02020603050405020304" pitchFamily="18" charset="0"/>
+                        </a:rPr>
+                        <a:t>食安問題連環爆，立法院長王金平下主持</a:t>
+                      </a:r>
+                      <a:r>
+                        <a:rPr lang="en-US" altLang="zh-TW" sz="7200" kern="1200" dirty="0" smtClean="0">
+                          <a:solidFill>
+                            <a:schemeClr val="tx1"/>
+                          </a:solidFill>
+                          <a:latin typeface="Times New Roman" panose="02020603050405020304" pitchFamily="18" charset="0"/>
+                          <a:ea typeface="SimHei" panose="02010609060101010101" pitchFamily="49" charset="-122"/>
+                          <a:cs typeface="Times New Roman" panose="02020603050405020304" pitchFamily="18" charset="0"/>
+                        </a:rPr>
+                        <a:t>《</a:t>
+                      </a:r>
+                      <a:r>
+                        <a:rPr lang="zh-TW" altLang="en-US" sz="7200" kern="1200" dirty="0" smtClean="0">
+                          <a:solidFill>
+                            <a:schemeClr val="tx1"/>
+                          </a:solidFill>
+                          <a:latin typeface="Times New Roman" panose="02020603050405020304" pitchFamily="18" charset="0"/>
+                          <a:ea typeface="SimHei" panose="02010609060101010101" pitchFamily="49" charset="-122"/>
+                          <a:cs typeface="Times New Roman" panose="02020603050405020304" pitchFamily="18" charset="0"/>
+                        </a:rPr>
+                        <a:t>食品安全衛生管理法</a:t>
+                      </a:r>
+                      <a:r>
+                        <a:rPr lang="en-US" altLang="zh-TW" sz="7200" kern="1200" dirty="0" smtClean="0">
+                          <a:solidFill>
+                            <a:schemeClr val="tx1"/>
+                          </a:solidFill>
+                          <a:latin typeface="Times New Roman" panose="02020603050405020304" pitchFamily="18" charset="0"/>
+                          <a:ea typeface="SimHei" panose="02010609060101010101" pitchFamily="49" charset="-122"/>
+                          <a:cs typeface="Times New Roman" panose="02020603050405020304" pitchFamily="18" charset="0"/>
+                        </a:rPr>
+                        <a:t>》</a:t>
+                      </a:r>
+                      <a:r>
+                        <a:rPr lang="zh-TW" altLang="en-US" sz="7200" kern="1200" dirty="0" smtClean="0">
+                          <a:solidFill>
+                            <a:schemeClr val="tx1"/>
+                          </a:solidFill>
+                          <a:latin typeface="Times New Roman" panose="02020603050405020304" pitchFamily="18" charset="0"/>
+                          <a:ea typeface="SimHei" panose="02010609060101010101" pitchFamily="49" charset="-122"/>
+                          <a:cs typeface="Times New Roman" panose="02020603050405020304" pitchFamily="18" charset="0"/>
+                        </a:rPr>
+                        <a:t>協商猶未獲共識</a:t>
+                      </a:r>
+                      <a:endParaRPr lang="en-US" altLang="zh-TW" sz="1100" kern="1200" dirty="0" smtClean="0">
+                        <a:solidFill>
+                          <a:schemeClr val="tx1"/>
+                        </a:solidFill>
+                        <a:latin typeface="Times New Roman" panose="02020603050405020304" pitchFamily="18" charset="0"/>
+                        <a:ea typeface="SimHei" panose="02010609060101010101" pitchFamily="49" charset="-122"/>
+                        <a:cs typeface="Times New Roman" panose="02020603050405020304" pitchFamily="18" charset="0"/>
+                      </a:endParaRPr>
+                    </a:p>
+                    <a:p>
+                      <a:pPr marL="0" marR="0" indent="0" algn="l" defTabSz="2270638" rtl="0" eaLnBrk="1" fontAlgn="auto" latinLnBrk="0" hangingPunct="1">
+                        <a:lnSpc>
+                          <a:spcPct val="100000"/>
+                        </a:lnSpc>
+                        <a:spcBef>
+                          <a:spcPts val="800"/>
+                        </a:spcBef>
+                        <a:spcAft>
+                          <a:spcPts val="0"/>
+                        </a:spcAft>
+                        <a:buClrTx/>
+                        <a:buSzTx/>
+                        <a:buFontTx/>
+                        <a:buNone/>
+                        <a:tabLst/>
+                        <a:defRPr/>
+                      </a:pPr>
+                      <a:r>
+                        <a:rPr lang="en-US" altLang="zh-TW" sz="1100" kern="1200" dirty="0" smtClean="0">
+                          <a:solidFill>
+                            <a:schemeClr val="tx1"/>
+                          </a:solidFill>
+                          <a:latin typeface="Times New Roman" panose="02020603050405020304" pitchFamily="18" charset="0"/>
+                          <a:ea typeface="SimHei" panose="02010609060101010101" pitchFamily="49" charset="-122"/>
+                          <a:cs typeface="Times New Roman" panose="02020603050405020304" pitchFamily="18" charset="0"/>
+                        </a:rPr>
+                        <a:t> </a:t>
+                      </a:r>
+                      <a:endParaRPr lang="en-US" altLang="zh-TW" sz="1100" kern="1200" dirty="0" smtClean="0">
+                        <a:solidFill>
+                          <a:schemeClr val="tx1"/>
+                        </a:solidFill>
+                        <a:latin typeface="Times New Roman" panose="02020603050405020304" pitchFamily="18" charset="0"/>
+                        <a:ea typeface="SimHei" panose="02010609060101010101" pitchFamily="49" charset="-122"/>
+                        <a:cs typeface="Times New Roman" panose="02020603050405020304" pitchFamily="18" charset="0"/>
+                      </a:endParaRPr>
+                    </a:p>
+                  </a:txBody>
+                  <a:tcPr/>
+                </a:tc>
+              </a:tr>
+            </a:tbl>
+          </a:graphicData>
+        </a:graphic>
+      </p:graphicFrame>
+    </p:spTree>
+    <p:extLst>
+      <p:ext uri="{BB962C8B-B14F-4D97-AF65-F5344CB8AC3E}">
+        <p14:creationId xmlns:p14="http://schemas.microsoft.com/office/powerpoint/2010/main" val="265270078"/>
+      </p:ext>
+    </p:extLst>
+  </p:cSld>
+  <p:clrMapOvr>
+    <a:masterClrMapping/>
+  </p:clrMapOvr>
+  <p:timing>
+    <p:tnLst>
+      <p:par>
+        <p:cTn id="1" dur="indefinite" restart="never" nodeType="tmRoot"/>
+      </p:par>
+    </p:tnLst>
+  </p:timing>
+</p:sld>
+</file>
+
+<file path=ppt/slides/slide7.xml><?xml version="1.0" encoding="utf-8"?>
+<p:sld xmlns:a="http://schemas.openxmlformats.org/drawingml/2006/main" xmlns:r="http://schemas.openxmlformats.org/officeDocument/2006/relationships" xmlns:p="http://schemas.openxmlformats.org/presentationml/2006/main">
+  <p:cSld>
+    <p:spTree>
+      <p:nvGrpSpPr>
+        <p:cNvPr id="1" name=""/>
+        <p:cNvGrpSpPr/>
+        <p:nvPr/>
+      </p:nvGrpSpPr>
+      <p:grpSpPr>
+        <a:xfrm>
+          <a:off x="0" y="0"/>
+          <a:ext cx="0" cy="0"/>
+          <a:chOff x="0" y="0"/>
+          <a:chExt cx="0" cy="0"/>
+        </a:xfrm>
+      </p:grpSpPr>
+      <p:sp>
+        <p:nvSpPr>
+          <p:cNvPr id="3" name="標題 2"/>
+          <p:cNvSpPr>
+            <a:spLocks noGrp="1"/>
+          </p:cNvSpPr>
+          <p:nvPr>
+            <p:ph type="title"/>
+          </p:nvPr>
+        </p:nvSpPr>
+        <p:spPr>
+          <a:xfrm>
+            <a:off x="2042948" y="1496252"/>
+            <a:ext cx="26112371" cy="3775779"/>
+          </a:xfrm>
+        </p:spPr>
+        <p:txBody>
+          <a:bodyPr>
+            <a:normAutofit/>
+          </a:bodyPr>
+          <a:lstStyle/>
+          <a:p>
+            <a:pPr algn="ctr">
+              <a:spcBef>
+                <a:spcPts val="600"/>
+              </a:spcBef>
+            </a:pPr>
+            <a:r>
+              <a:rPr lang="zh-TW" altLang="en-US" sz="9700" spc="300" dirty="0">
+                <a:latin typeface="KaiTi" panose="02010609060101010101" pitchFamily="49" charset="-122"/>
+                <a:ea typeface="KaiTi" panose="02010609060101010101" pitchFamily="49" charset="-122"/>
+              </a:rPr>
+              <a:t>漢語間統計式機器翻譯語料</a:t>
+            </a:r>
+            <a:r>
+              <a:rPr lang="zh-TW" altLang="en-US" sz="9700" spc="300" dirty="0" smtClean="0">
+                <a:latin typeface="KaiTi" panose="02010609060101010101" pitchFamily="49" charset="-122"/>
+                <a:ea typeface="KaiTi" panose="02010609060101010101" pitchFamily="49" charset="-122"/>
+              </a:rPr>
+              <a:t>處理 －</a:t>
+            </a:r>
+            <a:r>
+              <a:rPr lang="en-US" altLang="zh-TW" sz="9700" spc="300" dirty="0" smtClean="0">
+                <a:latin typeface="KaiTi" panose="02010609060101010101" pitchFamily="49" charset="-122"/>
+                <a:ea typeface="KaiTi" panose="02010609060101010101" pitchFamily="49" charset="-122"/>
+              </a:rPr>
+              <a:t/>
+            </a:r>
+            <a:br>
+              <a:rPr lang="en-US" altLang="zh-TW" sz="9700" spc="300" dirty="0" smtClean="0">
+                <a:latin typeface="KaiTi" panose="02010609060101010101" pitchFamily="49" charset="-122"/>
+                <a:ea typeface="KaiTi" panose="02010609060101010101" pitchFamily="49" charset="-122"/>
+              </a:rPr>
+            </a:br>
+            <a:r>
+              <a:rPr lang="zh-TW" altLang="en-US" sz="9700" spc="300" dirty="0" smtClean="0">
+                <a:latin typeface="KaiTi" panose="02010609060101010101" pitchFamily="49" charset="-122"/>
+                <a:ea typeface="KaiTi" panose="02010609060101010101" pitchFamily="49" charset="-122"/>
+              </a:rPr>
+              <a:t>用</a:t>
+            </a:r>
+            <a:r>
+              <a:rPr lang="zh-TW" altLang="en-US" sz="9700" spc="300" dirty="0">
+                <a:latin typeface="KaiTi" panose="02010609060101010101" pitchFamily="49" charset="-122"/>
+                <a:ea typeface="KaiTi" panose="02010609060101010101" pitchFamily="49" charset="-122"/>
+              </a:rPr>
+              <a:t>臺灣閩南語</a:t>
+            </a:r>
+            <a:r>
+              <a:rPr lang="zh-TW" altLang="en-US" sz="9700" spc="300" dirty="0" smtClean="0">
+                <a:latin typeface="KaiTi" panose="02010609060101010101" pitchFamily="49" charset="-122"/>
+                <a:ea typeface="KaiTi" panose="02010609060101010101" pitchFamily="49" charset="-122"/>
+              </a:rPr>
+              <a:t>示範</a:t>
+            </a:r>
+            <a:endParaRPr lang="zh-TW" altLang="en-US" sz="9700" b="1" spc="300" dirty="0">
+              <a:latin typeface="KaiTi" panose="02010609060101010101" pitchFamily="49" charset="-122"/>
+              <a:ea typeface="KaiTi" panose="02010609060101010101" pitchFamily="49" charset="-122"/>
+              <a:cs typeface="Times New Roman" panose="02020603050405020304" pitchFamily="18" charset="0"/>
+            </a:endParaRPr>
+          </a:p>
+        </p:txBody>
+      </p:sp>
+      <p:sp>
+        <p:nvSpPr>
+          <p:cNvPr id="4" name="內容版面配置區 3"/>
+          <p:cNvSpPr>
+            <a:spLocks noGrp="1"/>
+          </p:cNvSpPr>
+          <p:nvPr>
+            <p:ph idx="1"/>
+          </p:nvPr>
+        </p:nvSpPr>
+        <p:spPr>
+          <a:xfrm>
+            <a:off x="2042947" y="8533488"/>
+            <a:ext cx="26112371" cy="20655110"/>
+          </a:xfrm>
+        </p:spPr>
+        <p:txBody>
+          <a:bodyPr>
+            <a:noAutofit/>
+          </a:bodyPr>
+          <a:lstStyle/>
+          <a:p>
+            <a:pPr marL="0" indent="0" algn="ctr">
+              <a:lnSpc>
+                <a:spcPct val="120000"/>
+              </a:lnSpc>
+              <a:buNone/>
+            </a:pPr>
+            <a:r>
+              <a:rPr lang="zh-TW" altLang="en-US" sz="8000" b="1" dirty="0" smtClean="0">
+                <a:latin typeface="Kozuka Mincho Pr6N R" panose="02020400000000000000" pitchFamily="18" charset="-128"/>
+                <a:ea typeface="Kozuka Mincho Pr6N R" panose="02020400000000000000" pitchFamily="18" charset="-128"/>
+              </a:rPr>
+              <a:t>踏話頭</a:t>
+            </a:r>
+            <a:endParaRPr lang="en-US" altLang="zh-TW" sz="8000" b="1" dirty="0" smtClean="0">
+              <a:latin typeface="Kozuka Mincho Pr6N R" panose="02020400000000000000" pitchFamily="18" charset="-128"/>
+              <a:ea typeface="Kozuka Mincho Pr6N R" panose="02020400000000000000" pitchFamily="18" charset="-128"/>
+            </a:endParaRPr>
+          </a:p>
+          <a:p>
+            <a:pPr marL="0" indent="0">
+              <a:lnSpc>
+                <a:spcPct val="120000"/>
+              </a:lnSpc>
+              <a:buNone/>
+            </a:pPr>
+            <a:r>
+              <a:rPr lang="zh-TW" altLang="en-US" sz="7200" dirty="0" smtClean="0">
+                <a:ea typeface="SimHei" panose="02010609060101010101" pitchFamily="49" charset="-122"/>
+              </a:rPr>
+              <a:t>　　</a:t>
+            </a:r>
+            <a:r>
+              <a:rPr lang="zh-TW" altLang="en-US" sz="7200" dirty="0" smtClean="0">
+                <a:latin typeface="Kozuka Gothic Pro L" panose="020B0200000000000000" pitchFamily="34" charset="-128"/>
+                <a:ea typeface="Kozuka Gothic Pro L" panose="020B0200000000000000" pitchFamily="34" charset="-128"/>
+              </a:rPr>
+              <a:t>臺灣</a:t>
+            </a:r>
+            <a:r>
+              <a:rPr lang="zh-TW" altLang="en-US" sz="7200" dirty="0">
+                <a:latin typeface="Kozuka Gothic Pro L" panose="020B0200000000000000" pitchFamily="34" charset="-128"/>
+                <a:ea typeface="Kozuka Gothic Pro L" panose="020B0200000000000000" pitchFamily="34" charset="-128"/>
+              </a:rPr>
+              <a:t>是一个多元民族、多元語言的國家</a:t>
+            </a:r>
+            <a:r>
+              <a:rPr lang="zh-TW" altLang="en-US" sz="7200" dirty="0" smtClean="0">
+                <a:latin typeface="Kozuka Gothic Pro L" panose="020B0200000000000000" pitchFamily="34" charset="-128"/>
+                <a:ea typeface="Kozuka Gothic Pro L" panose="020B0200000000000000" pitchFamily="34" charset="-128"/>
+              </a:rPr>
+              <a:t>。講</a:t>
+            </a:r>
+            <a:r>
+              <a:rPr lang="zh-TW" altLang="en-US" sz="7200" dirty="0">
+                <a:latin typeface="Kozuka Gothic Pro L" panose="020B0200000000000000" pitchFamily="34" charset="-128"/>
+                <a:ea typeface="Kozuka Gothic Pro L" panose="020B0200000000000000" pitchFamily="34" charset="-128"/>
+              </a:rPr>
+              <a:t>母語、使用母語是上基本的權利</a:t>
+            </a:r>
+            <a:r>
+              <a:rPr lang="zh-TW" altLang="en-US" sz="7200" dirty="0" smtClean="0">
+                <a:latin typeface="Kozuka Gothic Pro L" panose="020B0200000000000000" pitchFamily="34" charset="-128"/>
+                <a:ea typeface="Kozuka Gothic Pro L" panose="020B0200000000000000" pitchFamily="34" charset="-128"/>
+              </a:rPr>
+              <a:t>，毋</a:t>
+            </a:r>
+            <a:r>
+              <a:rPr lang="zh-TW" altLang="en-US" sz="7200" dirty="0">
+                <a:latin typeface="Kozuka Gothic Pro L" panose="020B0200000000000000" pitchFamily="34" charset="-128"/>
+                <a:ea typeface="Kozuka Gothic Pro L" panose="020B0200000000000000" pitchFamily="34" charset="-128"/>
+              </a:rPr>
+              <a:t>過母語的電腦相關應用煞誠</a:t>
+            </a:r>
+            <a:r>
+              <a:rPr lang="zh-TW" altLang="en-US" sz="7200" dirty="0" smtClean="0">
+                <a:latin typeface="Kozuka Gothic Pro L" panose="020B0200000000000000" pitchFamily="34" charset="-128"/>
+                <a:ea typeface="Kozuka Gothic Pro L" panose="020B0200000000000000" pitchFamily="34" charset="-128"/>
+              </a:rPr>
+              <a:t>少，需要</a:t>
+            </a:r>
+            <a:r>
+              <a:rPr lang="zh-TW" altLang="en-US" sz="7200" dirty="0">
+                <a:latin typeface="Kozuka Gothic Pro L" panose="020B0200000000000000" pitchFamily="34" charset="-128"/>
+                <a:ea typeface="Kozuka Gothic Pro L" panose="020B0200000000000000" pitchFamily="34" charset="-128"/>
+              </a:rPr>
+              <a:t>加強自然語言處理的研究佮語料收集整理</a:t>
+            </a:r>
+            <a:r>
+              <a:rPr lang="zh-TW" altLang="en-US" sz="7200" dirty="0" smtClean="0">
+                <a:latin typeface="Kozuka Gothic Pro L" panose="020B0200000000000000" pitchFamily="34" charset="-128"/>
+                <a:ea typeface="Kozuka Gothic Pro L" panose="020B0200000000000000" pitchFamily="34" charset="-128"/>
+              </a:rPr>
+              <a:t>。</a:t>
+            </a:r>
+            <a:endParaRPr lang="en-US" altLang="zh-TW" sz="7200" dirty="0">
+              <a:latin typeface="Kozuka Gothic Pro L" panose="020B0200000000000000" pitchFamily="34" charset="-128"/>
+              <a:ea typeface="Kozuka Gothic Pro L" panose="020B0200000000000000" pitchFamily="34" charset="-128"/>
+            </a:endParaRPr>
+          </a:p>
+          <a:p>
+            <a:pPr marL="0" indent="0">
+              <a:lnSpc>
+                <a:spcPct val="120000"/>
+              </a:lnSpc>
+              <a:buNone/>
+            </a:pPr>
+            <a:endParaRPr lang="en-US" altLang="zh-TW" sz="1600" dirty="0">
+              <a:ea typeface="SimHei" panose="02010609060101010101" pitchFamily="49" charset="-122"/>
+            </a:endParaRPr>
+          </a:p>
+          <a:p>
+            <a:pPr marL="0" indent="0">
+              <a:lnSpc>
+                <a:spcPct val="120000"/>
+              </a:lnSpc>
+              <a:buNone/>
+            </a:pPr>
+            <a:r>
+              <a:rPr lang="zh-TW" altLang="en-US" sz="7200" dirty="0" smtClean="0">
+                <a:ea typeface="SimHei" panose="02010609060101010101" pitchFamily="49" charset="-122"/>
+              </a:rPr>
+              <a:t>　　</a:t>
+            </a:r>
+            <a:r>
+              <a:rPr lang="zh-TW" altLang="en-US" sz="7200" dirty="0">
+                <a:latin typeface="Kozuka Gothic Pro L" panose="020B0200000000000000" pitchFamily="34" charset="-128"/>
+                <a:ea typeface="Kozuka Gothic Pro L" panose="020B0200000000000000" pitchFamily="34" charset="-128"/>
+              </a:rPr>
+              <a:t>臺灣</a:t>
+            </a:r>
+            <a:r>
+              <a:rPr lang="zh-TW" altLang="en-US" sz="7200" dirty="0">
+                <a:latin typeface="Kozuka Gothic Pro L" panose="020B0200000000000000" pitchFamily="34" charset="-128"/>
+                <a:ea typeface="Kozuka Gothic Pro L" panose="020B0200000000000000" pitchFamily="34" charset="-128"/>
+              </a:rPr>
+              <a:t>本土語言百百種</a:t>
+            </a:r>
+            <a:r>
+              <a:rPr lang="zh-TW" altLang="en-US" sz="7200" dirty="0">
+                <a:latin typeface="Kozuka Gothic Pro L" panose="020B0200000000000000" pitchFamily="34" charset="-128"/>
+                <a:ea typeface="Kozuka Gothic Pro L" panose="020B0200000000000000" pitchFamily="34" charset="-128"/>
+              </a:rPr>
+              <a:t>，本</a:t>
+            </a:r>
+            <a:r>
+              <a:rPr lang="zh-TW" altLang="en-US" sz="7200" dirty="0">
+                <a:latin typeface="Kozuka Gothic Pro L" panose="020B0200000000000000" pitchFamily="34" charset="-128"/>
+                <a:ea typeface="Kozuka Gothic Pro L" panose="020B0200000000000000" pitchFamily="34" charset="-128"/>
+              </a:rPr>
+              <a:t>論文是針對閩南語</a:t>
+            </a:r>
+            <a:r>
+              <a:rPr lang="zh-TW" altLang="en-US" sz="7200" dirty="0">
+                <a:latin typeface="Kozuka Gothic Pro L" panose="020B0200000000000000" pitchFamily="34" charset="-128"/>
+                <a:ea typeface="Kozuka Gothic Pro L" panose="020B0200000000000000" pitchFamily="34" charset="-128"/>
+              </a:rPr>
+              <a:t>，研究</a:t>
+            </a:r>
+            <a:r>
+              <a:rPr lang="zh-TW" altLang="en-US" sz="7200" dirty="0">
+                <a:latin typeface="Kozuka Gothic Pro L" panose="020B0200000000000000" pitchFamily="34" charset="-128"/>
+                <a:ea typeface="Kozuka Gothic Pro L" panose="020B0200000000000000" pitchFamily="34" charset="-128"/>
+              </a:rPr>
+              <a:t>伊翻譯語料的特性</a:t>
+            </a:r>
+            <a:r>
+              <a:rPr lang="zh-TW" altLang="en-US" sz="7200" dirty="0">
+                <a:latin typeface="Kozuka Gothic Pro L" panose="020B0200000000000000" pitchFamily="34" charset="-128"/>
+                <a:ea typeface="Kozuka Gothic Pro L" panose="020B0200000000000000" pitchFamily="34" charset="-128"/>
+              </a:rPr>
+              <a:t>。除了</a:t>
+            </a:r>
+            <a:r>
+              <a:rPr lang="zh-TW" altLang="en-US" sz="7200" dirty="0">
+                <a:latin typeface="Kozuka Gothic Pro L" panose="020B0200000000000000" pitchFamily="34" charset="-128"/>
+                <a:ea typeface="Kozuka Gothic Pro L" panose="020B0200000000000000" pitchFamily="34" charset="-128"/>
+              </a:rPr>
+              <a:t>閩南語本身以外</a:t>
+            </a:r>
+            <a:r>
+              <a:rPr lang="zh-TW" altLang="en-US" sz="7200" dirty="0">
+                <a:latin typeface="Kozuka Gothic Pro L" panose="020B0200000000000000" pitchFamily="34" charset="-128"/>
+                <a:ea typeface="Kozuka Gothic Pro L" panose="020B0200000000000000" pitchFamily="34" charset="-128"/>
+              </a:rPr>
+              <a:t>，嘛</a:t>
+            </a:r>
+            <a:r>
+              <a:rPr lang="zh-TW" altLang="en-US" sz="7200" dirty="0">
+                <a:latin typeface="Kozuka Gothic Pro L" panose="020B0200000000000000" pitchFamily="34" charset="-128"/>
+                <a:ea typeface="Kozuka Gothic Pro L" panose="020B0200000000000000" pitchFamily="34" charset="-128"/>
+              </a:rPr>
+              <a:t>希望研究結果對別的本土語言有幫助</a:t>
+            </a:r>
+            <a:r>
+              <a:rPr lang="zh-TW" altLang="en-US" sz="7200" dirty="0">
+                <a:latin typeface="Kozuka Gothic Pro L" panose="020B0200000000000000" pitchFamily="34" charset="-128"/>
+                <a:ea typeface="Kozuka Gothic Pro L" panose="020B0200000000000000" pitchFamily="34" charset="-128"/>
+              </a:rPr>
+              <a:t>。</a:t>
+            </a:r>
+            <a:endParaRPr lang="en-US" altLang="zh-TW" sz="7200" dirty="0">
+              <a:latin typeface="Kozuka Gothic Pro L" panose="020B0200000000000000" pitchFamily="34" charset="-128"/>
+              <a:ea typeface="Kozuka Gothic Pro L" panose="020B0200000000000000" pitchFamily="34" charset="-128"/>
+            </a:endParaRPr>
+          </a:p>
+          <a:p>
+            <a:pPr marL="0" indent="0">
+              <a:lnSpc>
+                <a:spcPct val="120000"/>
+              </a:lnSpc>
+              <a:buNone/>
+            </a:pPr>
+            <a:endParaRPr lang="en-US" altLang="zh-TW" sz="1600" dirty="0">
+              <a:latin typeface="Kozuka Gothic Pro L" panose="020B0200000000000000" pitchFamily="34" charset="-128"/>
+              <a:ea typeface="Kozuka Gothic Pro L" panose="020B0200000000000000" pitchFamily="34" charset="-128"/>
+            </a:endParaRPr>
+          </a:p>
+          <a:p>
+            <a:pPr marL="0" indent="0">
+              <a:lnSpc>
+                <a:spcPct val="120000"/>
+              </a:lnSpc>
+              <a:buNone/>
+            </a:pPr>
+            <a:r>
+              <a:rPr lang="zh-TW" altLang="en-US" sz="7200" dirty="0">
+                <a:latin typeface="Kozuka Gothic Pro L" panose="020B0200000000000000" pitchFamily="34" charset="-128"/>
+                <a:ea typeface="Kozuka Gothic Pro L" panose="020B0200000000000000" pitchFamily="34" charset="-128"/>
+              </a:rPr>
+              <a:t>　　本</a:t>
+            </a:r>
+            <a:r>
+              <a:rPr lang="zh-TW" altLang="en-US" sz="7200" dirty="0">
+                <a:latin typeface="Kozuka Gothic Pro L" panose="020B0200000000000000" pitchFamily="34" charset="-128"/>
+                <a:ea typeface="Kozuka Gothic Pro L" panose="020B0200000000000000" pitchFamily="34" charset="-128"/>
+              </a:rPr>
+              <a:t>論文提出一个自動整理漢語語料的方法</a:t>
+            </a:r>
+            <a:r>
+              <a:rPr lang="zh-TW" altLang="en-US" sz="7200" dirty="0">
+                <a:latin typeface="Kozuka Gothic Pro L" panose="020B0200000000000000" pitchFamily="34" charset="-128"/>
+                <a:ea typeface="Kozuka Gothic Pro L" panose="020B0200000000000000" pitchFamily="34" charset="-128"/>
+              </a:rPr>
+              <a:t>，予</a:t>
+            </a:r>
+            <a:r>
+              <a:rPr lang="zh-TW" altLang="en-US" sz="7200" dirty="0">
+                <a:latin typeface="Kozuka Gothic Pro L" panose="020B0200000000000000" pitchFamily="34" charset="-128"/>
+                <a:ea typeface="Kozuka Gothic Pro L" panose="020B0200000000000000" pitchFamily="34" charset="-128"/>
+              </a:rPr>
+              <a:t>資訊無完整的語料庫補足資訊</a:t>
+            </a:r>
+            <a:r>
+              <a:rPr lang="zh-TW" altLang="en-US" sz="7200" dirty="0">
+                <a:latin typeface="Kozuka Gothic Pro L" panose="020B0200000000000000" pitchFamily="34" charset="-128"/>
+                <a:ea typeface="Kozuka Gothic Pro L" panose="020B0200000000000000" pitchFamily="34" charset="-128"/>
+              </a:rPr>
+              <a:t>，發揮</a:t>
+            </a:r>
+            <a:r>
+              <a:rPr lang="zh-TW" altLang="en-US" sz="7200" dirty="0">
+                <a:latin typeface="Kozuka Gothic Pro L" panose="020B0200000000000000" pitchFamily="34" charset="-128"/>
+                <a:ea typeface="Kozuka Gothic Pro L" panose="020B0200000000000000" pitchFamily="34" charset="-128"/>
+              </a:rPr>
+              <a:t>上大的價值</a:t>
+            </a:r>
+            <a:r>
+              <a:rPr lang="zh-TW" altLang="en-US" sz="7200" dirty="0">
+                <a:latin typeface="Kozuka Gothic Pro L" panose="020B0200000000000000" pitchFamily="34" charset="-128"/>
+                <a:ea typeface="Kozuka Gothic Pro L" panose="020B0200000000000000" pitchFamily="34" charset="-128"/>
+              </a:rPr>
+              <a:t>，</a:t>
+            </a:r>
+            <a:r>
+              <a:rPr lang="en-US" altLang="zh-TW" sz="7200" dirty="0">
+                <a:latin typeface="Kozuka Gothic Pro L" panose="020B0200000000000000" pitchFamily="34" charset="-128"/>
+                <a:ea typeface="Kozuka Gothic Pro L" panose="020B0200000000000000" pitchFamily="34" charset="-128"/>
+              </a:rPr>
+              <a:t>BLEU</a:t>
+            </a:r>
+            <a:r>
+              <a:rPr lang="zh-TW" altLang="en-US" sz="7200" dirty="0">
+                <a:latin typeface="Kozuka Gothic Pro L" panose="020B0200000000000000" pitchFamily="34" charset="-128"/>
+                <a:ea typeface="Kozuka Gothic Pro L" panose="020B0200000000000000" pitchFamily="34" charset="-128"/>
+              </a:rPr>
+              <a:t>分數對</a:t>
+            </a:r>
+            <a:r>
+              <a:rPr lang="en-US" altLang="zh-TW" sz="7200" dirty="0">
+                <a:latin typeface="Kozuka Gothic Pro L" panose="020B0200000000000000" pitchFamily="34" charset="-128"/>
+                <a:ea typeface="Kozuka Gothic Pro L" panose="020B0200000000000000" pitchFamily="34" charset="-128"/>
+              </a:rPr>
+              <a:t>9.30</a:t>
+            </a:r>
+            <a:r>
+              <a:rPr lang="zh-TW" altLang="en-US" sz="7200" dirty="0">
+                <a:latin typeface="Kozuka Gothic Pro L" panose="020B0200000000000000" pitchFamily="34" charset="-128"/>
+                <a:ea typeface="Kozuka Gothic Pro L" panose="020B0200000000000000" pitchFamily="34" charset="-128"/>
+              </a:rPr>
+              <a:t>搝到</a:t>
+            </a:r>
+            <a:r>
+              <a:rPr lang="en-US" altLang="zh-TW" sz="7200" dirty="0">
+                <a:latin typeface="Kozuka Gothic Pro L" panose="020B0200000000000000" pitchFamily="34" charset="-128"/>
+                <a:ea typeface="Kozuka Gothic Pro L" panose="020B0200000000000000" pitchFamily="34" charset="-128"/>
+              </a:rPr>
+              <a:t>13.82</a:t>
+            </a:r>
+            <a:r>
+              <a:rPr lang="zh-TW" altLang="en-US" sz="7200" dirty="0">
+                <a:latin typeface="Kozuka Gothic Pro L" panose="020B0200000000000000" pitchFamily="34" charset="-128"/>
+                <a:ea typeface="Kozuka Gothic Pro L" panose="020B0200000000000000" pitchFamily="34" charset="-128"/>
+              </a:rPr>
+              <a:t>。另外</a:t>
+            </a:r>
+            <a:r>
+              <a:rPr lang="zh-TW" altLang="en-US" sz="7200" dirty="0">
+                <a:latin typeface="Kozuka Gothic Pro L" panose="020B0200000000000000" pitchFamily="34" charset="-128"/>
+                <a:ea typeface="Kozuka Gothic Pro L" panose="020B0200000000000000" pitchFamily="34" charset="-128"/>
+              </a:rPr>
+              <a:t>閣用實驗證明平行語料數量無到十萬句的</a:t>
+            </a:r>
+            <a:r>
+              <a:rPr lang="zh-TW" altLang="en-US" sz="7200" dirty="0">
+                <a:latin typeface="Kozuka Gothic Pro L" panose="020B0200000000000000" pitchFamily="34" charset="-128"/>
+                <a:ea typeface="Kozuka Gothic Pro L" panose="020B0200000000000000" pitchFamily="34" charset="-128"/>
+              </a:rPr>
+              <a:t>時，加</a:t>
+            </a:r>
+            <a:r>
+              <a:rPr lang="zh-TW" altLang="en-US" sz="7200" dirty="0">
+                <a:latin typeface="Kozuka Gothic Pro L" panose="020B0200000000000000" pitchFamily="34" charset="-128"/>
+                <a:ea typeface="Kozuka Gothic Pro L" panose="020B0200000000000000" pitchFamily="34" charset="-128"/>
+              </a:rPr>
+              <a:t>語料對翻譯的效果影響非常大</a:t>
+            </a:r>
+            <a:r>
+              <a:rPr lang="zh-TW" altLang="en-US" sz="7200" dirty="0">
+                <a:latin typeface="Kozuka Gothic Pro L" panose="020B0200000000000000" pitchFamily="34" charset="-128"/>
+                <a:ea typeface="Kozuka Gothic Pro L" panose="020B0200000000000000" pitchFamily="34" charset="-128"/>
+              </a:rPr>
+              <a:t>，原本</a:t>
+            </a:r>
+            <a:r>
+              <a:rPr lang="en-US" altLang="zh-TW" sz="7200" dirty="0">
+                <a:latin typeface="Kozuka Gothic Pro L" panose="020B0200000000000000" pitchFamily="34" charset="-128"/>
+                <a:ea typeface="Kozuka Gothic Pro L" panose="020B0200000000000000" pitchFamily="34" charset="-128"/>
+              </a:rPr>
+              <a:t>64121</a:t>
+            </a:r>
+            <a:r>
+              <a:rPr lang="zh-TW" altLang="en-US" sz="7200" dirty="0">
+                <a:latin typeface="Kozuka Gothic Pro L" panose="020B0200000000000000" pitchFamily="34" charset="-128"/>
+                <a:ea typeface="Kozuka Gothic Pro L" panose="020B0200000000000000" pitchFamily="34" charset="-128"/>
+              </a:rPr>
+              <a:t>句加到</a:t>
+            </a:r>
+            <a:r>
+              <a:rPr lang="en-US" altLang="zh-TW" sz="7200" dirty="0">
+                <a:latin typeface="Kozuka Gothic Pro L" panose="020B0200000000000000" pitchFamily="34" charset="-128"/>
+                <a:ea typeface="Kozuka Gothic Pro L" panose="020B0200000000000000" pitchFamily="34" charset="-128"/>
+              </a:rPr>
+              <a:t>99147</a:t>
+            </a:r>
+            <a:r>
+              <a:rPr lang="zh-TW" altLang="en-US" sz="7200" dirty="0">
+                <a:latin typeface="Kozuka Gothic Pro L" panose="020B0200000000000000" pitchFamily="34" charset="-128"/>
+                <a:ea typeface="Kozuka Gothic Pro L" panose="020B0200000000000000" pitchFamily="34" charset="-128"/>
+              </a:rPr>
+              <a:t>句了後</a:t>
+            </a:r>
+            <a:r>
+              <a:rPr lang="zh-TW" altLang="en-US" sz="7200" dirty="0">
+                <a:latin typeface="Kozuka Gothic Pro L" panose="020B0200000000000000" pitchFamily="34" charset="-128"/>
+                <a:ea typeface="Kozuka Gothic Pro L" panose="020B0200000000000000" pitchFamily="34" charset="-128"/>
+              </a:rPr>
+              <a:t>，</a:t>
+            </a:r>
+            <a:r>
+              <a:rPr lang="en-US" altLang="zh-TW" sz="7200" dirty="0">
+                <a:latin typeface="Kozuka Gothic Pro L" panose="020B0200000000000000" pitchFamily="34" charset="-128"/>
+                <a:ea typeface="Kozuka Gothic Pro L" panose="020B0200000000000000" pitchFamily="34" charset="-128"/>
+              </a:rPr>
+              <a:t>BLEU</a:t>
+            </a:r>
+            <a:r>
+              <a:rPr lang="zh-TW" altLang="en-US" sz="7200" dirty="0">
+                <a:latin typeface="Kozuka Gothic Pro L" panose="020B0200000000000000" pitchFamily="34" charset="-128"/>
+                <a:ea typeface="Kozuka Gothic Pro L" panose="020B0200000000000000" pitchFamily="34" charset="-128"/>
+              </a:rPr>
+              <a:t>分數對</a:t>
+            </a:r>
+            <a:r>
+              <a:rPr lang="en-US" altLang="zh-TW" sz="7200" dirty="0">
+                <a:latin typeface="Kozuka Gothic Pro L" panose="020B0200000000000000" pitchFamily="34" charset="-128"/>
+                <a:ea typeface="Kozuka Gothic Pro L" panose="020B0200000000000000" pitchFamily="34" charset="-128"/>
+              </a:rPr>
+              <a:t>13.82</a:t>
+            </a:r>
+            <a:r>
+              <a:rPr lang="zh-TW" altLang="en-US" sz="7200" dirty="0">
+                <a:latin typeface="Kozuka Gothic Pro L" panose="020B0200000000000000" pitchFamily="34" charset="-128"/>
+                <a:ea typeface="Kozuka Gothic Pro L" panose="020B0200000000000000" pitchFamily="34" charset="-128"/>
+              </a:rPr>
+              <a:t>提昇到</a:t>
+            </a:r>
+            <a:r>
+              <a:rPr lang="en-US" altLang="zh-TW" sz="7200" dirty="0">
+                <a:latin typeface="Kozuka Gothic Pro L" panose="020B0200000000000000" pitchFamily="34" charset="-128"/>
+                <a:ea typeface="Kozuka Gothic Pro L" panose="020B0200000000000000" pitchFamily="34" charset="-128"/>
+              </a:rPr>
+              <a:t>19.33</a:t>
+            </a:r>
+            <a:r>
+              <a:rPr lang="zh-TW" altLang="en-US" sz="7200" dirty="0">
+                <a:latin typeface="Kozuka Gothic Pro L" panose="020B0200000000000000" pitchFamily="34" charset="-128"/>
+                <a:ea typeface="Kozuka Gothic Pro L" panose="020B0200000000000000" pitchFamily="34" charset="-128"/>
+              </a:rPr>
+              <a:t>。</a:t>
+            </a:r>
+            <a:endParaRPr lang="en-US" altLang="zh-TW" sz="7200" dirty="0">
+              <a:latin typeface="Kozuka Gothic Pro L" panose="020B0200000000000000" pitchFamily="34" charset="-128"/>
+              <a:ea typeface="Kozuka Gothic Pro L" panose="020B0200000000000000" pitchFamily="34" charset="-128"/>
+            </a:endParaRPr>
+          </a:p>
+          <a:p>
+            <a:pPr marL="0" indent="0">
+              <a:lnSpc>
+                <a:spcPct val="120000"/>
+              </a:lnSpc>
+              <a:buNone/>
+            </a:pPr>
+            <a:r>
+              <a:rPr lang="zh-TW" altLang="en-US" sz="8000" b="1" dirty="0">
+                <a:latin typeface="Kozuka Mincho Pr6N R" panose="02020400000000000000" pitchFamily="18" charset="-128"/>
+                <a:ea typeface="Kozuka Mincho Pr6N R" panose="02020400000000000000" pitchFamily="18" charset="-128"/>
+              </a:rPr>
+              <a:t>關鍵字</a:t>
+            </a:r>
+            <a:r>
+              <a:rPr lang="zh-TW" altLang="en-US" sz="8000" b="1" dirty="0">
+                <a:latin typeface="Kozuka Mincho Pr6N R" panose="02020400000000000000" pitchFamily="18" charset="-128"/>
+                <a:ea typeface="Kozuka Mincho Pr6N R" panose="02020400000000000000" pitchFamily="18" charset="-128"/>
+              </a:rPr>
+              <a:t>：</a:t>
+            </a:r>
+            <a:r>
+              <a:rPr lang="zh-TW" altLang="en-US" sz="7200" dirty="0">
+                <a:ea typeface="SimHei" panose="02010609060101010101" pitchFamily="49" charset="-122"/>
+              </a:rPr>
+              <a:t>臺灣閩南語、華語、翻譯、語料、斷詞、語言分類</a:t>
+            </a:r>
+            <a:br>
+              <a:rPr lang="zh-TW" altLang="en-US" sz="7200" dirty="0">
+                <a:ea typeface="SimHei" panose="02010609060101010101" pitchFamily="49" charset="-122"/>
+              </a:rPr>
+            </a:br>
+            <a:endParaRPr lang="zh-TW" altLang="en-US" sz="6600" dirty="0">
+              <a:latin typeface="Times New Roman" panose="02020603050405020304" pitchFamily="18" charset="0"/>
+              <a:ea typeface="SimHei" panose="02010609060101010101" pitchFamily="49" charset="-122"/>
+              <a:cs typeface="Times New Roman" panose="02020603050405020304" pitchFamily="18" charset="0"/>
+            </a:endParaRPr>
+          </a:p>
+        </p:txBody>
+      </p:sp>
+      <p:sp>
+        <p:nvSpPr>
+          <p:cNvPr id="22" name="文字方塊 21"/>
+          <p:cNvSpPr txBox="1"/>
+          <p:nvPr/>
+        </p:nvSpPr>
+        <p:spPr>
+          <a:xfrm>
+            <a:off x="2957349" y="5457653"/>
+            <a:ext cx="9677996" cy="2431435"/>
+          </a:xfrm>
+          <a:prstGeom prst="rect">
+            <a:avLst/>
+          </a:prstGeom>
+          <a:noFill/>
+        </p:spPr>
+        <p:txBody>
+          <a:bodyPr wrap="square" rtlCol="0">
+            <a:spAutoFit/>
+          </a:bodyPr>
+          <a:lstStyle/>
+          <a:p>
+            <a:r>
+              <a:rPr lang="zh-TW" altLang="en-US" sz="8000" b="1" dirty="0">
+                <a:latin typeface="Kozuka Mincho Pr6N R" panose="02020400000000000000" pitchFamily="18" charset="-128"/>
+                <a:ea typeface="Kozuka Mincho Pr6N R" panose="02020400000000000000" pitchFamily="18" charset="-128"/>
+              </a:rPr>
+              <a:t>學生：薛丞宏</a:t>
+            </a:r>
+            <a:endParaRPr lang="en-US" altLang="zh-TW" sz="8000" b="1" dirty="0">
+              <a:latin typeface="Kozuka Mincho Pr6N R" panose="02020400000000000000" pitchFamily="18" charset="-128"/>
+              <a:ea typeface="Kozuka Mincho Pr6N R" panose="02020400000000000000" pitchFamily="18" charset="-128"/>
+            </a:endParaRPr>
+          </a:p>
+          <a:p>
+            <a:r>
+              <a:rPr lang="zh-TW" altLang="en-US" sz="7200" dirty="0" smtClean="0">
+                <a:latin typeface="Times New Roman" panose="02020603050405020304" pitchFamily="18" charset="0"/>
+                <a:ea typeface="SimHei" panose="02010609060101010101" pitchFamily="49" charset="-122"/>
+                <a:cs typeface="Times New Roman" panose="02020603050405020304" pitchFamily="18" charset="0"/>
+              </a:rPr>
+              <a:t>　　　</a:t>
+            </a:r>
+            <a:r>
+              <a:rPr lang="zh-TW" altLang="en-US" sz="2400" dirty="0">
+                <a:latin typeface="Times New Roman" panose="02020603050405020304" pitchFamily="18" charset="0"/>
+                <a:ea typeface="SimHei" panose="02010609060101010101" pitchFamily="49" charset="-122"/>
+                <a:cs typeface="Times New Roman" panose="02020603050405020304" pitchFamily="18" charset="0"/>
+              </a:rPr>
+              <a:t>　</a:t>
+            </a:r>
+            <a:r>
+              <a:rPr lang="en-US" altLang="zh-TW" sz="7200" dirty="0" err="1" smtClean="0">
+                <a:latin typeface="Times New Roman" panose="02020603050405020304" pitchFamily="18" charset="0"/>
+                <a:ea typeface="SimHei" panose="02010609060101010101" pitchFamily="49" charset="-122"/>
+                <a:cs typeface="Times New Roman" panose="02020603050405020304" pitchFamily="18" charset="0"/>
+              </a:rPr>
+              <a:t>Sih</a:t>
+            </a:r>
+            <a:r>
+              <a:rPr lang="en-US" altLang="zh-TW" sz="7200" dirty="0" smtClean="0">
+                <a:latin typeface="Times New Roman" panose="02020603050405020304" pitchFamily="18" charset="0"/>
+                <a:ea typeface="SimHei" panose="02010609060101010101" pitchFamily="49" charset="-122"/>
+                <a:cs typeface="Times New Roman" panose="02020603050405020304" pitchFamily="18" charset="0"/>
+              </a:rPr>
+              <a:t>, Sing-</a:t>
+            </a:r>
+            <a:r>
+              <a:rPr lang="en-US" altLang="zh-TW" sz="7200" dirty="0" err="1" smtClean="0">
+                <a:latin typeface="Times New Roman" panose="02020603050405020304" pitchFamily="18" charset="0"/>
+                <a:ea typeface="SimHei" panose="02010609060101010101" pitchFamily="49" charset="-122"/>
+                <a:cs typeface="Times New Roman" panose="02020603050405020304" pitchFamily="18" charset="0"/>
+              </a:rPr>
+              <a:t>Hông</a:t>
+            </a:r>
+            <a:endParaRPr lang="en-US" altLang="zh-TW" sz="7200" dirty="0">
+              <a:latin typeface="Times New Roman" panose="02020603050405020304" pitchFamily="18" charset="0"/>
+              <a:ea typeface="SimHei" panose="02010609060101010101" pitchFamily="49" charset="-122"/>
+              <a:cs typeface="Times New Roman" panose="02020603050405020304" pitchFamily="18" charset="0"/>
+            </a:endParaRPr>
+          </a:p>
+        </p:txBody>
+      </p:sp>
+      <p:sp>
+        <p:nvSpPr>
+          <p:cNvPr id="23" name="文字方塊 22"/>
+          <p:cNvSpPr txBox="1"/>
+          <p:nvPr/>
+        </p:nvSpPr>
+        <p:spPr>
+          <a:xfrm>
+            <a:off x="18435627" y="5457653"/>
+            <a:ext cx="8610049" cy="2554545"/>
+          </a:xfrm>
+          <a:prstGeom prst="rect">
+            <a:avLst/>
+          </a:prstGeom>
+          <a:noFill/>
+        </p:spPr>
+        <p:txBody>
+          <a:bodyPr wrap="none" rtlCol="0">
+            <a:spAutoFit/>
+          </a:bodyPr>
+          <a:lstStyle/>
+          <a:p>
+            <a:pPr algn="r"/>
+            <a:r>
+              <a:rPr lang="zh-TW" altLang="en-US" sz="8000" b="1" dirty="0">
+                <a:latin typeface="Kozuka Mincho Pr6N R" panose="02020400000000000000" pitchFamily="18" charset="-128"/>
+                <a:ea typeface="Kozuka Mincho Pr6N R" panose="02020400000000000000" pitchFamily="18" charset="-128"/>
+              </a:rPr>
+              <a:t>指導教授</a:t>
+            </a:r>
+            <a:r>
+              <a:rPr lang="zh-TW" altLang="en-US" sz="8000" b="1" dirty="0">
+                <a:latin typeface="Kozuka Mincho Pr6N R" panose="02020400000000000000" pitchFamily="18" charset="-128"/>
+                <a:ea typeface="Kozuka Mincho Pr6N R" panose="02020400000000000000" pitchFamily="18" charset="-128"/>
+              </a:rPr>
+              <a:t>：張智星</a:t>
+            </a:r>
+            <a:endParaRPr lang="en-US" altLang="zh-TW" sz="8000" b="1" dirty="0">
+              <a:latin typeface="Kozuka Mincho Pr6N R" panose="02020400000000000000" pitchFamily="18" charset="-128"/>
+              <a:ea typeface="Kozuka Mincho Pr6N R" panose="02020400000000000000" pitchFamily="18" charset="-128"/>
+            </a:endParaRPr>
+          </a:p>
+          <a:p>
+            <a:pPr algn="r"/>
+            <a:r>
+              <a:rPr lang="zh-TW" altLang="en-US" sz="8000" b="1" dirty="0">
+                <a:latin typeface="Kozuka Mincho Pr6N R" panose="02020400000000000000" pitchFamily="18" charset="-128"/>
+                <a:ea typeface="Kozuka Mincho Pr6N R" panose="02020400000000000000" pitchFamily="18" charset="-128"/>
+              </a:rPr>
+              <a:t>　　　　　易志偉</a:t>
+            </a:r>
+            <a:endParaRPr lang="en-US" altLang="zh-TW" sz="8000" b="1" dirty="0">
+              <a:latin typeface="Kozuka Mincho Pr6N R" panose="02020400000000000000" pitchFamily="18" charset="-128"/>
+              <a:ea typeface="Kozuka Mincho Pr6N R" panose="02020400000000000000" pitchFamily="18" charset="-128"/>
+            </a:endParaRPr>
+          </a:p>
+        </p:txBody>
+      </p:sp>
+      <p:graphicFrame>
+        <p:nvGraphicFramePr>
+          <p:cNvPr id="7" name="表格 6"/>
+          <p:cNvGraphicFramePr>
+            <a:graphicFrameLocks noGrp="1"/>
+          </p:cNvGraphicFramePr>
+          <p:nvPr>
+            <p:extLst>
+              <p:ext uri="{D42A27DB-BD31-4B8C-83A1-F6EECF244321}">
+                <p14:modId xmlns:p14="http://schemas.microsoft.com/office/powerpoint/2010/main" val="3970324819"/>
+              </p:ext>
+            </p:extLst>
+          </p:nvPr>
+        </p:nvGraphicFramePr>
+        <p:xfrm>
+          <a:off x="2042947" y="36342003"/>
+          <a:ext cx="26150843" cy="5292852"/>
+        </p:xfrm>
+        <a:graphic>
+          <a:graphicData uri="http://schemas.openxmlformats.org/drawingml/2006/table">
+            <a:tbl>
+              <a:tblPr firstCol="1" bandRow="1">
+                <a:tableStyleId>{5DA37D80-6434-44D0-A028-1B22A696006F}</a:tableStyleId>
+              </a:tblPr>
+              <a:tblGrid>
+                <a:gridCol w="5473341"/>
+                <a:gridCol w="20677502"/>
+              </a:tblGrid>
+              <a:tr h="370840">
+                <a:tc>
+                  <a:txBody>
+                    <a:bodyPr/>
+                    <a:lstStyle/>
+                    <a:p>
+                      <a:pPr algn="ctr"/>
+                      <a:r>
+                        <a:rPr lang="zh-TW" altLang="en-US" sz="8000" b="1" kern="1200" dirty="0" smtClean="0">
+                          <a:solidFill>
+                            <a:schemeClr val="tx1"/>
+                          </a:solidFill>
+                          <a:latin typeface="Kozuka Mincho Pr6N R" panose="02020400000000000000" pitchFamily="18" charset="-128"/>
+                          <a:ea typeface="Kozuka Mincho Pr6N R" panose="02020400000000000000" pitchFamily="18" charset="-128"/>
+                          <a:cs typeface="+mn-cs"/>
+                        </a:rPr>
+                        <a:t>華語輸入</a:t>
+                      </a:r>
+                      <a:endParaRPr lang="zh-TW" altLang="en-US" sz="8000" b="1" kern="1200" dirty="0">
+                        <a:solidFill>
+                          <a:schemeClr val="tx1"/>
+                        </a:solidFill>
+                        <a:latin typeface="Kozuka Mincho Pr6N R" panose="02020400000000000000" pitchFamily="18" charset="-128"/>
+                        <a:ea typeface="Kozuka Mincho Pr6N R" panose="02020400000000000000" pitchFamily="18" charset="-128"/>
+                        <a:cs typeface="+mn-cs"/>
+                      </a:endParaRPr>
+                    </a:p>
+                  </a:txBody>
+                  <a:tcPr anchor="ctr"/>
+                </a:tc>
+                <a:tc>
+                  <a:txBody>
+                    <a:bodyPr/>
+                    <a:lstStyle/>
+                    <a:p>
+                      <a:pPr marL="0" indent="0" algn="l" defTabSz="2270638" rtl="0" eaLnBrk="1" latinLnBrk="0" hangingPunct="1">
+                        <a:lnSpc>
+                          <a:spcPct val="120000"/>
+                        </a:lnSpc>
+                        <a:spcBef>
+                          <a:spcPts val="2483"/>
+                        </a:spcBef>
+                        <a:spcAft>
+                          <a:spcPts val="600"/>
+                        </a:spcAft>
+                        <a:buFont typeface="Arial" panose="020B0604020202020204" pitchFamily="34" charset="0"/>
+                        <a:buNone/>
+                      </a:pPr>
+                      <a:r>
+                        <a:rPr lang="zh-TW" altLang="en-US" sz="7200" kern="1200" dirty="0" smtClean="0">
+                          <a:solidFill>
+                            <a:schemeClr val="tx1"/>
+                          </a:solidFill>
+                          <a:latin typeface="Kozuka Gothic Pro L" panose="020B0200000000000000" pitchFamily="34" charset="-128"/>
+                          <a:ea typeface="Kozuka Gothic Pro L" panose="020B0200000000000000" pitchFamily="34" charset="-128"/>
+                          <a:cs typeface="+mn-cs"/>
+                        </a:rPr>
+                        <a:t>如果傳統的重要族群活動，看不到文化，體會不到精神，</a:t>
+                      </a:r>
+                      <a:endParaRPr lang="zh-TW" altLang="en-US" sz="7200" kern="1200" dirty="0">
+                        <a:solidFill>
+                          <a:schemeClr val="tx1"/>
+                        </a:solidFill>
+                        <a:latin typeface="Kozuka Gothic Pro L" panose="020B0200000000000000" pitchFamily="34" charset="-128"/>
+                        <a:ea typeface="Kozuka Gothic Pro L" panose="020B0200000000000000" pitchFamily="34" charset="-128"/>
+                        <a:cs typeface="+mn-cs"/>
+                      </a:endParaRPr>
+                    </a:p>
+                  </a:txBody>
+                  <a:tcPr/>
+                </a:tc>
+              </a:tr>
+              <a:tr h="370840">
+                <a:tc>
+                  <a:txBody>
+                    <a:bodyPr/>
+                    <a:lstStyle/>
+                    <a:p>
+                      <a:pPr algn="ctr"/>
+                      <a:r>
+                        <a:rPr lang="zh-TW" altLang="en-US" sz="8000" b="1" kern="1200" dirty="0" smtClean="0">
+                          <a:solidFill>
+                            <a:schemeClr val="tx1"/>
+                          </a:solidFill>
+                          <a:latin typeface="Kozuka Mincho Pr6N R" panose="02020400000000000000" pitchFamily="18" charset="-128"/>
+                          <a:ea typeface="Kozuka Mincho Pr6N R" panose="02020400000000000000" pitchFamily="18" charset="-128"/>
+                          <a:cs typeface="+mn-cs"/>
+                        </a:rPr>
+                        <a:t>閩南語</a:t>
+                      </a:r>
+                      <a:endParaRPr lang="en-US" altLang="zh-TW" sz="8000" b="1" kern="1200" dirty="0" smtClean="0">
+                        <a:solidFill>
+                          <a:schemeClr val="tx1"/>
+                        </a:solidFill>
+                        <a:latin typeface="Kozuka Mincho Pr6N R" panose="02020400000000000000" pitchFamily="18" charset="-128"/>
+                        <a:ea typeface="Kozuka Mincho Pr6N R" panose="02020400000000000000" pitchFamily="18" charset="-128"/>
+                        <a:cs typeface="+mn-cs"/>
+                      </a:endParaRPr>
+                    </a:p>
+                    <a:p>
+                      <a:pPr algn="ctr"/>
+                      <a:r>
+                        <a:rPr lang="zh-TW" altLang="en-US" sz="8000" b="1" kern="1200" dirty="0" smtClean="0">
+                          <a:solidFill>
+                            <a:schemeClr val="tx1"/>
+                          </a:solidFill>
+                          <a:latin typeface="Kozuka Mincho Pr6N R" panose="02020400000000000000" pitchFamily="18" charset="-128"/>
+                          <a:ea typeface="Kozuka Mincho Pr6N R" panose="02020400000000000000" pitchFamily="18" charset="-128"/>
+                          <a:cs typeface="+mn-cs"/>
+                        </a:rPr>
+                        <a:t>輸出</a:t>
+                      </a:r>
+                      <a:endParaRPr lang="zh-TW" altLang="en-US" sz="8000" b="1" kern="1200" dirty="0">
+                        <a:solidFill>
+                          <a:schemeClr val="tx1"/>
+                        </a:solidFill>
+                        <a:latin typeface="Kozuka Mincho Pr6N R" panose="02020400000000000000" pitchFamily="18" charset="-128"/>
+                        <a:ea typeface="Kozuka Mincho Pr6N R" panose="02020400000000000000" pitchFamily="18" charset="-128"/>
+                        <a:cs typeface="+mn-cs"/>
+                      </a:endParaRPr>
+                    </a:p>
+                  </a:txBody>
+                  <a:tcPr anchor="ctr"/>
+                </a:tc>
+                <a:tc>
+                  <a:txBody>
+                    <a:bodyPr/>
+                    <a:lstStyle/>
+                    <a:p>
+                      <a:pPr marL="0" indent="0" algn="l" defTabSz="2270638" rtl="0" eaLnBrk="1" latinLnBrk="0" hangingPunct="1">
+                        <a:lnSpc>
+                          <a:spcPct val="120000"/>
+                        </a:lnSpc>
+                        <a:spcBef>
+                          <a:spcPts val="2483"/>
+                        </a:spcBef>
+                        <a:spcAft>
+                          <a:spcPts val="600"/>
+                        </a:spcAft>
+                        <a:buFont typeface="Arial" panose="020B0604020202020204" pitchFamily="34" charset="0"/>
+                        <a:buNone/>
+                      </a:pPr>
+                      <a:r>
+                        <a:rPr lang="zh-TW" altLang="en-US" sz="7200" kern="1200" dirty="0" smtClean="0">
+                          <a:solidFill>
+                            <a:schemeClr val="tx1"/>
+                          </a:solidFill>
+                          <a:latin typeface="Kozuka Gothic Pro L" panose="020B0200000000000000" pitchFamily="34" charset="-128"/>
+                          <a:ea typeface="Kozuka Gothic Pro L" panose="020B0200000000000000" pitchFamily="34" charset="-128"/>
+                          <a:cs typeface="+mn-cs"/>
+                        </a:rPr>
+                        <a:t>若是傳統的重要的族群活動，看袂著文化，體會毋著精神，</a:t>
+                      </a:r>
+                      <a:endParaRPr lang="zh-TW" altLang="en-US" sz="7200" kern="1200" dirty="0">
+                        <a:solidFill>
+                          <a:schemeClr val="tx1"/>
+                        </a:solidFill>
+                        <a:latin typeface="Kozuka Gothic Pro L" panose="020B0200000000000000" pitchFamily="34" charset="-128"/>
+                        <a:ea typeface="Kozuka Gothic Pro L" panose="020B0200000000000000" pitchFamily="34" charset="-128"/>
+                        <a:cs typeface="+mn-cs"/>
+                      </a:endParaRPr>
+                    </a:p>
+                  </a:txBody>
+                  <a:tcPr/>
+                </a:tc>
+              </a:tr>
+            </a:tbl>
+          </a:graphicData>
+        </a:graphic>
+      </p:graphicFrame>
+      <p:graphicFrame>
+        <p:nvGraphicFramePr>
+          <p:cNvPr id="5" name="表格 4"/>
+          <p:cNvGraphicFramePr>
+            <a:graphicFrameLocks noGrp="1"/>
+          </p:cNvGraphicFramePr>
+          <p:nvPr>
+            <p:extLst>
+              <p:ext uri="{D42A27DB-BD31-4B8C-83A1-F6EECF244321}">
+                <p14:modId xmlns:p14="http://schemas.microsoft.com/office/powerpoint/2010/main" val="177163946"/>
+              </p:ext>
+            </p:extLst>
+          </p:nvPr>
+        </p:nvGraphicFramePr>
+        <p:xfrm>
+          <a:off x="2042947" y="29798612"/>
+          <a:ext cx="26112372" cy="5292852"/>
+        </p:xfrm>
+        <a:graphic>
+          <a:graphicData uri="http://schemas.openxmlformats.org/drawingml/2006/table">
+            <a:tbl>
+              <a:tblPr firstCol="1" bandRow="1">
+                <a:tableStyleId>{0E3FDE45-AF77-4B5C-9715-49D594BDF05E}</a:tableStyleId>
+              </a:tblPr>
+              <a:tblGrid>
+                <a:gridCol w="5471654"/>
+                <a:gridCol w="20640718"/>
+              </a:tblGrid>
+              <a:tr h="1631942">
+                <a:tc>
+                  <a:txBody>
+                    <a:bodyPr/>
+                    <a:lstStyle/>
+                    <a:p>
+                      <a:pPr algn="ctr"/>
+                      <a:r>
+                        <a:rPr lang="zh-TW" altLang="en-US" sz="8000" b="1" kern="1200" dirty="0" smtClean="0">
+                          <a:solidFill>
+                            <a:schemeClr val="tx1"/>
+                          </a:solidFill>
+                          <a:latin typeface="Kozuka Mincho Pr6N R" panose="02020400000000000000" pitchFamily="18" charset="-128"/>
+                          <a:ea typeface="Kozuka Mincho Pr6N R" panose="02020400000000000000" pitchFamily="18" charset="-128"/>
+                          <a:cs typeface="+mn-cs"/>
+                        </a:rPr>
+                        <a:t>華語輸入</a:t>
+                      </a:r>
+                      <a:endParaRPr lang="zh-TW" altLang="en-US" sz="8000" b="1" kern="1200" dirty="0">
+                        <a:solidFill>
+                          <a:schemeClr val="tx1"/>
+                        </a:solidFill>
+                        <a:latin typeface="Kozuka Mincho Pr6N R" panose="02020400000000000000" pitchFamily="18" charset="-128"/>
+                        <a:ea typeface="Kozuka Mincho Pr6N R" panose="02020400000000000000" pitchFamily="18" charset="-128"/>
+                        <a:cs typeface="+mn-cs"/>
+                      </a:endParaRPr>
+                    </a:p>
+                  </a:txBody>
+                  <a:tcPr anchor="ctr"/>
+                </a:tc>
+                <a:tc>
+                  <a:txBody>
+                    <a:bodyPr/>
+                    <a:lstStyle/>
+                    <a:p>
+                      <a:pPr marL="0" indent="0" algn="l" defTabSz="2270638" rtl="0" eaLnBrk="1" latinLnBrk="0" hangingPunct="1">
+                        <a:lnSpc>
+                          <a:spcPct val="120000"/>
+                        </a:lnSpc>
+                        <a:spcBef>
+                          <a:spcPts val="2483"/>
+                        </a:spcBef>
+                        <a:spcAft>
+                          <a:spcPts val="600"/>
+                        </a:spcAft>
+                        <a:buFont typeface="Arial" panose="020B0604020202020204" pitchFamily="34" charset="0"/>
+                        <a:buNone/>
+                      </a:pPr>
+                      <a:r>
+                        <a:rPr lang="zh-TW" altLang="en-US" sz="7200" kern="1200" dirty="0" smtClean="0">
+                          <a:solidFill>
+                            <a:schemeClr val="tx1"/>
+                          </a:solidFill>
+                          <a:latin typeface="Kozuka Gothic Pro L" panose="020B0200000000000000" pitchFamily="34" charset="-128"/>
+                          <a:ea typeface="Kozuka Gothic Pro L" panose="020B0200000000000000" pitchFamily="34" charset="-128"/>
+                          <a:cs typeface="+mn-cs"/>
+                        </a:rPr>
+                        <a:t>食安問題連環爆，立法院長王金平下午主持</a:t>
+                      </a:r>
+                      <a:r>
+                        <a:rPr lang="en-US" altLang="zh-TW" sz="7200" kern="1200" dirty="0" smtClean="0">
+                          <a:solidFill>
+                            <a:schemeClr val="tx1"/>
+                          </a:solidFill>
+                          <a:latin typeface="Kozuka Gothic Pro L" panose="020B0200000000000000" pitchFamily="34" charset="-128"/>
+                          <a:ea typeface="Kozuka Gothic Pro L" panose="020B0200000000000000" pitchFamily="34" charset="-128"/>
+                          <a:cs typeface="+mn-cs"/>
+                        </a:rPr>
+                        <a:t>《</a:t>
+                      </a:r>
+                      <a:r>
+                        <a:rPr lang="zh-TW" altLang="en-US" sz="7200" kern="1200" dirty="0" smtClean="0">
+                          <a:solidFill>
+                            <a:schemeClr val="tx1"/>
+                          </a:solidFill>
+                          <a:latin typeface="Kozuka Gothic Pro L" panose="020B0200000000000000" pitchFamily="34" charset="-128"/>
+                          <a:ea typeface="Kozuka Gothic Pro L" panose="020B0200000000000000" pitchFamily="34" charset="-128"/>
+                          <a:cs typeface="+mn-cs"/>
+                        </a:rPr>
+                        <a:t>食品安全衛生管理法</a:t>
+                      </a:r>
+                      <a:r>
+                        <a:rPr lang="en-US" altLang="zh-TW" sz="7200" kern="1200" dirty="0" smtClean="0">
+                          <a:solidFill>
+                            <a:schemeClr val="tx1"/>
+                          </a:solidFill>
+                          <a:latin typeface="Kozuka Gothic Pro L" panose="020B0200000000000000" pitchFamily="34" charset="-128"/>
+                          <a:ea typeface="Kozuka Gothic Pro L" panose="020B0200000000000000" pitchFamily="34" charset="-128"/>
+                          <a:cs typeface="+mn-cs"/>
+                        </a:rPr>
+                        <a:t>》</a:t>
+                      </a:r>
+                      <a:r>
+                        <a:rPr lang="zh-TW" altLang="en-US" sz="7200" kern="1200" dirty="0" smtClean="0">
+                          <a:solidFill>
+                            <a:schemeClr val="tx1"/>
+                          </a:solidFill>
+                          <a:latin typeface="Kozuka Gothic Pro L" panose="020B0200000000000000" pitchFamily="34" charset="-128"/>
+                          <a:ea typeface="Kozuka Gothic Pro L" panose="020B0200000000000000" pitchFamily="34" charset="-128"/>
+                          <a:cs typeface="+mn-cs"/>
+                        </a:rPr>
+                        <a:t>協商仍未獲共識</a:t>
+                      </a:r>
+                      <a:endParaRPr lang="zh-TW" altLang="en-US" sz="7200" kern="1200" dirty="0">
+                        <a:solidFill>
+                          <a:schemeClr val="tx1"/>
+                        </a:solidFill>
+                        <a:latin typeface="Kozuka Gothic Pro L" panose="020B0200000000000000" pitchFamily="34" charset="-128"/>
+                        <a:ea typeface="Kozuka Gothic Pro L" panose="020B0200000000000000" pitchFamily="34" charset="-128"/>
+                        <a:cs typeface="+mn-cs"/>
+                      </a:endParaRPr>
+                    </a:p>
+                  </a:txBody>
+                  <a:tcPr/>
+                </a:tc>
+              </a:tr>
+              <a:tr h="1111258">
+                <a:tc>
+                  <a:txBody>
+                    <a:bodyPr/>
+                    <a:lstStyle/>
+                    <a:p>
+                      <a:pPr algn="ctr"/>
+                      <a:r>
+                        <a:rPr lang="zh-TW" altLang="en-US" sz="8000" b="1" kern="1200" dirty="0" smtClean="0">
+                          <a:solidFill>
+                            <a:schemeClr val="tx1"/>
+                          </a:solidFill>
+                          <a:latin typeface="Kozuka Mincho Pr6N R" panose="02020400000000000000" pitchFamily="18" charset="-128"/>
+                          <a:ea typeface="Kozuka Mincho Pr6N R" panose="02020400000000000000" pitchFamily="18" charset="-128"/>
+                          <a:cs typeface="+mn-cs"/>
+                        </a:rPr>
+                        <a:t>閩南語</a:t>
+                      </a:r>
+                      <a:endParaRPr lang="en-US" altLang="zh-TW" sz="8000" b="1" kern="1200" dirty="0" smtClean="0">
+                        <a:solidFill>
+                          <a:schemeClr val="tx1"/>
+                        </a:solidFill>
+                        <a:latin typeface="Kozuka Mincho Pr6N R" panose="02020400000000000000" pitchFamily="18" charset="-128"/>
+                        <a:ea typeface="Kozuka Mincho Pr6N R" panose="02020400000000000000" pitchFamily="18" charset="-128"/>
+                        <a:cs typeface="+mn-cs"/>
+                      </a:endParaRPr>
+                    </a:p>
+                    <a:p>
+                      <a:pPr algn="ctr"/>
+                      <a:r>
+                        <a:rPr lang="zh-TW" altLang="en-US" sz="8000" b="1" kern="1200" dirty="0" smtClean="0">
+                          <a:solidFill>
+                            <a:schemeClr val="tx1"/>
+                          </a:solidFill>
+                          <a:latin typeface="Kozuka Mincho Pr6N R" panose="02020400000000000000" pitchFamily="18" charset="-128"/>
+                          <a:ea typeface="Kozuka Mincho Pr6N R" panose="02020400000000000000" pitchFamily="18" charset="-128"/>
+                          <a:cs typeface="+mn-cs"/>
+                        </a:rPr>
+                        <a:t>輸出</a:t>
+                      </a:r>
+                      <a:endParaRPr lang="zh-TW" altLang="en-US" sz="8000" b="1" kern="1200" dirty="0">
+                        <a:solidFill>
+                          <a:schemeClr val="tx1"/>
+                        </a:solidFill>
+                        <a:latin typeface="Kozuka Mincho Pr6N R" panose="02020400000000000000" pitchFamily="18" charset="-128"/>
+                        <a:ea typeface="Kozuka Mincho Pr6N R" panose="02020400000000000000" pitchFamily="18" charset="-128"/>
+                        <a:cs typeface="+mn-cs"/>
+                      </a:endParaRPr>
+                    </a:p>
+                  </a:txBody>
+                  <a:tcPr anchor="ctr"/>
+                </a:tc>
+                <a:tc>
+                  <a:txBody>
+                    <a:bodyPr/>
+                    <a:lstStyle/>
+                    <a:p>
+                      <a:pPr marL="0" indent="0" algn="l" defTabSz="2270638" rtl="0" eaLnBrk="1" latinLnBrk="0" hangingPunct="1">
+                        <a:lnSpc>
+                          <a:spcPct val="120000"/>
+                        </a:lnSpc>
+                        <a:spcBef>
+                          <a:spcPts val="2483"/>
+                        </a:spcBef>
+                        <a:spcAft>
+                          <a:spcPts val="600"/>
+                        </a:spcAft>
+                        <a:buFont typeface="Arial" panose="020B0604020202020204" pitchFamily="34" charset="0"/>
+                        <a:buNone/>
+                      </a:pPr>
+                      <a:r>
+                        <a:rPr lang="zh-TW" altLang="en-US" sz="7200" kern="1200" dirty="0" smtClean="0">
+                          <a:solidFill>
+                            <a:schemeClr val="tx1"/>
+                          </a:solidFill>
+                          <a:latin typeface="Kozuka Gothic Pro L" panose="020B0200000000000000" pitchFamily="34" charset="-128"/>
+                          <a:ea typeface="Kozuka Gothic Pro L" panose="020B0200000000000000" pitchFamily="34" charset="-128"/>
+                          <a:cs typeface="+mn-cs"/>
+                        </a:rPr>
+                        <a:t>食安問題連環爆，立法院長王金平下晡主持</a:t>
+                      </a:r>
+                      <a:r>
+                        <a:rPr lang="en-US" altLang="zh-TW" sz="7200" kern="1200" dirty="0" smtClean="0">
+                          <a:solidFill>
+                            <a:schemeClr val="tx1"/>
+                          </a:solidFill>
+                          <a:latin typeface="Kozuka Gothic Pro L" panose="020B0200000000000000" pitchFamily="34" charset="-128"/>
+                          <a:ea typeface="Kozuka Gothic Pro L" panose="020B0200000000000000" pitchFamily="34" charset="-128"/>
+                          <a:cs typeface="+mn-cs"/>
+                        </a:rPr>
+                        <a:t>《</a:t>
+                      </a:r>
+                      <a:r>
+                        <a:rPr lang="zh-TW" altLang="en-US" sz="7200" kern="1200" dirty="0" smtClean="0">
+                          <a:solidFill>
+                            <a:schemeClr val="tx1"/>
+                          </a:solidFill>
+                          <a:latin typeface="Kozuka Gothic Pro L" panose="020B0200000000000000" pitchFamily="34" charset="-128"/>
+                          <a:ea typeface="Kozuka Gothic Pro L" panose="020B0200000000000000" pitchFamily="34" charset="-128"/>
+                          <a:cs typeface="+mn-cs"/>
+                        </a:rPr>
+                        <a:t>食品安全衛生管理法</a:t>
+                      </a:r>
+                      <a:r>
+                        <a:rPr lang="en-US" altLang="zh-TW" sz="7200" kern="1200" dirty="0" smtClean="0">
+                          <a:solidFill>
+                            <a:schemeClr val="tx1"/>
+                          </a:solidFill>
+                          <a:latin typeface="Kozuka Gothic Pro L" panose="020B0200000000000000" pitchFamily="34" charset="-128"/>
+                          <a:ea typeface="Kozuka Gothic Pro L" panose="020B0200000000000000" pitchFamily="34" charset="-128"/>
+                          <a:cs typeface="+mn-cs"/>
+                        </a:rPr>
+                        <a:t>》</a:t>
+                      </a:r>
+                      <a:r>
+                        <a:rPr lang="zh-TW" altLang="en-US" sz="7200" kern="1200" dirty="0" smtClean="0">
+                          <a:solidFill>
+                            <a:schemeClr val="tx1"/>
+                          </a:solidFill>
+                          <a:latin typeface="Kozuka Gothic Pro L" panose="020B0200000000000000" pitchFamily="34" charset="-128"/>
+                          <a:ea typeface="Kozuka Gothic Pro L" panose="020B0200000000000000" pitchFamily="34" charset="-128"/>
+                          <a:cs typeface="+mn-cs"/>
+                        </a:rPr>
+                        <a:t>協商猶未獲共識</a:t>
+                      </a:r>
+                      <a:endParaRPr lang="zh-TW" altLang="en-US" sz="7200" kern="1200" dirty="0">
+                        <a:solidFill>
+                          <a:schemeClr val="tx1"/>
+                        </a:solidFill>
+                        <a:latin typeface="Kozuka Gothic Pro L" panose="020B0200000000000000" pitchFamily="34" charset="-128"/>
+                        <a:ea typeface="Kozuka Gothic Pro L" panose="020B0200000000000000" pitchFamily="34" charset="-128"/>
+                        <a:cs typeface="+mn-cs"/>
+                      </a:endParaRPr>
+                    </a:p>
+                  </a:txBody>
+                  <a:tcPr/>
+                </a:tc>
+              </a:tr>
+            </a:tbl>
+          </a:graphicData>
+        </a:graphic>
+      </p:graphicFrame>
+    </p:spTree>
+    <p:extLst>
+      <p:ext uri="{BB962C8B-B14F-4D97-AF65-F5344CB8AC3E}">
+        <p14:creationId xmlns:p14="http://schemas.microsoft.com/office/powerpoint/2010/main" val="1557718966"/>
+      </p:ext>
+    </p:extLst>
+  </p:cSld>
+  <p:clrMapOvr>
+    <a:masterClrMapping/>
+  </p:clrMapOvr>
+  <p:timing>
+    <p:tnLst>
+      <p:par>
+        <p:cTn id="1" dur="indefinite" restart="never" nodeType="tmRoot"/>
+      </p:par>
+    </p:tnLst>
+  </p:timing>
+</p:sld>
+</file>
+
+<file path=ppt/slides/slide8.xml><?xml version="1.0" encoding="utf-8"?>
+<p:sld xmlns:a="http://schemas.openxmlformats.org/drawingml/2006/main" xmlns:r="http://schemas.openxmlformats.org/officeDocument/2006/relationships" xmlns:p="http://schemas.openxmlformats.org/presentationml/2006/main">
+  <p:cSld>
+    <p:spTree>
+      <p:nvGrpSpPr>
+        <p:cNvPr id="1" name=""/>
+        <p:cNvGrpSpPr/>
+        <p:nvPr/>
+      </p:nvGrpSpPr>
+      <p:grpSpPr>
+        <a:xfrm>
+          <a:off x="0" y="0"/>
+          <a:ext cx="0" cy="0"/>
+          <a:chOff x="0" y="0"/>
+          <a:chExt cx="0" cy="0"/>
+        </a:xfrm>
+      </p:grpSpPr>
+      <p:sp>
+        <p:nvSpPr>
+          <p:cNvPr id="4" name="內容版面配置區 3"/>
+          <p:cNvSpPr>
+            <a:spLocks noGrp="1"/>
+          </p:cNvSpPr>
+          <p:nvPr>
+            <p:ph idx="1"/>
+          </p:nvPr>
+        </p:nvSpPr>
+        <p:spPr>
+          <a:xfrm>
+            <a:off x="2042947" y="8533488"/>
+            <a:ext cx="26112371" cy="20655110"/>
+          </a:xfrm>
+        </p:spPr>
+        <p:txBody>
+          <a:bodyPr>
+            <a:noAutofit/>
+          </a:bodyPr>
+          <a:lstStyle/>
+          <a:p>
+            <a:pPr marL="0" indent="0" algn="ctr">
+              <a:lnSpc>
+                <a:spcPct val="120000"/>
+              </a:lnSpc>
+              <a:buNone/>
+            </a:pPr>
+            <a:r>
+              <a:rPr lang="zh-TW" altLang="en-US" sz="8000" b="1" dirty="0" smtClean="0">
+                <a:latin typeface="Kozuka Mincho Pr6N R" panose="02020400000000000000" pitchFamily="18" charset="-128"/>
+                <a:ea typeface="Kozuka Mincho Pr6N R" panose="02020400000000000000" pitchFamily="18" charset="-128"/>
+              </a:rPr>
+              <a:t>踏話頭</a:t>
+            </a:r>
+            <a:endParaRPr lang="en-US" altLang="zh-TW" sz="8000" b="1" dirty="0" smtClean="0">
+              <a:latin typeface="Kozuka Mincho Pr6N R" panose="02020400000000000000" pitchFamily="18" charset="-128"/>
+              <a:ea typeface="Kozuka Mincho Pr6N R" panose="02020400000000000000" pitchFamily="18" charset="-128"/>
+            </a:endParaRPr>
+          </a:p>
+          <a:p>
+            <a:pPr marL="0" indent="0">
+              <a:lnSpc>
+                <a:spcPct val="120000"/>
+              </a:lnSpc>
+              <a:buNone/>
+            </a:pPr>
+            <a:r>
+              <a:rPr lang="zh-TW" altLang="en-US" sz="7200" dirty="0" smtClean="0">
+                <a:ea typeface="SimHei" panose="02010609060101010101" pitchFamily="49" charset="-122"/>
+              </a:rPr>
+              <a:t>　　</a:t>
+            </a:r>
+            <a:r>
+              <a:rPr lang="zh-TW" altLang="en-US" sz="7200" dirty="0" smtClean="0">
+                <a:latin typeface="Kozuka Gothic Pro L" panose="020B0200000000000000" pitchFamily="34" charset="-128"/>
+                <a:ea typeface="Kozuka Gothic Pro L" panose="020B0200000000000000" pitchFamily="34" charset="-128"/>
+              </a:rPr>
+              <a:t>臺灣</a:t>
+            </a:r>
+            <a:r>
+              <a:rPr lang="zh-TW" altLang="en-US" sz="7200" dirty="0">
+                <a:latin typeface="Kozuka Gothic Pro L" panose="020B0200000000000000" pitchFamily="34" charset="-128"/>
+                <a:ea typeface="Kozuka Gothic Pro L" panose="020B0200000000000000" pitchFamily="34" charset="-128"/>
+              </a:rPr>
+              <a:t>是一个多元民族、多元語言的國家</a:t>
+            </a:r>
+            <a:r>
+              <a:rPr lang="zh-TW" altLang="en-US" sz="7200" dirty="0" smtClean="0">
+                <a:latin typeface="Kozuka Gothic Pro L" panose="020B0200000000000000" pitchFamily="34" charset="-128"/>
+                <a:ea typeface="Kozuka Gothic Pro L" panose="020B0200000000000000" pitchFamily="34" charset="-128"/>
+              </a:rPr>
+              <a:t>。講</a:t>
+            </a:r>
+            <a:r>
+              <a:rPr lang="zh-TW" altLang="en-US" sz="7200" dirty="0">
+                <a:latin typeface="Kozuka Gothic Pro L" panose="020B0200000000000000" pitchFamily="34" charset="-128"/>
+                <a:ea typeface="Kozuka Gothic Pro L" panose="020B0200000000000000" pitchFamily="34" charset="-128"/>
+              </a:rPr>
+              <a:t>母語、使用母語是上基本的權利</a:t>
+            </a:r>
+            <a:r>
+              <a:rPr lang="zh-TW" altLang="en-US" sz="7200" dirty="0" smtClean="0">
+                <a:latin typeface="Kozuka Gothic Pro L" panose="020B0200000000000000" pitchFamily="34" charset="-128"/>
+                <a:ea typeface="Kozuka Gothic Pro L" panose="020B0200000000000000" pitchFamily="34" charset="-128"/>
+              </a:rPr>
+              <a:t>，毋</a:t>
+            </a:r>
+            <a:r>
+              <a:rPr lang="zh-TW" altLang="en-US" sz="7200" dirty="0">
+                <a:latin typeface="Kozuka Gothic Pro L" panose="020B0200000000000000" pitchFamily="34" charset="-128"/>
+                <a:ea typeface="Kozuka Gothic Pro L" panose="020B0200000000000000" pitchFamily="34" charset="-128"/>
+              </a:rPr>
+              <a:t>過母語的電腦相關應用煞誠</a:t>
+            </a:r>
+            <a:r>
+              <a:rPr lang="zh-TW" altLang="en-US" sz="7200" dirty="0" smtClean="0">
+                <a:latin typeface="Kozuka Gothic Pro L" panose="020B0200000000000000" pitchFamily="34" charset="-128"/>
+                <a:ea typeface="Kozuka Gothic Pro L" panose="020B0200000000000000" pitchFamily="34" charset="-128"/>
+              </a:rPr>
+              <a:t>少，需要</a:t>
+            </a:r>
+            <a:r>
+              <a:rPr lang="zh-TW" altLang="en-US" sz="7200" dirty="0">
+                <a:latin typeface="Kozuka Gothic Pro L" panose="020B0200000000000000" pitchFamily="34" charset="-128"/>
+                <a:ea typeface="Kozuka Gothic Pro L" panose="020B0200000000000000" pitchFamily="34" charset="-128"/>
+              </a:rPr>
+              <a:t>加強自然語言處理的研究佮語料收集整理</a:t>
+            </a:r>
+            <a:r>
+              <a:rPr lang="zh-TW" altLang="en-US" sz="7200" dirty="0" smtClean="0">
+                <a:latin typeface="Kozuka Gothic Pro L" panose="020B0200000000000000" pitchFamily="34" charset="-128"/>
+                <a:ea typeface="Kozuka Gothic Pro L" panose="020B0200000000000000" pitchFamily="34" charset="-128"/>
+              </a:rPr>
+              <a:t>。</a:t>
+            </a:r>
+            <a:endParaRPr lang="en-US" altLang="zh-TW" sz="7200" dirty="0">
+              <a:latin typeface="Kozuka Gothic Pro L" panose="020B0200000000000000" pitchFamily="34" charset="-128"/>
+              <a:ea typeface="Kozuka Gothic Pro L" panose="020B0200000000000000" pitchFamily="34" charset="-128"/>
+            </a:endParaRPr>
+          </a:p>
+          <a:p>
+            <a:pPr marL="0" indent="0">
+              <a:lnSpc>
+                <a:spcPct val="120000"/>
+              </a:lnSpc>
+              <a:buNone/>
+            </a:pPr>
+            <a:endParaRPr lang="en-US" altLang="zh-TW" sz="1600" dirty="0">
+              <a:ea typeface="SimHei" panose="02010609060101010101" pitchFamily="49" charset="-122"/>
+            </a:endParaRPr>
+          </a:p>
+          <a:p>
+            <a:pPr marL="0" indent="0">
+              <a:lnSpc>
+                <a:spcPct val="120000"/>
+              </a:lnSpc>
+              <a:buNone/>
+            </a:pPr>
+            <a:r>
+              <a:rPr lang="zh-TW" altLang="en-US" sz="7200" dirty="0" smtClean="0">
+                <a:ea typeface="SimHei" panose="02010609060101010101" pitchFamily="49" charset="-122"/>
+              </a:rPr>
+              <a:t>　　</a:t>
+            </a:r>
+            <a:r>
+              <a:rPr lang="zh-TW" altLang="en-US" sz="7200" dirty="0">
+                <a:latin typeface="Kozuka Gothic Pro L" panose="020B0200000000000000" pitchFamily="34" charset="-128"/>
+                <a:ea typeface="Kozuka Gothic Pro L" panose="020B0200000000000000" pitchFamily="34" charset="-128"/>
+              </a:rPr>
+              <a:t>臺灣</a:t>
+            </a:r>
+            <a:r>
+              <a:rPr lang="zh-TW" altLang="en-US" sz="7200" dirty="0">
+                <a:latin typeface="Kozuka Gothic Pro L" panose="020B0200000000000000" pitchFamily="34" charset="-128"/>
+                <a:ea typeface="Kozuka Gothic Pro L" panose="020B0200000000000000" pitchFamily="34" charset="-128"/>
+              </a:rPr>
+              <a:t>本土語言百百種</a:t>
+            </a:r>
+            <a:r>
+              <a:rPr lang="zh-TW" altLang="en-US" sz="7200" dirty="0">
+                <a:latin typeface="Kozuka Gothic Pro L" panose="020B0200000000000000" pitchFamily="34" charset="-128"/>
+                <a:ea typeface="Kozuka Gothic Pro L" panose="020B0200000000000000" pitchFamily="34" charset="-128"/>
+              </a:rPr>
+              <a:t>，本</a:t>
+            </a:r>
+            <a:r>
+              <a:rPr lang="zh-TW" altLang="en-US" sz="7200" dirty="0">
+                <a:latin typeface="Kozuka Gothic Pro L" panose="020B0200000000000000" pitchFamily="34" charset="-128"/>
+                <a:ea typeface="Kozuka Gothic Pro L" panose="020B0200000000000000" pitchFamily="34" charset="-128"/>
+              </a:rPr>
+              <a:t>論文是針對閩南語</a:t>
+            </a:r>
+            <a:r>
+              <a:rPr lang="zh-TW" altLang="en-US" sz="7200" dirty="0">
+                <a:latin typeface="Kozuka Gothic Pro L" panose="020B0200000000000000" pitchFamily="34" charset="-128"/>
+                <a:ea typeface="Kozuka Gothic Pro L" panose="020B0200000000000000" pitchFamily="34" charset="-128"/>
+              </a:rPr>
+              <a:t>，研究</a:t>
+            </a:r>
+            <a:r>
+              <a:rPr lang="zh-TW" altLang="en-US" sz="7200" dirty="0">
+                <a:latin typeface="Kozuka Gothic Pro L" panose="020B0200000000000000" pitchFamily="34" charset="-128"/>
+                <a:ea typeface="Kozuka Gothic Pro L" panose="020B0200000000000000" pitchFamily="34" charset="-128"/>
+              </a:rPr>
+              <a:t>伊翻譯語料的特性</a:t>
+            </a:r>
+            <a:r>
+              <a:rPr lang="zh-TW" altLang="en-US" sz="7200" dirty="0">
+                <a:latin typeface="Kozuka Gothic Pro L" panose="020B0200000000000000" pitchFamily="34" charset="-128"/>
+                <a:ea typeface="Kozuka Gothic Pro L" panose="020B0200000000000000" pitchFamily="34" charset="-128"/>
+              </a:rPr>
+              <a:t>。除了</a:t>
+            </a:r>
+            <a:r>
+              <a:rPr lang="zh-TW" altLang="en-US" sz="7200" dirty="0">
+                <a:latin typeface="Kozuka Gothic Pro L" panose="020B0200000000000000" pitchFamily="34" charset="-128"/>
+                <a:ea typeface="Kozuka Gothic Pro L" panose="020B0200000000000000" pitchFamily="34" charset="-128"/>
+              </a:rPr>
+              <a:t>閩南語本身以外</a:t>
+            </a:r>
+            <a:r>
+              <a:rPr lang="zh-TW" altLang="en-US" sz="7200" dirty="0">
+                <a:latin typeface="Kozuka Gothic Pro L" panose="020B0200000000000000" pitchFamily="34" charset="-128"/>
+                <a:ea typeface="Kozuka Gothic Pro L" panose="020B0200000000000000" pitchFamily="34" charset="-128"/>
+              </a:rPr>
+              <a:t>，嘛</a:t>
+            </a:r>
+            <a:r>
+              <a:rPr lang="zh-TW" altLang="en-US" sz="7200" dirty="0">
+                <a:latin typeface="Kozuka Gothic Pro L" panose="020B0200000000000000" pitchFamily="34" charset="-128"/>
+                <a:ea typeface="Kozuka Gothic Pro L" panose="020B0200000000000000" pitchFamily="34" charset="-128"/>
+              </a:rPr>
+              <a:t>希望研究結果對別的本土語言有幫助</a:t>
+            </a:r>
+            <a:r>
+              <a:rPr lang="zh-TW" altLang="en-US" sz="7200" dirty="0">
+                <a:latin typeface="Kozuka Gothic Pro L" panose="020B0200000000000000" pitchFamily="34" charset="-128"/>
+                <a:ea typeface="Kozuka Gothic Pro L" panose="020B0200000000000000" pitchFamily="34" charset="-128"/>
+              </a:rPr>
+              <a:t>。</a:t>
+            </a:r>
+            <a:endParaRPr lang="en-US" altLang="zh-TW" sz="7200" dirty="0">
+              <a:latin typeface="Kozuka Gothic Pro L" panose="020B0200000000000000" pitchFamily="34" charset="-128"/>
+              <a:ea typeface="Kozuka Gothic Pro L" panose="020B0200000000000000" pitchFamily="34" charset="-128"/>
+            </a:endParaRPr>
+          </a:p>
+          <a:p>
+            <a:pPr marL="0" indent="0">
+              <a:lnSpc>
+                <a:spcPct val="120000"/>
+              </a:lnSpc>
+              <a:buNone/>
+            </a:pPr>
+            <a:endParaRPr lang="en-US" altLang="zh-TW" sz="1600" dirty="0">
+              <a:latin typeface="Kozuka Gothic Pro L" panose="020B0200000000000000" pitchFamily="34" charset="-128"/>
+              <a:ea typeface="Kozuka Gothic Pro L" panose="020B0200000000000000" pitchFamily="34" charset="-128"/>
+            </a:endParaRPr>
+          </a:p>
+          <a:p>
+            <a:pPr marL="0" indent="0">
+              <a:lnSpc>
+                <a:spcPct val="120000"/>
+              </a:lnSpc>
+              <a:buNone/>
+            </a:pPr>
+            <a:r>
+              <a:rPr lang="zh-TW" altLang="en-US" sz="7200" dirty="0">
+                <a:latin typeface="Kozuka Gothic Pro L" panose="020B0200000000000000" pitchFamily="34" charset="-128"/>
+                <a:ea typeface="Kozuka Gothic Pro L" panose="020B0200000000000000" pitchFamily="34" charset="-128"/>
+              </a:rPr>
+              <a:t>　　本</a:t>
+            </a:r>
+            <a:r>
+              <a:rPr lang="zh-TW" altLang="en-US" sz="7200" dirty="0">
+                <a:latin typeface="Kozuka Gothic Pro L" panose="020B0200000000000000" pitchFamily="34" charset="-128"/>
+                <a:ea typeface="Kozuka Gothic Pro L" panose="020B0200000000000000" pitchFamily="34" charset="-128"/>
+              </a:rPr>
+              <a:t>論文提出一个自動整理漢語語料的方法</a:t>
+            </a:r>
+            <a:r>
+              <a:rPr lang="zh-TW" altLang="en-US" sz="7200" dirty="0">
+                <a:latin typeface="Kozuka Gothic Pro L" panose="020B0200000000000000" pitchFamily="34" charset="-128"/>
+                <a:ea typeface="Kozuka Gothic Pro L" panose="020B0200000000000000" pitchFamily="34" charset="-128"/>
+              </a:rPr>
+              <a:t>，予</a:t>
+            </a:r>
+            <a:r>
+              <a:rPr lang="zh-TW" altLang="en-US" sz="7200" dirty="0">
+                <a:latin typeface="Kozuka Gothic Pro L" panose="020B0200000000000000" pitchFamily="34" charset="-128"/>
+                <a:ea typeface="Kozuka Gothic Pro L" panose="020B0200000000000000" pitchFamily="34" charset="-128"/>
+              </a:rPr>
+              <a:t>資訊無完整的語料庫補足資訊</a:t>
+            </a:r>
+            <a:r>
+              <a:rPr lang="zh-TW" altLang="en-US" sz="7200" dirty="0">
+                <a:latin typeface="Kozuka Gothic Pro L" panose="020B0200000000000000" pitchFamily="34" charset="-128"/>
+                <a:ea typeface="Kozuka Gothic Pro L" panose="020B0200000000000000" pitchFamily="34" charset="-128"/>
+              </a:rPr>
+              <a:t>，發揮</a:t>
+            </a:r>
+            <a:r>
+              <a:rPr lang="zh-TW" altLang="en-US" sz="7200" dirty="0">
+                <a:latin typeface="Kozuka Gothic Pro L" panose="020B0200000000000000" pitchFamily="34" charset="-128"/>
+                <a:ea typeface="Kozuka Gothic Pro L" panose="020B0200000000000000" pitchFamily="34" charset="-128"/>
+              </a:rPr>
+              <a:t>上大的價值</a:t>
+            </a:r>
+            <a:r>
+              <a:rPr lang="zh-TW" altLang="en-US" sz="7200" dirty="0">
+                <a:latin typeface="Kozuka Gothic Pro L" panose="020B0200000000000000" pitchFamily="34" charset="-128"/>
+                <a:ea typeface="Kozuka Gothic Pro L" panose="020B0200000000000000" pitchFamily="34" charset="-128"/>
+              </a:rPr>
+              <a:t>，</a:t>
+            </a:r>
+            <a:r>
+              <a:rPr lang="en-US" altLang="zh-TW" sz="7200" dirty="0">
+                <a:latin typeface="Kozuka Gothic Pro L" panose="020B0200000000000000" pitchFamily="34" charset="-128"/>
+                <a:ea typeface="Kozuka Gothic Pro L" panose="020B0200000000000000" pitchFamily="34" charset="-128"/>
+              </a:rPr>
+              <a:t>BLEU</a:t>
+            </a:r>
+            <a:r>
+              <a:rPr lang="zh-TW" altLang="en-US" sz="7200" dirty="0">
+                <a:latin typeface="Kozuka Gothic Pro L" panose="020B0200000000000000" pitchFamily="34" charset="-128"/>
+                <a:ea typeface="Kozuka Gothic Pro L" panose="020B0200000000000000" pitchFamily="34" charset="-128"/>
+              </a:rPr>
+              <a:t>分數對</a:t>
+            </a:r>
+            <a:r>
+              <a:rPr lang="en-US" altLang="zh-TW" sz="7200" dirty="0">
+                <a:latin typeface="Kozuka Gothic Pro L" panose="020B0200000000000000" pitchFamily="34" charset="-128"/>
+                <a:ea typeface="Kozuka Gothic Pro L" panose="020B0200000000000000" pitchFamily="34" charset="-128"/>
+              </a:rPr>
+              <a:t>9.30</a:t>
+            </a:r>
+            <a:r>
+              <a:rPr lang="zh-TW" altLang="en-US" sz="7200" dirty="0">
+                <a:latin typeface="Kozuka Gothic Pro L" panose="020B0200000000000000" pitchFamily="34" charset="-128"/>
+                <a:ea typeface="Kozuka Gothic Pro L" panose="020B0200000000000000" pitchFamily="34" charset="-128"/>
+              </a:rPr>
+              <a:t>搝到</a:t>
+            </a:r>
+            <a:r>
+              <a:rPr lang="en-US" altLang="zh-TW" sz="7200" dirty="0">
+                <a:latin typeface="Kozuka Gothic Pro L" panose="020B0200000000000000" pitchFamily="34" charset="-128"/>
+                <a:ea typeface="Kozuka Gothic Pro L" panose="020B0200000000000000" pitchFamily="34" charset="-128"/>
+              </a:rPr>
+              <a:t>13.82</a:t>
+            </a:r>
+            <a:r>
+              <a:rPr lang="zh-TW" altLang="en-US" sz="7200" dirty="0">
+                <a:latin typeface="Kozuka Gothic Pro L" panose="020B0200000000000000" pitchFamily="34" charset="-128"/>
+                <a:ea typeface="Kozuka Gothic Pro L" panose="020B0200000000000000" pitchFamily="34" charset="-128"/>
+              </a:rPr>
+              <a:t>。另外</a:t>
+            </a:r>
+            <a:r>
+              <a:rPr lang="zh-TW" altLang="en-US" sz="7200" dirty="0">
+                <a:latin typeface="Kozuka Gothic Pro L" panose="020B0200000000000000" pitchFamily="34" charset="-128"/>
+                <a:ea typeface="Kozuka Gothic Pro L" panose="020B0200000000000000" pitchFamily="34" charset="-128"/>
+              </a:rPr>
+              <a:t>閣用實驗證明平行語料數量無到十萬句的</a:t>
+            </a:r>
+            <a:r>
+              <a:rPr lang="zh-TW" altLang="en-US" sz="7200" dirty="0">
+                <a:latin typeface="Kozuka Gothic Pro L" panose="020B0200000000000000" pitchFamily="34" charset="-128"/>
+                <a:ea typeface="Kozuka Gothic Pro L" panose="020B0200000000000000" pitchFamily="34" charset="-128"/>
+              </a:rPr>
+              <a:t>時，加</a:t>
+            </a:r>
+            <a:r>
+              <a:rPr lang="zh-TW" altLang="en-US" sz="7200" dirty="0">
+                <a:latin typeface="Kozuka Gothic Pro L" panose="020B0200000000000000" pitchFamily="34" charset="-128"/>
+                <a:ea typeface="Kozuka Gothic Pro L" panose="020B0200000000000000" pitchFamily="34" charset="-128"/>
+              </a:rPr>
+              <a:t>語料對翻譯的效果影響非常大</a:t>
+            </a:r>
+            <a:r>
+              <a:rPr lang="zh-TW" altLang="en-US" sz="7200" dirty="0">
+                <a:latin typeface="Kozuka Gothic Pro L" panose="020B0200000000000000" pitchFamily="34" charset="-128"/>
+                <a:ea typeface="Kozuka Gothic Pro L" panose="020B0200000000000000" pitchFamily="34" charset="-128"/>
+              </a:rPr>
+              <a:t>，原本</a:t>
+            </a:r>
+            <a:r>
+              <a:rPr lang="en-US" altLang="zh-TW" sz="7200" dirty="0">
+                <a:latin typeface="Kozuka Gothic Pro L" panose="020B0200000000000000" pitchFamily="34" charset="-128"/>
+                <a:ea typeface="Kozuka Gothic Pro L" panose="020B0200000000000000" pitchFamily="34" charset="-128"/>
+              </a:rPr>
+              <a:t>64121</a:t>
+            </a:r>
+            <a:r>
+              <a:rPr lang="zh-TW" altLang="en-US" sz="7200" dirty="0">
+                <a:latin typeface="Kozuka Gothic Pro L" panose="020B0200000000000000" pitchFamily="34" charset="-128"/>
+                <a:ea typeface="Kozuka Gothic Pro L" panose="020B0200000000000000" pitchFamily="34" charset="-128"/>
+              </a:rPr>
+              <a:t>句加到</a:t>
+            </a:r>
+            <a:r>
+              <a:rPr lang="en-US" altLang="zh-TW" sz="7200" dirty="0">
+                <a:latin typeface="Kozuka Gothic Pro L" panose="020B0200000000000000" pitchFamily="34" charset="-128"/>
+                <a:ea typeface="Kozuka Gothic Pro L" panose="020B0200000000000000" pitchFamily="34" charset="-128"/>
+              </a:rPr>
+              <a:t>99147</a:t>
+            </a:r>
+            <a:r>
+              <a:rPr lang="zh-TW" altLang="en-US" sz="7200" dirty="0">
+                <a:latin typeface="Kozuka Gothic Pro L" panose="020B0200000000000000" pitchFamily="34" charset="-128"/>
+                <a:ea typeface="Kozuka Gothic Pro L" panose="020B0200000000000000" pitchFamily="34" charset="-128"/>
+              </a:rPr>
+              <a:t>句了後</a:t>
+            </a:r>
+            <a:r>
+              <a:rPr lang="zh-TW" altLang="en-US" sz="7200" dirty="0">
+                <a:latin typeface="Kozuka Gothic Pro L" panose="020B0200000000000000" pitchFamily="34" charset="-128"/>
+                <a:ea typeface="Kozuka Gothic Pro L" panose="020B0200000000000000" pitchFamily="34" charset="-128"/>
+              </a:rPr>
+              <a:t>，</a:t>
+            </a:r>
+            <a:r>
+              <a:rPr lang="en-US" altLang="zh-TW" sz="7200" dirty="0">
+                <a:latin typeface="Kozuka Gothic Pro L" panose="020B0200000000000000" pitchFamily="34" charset="-128"/>
+                <a:ea typeface="Kozuka Gothic Pro L" panose="020B0200000000000000" pitchFamily="34" charset="-128"/>
+              </a:rPr>
+              <a:t>BLEU</a:t>
+            </a:r>
+            <a:r>
+              <a:rPr lang="zh-TW" altLang="en-US" sz="7200" dirty="0">
+                <a:latin typeface="Kozuka Gothic Pro L" panose="020B0200000000000000" pitchFamily="34" charset="-128"/>
+                <a:ea typeface="Kozuka Gothic Pro L" panose="020B0200000000000000" pitchFamily="34" charset="-128"/>
+              </a:rPr>
+              <a:t>分數對</a:t>
+            </a:r>
+            <a:r>
+              <a:rPr lang="en-US" altLang="zh-TW" sz="7200" dirty="0">
+                <a:latin typeface="Kozuka Gothic Pro L" panose="020B0200000000000000" pitchFamily="34" charset="-128"/>
+                <a:ea typeface="Kozuka Gothic Pro L" panose="020B0200000000000000" pitchFamily="34" charset="-128"/>
+              </a:rPr>
+              <a:t>13.82</a:t>
+            </a:r>
+            <a:r>
+              <a:rPr lang="zh-TW" altLang="en-US" sz="7200" dirty="0">
+                <a:latin typeface="Kozuka Gothic Pro L" panose="020B0200000000000000" pitchFamily="34" charset="-128"/>
+                <a:ea typeface="Kozuka Gothic Pro L" panose="020B0200000000000000" pitchFamily="34" charset="-128"/>
+              </a:rPr>
+              <a:t>提昇到</a:t>
+            </a:r>
+            <a:r>
+              <a:rPr lang="en-US" altLang="zh-TW" sz="7200" dirty="0">
+                <a:latin typeface="Kozuka Gothic Pro L" panose="020B0200000000000000" pitchFamily="34" charset="-128"/>
+                <a:ea typeface="Kozuka Gothic Pro L" panose="020B0200000000000000" pitchFamily="34" charset="-128"/>
+              </a:rPr>
+              <a:t>19.33</a:t>
+            </a:r>
+            <a:r>
+              <a:rPr lang="zh-TW" altLang="en-US" sz="7200" dirty="0">
+                <a:latin typeface="Kozuka Gothic Pro L" panose="020B0200000000000000" pitchFamily="34" charset="-128"/>
+                <a:ea typeface="Kozuka Gothic Pro L" panose="020B0200000000000000" pitchFamily="34" charset="-128"/>
+              </a:rPr>
+              <a:t>。</a:t>
+            </a:r>
+            <a:endParaRPr lang="en-US" altLang="zh-TW" sz="7200" dirty="0">
+              <a:latin typeface="Kozuka Gothic Pro L" panose="020B0200000000000000" pitchFamily="34" charset="-128"/>
+              <a:ea typeface="Kozuka Gothic Pro L" panose="020B0200000000000000" pitchFamily="34" charset="-128"/>
+            </a:endParaRPr>
+          </a:p>
+          <a:p>
+            <a:pPr marL="0" indent="0">
+              <a:lnSpc>
+                <a:spcPct val="120000"/>
+              </a:lnSpc>
+              <a:buNone/>
+            </a:pPr>
+            <a:r>
+              <a:rPr lang="zh-TW" altLang="en-US" sz="8000" b="1" dirty="0">
+                <a:latin typeface="Kozuka Mincho Pr6N R" panose="02020400000000000000" pitchFamily="18" charset="-128"/>
+                <a:ea typeface="Kozuka Mincho Pr6N R" panose="02020400000000000000" pitchFamily="18" charset="-128"/>
+              </a:rPr>
+              <a:t>關鍵字</a:t>
+            </a:r>
+            <a:r>
+              <a:rPr lang="zh-TW" altLang="en-US" sz="8000" b="1" dirty="0">
+                <a:latin typeface="Kozuka Mincho Pr6N R" panose="02020400000000000000" pitchFamily="18" charset="-128"/>
+                <a:ea typeface="Kozuka Mincho Pr6N R" panose="02020400000000000000" pitchFamily="18" charset="-128"/>
+              </a:rPr>
+              <a:t>：</a:t>
+            </a:r>
+            <a:r>
+              <a:rPr lang="zh-TW" altLang="en-US" sz="7200" dirty="0">
+                <a:ea typeface="SimHei" panose="02010609060101010101" pitchFamily="49" charset="-122"/>
+              </a:rPr>
+              <a:t>臺灣閩南語、華語、翻譯、語料、斷詞、語言分類</a:t>
+            </a:r>
+            <a:br>
+              <a:rPr lang="zh-TW" altLang="en-US" sz="7200" dirty="0">
+                <a:ea typeface="SimHei" panose="02010609060101010101" pitchFamily="49" charset="-122"/>
+              </a:rPr>
+            </a:br>
+            <a:endParaRPr lang="zh-TW" altLang="en-US" sz="6600" dirty="0">
+              <a:latin typeface="Times New Roman" panose="02020603050405020304" pitchFamily="18" charset="0"/>
+              <a:ea typeface="SimHei" panose="02010609060101010101" pitchFamily="49" charset="-122"/>
+              <a:cs typeface="Times New Roman" panose="02020603050405020304" pitchFamily="18" charset="0"/>
+            </a:endParaRPr>
+          </a:p>
+        </p:txBody>
+      </p:sp>
+      <p:sp>
+        <p:nvSpPr>
+          <p:cNvPr id="22" name="文字方塊 21"/>
+          <p:cNvSpPr txBox="1"/>
+          <p:nvPr/>
+        </p:nvSpPr>
+        <p:spPr>
+          <a:xfrm>
+            <a:off x="2957349" y="5457653"/>
+            <a:ext cx="9677996" cy="2031325"/>
+          </a:xfrm>
+          <a:prstGeom prst="rect">
+            <a:avLst/>
+          </a:prstGeom>
+          <a:noFill/>
+        </p:spPr>
+        <p:txBody>
+          <a:bodyPr wrap="square" rtlCol="0">
+            <a:spAutoFit/>
+          </a:bodyPr>
+          <a:lstStyle/>
+          <a:p>
+            <a:r>
+              <a:rPr lang="zh-TW" altLang="en-US" sz="6600" b="1" dirty="0">
+                <a:latin typeface="Kozuka Mincho Pr6N R" panose="02020400000000000000" pitchFamily="18" charset="-128"/>
+                <a:ea typeface="Kozuka Mincho Pr6N R" panose="02020400000000000000" pitchFamily="18" charset="-128"/>
+              </a:rPr>
+              <a:t>學生：薛丞宏</a:t>
+            </a:r>
+            <a:endParaRPr lang="en-US" altLang="zh-TW" sz="6600" b="1" dirty="0">
+              <a:latin typeface="Kozuka Mincho Pr6N R" panose="02020400000000000000" pitchFamily="18" charset="-128"/>
+              <a:ea typeface="Kozuka Mincho Pr6N R" panose="02020400000000000000" pitchFamily="18" charset="-128"/>
+            </a:endParaRPr>
+          </a:p>
+          <a:p>
+            <a:r>
+              <a:rPr lang="zh-TW" altLang="en-US" sz="6000" dirty="0" smtClean="0">
+                <a:latin typeface="Times New Roman" panose="02020603050405020304" pitchFamily="18" charset="0"/>
+                <a:ea typeface="SimHei" panose="02010609060101010101" pitchFamily="49" charset="-122"/>
+                <a:cs typeface="Times New Roman" panose="02020603050405020304" pitchFamily="18" charset="0"/>
+              </a:rPr>
+              <a:t>　　　</a:t>
+            </a:r>
+            <a:r>
+              <a:rPr lang="zh-TW" altLang="en-US" sz="1800" dirty="0">
+                <a:latin typeface="Times New Roman" panose="02020603050405020304" pitchFamily="18" charset="0"/>
+                <a:ea typeface="SimHei" panose="02010609060101010101" pitchFamily="49" charset="-122"/>
+                <a:cs typeface="Times New Roman" panose="02020603050405020304" pitchFamily="18" charset="0"/>
+              </a:rPr>
+              <a:t>　</a:t>
+            </a:r>
+            <a:r>
+              <a:rPr lang="en-US" altLang="zh-TW" sz="6000" b="1" dirty="0" err="1" smtClean="0">
+                <a:latin typeface="Times New Roman" panose="02020603050405020304" pitchFamily="18" charset="0"/>
+                <a:ea typeface="SimHei" panose="02010609060101010101" pitchFamily="49" charset="-122"/>
+                <a:cs typeface="Times New Roman" panose="02020603050405020304" pitchFamily="18" charset="0"/>
+              </a:rPr>
+              <a:t>Sih</a:t>
+            </a:r>
+            <a:r>
+              <a:rPr lang="en-US" altLang="zh-TW" sz="6000" b="1" dirty="0" smtClean="0">
+                <a:latin typeface="Times New Roman" panose="02020603050405020304" pitchFamily="18" charset="0"/>
+                <a:ea typeface="SimHei" panose="02010609060101010101" pitchFamily="49" charset="-122"/>
+                <a:cs typeface="Times New Roman" panose="02020603050405020304" pitchFamily="18" charset="0"/>
+              </a:rPr>
+              <a:t>, Sing-</a:t>
+            </a:r>
+            <a:r>
+              <a:rPr lang="en-US" altLang="zh-TW" sz="6000" b="1" dirty="0" err="1" smtClean="0">
+                <a:latin typeface="Times New Roman" panose="02020603050405020304" pitchFamily="18" charset="0"/>
+                <a:ea typeface="SimHei" panose="02010609060101010101" pitchFamily="49" charset="-122"/>
+                <a:cs typeface="Times New Roman" panose="02020603050405020304" pitchFamily="18" charset="0"/>
+              </a:rPr>
+              <a:t>Hông</a:t>
+            </a:r>
+            <a:endParaRPr lang="en-US" altLang="zh-TW" sz="6000" b="1" dirty="0">
+              <a:latin typeface="Times New Roman" panose="02020603050405020304" pitchFamily="18" charset="0"/>
+              <a:ea typeface="SimHei" panose="02010609060101010101" pitchFamily="49" charset="-122"/>
+              <a:cs typeface="Times New Roman" panose="02020603050405020304" pitchFamily="18" charset="0"/>
+            </a:endParaRPr>
+          </a:p>
+        </p:txBody>
+      </p:sp>
+      <p:sp>
+        <p:nvSpPr>
+          <p:cNvPr id="23" name="文字方塊 22"/>
+          <p:cNvSpPr txBox="1"/>
+          <p:nvPr/>
+        </p:nvSpPr>
+        <p:spPr>
+          <a:xfrm>
+            <a:off x="19910389" y="5457653"/>
+            <a:ext cx="7135287" cy="2123658"/>
+          </a:xfrm>
+          <a:prstGeom prst="rect">
+            <a:avLst/>
+          </a:prstGeom>
+          <a:noFill/>
+        </p:spPr>
+        <p:txBody>
+          <a:bodyPr wrap="none" rtlCol="0">
+            <a:spAutoFit/>
+          </a:bodyPr>
+          <a:lstStyle/>
+          <a:p>
+            <a:pPr algn="r"/>
+            <a:r>
+              <a:rPr lang="zh-TW" altLang="en-US" sz="6600" b="1" dirty="0">
+                <a:latin typeface="Kozuka Mincho Pr6N R" panose="02020400000000000000" pitchFamily="18" charset="-128"/>
+                <a:ea typeface="Kozuka Mincho Pr6N R" panose="02020400000000000000" pitchFamily="18" charset="-128"/>
+              </a:rPr>
+              <a:t>指導教授</a:t>
+            </a:r>
+            <a:r>
+              <a:rPr lang="zh-TW" altLang="en-US" sz="6600" b="1" dirty="0">
+                <a:latin typeface="Kozuka Mincho Pr6N R" panose="02020400000000000000" pitchFamily="18" charset="-128"/>
+                <a:ea typeface="Kozuka Mincho Pr6N R" panose="02020400000000000000" pitchFamily="18" charset="-128"/>
+              </a:rPr>
+              <a:t>：張智星</a:t>
+            </a:r>
+            <a:endParaRPr lang="en-US" altLang="zh-TW" sz="6600" b="1" dirty="0">
+              <a:latin typeface="Kozuka Mincho Pr6N R" panose="02020400000000000000" pitchFamily="18" charset="-128"/>
+              <a:ea typeface="Kozuka Mincho Pr6N R" panose="02020400000000000000" pitchFamily="18" charset="-128"/>
+            </a:endParaRPr>
+          </a:p>
+          <a:p>
+            <a:pPr algn="r"/>
+            <a:r>
+              <a:rPr lang="zh-TW" altLang="en-US" sz="6600" b="1" dirty="0">
+                <a:latin typeface="Kozuka Mincho Pr6N R" panose="02020400000000000000" pitchFamily="18" charset="-128"/>
+                <a:ea typeface="Kozuka Mincho Pr6N R" panose="02020400000000000000" pitchFamily="18" charset="-128"/>
+              </a:rPr>
+              <a:t>　　　　　易志偉</a:t>
+            </a:r>
+            <a:endParaRPr lang="en-US" altLang="zh-TW" sz="6600" b="1" dirty="0">
+              <a:latin typeface="Kozuka Mincho Pr6N R" panose="02020400000000000000" pitchFamily="18" charset="-128"/>
+              <a:ea typeface="Kozuka Mincho Pr6N R" panose="02020400000000000000" pitchFamily="18" charset="-128"/>
+            </a:endParaRPr>
+          </a:p>
+        </p:txBody>
+      </p:sp>
+      <p:graphicFrame>
+        <p:nvGraphicFramePr>
+          <p:cNvPr id="7" name="表格 6"/>
+          <p:cNvGraphicFramePr>
+            <a:graphicFrameLocks noGrp="1"/>
+          </p:cNvGraphicFramePr>
+          <p:nvPr>
+            <p:extLst/>
+          </p:nvPr>
+        </p:nvGraphicFramePr>
+        <p:xfrm>
+          <a:off x="2042947" y="36342003"/>
+          <a:ext cx="26150843" cy="5449824"/>
+        </p:xfrm>
+        <a:graphic>
+          <a:graphicData uri="http://schemas.openxmlformats.org/drawingml/2006/table">
+            <a:tbl>
+              <a:tblPr firstCol="1" bandRow="1">
+                <a:tableStyleId>{5DA37D80-6434-44D0-A028-1B22A696006F}</a:tableStyleId>
+              </a:tblPr>
+              <a:tblGrid>
+                <a:gridCol w="5473341"/>
+                <a:gridCol w="20677502"/>
+              </a:tblGrid>
+              <a:tr h="370840">
+                <a:tc>
+                  <a:txBody>
+                    <a:bodyPr/>
+                    <a:lstStyle/>
+                    <a:p>
+                      <a:pPr algn="ctr"/>
+                      <a:r>
+                        <a:rPr lang="zh-TW" altLang="en-US" sz="8000" b="1" kern="1200" dirty="0" smtClean="0">
+                          <a:solidFill>
+                            <a:schemeClr val="tx1"/>
+                          </a:solidFill>
+                          <a:latin typeface="Kozuka Mincho Pr6N R" panose="02020400000000000000" pitchFamily="18" charset="-128"/>
+                          <a:ea typeface="Kozuka Mincho Pr6N R" panose="02020400000000000000" pitchFamily="18" charset="-128"/>
+                          <a:cs typeface="+mn-cs"/>
+                        </a:rPr>
+                        <a:t>華語輸入</a:t>
+                      </a:r>
+                      <a:endParaRPr lang="zh-TW" altLang="en-US" sz="8000" b="1" kern="1200" dirty="0">
+                        <a:solidFill>
+                          <a:schemeClr val="tx1"/>
+                        </a:solidFill>
+                        <a:latin typeface="Kozuka Mincho Pr6N R" panose="02020400000000000000" pitchFamily="18" charset="-128"/>
+                        <a:ea typeface="Kozuka Mincho Pr6N R" panose="02020400000000000000" pitchFamily="18" charset="-128"/>
+                        <a:cs typeface="+mn-cs"/>
+                      </a:endParaRPr>
+                    </a:p>
+                  </a:txBody>
+                  <a:tcPr anchor="ctr"/>
+                </a:tc>
+                <a:tc>
+                  <a:txBody>
+                    <a:bodyPr/>
+                    <a:lstStyle/>
+                    <a:p>
+                      <a:pPr marL="0" indent="0" algn="l" defTabSz="2270638" rtl="0" eaLnBrk="1" latinLnBrk="0" hangingPunct="1">
+                        <a:lnSpc>
+                          <a:spcPct val="120000"/>
+                        </a:lnSpc>
+                        <a:spcBef>
+                          <a:spcPts val="2483"/>
+                        </a:spcBef>
+                        <a:spcAft>
+                          <a:spcPts val="600"/>
+                        </a:spcAft>
+                        <a:buFont typeface="Arial" panose="020B0604020202020204" pitchFamily="34" charset="0"/>
+                        <a:buNone/>
+                      </a:pPr>
+                      <a:r>
+                        <a:rPr lang="zh-TW" altLang="en-US" sz="7200" kern="1200" dirty="0" smtClean="0">
+                          <a:solidFill>
+                            <a:schemeClr val="tx1"/>
+                          </a:solidFill>
+                          <a:latin typeface="Kozuka Gothic Pro L" panose="020B0200000000000000" pitchFamily="34" charset="-128"/>
+                          <a:ea typeface="Kozuka Gothic Pro L" panose="020B0200000000000000" pitchFamily="34" charset="-128"/>
+                          <a:cs typeface="+mn-cs"/>
+                        </a:rPr>
+                        <a:t>如果傳統的重要族群活動，看不到文化，體會不到精神，</a:t>
+                      </a:r>
+                      <a:endParaRPr lang="zh-TW" altLang="en-US" sz="7200" kern="1200" dirty="0">
+                        <a:solidFill>
+                          <a:schemeClr val="tx1"/>
+                        </a:solidFill>
+                        <a:latin typeface="Kozuka Gothic Pro L" panose="020B0200000000000000" pitchFamily="34" charset="-128"/>
+                        <a:ea typeface="Kozuka Gothic Pro L" panose="020B0200000000000000" pitchFamily="34" charset="-128"/>
+                        <a:cs typeface="+mn-cs"/>
+                      </a:endParaRPr>
+                    </a:p>
+                  </a:txBody>
+                  <a:tcPr/>
+                </a:tc>
+              </a:tr>
+              <a:tr h="370840">
+                <a:tc>
+                  <a:txBody>
+                    <a:bodyPr/>
+                    <a:lstStyle/>
+                    <a:p>
+                      <a:pPr algn="ctr"/>
+                      <a:r>
+                        <a:rPr lang="zh-TW" altLang="en-US" sz="8000" b="1" kern="1200" dirty="0" smtClean="0">
+                          <a:solidFill>
+                            <a:schemeClr val="tx1"/>
+                          </a:solidFill>
+                          <a:latin typeface="Kozuka Mincho Pr6N R" panose="02020400000000000000" pitchFamily="18" charset="-128"/>
+                          <a:ea typeface="Kozuka Mincho Pr6N R" panose="02020400000000000000" pitchFamily="18" charset="-128"/>
+                          <a:cs typeface="+mn-cs"/>
+                        </a:rPr>
+                        <a:t>閩南語</a:t>
+                      </a:r>
+                      <a:endParaRPr lang="en-US" altLang="zh-TW" sz="8000" b="1" kern="1200" dirty="0" smtClean="0">
+                        <a:solidFill>
+                          <a:schemeClr val="tx1"/>
+                        </a:solidFill>
+                        <a:latin typeface="Kozuka Mincho Pr6N R" panose="02020400000000000000" pitchFamily="18" charset="-128"/>
+                        <a:ea typeface="Kozuka Mincho Pr6N R" panose="02020400000000000000" pitchFamily="18" charset="-128"/>
+                        <a:cs typeface="+mn-cs"/>
+                      </a:endParaRPr>
+                    </a:p>
+                    <a:p>
+                      <a:pPr algn="ctr"/>
+                      <a:r>
+                        <a:rPr lang="zh-TW" altLang="en-US" sz="8000" b="1" kern="1200" dirty="0" smtClean="0">
+                          <a:solidFill>
+                            <a:schemeClr val="tx1"/>
+                          </a:solidFill>
+                          <a:latin typeface="Kozuka Mincho Pr6N R" panose="02020400000000000000" pitchFamily="18" charset="-128"/>
+                          <a:ea typeface="Kozuka Mincho Pr6N R" panose="02020400000000000000" pitchFamily="18" charset="-128"/>
+                          <a:cs typeface="+mn-cs"/>
+                        </a:rPr>
+                        <a:t>輸出</a:t>
+                      </a:r>
+                      <a:endParaRPr lang="zh-TW" altLang="en-US" sz="8000" b="1" kern="1200" dirty="0">
+                        <a:solidFill>
+                          <a:schemeClr val="tx1"/>
+                        </a:solidFill>
+                        <a:latin typeface="Kozuka Mincho Pr6N R" panose="02020400000000000000" pitchFamily="18" charset="-128"/>
+                        <a:ea typeface="Kozuka Mincho Pr6N R" panose="02020400000000000000" pitchFamily="18" charset="-128"/>
+                        <a:cs typeface="+mn-cs"/>
+                      </a:endParaRPr>
+                    </a:p>
+                  </a:txBody>
+                  <a:tcPr anchor="ctr"/>
+                </a:tc>
+                <a:tc>
+                  <a:txBody>
+                    <a:bodyPr/>
+                    <a:lstStyle/>
+                    <a:p>
+                      <a:pPr marL="0" indent="0" algn="l" defTabSz="2270638" rtl="0" eaLnBrk="1" latinLnBrk="0" hangingPunct="1">
+                        <a:lnSpc>
+                          <a:spcPct val="120000"/>
+                        </a:lnSpc>
+                        <a:spcBef>
+                          <a:spcPts val="2483"/>
+                        </a:spcBef>
+                        <a:spcAft>
+                          <a:spcPts val="600"/>
+                        </a:spcAft>
+                        <a:buFont typeface="Arial" panose="020B0604020202020204" pitchFamily="34" charset="0"/>
+                        <a:buNone/>
+                      </a:pPr>
+                      <a:r>
+                        <a:rPr lang="zh-TW" altLang="en-US" sz="7200" kern="1200" dirty="0" smtClean="0">
+                          <a:solidFill>
+                            <a:schemeClr val="tx1"/>
+                          </a:solidFill>
+                          <a:latin typeface="Kozuka Gothic Pro L" panose="020B0200000000000000" pitchFamily="34" charset="-128"/>
+                          <a:ea typeface="Kozuka Gothic Pro L" panose="020B0200000000000000" pitchFamily="34" charset="-128"/>
+                          <a:cs typeface="+mn-cs"/>
+                        </a:rPr>
+                        <a:t>若是傳統的重要的族群活動，看袂著文化，體會毋著精神，</a:t>
+                      </a:r>
+                      <a:endParaRPr lang="zh-TW" altLang="en-US" sz="7200" kern="1200" dirty="0">
+                        <a:solidFill>
+                          <a:schemeClr val="tx1"/>
+                        </a:solidFill>
+                        <a:latin typeface="Kozuka Gothic Pro L" panose="020B0200000000000000" pitchFamily="34" charset="-128"/>
+                        <a:ea typeface="Kozuka Gothic Pro L" panose="020B0200000000000000" pitchFamily="34" charset="-128"/>
+                        <a:cs typeface="+mn-cs"/>
+                      </a:endParaRPr>
+                    </a:p>
+                  </a:txBody>
+                  <a:tcPr/>
+                </a:tc>
+              </a:tr>
+            </a:tbl>
+          </a:graphicData>
+        </a:graphic>
+      </p:graphicFrame>
+      <p:graphicFrame>
+        <p:nvGraphicFramePr>
+          <p:cNvPr id="5" name="表格 4"/>
+          <p:cNvGraphicFramePr>
+            <a:graphicFrameLocks noGrp="1"/>
+          </p:cNvGraphicFramePr>
+          <p:nvPr>
+            <p:extLst/>
+          </p:nvPr>
+        </p:nvGraphicFramePr>
+        <p:xfrm>
+          <a:off x="2042947" y="29798612"/>
+          <a:ext cx="26112372" cy="5449824"/>
+        </p:xfrm>
+        <a:graphic>
+          <a:graphicData uri="http://schemas.openxmlformats.org/drawingml/2006/table">
+            <a:tbl>
+              <a:tblPr firstCol="1" bandRow="1">
+                <a:tableStyleId>{0E3FDE45-AF77-4B5C-9715-49D594BDF05E}</a:tableStyleId>
+              </a:tblPr>
+              <a:tblGrid>
+                <a:gridCol w="5471654"/>
+                <a:gridCol w="20640718"/>
+              </a:tblGrid>
+              <a:tr h="1631942">
+                <a:tc>
+                  <a:txBody>
+                    <a:bodyPr/>
+                    <a:lstStyle/>
+                    <a:p>
+                      <a:pPr algn="ctr"/>
+                      <a:r>
+                        <a:rPr lang="zh-TW" altLang="en-US" sz="8000" b="1" kern="1200" dirty="0" smtClean="0">
+                          <a:solidFill>
+                            <a:schemeClr val="tx1"/>
+                          </a:solidFill>
+                          <a:latin typeface="Kozuka Mincho Pr6N R" panose="02020400000000000000" pitchFamily="18" charset="-128"/>
+                          <a:ea typeface="Kozuka Mincho Pr6N R" panose="02020400000000000000" pitchFamily="18" charset="-128"/>
+                          <a:cs typeface="+mn-cs"/>
+                        </a:rPr>
+                        <a:t>華語輸入</a:t>
+                      </a:r>
+                      <a:endParaRPr lang="zh-TW" altLang="en-US" sz="8000" b="1" kern="1200" dirty="0">
+                        <a:solidFill>
+                          <a:schemeClr val="tx1"/>
+                        </a:solidFill>
+                        <a:latin typeface="Kozuka Mincho Pr6N R" panose="02020400000000000000" pitchFamily="18" charset="-128"/>
+                        <a:ea typeface="Kozuka Mincho Pr6N R" panose="02020400000000000000" pitchFamily="18" charset="-128"/>
+                        <a:cs typeface="+mn-cs"/>
+                      </a:endParaRPr>
+                    </a:p>
+                  </a:txBody>
+                  <a:tcPr anchor="ctr"/>
+                </a:tc>
+                <a:tc>
+                  <a:txBody>
+                    <a:bodyPr/>
+                    <a:lstStyle/>
+                    <a:p>
+                      <a:pPr marL="0" indent="0" algn="l" defTabSz="2270638" rtl="0" eaLnBrk="1" latinLnBrk="0" hangingPunct="1">
+                        <a:lnSpc>
+                          <a:spcPct val="120000"/>
+                        </a:lnSpc>
+                        <a:spcBef>
+                          <a:spcPts val="2483"/>
+                        </a:spcBef>
+                        <a:spcAft>
+                          <a:spcPts val="600"/>
+                        </a:spcAft>
+                        <a:buFont typeface="Arial" panose="020B0604020202020204" pitchFamily="34" charset="0"/>
+                        <a:buNone/>
+                      </a:pPr>
+                      <a:r>
+                        <a:rPr lang="zh-TW" altLang="en-US" sz="7200" kern="1200" dirty="0" smtClean="0">
+                          <a:solidFill>
+                            <a:schemeClr val="tx1"/>
+                          </a:solidFill>
+                          <a:latin typeface="Kozuka Gothic Pro L" panose="020B0200000000000000" pitchFamily="34" charset="-128"/>
+                          <a:ea typeface="Kozuka Gothic Pro L" panose="020B0200000000000000" pitchFamily="34" charset="-128"/>
+                          <a:cs typeface="+mn-cs"/>
+                        </a:rPr>
+                        <a:t>食安問題連環爆，立法院長王金平下午主持</a:t>
+                      </a:r>
+                      <a:r>
+                        <a:rPr lang="en-US" altLang="zh-TW" sz="7200" kern="1200" dirty="0" smtClean="0">
+                          <a:solidFill>
+                            <a:schemeClr val="tx1"/>
+                          </a:solidFill>
+                          <a:latin typeface="Kozuka Gothic Pro L" panose="020B0200000000000000" pitchFamily="34" charset="-128"/>
+                          <a:ea typeface="Kozuka Gothic Pro L" panose="020B0200000000000000" pitchFamily="34" charset="-128"/>
+                          <a:cs typeface="+mn-cs"/>
+                        </a:rPr>
+                        <a:t>《</a:t>
+                      </a:r>
+                      <a:r>
+                        <a:rPr lang="zh-TW" altLang="en-US" sz="7200" kern="1200" dirty="0" smtClean="0">
+                          <a:solidFill>
+                            <a:schemeClr val="tx1"/>
+                          </a:solidFill>
+                          <a:latin typeface="Kozuka Gothic Pro L" panose="020B0200000000000000" pitchFamily="34" charset="-128"/>
+                          <a:ea typeface="Kozuka Gothic Pro L" panose="020B0200000000000000" pitchFamily="34" charset="-128"/>
+                          <a:cs typeface="+mn-cs"/>
+                        </a:rPr>
+                        <a:t>食品安全衛生管理法</a:t>
+                      </a:r>
+                      <a:r>
+                        <a:rPr lang="en-US" altLang="zh-TW" sz="7200" kern="1200" dirty="0" smtClean="0">
+                          <a:solidFill>
+                            <a:schemeClr val="tx1"/>
+                          </a:solidFill>
+                          <a:latin typeface="Kozuka Gothic Pro L" panose="020B0200000000000000" pitchFamily="34" charset="-128"/>
+                          <a:ea typeface="Kozuka Gothic Pro L" panose="020B0200000000000000" pitchFamily="34" charset="-128"/>
+                          <a:cs typeface="+mn-cs"/>
+                        </a:rPr>
+                        <a:t>》</a:t>
+                      </a:r>
+                      <a:r>
+                        <a:rPr lang="zh-TW" altLang="en-US" sz="7200" kern="1200" dirty="0" smtClean="0">
+                          <a:solidFill>
+                            <a:schemeClr val="tx1"/>
+                          </a:solidFill>
+                          <a:latin typeface="Kozuka Gothic Pro L" panose="020B0200000000000000" pitchFamily="34" charset="-128"/>
+                          <a:ea typeface="Kozuka Gothic Pro L" panose="020B0200000000000000" pitchFamily="34" charset="-128"/>
+                          <a:cs typeface="+mn-cs"/>
+                        </a:rPr>
+                        <a:t>協商仍未獲共識</a:t>
+                      </a:r>
+                      <a:endParaRPr lang="zh-TW" altLang="en-US" sz="7200" kern="1200" dirty="0">
+                        <a:solidFill>
+                          <a:schemeClr val="tx1"/>
+                        </a:solidFill>
+                        <a:latin typeface="Kozuka Gothic Pro L" panose="020B0200000000000000" pitchFamily="34" charset="-128"/>
+                        <a:ea typeface="Kozuka Gothic Pro L" panose="020B0200000000000000" pitchFamily="34" charset="-128"/>
+                        <a:cs typeface="+mn-cs"/>
+                      </a:endParaRPr>
+                    </a:p>
+                  </a:txBody>
+                  <a:tcPr/>
+                </a:tc>
+              </a:tr>
+              <a:tr h="1111258">
+                <a:tc>
+                  <a:txBody>
+                    <a:bodyPr/>
+                    <a:lstStyle/>
+                    <a:p>
+                      <a:pPr algn="ctr"/>
+                      <a:r>
+                        <a:rPr lang="zh-TW" altLang="en-US" sz="8000" b="1" kern="1200" dirty="0" smtClean="0">
+                          <a:solidFill>
+                            <a:schemeClr val="tx1"/>
+                          </a:solidFill>
+                          <a:latin typeface="Kozuka Mincho Pr6N R" panose="02020400000000000000" pitchFamily="18" charset="-128"/>
+                          <a:ea typeface="Kozuka Mincho Pr6N R" panose="02020400000000000000" pitchFamily="18" charset="-128"/>
+                          <a:cs typeface="+mn-cs"/>
+                        </a:rPr>
+                        <a:t>閩南語</a:t>
+                      </a:r>
+                      <a:endParaRPr lang="en-US" altLang="zh-TW" sz="8000" b="1" kern="1200" dirty="0" smtClean="0">
+                        <a:solidFill>
+                          <a:schemeClr val="tx1"/>
+                        </a:solidFill>
+                        <a:latin typeface="Kozuka Mincho Pr6N R" panose="02020400000000000000" pitchFamily="18" charset="-128"/>
+                        <a:ea typeface="Kozuka Mincho Pr6N R" panose="02020400000000000000" pitchFamily="18" charset="-128"/>
+                        <a:cs typeface="+mn-cs"/>
+                      </a:endParaRPr>
+                    </a:p>
+                    <a:p>
+                      <a:pPr algn="ctr"/>
+                      <a:r>
+                        <a:rPr lang="zh-TW" altLang="en-US" sz="8000" b="1" kern="1200" dirty="0" smtClean="0">
+                          <a:solidFill>
+                            <a:schemeClr val="tx1"/>
+                          </a:solidFill>
+                          <a:latin typeface="Kozuka Mincho Pr6N R" panose="02020400000000000000" pitchFamily="18" charset="-128"/>
+                          <a:ea typeface="Kozuka Mincho Pr6N R" panose="02020400000000000000" pitchFamily="18" charset="-128"/>
+                          <a:cs typeface="+mn-cs"/>
+                        </a:rPr>
+                        <a:t>輸出</a:t>
+                      </a:r>
+                      <a:endParaRPr lang="zh-TW" altLang="en-US" sz="8000" b="1" kern="1200" dirty="0">
+                        <a:solidFill>
+                          <a:schemeClr val="tx1"/>
+                        </a:solidFill>
+                        <a:latin typeface="Kozuka Mincho Pr6N R" panose="02020400000000000000" pitchFamily="18" charset="-128"/>
+                        <a:ea typeface="Kozuka Mincho Pr6N R" panose="02020400000000000000" pitchFamily="18" charset="-128"/>
+                        <a:cs typeface="+mn-cs"/>
+                      </a:endParaRPr>
+                    </a:p>
+                  </a:txBody>
+                  <a:tcPr anchor="ctr"/>
+                </a:tc>
+                <a:tc>
+                  <a:txBody>
+                    <a:bodyPr/>
+                    <a:lstStyle/>
+                    <a:p>
+                      <a:pPr marL="0" indent="0" algn="l" defTabSz="2270638" rtl="0" eaLnBrk="1" latinLnBrk="0" hangingPunct="1">
+                        <a:lnSpc>
+                          <a:spcPct val="120000"/>
+                        </a:lnSpc>
+                        <a:spcBef>
+                          <a:spcPts val="2483"/>
+                        </a:spcBef>
+                        <a:spcAft>
+                          <a:spcPts val="600"/>
+                        </a:spcAft>
+                        <a:buFont typeface="Arial" panose="020B0604020202020204" pitchFamily="34" charset="0"/>
+                        <a:buNone/>
+                      </a:pPr>
+                      <a:r>
+                        <a:rPr lang="zh-TW" altLang="en-US" sz="7200" kern="1200" dirty="0" smtClean="0">
+                          <a:solidFill>
+                            <a:schemeClr val="tx1"/>
+                          </a:solidFill>
+                          <a:latin typeface="Kozuka Gothic Pro L" panose="020B0200000000000000" pitchFamily="34" charset="-128"/>
+                          <a:ea typeface="Kozuka Gothic Pro L" panose="020B0200000000000000" pitchFamily="34" charset="-128"/>
+                          <a:cs typeface="+mn-cs"/>
+                        </a:rPr>
+                        <a:t>食安問題連環爆，立法院長王金平下晡主持</a:t>
+                      </a:r>
+                      <a:r>
+                        <a:rPr lang="en-US" altLang="zh-TW" sz="7200" kern="1200" dirty="0" smtClean="0">
+                          <a:solidFill>
+                            <a:schemeClr val="tx1"/>
+                          </a:solidFill>
+                          <a:latin typeface="Kozuka Gothic Pro L" panose="020B0200000000000000" pitchFamily="34" charset="-128"/>
+                          <a:ea typeface="Kozuka Gothic Pro L" panose="020B0200000000000000" pitchFamily="34" charset="-128"/>
+                          <a:cs typeface="+mn-cs"/>
+                        </a:rPr>
+                        <a:t>《</a:t>
+                      </a:r>
+                      <a:r>
+                        <a:rPr lang="zh-TW" altLang="en-US" sz="7200" kern="1200" dirty="0" smtClean="0">
+                          <a:solidFill>
+                            <a:schemeClr val="tx1"/>
+                          </a:solidFill>
+                          <a:latin typeface="Kozuka Gothic Pro L" panose="020B0200000000000000" pitchFamily="34" charset="-128"/>
+                          <a:ea typeface="Kozuka Gothic Pro L" panose="020B0200000000000000" pitchFamily="34" charset="-128"/>
+                          <a:cs typeface="+mn-cs"/>
+                        </a:rPr>
+                        <a:t>食品安全衛生管理法</a:t>
+                      </a:r>
+                      <a:r>
+                        <a:rPr lang="en-US" altLang="zh-TW" sz="7200" kern="1200" dirty="0" smtClean="0">
+                          <a:solidFill>
+                            <a:schemeClr val="tx1"/>
+                          </a:solidFill>
+                          <a:latin typeface="Kozuka Gothic Pro L" panose="020B0200000000000000" pitchFamily="34" charset="-128"/>
+                          <a:ea typeface="Kozuka Gothic Pro L" panose="020B0200000000000000" pitchFamily="34" charset="-128"/>
+                          <a:cs typeface="+mn-cs"/>
+                        </a:rPr>
+                        <a:t>》</a:t>
+                      </a:r>
+                      <a:r>
+                        <a:rPr lang="zh-TW" altLang="en-US" sz="7200" kern="1200" dirty="0" smtClean="0">
+                          <a:solidFill>
+                            <a:schemeClr val="tx1"/>
+                          </a:solidFill>
+                          <a:latin typeface="Kozuka Gothic Pro L" panose="020B0200000000000000" pitchFamily="34" charset="-128"/>
+                          <a:ea typeface="Kozuka Gothic Pro L" panose="020B0200000000000000" pitchFamily="34" charset="-128"/>
+                          <a:cs typeface="+mn-cs"/>
+                        </a:rPr>
+                        <a:t>協商猶未獲共識</a:t>
+                      </a:r>
+                      <a:endParaRPr lang="zh-TW" altLang="en-US" sz="7200" kern="1200" dirty="0">
+                        <a:solidFill>
+                          <a:schemeClr val="tx1"/>
+                        </a:solidFill>
+                        <a:latin typeface="Kozuka Gothic Pro L" panose="020B0200000000000000" pitchFamily="34" charset="-128"/>
+                        <a:ea typeface="Kozuka Gothic Pro L" panose="020B0200000000000000" pitchFamily="34" charset="-128"/>
+                        <a:cs typeface="+mn-cs"/>
+                      </a:endParaRPr>
+                    </a:p>
+                  </a:txBody>
+                  <a:tcPr/>
+                </a:tc>
+              </a:tr>
+            </a:tbl>
+          </a:graphicData>
+        </a:graphic>
+      </p:graphicFrame>
+      <p:sp>
+        <p:nvSpPr>
+          <p:cNvPr id="9" name="標題 2"/>
+          <p:cNvSpPr>
+            <a:spLocks noGrp="1"/>
+          </p:cNvSpPr>
+          <p:nvPr>
+            <p:ph type="title"/>
+          </p:nvPr>
+        </p:nvSpPr>
+        <p:spPr>
+          <a:xfrm>
+            <a:off x="2042948" y="1579379"/>
+            <a:ext cx="26112371" cy="3775779"/>
+          </a:xfrm>
+        </p:spPr>
+        <p:txBody>
+          <a:bodyPr>
+            <a:normAutofit/>
+          </a:bodyPr>
+          <a:lstStyle/>
+          <a:p>
+            <a:pPr algn="ctr">
+              <a:spcBef>
+                <a:spcPts val="600"/>
+              </a:spcBef>
+            </a:pPr>
+            <a:r>
+              <a:rPr lang="zh-TW" altLang="en-US" sz="9800" spc="600" dirty="0">
+                <a:latin typeface="Adobe 仿宋 Std R" panose="02020400000000000000" pitchFamily="18" charset="-128"/>
+                <a:ea typeface="Adobe 仿宋 Std R" panose="02020400000000000000" pitchFamily="18" charset="-128"/>
+              </a:rPr>
+              <a:t>漢語間統計式機器翻譯語料</a:t>
+            </a:r>
+            <a:r>
+              <a:rPr lang="zh-TW" altLang="en-US" sz="9800" spc="600" dirty="0" smtClean="0">
+                <a:latin typeface="Adobe 仿宋 Std R" panose="02020400000000000000" pitchFamily="18" charset="-128"/>
+                <a:ea typeface="Adobe 仿宋 Std R" panose="02020400000000000000" pitchFamily="18" charset="-128"/>
+              </a:rPr>
+              <a:t>處理 </a:t>
+            </a:r>
+            <a:r>
+              <a:rPr lang="zh-TW" altLang="en-US" sz="9800" spc="600" dirty="0" smtClean="0">
+                <a:latin typeface="Adobe 仿宋 Std R" panose="02020400000000000000" pitchFamily="18" charset="-128"/>
+                <a:ea typeface="Adobe 仿宋 Std R" panose="02020400000000000000" pitchFamily="18" charset="-128"/>
+              </a:rPr>
+              <a:t>－</a:t>
+            </a:r>
+            <a:r>
+              <a:rPr lang="en-US" altLang="zh-TW" sz="9800" spc="600" dirty="0">
+                <a:latin typeface="Adobe 仿宋 Std R" panose="02020400000000000000" pitchFamily="18" charset="-128"/>
+                <a:ea typeface="Adobe 仿宋 Std R" panose="02020400000000000000" pitchFamily="18" charset="-128"/>
+              </a:rPr>
+              <a:t/>
+            </a:r>
+            <a:br>
+              <a:rPr lang="en-US" altLang="zh-TW" sz="9800" spc="600" dirty="0">
+                <a:latin typeface="Adobe 仿宋 Std R" panose="02020400000000000000" pitchFamily="18" charset="-128"/>
+                <a:ea typeface="Adobe 仿宋 Std R" panose="02020400000000000000" pitchFamily="18" charset="-128"/>
+              </a:rPr>
+            </a:br>
+            <a:r>
+              <a:rPr lang="zh-TW" altLang="en-US" sz="9800" spc="600" dirty="0" smtClean="0">
+                <a:latin typeface="Adobe 仿宋 Std R" panose="02020400000000000000" pitchFamily="18" charset="-128"/>
+                <a:ea typeface="Adobe 仿宋 Std R" panose="02020400000000000000" pitchFamily="18" charset="-128"/>
+              </a:rPr>
+              <a:t>用</a:t>
+            </a:r>
+            <a:r>
+              <a:rPr lang="zh-TW" altLang="en-US" sz="9800" spc="600" dirty="0">
+                <a:latin typeface="Adobe 仿宋 Std R" panose="02020400000000000000" pitchFamily="18" charset="-128"/>
+                <a:ea typeface="Adobe 仿宋 Std R" panose="02020400000000000000" pitchFamily="18" charset="-128"/>
+              </a:rPr>
+              <a:t>臺灣閩南語</a:t>
+            </a:r>
+            <a:r>
+              <a:rPr lang="zh-TW" altLang="en-US" sz="9800" spc="600" dirty="0" smtClean="0">
+                <a:latin typeface="Adobe 仿宋 Std R" panose="02020400000000000000" pitchFamily="18" charset="-128"/>
+                <a:ea typeface="Adobe 仿宋 Std R" panose="02020400000000000000" pitchFamily="18" charset="-128"/>
+              </a:rPr>
+              <a:t>示範</a:t>
+            </a:r>
+            <a:endParaRPr lang="zh-TW" altLang="en-US" sz="9800" b="1" spc="600" dirty="0">
+              <a:latin typeface="Adobe 仿宋 Std R" panose="02020400000000000000" pitchFamily="18" charset="-128"/>
+              <a:ea typeface="Adobe 仿宋 Std R" panose="02020400000000000000" pitchFamily="18" charset="-128"/>
+              <a:cs typeface="Times New Roman" panose="02020603050405020304" pitchFamily="18" charset="0"/>
+            </a:endParaRPr>
+          </a:p>
+        </p:txBody>
+      </p:sp>
+    </p:spTree>
+    <p:extLst>
+      <p:ext uri="{BB962C8B-B14F-4D97-AF65-F5344CB8AC3E}">
+        <p14:creationId xmlns:p14="http://schemas.microsoft.com/office/powerpoint/2010/main" val="2442273029"/>
+      </p:ext>
+    </p:extLst>
+  </p:cSld>
+  <p:clrMapOvr>
+    <a:masterClrMapping/>
+  </p:clrMapOvr>
+  <p:timing>
+    <p:tnLst>
+      <p:par>
+        <p:cTn id="1" dur="indefinite" restart="never" nodeType="tmRoot"/>
+      </p:par>
+    </p:tnLst>
+  </p:timing>
+</p:sld>
+</file>
+
+<file path=ppt/slides/slide9.xml><?xml version="1.0" encoding="utf-8"?>
+<p:sld xmlns:a="http://schemas.openxmlformats.org/drawingml/2006/main" xmlns:r="http://schemas.openxmlformats.org/officeDocument/2006/relationships" xmlns:p="http://schemas.openxmlformats.org/presentationml/2006/main">
+  <p:cSld>
+    <p:spTree>
+      <p:nvGrpSpPr>
+        <p:cNvPr id="1" name=""/>
+        <p:cNvGrpSpPr/>
+        <p:nvPr/>
+      </p:nvGrpSpPr>
+      <p:grpSpPr>
+        <a:xfrm>
+          <a:off x="0" y="0"/>
+          <a:ext cx="0" cy="0"/>
+          <a:chOff x="0" y="0"/>
+          <a:chExt cx="0" cy="0"/>
+        </a:xfrm>
+      </p:grpSpPr>
+      <p:sp>
+        <p:nvSpPr>
+          <p:cNvPr id="4" name="內容版面配置區 3"/>
+          <p:cNvSpPr>
+            <a:spLocks noGrp="1"/>
+          </p:cNvSpPr>
+          <p:nvPr>
+            <p:ph idx="1"/>
+          </p:nvPr>
+        </p:nvSpPr>
+        <p:spPr>
+          <a:xfrm>
+            <a:off x="2042947" y="7914653"/>
+            <a:ext cx="26112371" cy="20655110"/>
+          </a:xfrm>
+        </p:spPr>
+        <p:txBody>
+          <a:bodyPr>
+            <a:noAutofit/>
+          </a:bodyPr>
+          <a:lstStyle/>
+          <a:p>
+            <a:pPr marL="0" indent="0" algn="ctr">
+              <a:lnSpc>
+                <a:spcPct val="120000"/>
+              </a:lnSpc>
+              <a:buNone/>
+            </a:pPr>
+            <a:r>
+              <a:rPr lang="zh-TW" altLang="en-US" sz="8000" b="1" dirty="0" smtClean="0">
+                <a:latin typeface="Kozuka Mincho Pr6N R" panose="02020400000000000000" pitchFamily="18" charset="-128"/>
+                <a:ea typeface="Kozuka Mincho Pr6N R" panose="02020400000000000000" pitchFamily="18" charset="-128"/>
+              </a:rPr>
+              <a:t>踏話頭</a:t>
+            </a:r>
+            <a:endParaRPr lang="en-US" altLang="zh-TW" sz="8000" b="1" dirty="0" smtClean="0">
+              <a:latin typeface="Kozuka Mincho Pr6N R" panose="02020400000000000000" pitchFamily="18" charset="-128"/>
+              <a:ea typeface="Kozuka Mincho Pr6N R" panose="02020400000000000000" pitchFamily="18" charset="-128"/>
+            </a:endParaRPr>
+          </a:p>
+          <a:p>
+            <a:pPr marL="0" indent="0">
+              <a:lnSpc>
+                <a:spcPct val="120000"/>
+              </a:lnSpc>
+              <a:buNone/>
+            </a:pPr>
+            <a:r>
+              <a:rPr lang="zh-TW" altLang="en-US" sz="7200" dirty="0" smtClean="0">
+                <a:ea typeface="SimHei" panose="02010609060101010101" pitchFamily="49" charset="-122"/>
+              </a:rPr>
+              <a:t>　　</a:t>
+            </a:r>
+            <a:r>
+              <a:rPr lang="zh-TW" altLang="en-US" sz="7200" dirty="0" smtClean="0">
+                <a:latin typeface="Kozuka Gothic Pro L" panose="020B0200000000000000" pitchFamily="34" charset="-128"/>
+                <a:ea typeface="Kozuka Gothic Pro L" panose="020B0200000000000000" pitchFamily="34" charset="-128"/>
+              </a:rPr>
+              <a:t>臺灣</a:t>
+            </a:r>
+            <a:r>
+              <a:rPr lang="zh-TW" altLang="en-US" sz="7200" dirty="0">
+                <a:latin typeface="Kozuka Gothic Pro L" panose="020B0200000000000000" pitchFamily="34" charset="-128"/>
+                <a:ea typeface="Kozuka Gothic Pro L" panose="020B0200000000000000" pitchFamily="34" charset="-128"/>
+              </a:rPr>
+              <a:t>是一个多元民族、多元語言的國家</a:t>
+            </a:r>
+            <a:r>
+              <a:rPr lang="zh-TW" altLang="en-US" sz="7200" dirty="0" smtClean="0">
+                <a:latin typeface="Kozuka Gothic Pro L" panose="020B0200000000000000" pitchFamily="34" charset="-128"/>
+                <a:ea typeface="Kozuka Gothic Pro L" panose="020B0200000000000000" pitchFamily="34" charset="-128"/>
+              </a:rPr>
+              <a:t>。講</a:t>
+            </a:r>
+            <a:r>
+              <a:rPr lang="zh-TW" altLang="en-US" sz="7200" dirty="0">
+                <a:latin typeface="Kozuka Gothic Pro L" panose="020B0200000000000000" pitchFamily="34" charset="-128"/>
+                <a:ea typeface="Kozuka Gothic Pro L" panose="020B0200000000000000" pitchFamily="34" charset="-128"/>
+              </a:rPr>
+              <a:t>母語、使用母語是上基本的權利</a:t>
+            </a:r>
+            <a:r>
+              <a:rPr lang="zh-TW" altLang="en-US" sz="7200" dirty="0" smtClean="0">
+                <a:latin typeface="Kozuka Gothic Pro L" panose="020B0200000000000000" pitchFamily="34" charset="-128"/>
+                <a:ea typeface="Kozuka Gothic Pro L" panose="020B0200000000000000" pitchFamily="34" charset="-128"/>
+              </a:rPr>
+              <a:t>，毋</a:t>
+            </a:r>
+            <a:r>
+              <a:rPr lang="zh-TW" altLang="en-US" sz="7200" dirty="0">
+                <a:latin typeface="Kozuka Gothic Pro L" panose="020B0200000000000000" pitchFamily="34" charset="-128"/>
+                <a:ea typeface="Kozuka Gothic Pro L" panose="020B0200000000000000" pitchFamily="34" charset="-128"/>
+              </a:rPr>
+              <a:t>過母語的電腦相關應用煞誠</a:t>
+            </a:r>
+            <a:r>
+              <a:rPr lang="zh-TW" altLang="en-US" sz="7200" dirty="0" smtClean="0">
+                <a:latin typeface="Kozuka Gothic Pro L" panose="020B0200000000000000" pitchFamily="34" charset="-128"/>
+                <a:ea typeface="Kozuka Gothic Pro L" panose="020B0200000000000000" pitchFamily="34" charset="-128"/>
+              </a:rPr>
+              <a:t>少，需要</a:t>
+            </a:r>
+            <a:r>
+              <a:rPr lang="zh-TW" altLang="en-US" sz="7200" dirty="0">
+                <a:latin typeface="Kozuka Gothic Pro L" panose="020B0200000000000000" pitchFamily="34" charset="-128"/>
+                <a:ea typeface="Kozuka Gothic Pro L" panose="020B0200000000000000" pitchFamily="34" charset="-128"/>
+              </a:rPr>
+              <a:t>加強自然語言處理的研究佮語料收集整理</a:t>
+            </a:r>
+            <a:r>
+              <a:rPr lang="zh-TW" altLang="en-US" sz="7200" dirty="0" smtClean="0">
+                <a:latin typeface="Kozuka Gothic Pro L" panose="020B0200000000000000" pitchFamily="34" charset="-128"/>
+                <a:ea typeface="Kozuka Gothic Pro L" panose="020B0200000000000000" pitchFamily="34" charset="-128"/>
+              </a:rPr>
+              <a:t>。</a:t>
+            </a:r>
+            <a:endParaRPr lang="en-US" altLang="zh-TW" sz="7200" dirty="0">
+              <a:latin typeface="Kozuka Gothic Pro L" panose="020B0200000000000000" pitchFamily="34" charset="-128"/>
+              <a:ea typeface="Kozuka Gothic Pro L" panose="020B0200000000000000" pitchFamily="34" charset="-128"/>
+            </a:endParaRPr>
+          </a:p>
+          <a:p>
+            <a:pPr marL="0" indent="0">
+              <a:lnSpc>
+                <a:spcPct val="100000"/>
+              </a:lnSpc>
+              <a:spcBef>
+                <a:spcPts val="1800"/>
+              </a:spcBef>
+              <a:buNone/>
+            </a:pPr>
+            <a:endParaRPr lang="en-US" altLang="zh-TW" sz="1600" dirty="0">
+              <a:ea typeface="SimHei" panose="02010609060101010101" pitchFamily="49" charset="-122"/>
+            </a:endParaRPr>
+          </a:p>
+          <a:p>
+            <a:pPr marL="0" indent="0">
+              <a:lnSpc>
+                <a:spcPct val="120000"/>
+              </a:lnSpc>
+              <a:buNone/>
+            </a:pPr>
+            <a:r>
+              <a:rPr lang="zh-TW" altLang="en-US" sz="7200" dirty="0" smtClean="0">
+                <a:ea typeface="SimHei" panose="02010609060101010101" pitchFamily="49" charset="-122"/>
+              </a:rPr>
+              <a:t>　　</a:t>
+            </a:r>
+            <a:r>
+              <a:rPr lang="zh-TW" altLang="en-US" sz="7200" dirty="0">
+                <a:latin typeface="Kozuka Gothic Pro L" panose="020B0200000000000000" pitchFamily="34" charset="-128"/>
+                <a:ea typeface="Kozuka Gothic Pro L" panose="020B0200000000000000" pitchFamily="34" charset="-128"/>
+              </a:rPr>
+              <a:t>臺灣</a:t>
+            </a:r>
+            <a:r>
+              <a:rPr lang="zh-TW" altLang="en-US" sz="7200" dirty="0">
+                <a:latin typeface="Kozuka Gothic Pro L" panose="020B0200000000000000" pitchFamily="34" charset="-128"/>
+                <a:ea typeface="Kozuka Gothic Pro L" panose="020B0200000000000000" pitchFamily="34" charset="-128"/>
+              </a:rPr>
+              <a:t>本土語言百百種</a:t>
+            </a:r>
+            <a:r>
+              <a:rPr lang="zh-TW" altLang="en-US" sz="7200" dirty="0">
+                <a:latin typeface="Kozuka Gothic Pro L" panose="020B0200000000000000" pitchFamily="34" charset="-128"/>
+                <a:ea typeface="Kozuka Gothic Pro L" panose="020B0200000000000000" pitchFamily="34" charset="-128"/>
+              </a:rPr>
+              <a:t>，本</a:t>
+            </a:r>
+            <a:r>
+              <a:rPr lang="zh-TW" altLang="en-US" sz="7200" dirty="0">
+                <a:latin typeface="Kozuka Gothic Pro L" panose="020B0200000000000000" pitchFamily="34" charset="-128"/>
+                <a:ea typeface="Kozuka Gothic Pro L" panose="020B0200000000000000" pitchFamily="34" charset="-128"/>
+              </a:rPr>
+              <a:t>論文是針對閩南語</a:t>
+            </a:r>
+            <a:r>
+              <a:rPr lang="zh-TW" altLang="en-US" sz="7200" dirty="0">
+                <a:latin typeface="Kozuka Gothic Pro L" panose="020B0200000000000000" pitchFamily="34" charset="-128"/>
+                <a:ea typeface="Kozuka Gothic Pro L" panose="020B0200000000000000" pitchFamily="34" charset="-128"/>
+              </a:rPr>
+              <a:t>，研究</a:t>
+            </a:r>
+            <a:r>
+              <a:rPr lang="zh-TW" altLang="en-US" sz="7200" dirty="0">
+                <a:latin typeface="Kozuka Gothic Pro L" panose="020B0200000000000000" pitchFamily="34" charset="-128"/>
+                <a:ea typeface="Kozuka Gothic Pro L" panose="020B0200000000000000" pitchFamily="34" charset="-128"/>
+              </a:rPr>
+              <a:t>伊翻譯語料的特性</a:t>
+            </a:r>
+            <a:r>
+              <a:rPr lang="zh-TW" altLang="en-US" sz="7200" dirty="0">
+                <a:latin typeface="Kozuka Gothic Pro L" panose="020B0200000000000000" pitchFamily="34" charset="-128"/>
+                <a:ea typeface="Kozuka Gothic Pro L" panose="020B0200000000000000" pitchFamily="34" charset="-128"/>
+              </a:rPr>
+              <a:t>。除了</a:t>
+            </a:r>
+            <a:r>
+              <a:rPr lang="zh-TW" altLang="en-US" sz="7200" dirty="0">
+                <a:latin typeface="Kozuka Gothic Pro L" panose="020B0200000000000000" pitchFamily="34" charset="-128"/>
+                <a:ea typeface="Kozuka Gothic Pro L" panose="020B0200000000000000" pitchFamily="34" charset="-128"/>
+              </a:rPr>
+              <a:t>閩南語本身以外</a:t>
+            </a:r>
+            <a:r>
+              <a:rPr lang="zh-TW" altLang="en-US" sz="7200" dirty="0">
+                <a:latin typeface="Kozuka Gothic Pro L" panose="020B0200000000000000" pitchFamily="34" charset="-128"/>
+                <a:ea typeface="Kozuka Gothic Pro L" panose="020B0200000000000000" pitchFamily="34" charset="-128"/>
+              </a:rPr>
+              <a:t>，嘛</a:t>
+            </a:r>
+            <a:r>
+              <a:rPr lang="zh-TW" altLang="en-US" sz="7200" dirty="0">
+                <a:latin typeface="Kozuka Gothic Pro L" panose="020B0200000000000000" pitchFamily="34" charset="-128"/>
+                <a:ea typeface="Kozuka Gothic Pro L" panose="020B0200000000000000" pitchFamily="34" charset="-128"/>
+              </a:rPr>
+              <a:t>希望研究結果對別的本土語言有幫助</a:t>
+            </a:r>
+            <a:r>
+              <a:rPr lang="zh-TW" altLang="en-US" sz="7200" dirty="0">
+                <a:latin typeface="Kozuka Gothic Pro L" panose="020B0200000000000000" pitchFamily="34" charset="-128"/>
+                <a:ea typeface="Kozuka Gothic Pro L" panose="020B0200000000000000" pitchFamily="34" charset="-128"/>
+              </a:rPr>
+              <a:t>。</a:t>
+            </a:r>
+            <a:endParaRPr lang="en-US" altLang="zh-TW" sz="7200" dirty="0">
+              <a:latin typeface="Kozuka Gothic Pro L" panose="020B0200000000000000" pitchFamily="34" charset="-128"/>
+              <a:ea typeface="Kozuka Gothic Pro L" panose="020B0200000000000000" pitchFamily="34" charset="-128"/>
+            </a:endParaRPr>
+          </a:p>
+          <a:p>
+            <a:pPr marL="0" indent="0">
+              <a:lnSpc>
+                <a:spcPct val="100000"/>
+              </a:lnSpc>
+              <a:spcBef>
+                <a:spcPts val="1800"/>
+              </a:spcBef>
+              <a:buNone/>
+            </a:pPr>
+            <a:endParaRPr lang="en-US" altLang="zh-TW" sz="1600" dirty="0">
+              <a:latin typeface="Kozuka Gothic Pro L" panose="020B0200000000000000" pitchFamily="34" charset="-128"/>
+              <a:ea typeface="Kozuka Gothic Pro L" panose="020B0200000000000000" pitchFamily="34" charset="-128"/>
+            </a:endParaRPr>
+          </a:p>
+          <a:p>
+            <a:pPr marL="0" indent="0">
+              <a:lnSpc>
+                <a:spcPct val="120000"/>
+              </a:lnSpc>
+              <a:buNone/>
+            </a:pPr>
+            <a:r>
+              <a:rPr lang="zh-TW" altLang="en-US" sz="7200" dirty="0">
+                <a:latin typeface="Kozuka Gothic Pro L" panose="020B0200000000000000" pitchFamily="34" charset="-128"/>
+                <a:ea typeface="Kozuka Gothic Pro L" panose="020B0200000000000000" pitchFamily="34" charset="-128"/>
+              </a:rPr>
+              <a:t>　　本</a:t>
+            </a:r>
+            <a:r>
+              <a:rPr lang="zh-TW" altLang="en-US" sz="7200" dirty="0">
+                <a:latin typeface="Kozuka Gothic Pro L" panose="020B0200000000000000" pitchFamily="34" charset="-128"/>
+                <a:ea typeface="Kozuka Gothic Pro L" panose="020B0200000000000000" pitchFamily="34" charset="-128"/>
+              </a:rPr>
+              <a:t>論文提出一个自動整理漢語語料的方法</a:t>
+            </a:r>
+            <a:r>
+              <a:rPr lang="zh-TW" altLang="en-US" sz="7200" dirty="0">
+                <a:latin typeface="Kozuka Gothic Pro L" panose="020B0200000000000000" pitchFamily="34" charset="-128"/>
+                <a:ea typeface="Kozuka Gothic Pro L" panose="020B0200000000000000" pitchFamily="34" charset="-128"/>
+              </a:rPr>
+              <a:t>，予</a:t>
+            </a:r>
+            <a:r>
+              <a:rPr lang="zh-TW" altLang="en-US" sz="7200" dirty="0">
+                <a:latin typeface="Kozuka Gothic Pro L" panose="020B0200000000000000" pitchFamily="34" charset="-128"/>
+                <a:ea typeface="Kozuka Gothic Pro L" panose="020B0200000000000000" pitchFamily="34" charset="-128"/>
+              </a:rPr>
+              <a:t>資訊無完整的語料庫補足資訊</a:t>
+            </a:r>
+            <a:r>
+              <a:rPr lang="zh-TW" altLang="en-US" sz="7200" dirty="0">
+                <a:latin typeface="Kozuka Gothic Pro L" panose="020B0200000000000000" pitchFamily="34" charset="-128"/>
+                <a:ea typeface="Kozuka Gothic Pro L" panose="020B0200000000000000" pitchFamily="34" charset="-128"/>
+              </a:rPr>
+              <a:t>，發揮</a:t>
+            </a:r>
+            <a:r>
+              <a:rPr lang="zh-TW" altLang="en-US" sz="7200" dirty="0">
+                <a:latin typeface="Kozuka Gothic Pro L" panose="020B0200000000000000" pitchFamily="34" charset="-128"/>
+                <a:ea typeface="Kozuka Gothic Pro L" panose="020B0200000000000000" pitchFamily="34" charset="-128"/>
+              </a:rPr>
+              <a:t>上大的價值</a:t>
+            </a:r>
+            <a:r>
+              <a:rPr lang="zh-TW" altLang="en-US" sz="7200" dirty="0">
+                <a:latin typeface="Kozuka Gothic Pro L" panose="020B0200000000000000" pitchFamily="34" charset="-128"/>
+                <a:ea typeface="Kozuka Gothic Pro L" panose="020B0200000000000000" pitchFamily="34" charset="-128"/>
+              </a:rPr>
+              <a:t>，</a:t>
+            </a:r>
+            <a:r>
+              <a:rPr lang="en-US" altLang="zh-TW" sz="7200" dirty="0">
+                <a:latin typeface="Kozuka Gothic Pro L" panose="020B0200000000000000" pitchFamily="34" charset="-128"/>
+                <a:ea typeface="Kozuka Gothic Pro L" panose="020B0200000000000000" pitchFamily="34" charset="-128"/>
+              </a:rPr>
+              <a:t>BLEU</a:t>
+            </a:r>
+            <a:r>
+              <a:rPr lang="zh-TW" altLang="en-US" sz="7200" dirty="0">
+                <a:latin typeface="Kozuka Gothic Pro L" panose="020B0200000000000000" pitchFamily="34" charset="-128"/>
+                <a:ea typeface="Kozuka Gothic Pro L" panose="020B0200000000000000" pitchFamily="34" charset="-128"/>
+              </a:rPr>
+              <a:t>分數對</a:t>
+            </a:r>
+            <a:r>
+              <a:rPr lang="en-US" altLang="zh-TW" sz="7200" dirty="0">
+                <a:latin typeface="Kozuka Gothic Pro L" panose="020B0200000000000000" pitchFamily="34" charset="-128"/>
+                <a:ea typeface="Kozuka Gothic Pro L" panose="020B0200000000000000" pitchFamily="34" charset="-128"/>
+              </a:rPr>
+              <a:t>9.30</a:t>
+            </a:r>
+            <a:r>
+              <a:rPr lang="zh-TW" altLang="en-US" sz="7200" dirty="0">
+                <a:latin typeface="Kozuka Gothic Pro L" panose="020B0200000000000000" pitchFamily="34" charset="-128"/>
+                <a:ea typeface="Kozuka Gothic Pro L" panose="020B0200000000000000" pitchFamily="34" charset="-128"/>
+              </a:rPr>
+              <a:t>搝到</a:t>
+            </a:r>
+            <a:r>
+              <a:rPr lang="en-US" altLang="zh-TW" sz="7200" dirty="0">
+                <a:latin typeface="Kozuka Gothic Pro L" panose="020B0200000000000000" pitchFamily="34" charset="-128"/>
+                <a:ea typeface="Kozuka Gothic Pro L" panose="020B0200000000000000" pitchFamily="34" charset="-128"/>
+              </a:rPr>
+              <a:t>13.82</a:t>
+            </a:r>
+            <a:r>
+              <a:rPr lang="zh-TW" altLang="en-US" sz="7200" dirty="0">
+                <a:latin typeface="Kozuka Gothic Pro L" panose="020B0200000000000000" pitchFamily="34" charset="-128"/>
+                <a:ea typeface="Kozuka Gothic Pro L" panose="020B0200000000000000" pitchFamily="34" charset="-128"/>
+              </a:rPr>
+              <a:t>。另外</a:t>
+            </a:r>
+            <a:r>
+              <a:rPr lang="zh-TW" altLang="en-US" sz="7200" dirty="0">
+                <a:latin typeface="Kozuka Gothic Pro L" panose="020B0200000000000000" pitchFamily="34" charset="-128"/>
+                <a:ea typeface="Kozuka Gothic Pro L" panose="020B0200000000000000" pitchFamily="34" charset="-128"/>
+              </a:rPr>
+              <a:t>閣用實驗證明平行語料數量無到十萬句的</a:t>
+            </a:r>
+            <a:r>
+              <a:rPr lang="zh-TW" altLang="en-US" sz="7200" dirty="0">
+                <a:latin typeface="Kozuka Gothic Pro L" panose="020B0200000000000000" pitchFamily="34" charset="-128"/>
+                <a:ea typeface="Kozuka Gothic Pro L" panose="020B0200000000000000" pitchFamily="34" charset="-128"/>
+              </a:rPr>
+              <a:t>時，加</a:t>
+            </a:r>
+            <a:r>
+              <a:rPr lang="zh-TW" altLang="en-US" sz="7200" dirty="0">
+                <a:latin typeface="Kozuka Gothic Pro L" panose="020B0200000000000000" pitchFamily="34" charset="-128"/>
+                <a:ea typeface="Kozuka Gothic Pro L" panose="020B0200000000000000" pitchFamily="34" charset="-128"/>
+              </a:rPr>
+              <a:t>語料對翻譯的效果影響非常大</a:t>
+            </a:r>
+            <a:r>
+              <a:rPr lang="zh-TW" altLang="en-US" sz="7200" dirty="0">
+                <a:latin typeface="Kozuka Gothic Pro L" panose="020B0200000000000000" pitchFamily="34" charset="-128"/>
+                <a:ea typeface="Kozuka Gothic Pro L" panose="020B0200000000000000" pitchFamily="34" charset="-128"/>
+              </a:rPr>
+              <a:t>，原本</a:t>
+            </a:r>
+            <a:r>
+              <a:rPr lang="en-US" altLang="zh-TW" sz="7200" dirty="0">
+                <a:latin typeface="Kozuka Gothic Pro L" panose="020B0200000000000000" pitchFamily="34" charset="-128"/>
+                <a:ea typeface="Kozuka Gothic Pro L" panose="020B0200000000000000" pitchFamily="34" charset="-128"/>
+              </a:rPr>
+              <a:t>64121</a:t>
+            </a:r>
+            <a:r>
+              <a:rPr lang="zh-TW" altLang="en-US" sz="7200" dirty="0">
+                <a:latin typeface="Kozuka Gothic Pro L" panose="020B0200000000000000" pitchFamily="34" charset="-128"/>
+                <a:ea typeface="Kozuka Gothic Pro L" panose="020B0200000000000000" pitchFamily="34" charset="-128"/>
+              </a:rPr>
+              <a:t>句加到</a:t>
+            </a:r>
+            <a:r>
+              <a:rPr lang="en-US" altLang="zh-TW" sz="7200" dirty="0">
+                <a:latin typeface="Kozuka Gothic Pro L" panose="020B0200000000000000" pitchFamily="34" charset="-128"/>
+                <a:ea typeface="Kozuka Gothic Pro L" panose="020B0200000000000000" pitchFamily="34" charset="-128"/>
+              </a:rPr>
+              <a:t>99147</a:t>
+            </a:r>
+            <a:r>
+              <a:rPr lang="zh-TW" altLang="en-US" sz="7200" dirty="0">
+                <a:latin typeface="Kozuka Gothic Pro L" panose="020B0200000000000000" pitchFamily="34" charset="-128"/>
+                <a:ea typeface="Kozuka Gothic Pro L" panose="020B0200000000000000" pitchFamily="34" charset="-128"/>
+              </a:rPr>
+              <a:t>句了後</a:t>
+            </a:r>
+            <a:r>
+              <a:rPr lang="zh-TW" altLang="en-US" sz="7200" dirty="0">
+                <a:latin typeface="Kozuka Gothic Pro L" panose="020B0200000000000000" pitchFamily="34" charset="-128"/>
+                <a:ea typeface="Kozuka Gothic Pro L" panose="020B0200000000000000" pitchFamily="34" charset="-128"/>
+              </a:rPr>
+              <a:t>，</a:t>
+            </a:r>
+            <a:r>
+              <a:rPr lang="en-US" altLang="zh-TW" sz="7200" dirty="0">
+                <a:latin typeface="Kozuka Gothic Pro L" panose="020B0200000000000000" pitchFamily="34" charset="-128"/>
+                <a:ea typeface="Kozuka Gothic Pro L" panose="020B0200000000000000" pitchFamily="34" charset="-128"/>
+              </a:rPr>
+              <a:t>BLEU</a:t>
+            </a:r>
+            <a:r>
+              <a:rPr lang="zh-TW" altLang="en-US" sz="7200" dirty="0">
+                <a:latin typeface="Kozuka Gothic Pro L" panose="020B0200000000000000" pitchFamily="34" charset="-128"/>
+                <a:ea typeface="Kozuka Gothic Pro L" panose="020B0200000000000000" pitchFamily="34" charset="-128"/>
+              </a:rPr>
+              <a:t>分數對</a:t>
+            </a:r>
+            <a:r>
+              <a:rPr lang="en-US" altLang="zh-TW" sz="7200" dirty="0">
+                <a:latin typeface="Kozuka Gothic Pro L" panose="020B0200000000000000" pitchFamily="34" charset="-128"/>
+                <a:ea typeface="Kozuka Gothic Pro L" panose="020B0200000000000000" pitchFamily="34" charset="-128"/>
+              </a:rPr>
+              <a:t>13.82</a:t>
+            </a:r>
+            <a:r>
+              <a:rPr lang="zh-TW" altLang="en-US" sz="7200" dirty="0">
+                <a:latin typeface="Kozuka Gothic Pro L" panose="020B0200000000000000" pitchFamily="34" charset="-128"/>
+                <a:ea typeface="Kozuka Gothic Pro L" panose="020B0200000000000000" pitchFamily="34" charset="-128"/>
+              </a:rPr>
+              <a:t>提昇到</a:t>
+            </a:r>
+            <a:r>
+              <a:rPr lang="en-US" altLang="zh-TW" sz="7200" dirty="0">
+                <a:latin typeface="Kozuka Gothic Pro L" panose="020B0200000000000000" pitchFamily="34" charset="-128"/>
+                <a:ea typeface="Kozuka Gothic Pro L" panose="020B0200000000000000" pitchFamily="34" charset="-128"/>
+              </a:rPr>
+              <a:t>19.33</a:t>
+            </a:r>
+            <a:r>
+              <a:rPr lang="zh-TW" altLang="en-US" sz="7200" dirty="0">
+                <a:latin typeface="Kozuka Gothic Pro L" panose="020B0200000000000000" pitchFamily="34" charset="-128"/>
+                <a:ea typeface="Kozuka Gothic Pro L" panose="020B0200000000000000" pitchFamily="34" charset="-128"/>
+              </a:rPr>
+              <a:t>。</a:t>
+            </a:r>
+            <a:endParaRPr lang="en-US" altLang="zh-TW" sz="7200" dirty="0">
+              <a:latin typeface="Kozuka Gothic Pro L" panose="020B0200000000000000" pitchFamily="34" charset="-128"/>
+              <a:ea typeface="Kozuka Gothic Pro L" panose="020B0200000000000000" pitchFamily="34" charset="-128"/>
+            </a:endParaRPr>
+          </a:p>
+          <a:p>
+            <a:pPr marL="0" indent="0">
+              <a:lnSpc>
+                <a:spcPct val="120000"/>
+              </a:lnSpc>
+              <a:buNone/>
+            </a:pPr>
+            <a:r>
+              <a:rPr lang="zh-TW" altLang="en-US" sz="6600" dirty="0">
+                <a:ea typeface="SimHei" panose="02010609060101010101" pitchFamily="49" charset="-122"/>
+              </a:rPr>
+              <a:t>關鍵字：</a:t>
+            </a:r>
+            <a:r>
+              <a:rPr lang="zh-TW" altLang="en-US" sz="6600" dirty="0">
+                <a:ea typeface="SimHei" panose="02010609060101010101" pitchFamily="49" charset="-122"/>
+              </a:rPr>
+              <a:t>臺灣閩南語、華語、翻譯、語料、斷詞、語言分類</a:t>
+            </a:r>
+            <a:br>
+              <a:rPr lang="zh-TW" altLang="en-US" sz="6600" dirty="0">
+                <a:ea typeface="SimHei" panose="02010609060101010101" pitchFamily="49" charset="-122"/>
+              </a:rPr>
+            </a:br>
+            <a:endParaRPr lang="zh-TW" altLang="en-US" sz="6000" dirty="0">
+              <a:latin typeface="Times New Roman" panose="02020603050405020304" pitchFamily="18" charset="0"/>
+              <a:ea typeface="SimHei" panose="02010609060101010101" pitchFamily="49" charset="-122"/>
+              <a:cs typeface="Times New Roman" panose="02020603050405020304" pitchFamily="18" charset="0"/>
+            </a:endParaRPr>
+          </a:p>
+        </p:txBody>
+      </p:sp>
+      <p:sp>
+        <p:nvSpPr>
+          <p:cNvPr id="22" name="文字方塊 21"/>
+          <p:cNvSpPr txBox="1"/>
+          <p:nvPr/>
+        </p:nvSpPr>
+        <p:spPr>
+          <a:xfrm>
+            <a:off x="2926869" y="5272926"/>
+            <a:ext cx="9677996" cy="2031325"/>
+          </a:xfrm>
+          <a:prstGeom prst="rect">
+            <a:avLst/>
+          </a:prstGeom>
+          <a:noFill/>
+        </p:spPr>
+        <p:txBody>
+          <a:bodyPr wrap="square" rtlCol="0">
+            <a:spAutoFit/>
+          </a:bodyPr>
+          <a:lstStyle/>
+          <a:p>
+            <a:r>
+              <a:rPr lang="zh-TW" altLang="en-US" sz="6600" b="1" dirty="0">
+                <a:latin typeface="Kozuka Mincho Pr6N R" panose="02020400000000000000" pitchFamily="18" charset="-128"/>
+                <a:ea typeface="Kozuka Mincho Pr6N R" panose="02020400000000000000" pitchFamily="18" charset="-128"/>
+              </a:rPr>
+              <a:t>學生：薛丞宏</a:t>
+            </a:r>
+            <a:endParaRPr lang="en-US" altLang="zh-TW" sz="6600" b="1" dirty="0">
+              <a:latin typeface="Kozuka Mincho Pr6N R" panose="02020400000000000000" pitchFamily="18" charset="-128"/>
+              <a:ea typeface="Kozuka Mincho Pr6N R" panose="02020400000000000000" pitchFamily="18" charset="-128"/>
+            </a:endParaRPr>
+          </a:p>
+          <a:p>
+            <a:r>
+              <a:rPr lang="zh-TW" altLang="en-US" sz="6000" dirty="0" smtClean="0">
+                <a:latin typeface="Times New Roman" panose="02020603050405020304" pitchFamily="18" charset="0"/>
+                <a:ea typeface="SimHei" panose="02010609060101010101" pitchFamily="49" charset="-122"/>
+                <a:cs typeface="Times New Roman" panose="02020603050405020304" pitchFamily="18" charset="0"/>
+              </a:rPr>
+              <a:t>　　　</a:t>
+            </a:r>
+            <a:r>
+              <a:rPr lang="zh-TW" altLang="en-US" sz="1800" dirty="0">
+                <a:latin typeface="Times New Roman" panose="02020603050405020304" pitchFamily="18" charset="0"/>
+                <a:ea typeface="SimHei" panose="02010609060101010101" pitchFamily="49" charset="-122"/>
+                <a:cs typeface="Times New Roman" panose="02020603050405020304" pitchFamily="18" charset="0"/>
+              </a:rPr>
+              <a:t>　</a:t>
+            </a:r>
+            <a:r>
+              <a:rPr lang="en-US" altLang="zh-TW" sz="6000" b="1" dirty="0" err="1" smtClean="0">
+                <a:latin typeface="Times New Roman" panose="02020603050405020304" pitchFamily="18" charset="0"/>
+                <a:ea typeface="SimHei" panose="02010609060101010101" pitchFamily="49" charset="-122"/>
+                <a:cs typeface="Times New Roman" panose="02020603050405020304" pitchFamily="18" charset="0"/>
+              </a:rPr>
+              <a:t>Sih</a:t>
+            </a:r>
+            <a:r>
+              <a:rPr lang="en-US" altLang="zh-TW" sz="6000" b="1" dirty="0" smtClean="0">
+                <a:latin typeface="Times New Roman" panose="02020603050405020304" pitchFamily="18" charset="0"/>
+                <a:ea typeface="SimHei" panose="02010609060101010101" pitchFamily="49" charset="-122"/>
+                <a:cs typeface="Times New Roman" panose="02020603050405020304" pitchFamily="18" charset="0"/>
+              </a:rPr>
+              <a:t>, Sing-</a:t>
+            </a:r>
+            <a:r>
+              <a:rPr lang="en-US" altLang="zh-TW" sz="6000" b="1" dirty="0" err="1" smtClean="0">
+                <a:latin typeface="Times New Roman" panose="02020603050405020304" pitchFamily="18" charset="0"/>
+                <a:ea typeface="SimHei" panose="02010609060101010101" pitchFamily="49" charset="-122"/>
+                <a:cs typeface="Times New Roman" panose="02020603050405020304" pitchFamily="18" charset="0"/>
+              </a:rPr>
+              <a:t>Hông</a:t>
+            </a:r>
+            <a:endParaRPr lang="en-US" altLang="zh-TW" sz="6000" b="1" dirty="0">
+              <a:latin typeface="Times New Roman" panose="02020603050405020304" pitchFamily="18" charset="0"/>
+              <a:ea typeface="SimHei" panose="02010609060101010101" pitchFamily="49" charset="-122"/>
+              <a:cs typeface="Times New Roman" panose="02020603050405020304" pitchFamily="18" charset="0"/>
+            </a:endParaRPr>
+          </a:p>
+        </p:txBody>
+      </p:sp>
+      <p:sp>
+        <p:nvSpPr>
+          <p:cNvPr id="23" name="文字方塊 22"/>
+          <p:cNvSpPr txBox="1"/>
+          <p:nvPr/>
+        </p:nvSpPr>
+        <p:spPr>
+          <a:xfrm>
+            <a:off x="19788469" y="5272926"/>
+            <a:ext cx="7135287" cy="2123658"/>
+          </a:xfrm>
+          <a:prstGeom prst="rect">
+            <a:avLst/>
+          </a:prstGeom>
+          <a:noFill/>
+        </p:spPr>
+        <p:txBody>
+          <a:bodyPr wrap="none" rtlCol="0">
+            <a:spAutoFit/>
+          </a:bodyPr>
+          <a:lstStyle/>
+          <a:p>
+            <a:pPr algn="r"/>
+            <a:r>
+              <a:rPr lang="zh-TW" altLang="en-US" sz="6600" b="1" dirty="0">
+                <a:latin typeface="Kozuka Mincho Pr6N R" panose="02020400000000000000" pitchFamily="18" charset="-128"/>
+                <a:ea typeface="Kozuka Mincho Pr6N R" panose="02020400000000000000" pitchFamily="18" charset="-128"/>
+              </a:rPr>
+              <a:t>指導教授</a:t>
+            </a:r>
+            <a:r>
+              <a:rPr lang="zh-TW" altLang="en-US" sz="6600" b="1" dirty="0">
+                <a:latin typeface="Kozuka Mincho Pr6N R" panose="02020400000000000000" pitchFamily="18" charset="-128"/>
+                <a:ea typeface="Kozuka Mincho Pr6N R" panose="02020400000000000000" pitchFamily="18" charset="-128"/>
+              </a:rPr>
+              <a:t>：張智星</a:t>
+            </a:r>
+            <a:endParaRPr lang="en-US" altLang="zh-TW" sz="6600" b="1" dirty="0">
+              <a:latin typeface="Kozuka Mincho Pr6N R" panose="02020400000000000000" pitchFamily="18" charset="-128"/>
+              <a:ea typeface="Kozuka Mincho Pr6N R" panose="02020400000000000000" pitchFamily="18" charset="-128"/>
+            </a:endParaRPr>
+          </a:p>
+          <a:p>
+            <a:pPr algn="r"/>
+            <a:r>
+              <a:rPr lang="zh-TW" altLang="en-US" sz="6600" b="1" dirty="0">
+                <a:latin typeface="Kozuka Mincho Pr6N R" panose="02020400000000000000" pitchFamily="18" charset="-128"/>
+                <a:ea typeface="Kozuka Mincho Pr6N R" panose="02020400000000000000" pitchFamily="18" charset="-128"/>
+              </a:rPr>
+              <a:t>　　　　　易志偉</a:t>
+            </a:r>
+            <a:endParaRPr lang="en-US" altLang="zh-TW" sz="6600" b="1" dirty="0">
+              <a:latin typeface="Kozuka Mincho Pr6N R" panose="02020400000000000000" pitchFamily="18" charset="-128"/>
+              <a:ea typeface="Kozuka Mincho Pr6N R" panose="02020400000000000000" pitchFamily="18" charset="-128"/>
+            </a:endParaRPr>
+          </a:p>
+        </p:txBody>
+      </p:sp>
+      <p:sp>
+        <p:nvSpPr>
+          <p:cNvPr id="9" name="標題 2"/>
+          <p:cNvSpPr>
+            <a:spLocks noGrp="1"/>
+          </p:cNvSpPr>
+          <p:nvPr>
+            <p:ph type="title"/>
+          </p:nvPr>
+        </p:nvSpPr>
+        <p:spPr>
+          <a:xfrm>
+            <a:off x="2042948" y="1579379"/>
+            <a:ext cx="26112371" cy="3775779"/>
+          </a:xfrm>
+        </p:spPr>
+        <p:txBody>
+          <a:bodyPr>
+            <a:normAutofit/>
+          </a:bodyPr>
+          <a:lstStyle/>
+          <a:p>
+            <a:pPr algn="ctr">
+              <a:spcBef>
+                <a:spcPts val="600"/>
+              </a:spcBef>
+            </a:pPr>
+            <a:r>
+              <a:rPr lang="zh-TW" altLang="en-US" sz="9800" spc="600" dirty="0">
+                <a:latin typeface="Adobe 仿宋 Std R" panose="02020400000000000000" pitchFamily="18" charset="-128"/>
+                <a:ea typeface="Adobe 仿宋 Std R" panose="02020400000000000000" pitchFamily="18" charset="-128"/>
+              </a:rPr>
+              <a:t>漢語間統計式機器翻譯語料</a:t>
+            </a:r>
+            <a:r>
+              <a:rPr lang="zh-TW" altLang="en-US" sz="9800" spc="600" dirty="0" smtClean="0">
+                <a:latin typeface="Adobe 仿宋 Std R" panose="02020400000000000000" pitchFamily="18" charset="-128"/>
+                <a:ea typeface="Adobe 仿宋 Std R" panose="02020400000000000000" pitchFamily="18" charset="-128"/>
+              </a:rPr>
+              <a:t>處理 </a:t>
+            </a:r>
+            <a:r>
+              <a:rPr lang="zh-TW" altLang="en-US" sz="9800" spc="600" dirty="0" smtClean="0">
+                <a:latin typeface="Adobe 仿宋 Std R" panose="02020400000000000000" pitchFamily="18" charset="-128"/>
+                <a:ea typeface="Adobe 仿宋 Std R" panose="02020400000000000000" pitchFamily="18" charset="-128"/>
+              </a:rPr>
+              <a:t>－</a:t>
+            </a:r>
+            <a:r>
+              <a:rPr lang="en-US" altLang="zh-TW" sz="9800" spc="600" dirty="0">
+                <a:latin typeface="Adobe 仿宋 Std R" panose="02020400000000000000" pitchFamily="18" charset="-128"/>
+                <a:ea typeface="Adobe 仿宋 Std R" panose="02020400000000000000" pitchFamily="18" charset="-128"/>
+              </a:rPr>
+              <a:t/>
+            </a:r>
+            <a:br>
+              <a:rPr lang="en-US" altLang="zh-TW" sz="9800" spc="600" dirty="0">
+                <a:latin typeface="Adobe 仿宋 Std R" panose="02020400000000000000" pitchFamily="18" charset="-128"/>
+                <a:ea typeface="Adobe 仿宋 Std R" panose="02020400000000000000" pitchFamily="18" charset="-128"/>
+              </a:rPr>
+            </a:br>
+            <a:r>
+              <a:rPr lang="zh-TW" altLang="en-US" sz="9800" spc="600" dirty="0" smtClean="0">
+                <a:latin typeface="Adobe 仿宋 Std R" panose="02020400000000000000" pitchFamily="18" charset="-128"/>
+                <a:ea typeface="Adobe 仿宋 Std R" panose="02020400000000000000" pitchFamily="18" charset="-128"/>
+              </a:rPr>
+              <a:t>用</a:t>
+            </a:r>
+            <a:r>
+              <a:rPr lang="zh-TW" altLang="en-US" sz="9800" spc="600" dirty="0">
+                <a:latin typeface="Adobe 仿宋 Std R" panose="02020400000000000000" pitchFamily="18" charset="-128"/>
+                <a:ea typeface="Adobe 仿宋 Std R" panose="02020400000000000000" pitchFamily="18" charset="-128"/>
+              </a:rPr>
+              <a:t>臺灣閩南語</a:t>
+            </a:r>
+            <a:r>
+              <a:rPr lang="zh-TW" altLang="en-US" sz="9800" spc="600" dirty="0" smtClean="0">
+                <a:latin typeface="Adobe 仿宋 Std R" panose="02020400000000000000" pitchFamily="18" charset="-128"/>
+                <a:ea typeface="Adobe 仿宋 Std R" panose="02020400000000000000" pitchFamily="18" charset="-128"/>
+              </a:rPr>
+              <a:t>示範</a:t>
+            </a:r>
+            <a:endParaRPr lang="zh-TW" altLang="en-US" sz="9800" b="1" spc="600" dirty="0">
+              <a:latin typeface="Adobe 仿宋 Std R" panose="02020400000000000000" pitchFamily="18" charset="-128"/>
+              <a:ea typeface="Adobe 仿宋 Std R" panose="02020400000000000000" pitchFamily="18" charset="-128"/>
+              <a:cs typeface="Times New Roman" panose="02020603050405020304" pitchFamily="18" charset="0"/>
+            </a:endParaRPr>
+          </a:p>
+        </p:txBody>
+      </p:sp>
+      <p:graphicFrame>
+        <p:nvGraphicFramePr>
+          <p:cNvPr id="8" name="表格 7"/>
+          <p:cNvGraphicFramePr>
+            <a:graphicFrameLocks noGrp="1"/>
+          </p:cNvGraphicFramePr>
+          <p:nvPr>
+            <p:extLst>
+              <p:ext uri="{D42A27DB-BD31-4B8C-83A1-F6EECF244321}">
+                <p14:modId xmlns:p14="http://schemas.microsoft.com/office/powerpoint/2010/main" val="3470500075"/>
+              </p:ext>
+            </p:extLst>
+          </p:nvPr>
+        </p:nvGraphicFramePr>
+        <p:xfrm>
+          <a:off x="2042947" y="35593860"/>
+          <a:ext cx="26150843" cy="6085840"/>
+        </p:xfrm>
+        <a:graphic>
+          <a:graphicData uri="http://schemas.openxmlformats.org/drawingml/2006/table">
+            <a:tbl>
+              <a:tblPr firstCol="1" bandRow="1">
+                <a:tableStyleId>{5DA37D80-6434-44D0-A028-1B22A696006F}</a:tableStyleId>
+              </a:tblPr>
+              <a:tblGrid>
+                <a:gridCol w="5473341"/>
+                <a:gridCol w="20677502"/>
+              </a:tblGrid>
+              <a:tr h="370840">
+                <a:tc>
+                  <a:txBody>
+                    <a:bodyPr/>
+                    <a:lstStyle/>
+                    <a:p>
+                      <a:pPr marL="0" indent="0" algn="ctr" defTabSz="2270638" rtl="0" eaLnBrk="1" latinLnBrk="0" hangingPunct="1">
+                        <a:lnSpc>
+                          <a:spcPct val="120000"/>
+                        </a:lnSpc>
+                        <a:spcBef>
+                          <a:spcPts val="2483"/>
+                        </a:spcBef>
+                        <a:buFont typeface="Arial" panose="020B0604020202020204" pitchFamily="34" charset="0"/>
+                        <a:buNone/>
+                      </a:pPr>
+                      <a:r>
+                        <a:rPr lang="zh-TW" altLang="en-US" sz="8000" b="1" kern="1200" dirty="0" smtClean="0">
+                          <a:solidFill>
+                            <a:schemeClr val="tx1"/>
+                          </a:solidFill>
+                          <a:latin typeface="Kozuka Mincho Pr6N R" panose="02020400000000000000" pitchFamily="18" charset="-128"/>
+                          <a:ea typeface="Kozuka Mincho Pr6N R" panose="02020400000000000000" pitchFamily="18" charset="-128"/>
+                          <a:cs typeface="+mn-cs"/>
+                        </a:rPr>
+                        <a:t>華語輸入</a:t>
+                      </a:r>
+                      <a:endParaRPr lang="zh-TW" altLang="en-US" sz="8000" b="1" kern="1200" dirty="0">
+                        <a:solidFill>
+                          <a:schemeClr val="tx1"/>
+                        </a:solidFill>
+                        <a:latin typeface="Kozuka Mincho Pr6N R" panose="02020400000000000000" pitchFamily="18" charset="-128"/>
+                        <a:ea typeface="Kozuka Mincho Pr6N R" panose="02020400000000000000" pitchFamily="18" charset="-128"/>
+                        <a:cs typeface="+mn-cs"/>
+                      </a:endParaRPr>
+                    </a:p>
+                  </a:txBody>
+                  <a:tcPr anchor="ctr"/>
+                </a:tc>
+                <a:tc>
+                  <a:txBody>
+                    <a:bodyPr/>
+                    <a:lstStyle/>
+                    <a:p>
+                      <a:pPr marL="0" marR="0" indent="0" algn="l" defTabSz="2270638" rtl="0" eaLnBrk="1" fontAlgn="auto" latinLnBrk="0" hangingPunct="1">
+                        <a:lnSpc>
+                          <a:spcPct val="100000"/>
+                        </a:lnSpc>
+                        <a:spcBef>
+                          <a:spcPts val="0"/>
+                        </a:spcBef>
+                        <a:spcAft>
+                          <a:spcPts val="200"/>
+                        </a:spcAft>
+                        <a:buClrTx/>
+                        <a:buSzTx/>
+                        <a:buFontTx/>
+                        <a:buNone/>
+                        <a:tabLst/>
+                        <a:defRPr/>
+                      </a:pPr>
+                      <a:endParaRPr lang="en-US" altLang="zh-TW" sz="1100" kern="1200" dirty="0" smtClean="0">
+                        <a:solidFill>
+                          <a:schemeClr val="tx1"/>
+                        </a:solidFill>
+                        <a:latin typeface="Times New Roman" panose="02020603050405020304" pitchFamily="18" charset="0"/>
+                        <a:ea typeface="SimHei" panose="02010609060101010101" pitchFamily="49" charset="-122"/>
+                        <a:cs typeface="Times New Roman" panose="02020603050405020304" pitchFamily="18" charset="0"/>
+                      </a:endParaRPr>
+                    </a:p>
+                    <a:p>
+                      <a:pPr marL="0" algn="l" defTabSz="2270638" rtl="0" eaLnBrk="1" latinLnBrk="0" hangingPunct="1">
+                        <a:lnSpc>
+                          <a:spcPts val="9500"/>
+                        </a:lnSpc>
+                        <a:spcBef>
+                          <a:spcPts val="600"/>
+                        </a:spcBef>
+                        <a:spcAft>
+                          <a:spcPts val="0"/>
+                        </a:spcAft>
+                      </a:pPr>
+                      <a:r>
+                        <a:rPr lang="zh-TW" altLang="en-US" sz="7200" kern="1200" dirty="0" smtClean="0">
+                          <a:solidFill>
+                            <a:schemeClr val="tx1"/>
+                          </a:solidFill>
+                          <a:latin typeface="Times New Roman" panose="02020603050405020304" pitchFamily="18" charset="0"/>
+                          <a:ea typeface="SimHei" panose="02010609060101010101" pitchFamily="49" charset="-122"/>
+                          <a:cs typeface="Times New Roman" panose="02020603050405020304" pitchFamily="18" charset="0"/>
+                        </a:rPr>
+                        <a:t>如果</a:t>
+                      </a:r>
+                      <a:r>
+                        <a:rPr lang="zh-TW" altLang="en-US" sz="7200" kern="1200" dirty="0" smtClean="0">
+                          <a:solidFill>
+                            <a:schemeClr val="tx1"/>
+                          </a:solidFill>
+                          <a:latin typeface="Times New Roman" panose="02020603050405020304" pitchFamily="18" charset="0"/>
+                          <a:ea typeface="SimHei" panose="02010609060101010101" pitchFamily="49" charset="-122"/>
+                          <a:cs typeface="Times New Roman" panose="02020603050405020304" pitchFamily="18" charset="0"/>
+                        </a:rPr>
+                        <a:t>傳統的重要族群活動，看不到文化，體會不到精神</a:t>
+                      </a:r>
+                      <a:r>
+                        <a:rPr lang="zh-TW" altLang="en-US" sz="7200" kern="1200" dirty="0" smtClean="0">
+                          <a:solidFill>
+                            <a:schemeClr val="tx1"/>
+                          </a:solidFill>
+                          <a:latin typeface="Times New Roman" panose="02020603050405020304" pitchFamily="18" charset="0"/>
+                          <a:ea typeface="SimHei" panose="02010609060101010101" pitchFamily="49" charset="-122"/>
+                          <a:cs typeface="Times New Roman" panose="02020603050405020304" pitchFamily="18" charset="0"/>
+                        </a:rPr>
+                        <a:t>，</a:t>
+                      </a:r>
+                      <a:endParaRPr lang="en-US" altLang="zh-TW" sz="7200" kern="1200" dirty="0" smtClean="0">
+                        <a:solidFill>
+                          <a:schemeClr val="tx1"/>
+                        </a:solidFill>
+                        <a:latin typeface="Times New Roman" panose="02020603050405020304" pitchFamily="18" charset="0"/>
+                        <a:ea typeface="SimHei" panose="02010609060101010101" pitchFamily="49" charset="-122"/>
+                        <a:cs typeface="Times New Roman" panose="02020603050405020304" pitchFamily="18" charset="0"/>
+                      </a:endParaRPr>
+                    </a:p>
+                    <a:p>
+                      <a:pPr marL="0" algn="l" defTabSz="2270638" rtl="0" eaLnBrk="1" latinLnBrk="0" hangingPunct="1">
+                        <a:lnSpc>
+                          <a:spcPct val="100000"/>
+                        </a:lnSpc>
+                        <a:spcBef>
+                          <a:spcPts val="800"/>
+                        </a:spcBef>
+                        <a:spcAft>
+                          <a:spcPts val="0"/>
+                        </a:spcAft>
+                      </a:pPr>
+                      <a:r>
+                        <a:rPr lang="en-US" altLang="zh-TW" sz="1100" kern="1200" dirty="0" smtClean="0">
+                          <a:solidFill>
+                            <a:schemeClr val="tx1"/>
+                          </a:solidFill>
+                          <a:latin typeface="Times New Roman" panose="02020603050405020304" pitchFamily="18" charset="0"/>
+                          <a:ea typeface="SimHei" panose="02010609060101010101" pitchFamily="49" charset="-122"/>
+                          <a:cs typeface="Times New Roman" panose="02020603050405020304" pitchFamily="18" charset="0"/>
+                        </a:rPr>
+                        <a:t> </a:t>
+                      </a:r>
+                    </a:p>
+                  </a:txBody>
+                  <a:tcPr/>
+                </a:tc>
+              </a:tr>
+              <a:tr h="370840">
+                <a:tc>
+                  <a:txBody>
+                    <a:bodyPr/>
+                    <a:lstStyle/>
+                    <a:p>
+                      <a:pPr marL="0" indent="0" algn="ctr" defTabSz="2270638" rtl="0" eaLnBrk="1" latinLnBrk="0" hangingPunct="1">
+                        <a:lnSpc>
+                          <a:spcPct val="120000"/>
+                        </a:lnSpc>
+                        <a:spcBef>
+                          <a:spcPts val="200"/>
+                        </a:spcBef>
+                        <a:buFont typeface="Arial" panose="020B0604020202020204" pitchFamily="34" charset="0"/>
+                        <a:buNone/>
+                      </a:pPr>
+                      <a:r>
+                        <a:rPr lang="zh-TW" altLang="en-US" sz="8000" b="1" kern="1200" dirty="0" smtClean="0">
+                          <a:solidFill>
+                            <a:schemeClr val="tx1"/>
+                          </a:solidFill>
+                          <a:latin typeface="Kozuka Mincho Pr6N R" panose="02020400000000000000" pitchFamily="18" charset="-128"/>
+                          <a:ea typeface="Kozuka Mincho Pr6N R" panose="02020400000000000000" pitchFamily="18" charset="-128"/>
+                          <a:cs typeface="+mn-cs"/>
+                        </a:rPr>
+                        <a:t>閩南語</a:t>
+                      </a:r>
+                      <a:endParaRPr lang="en-US" altLang="zh-TW" sz="8000" b="1" kern="1200" dirty="0" smtClean="0">
+                        <a:solidFill>
+                          <a:schemeClr val="tx1"/>
+                        </a:solidFill>
+                        <a:latin typeface="Kozuka Mincho Pr6N R" panose="02020400000000000000" pitchFamily="18" charset="-128"/>
+                        <a:ea typeface="Kozuka Mincho Pr6N R" panose="02020400000000000000" pitchFamily="18" charset="-128"/>
+                        <a:cs typeface="+mn-cs"/>
+                      </a:endParaRPr>
+                    </a:p>
+                    <a:p>
+                      <a:pPr marL="0" indent="0" algn="ctr" defTabSz="2270638" rtl="0" eaLnBrk="1" latinLnBrk="0" hangingPunct="1">
+                        <a:lnSpc>
+                          <a:spcPct val="120000"/>
+                        </a:lnSpc>
+                        <a:spcBef>
+                          <a:spcPts val="200"/>
+                        </a:spcBef>
+                        <a:buFont typeface="Arial" panose="020B0604020202020204" pitchFamily="34" charset="0"/>
+                        <a:buNone/>
+                      </a:pPr>
+                      <a:r>
+                        <a:rPr lang="zh-TW" altLang="en-US" sz="8000" b="1" kern="1200" dirty="0" smtClean="0">
+                          <a:solidFill>
+                            <a:schemeClr val="tx1"/>
+                          </a:solidFill>
+                          <a:latin typeface="Kozuka Mincho Pr6N R" panose="02020400000000000000" pitchFamily="18" charset="-128"/>
+                          <a:ea typeface="Kozuka Mincho Pr6N R" panose="02020400000000000000" pitchFamily="18" charset="-128"/>
+                          <a:cs typeface="+mn-cs"/>
+                        </a:rPr>
+                        <a:t>輸出</a:t>
+                      </a:r>
+                      <a:endParaRPr lang="zh-TW" altLang="en-US" sz="8000" b="1" kern="1200" dirty="0">
+                        <a:solidFill>
+                          <a:schemeClr val="tx1"/>
+                        </a:solidFill>
+                        <a:latin typeface="Kozuka Mincho Pr6N R" panose="02020400000000000000" pitchFamily="18" charset="-128"/>
+                        <a:ea typeface="Kozuka Mincho Pr6N R" panose="02020400000000000000" pitchFamily="18" charset="-128"/>
+                        <a:cs typeface="+mn-cs"/>
+                      </a:endParaRPr>
+                    </a:p>
+                  </a:txBody>
+                  <a:tcPr anchor="ctr"/>
+                </a:tc>
+                <a:tc>
+                  <a:txBody>
+                    <a:bodyPr/>
+                    <a:lstStyle/>
+                    <a:p>
+                      <a:pPr marL="0" marR="0" indent="0" algn="l" defTabSz="2270638" rtl="0" eaLnBrk="1" fontAlgn="auto" latinLnBrk="0" hangingPunct="1">
+                        <a:lnSpc>
+                          <a:spcPct val="100000"/>
+                        </a:lnSpc>
+                        <a:spcBef>
+                          <a:spcPts val="0"/>
+                        </a:spcBef>
+                        <a:spcAft>
+                          <a:spcPts val="200"/>
+                        </a:spcAft>
+                        <a:buClrTx/>
+                        <a:buSzTx/>
+                        <a:buFontTx/>
+                        <a:buNone/>
+                        <a:tabLst/>
+                        <a:defRPr/>
+                      </a:pPr>
+                      <a:endParaRPr lang="en-US" altLang="zh-TW" sz="1100" kern="1200" dirty="0" smtClean="0">
+                        <a:solidFill>
+                          <a:schemeClr val="tx1"/>
+                        </a:solidFill>
+                        <a:latin typeface="Times New Roman" panose="02020603050405020304" pitchFamily="18" charset="0"/>
+                        <a:ea typeface="SimHei" panose="02010609060101010101" pitchFamily="49" charset="-122"/>
+                        <a:cs typeface="Times New Roman" panose="02020603050405020304" pitchFamily="18" charset="0"/>
+                      </a:endParaRPr>
+                    </a:p>
+                    <a:p>
+                      <a:pPr marL="0" algn="l" defTabSz="2270638" rtl="0" eaLnBrk="1" latinLnBrk="0" hangingPunct="1">
+                        <a:lnSpc>
+                          <a:spcPts val="9500"/>
+                        </a:lnSpc>
+                        <a:spcBef>
+                          <a:spcPts val="600"/>
+                        </a:spcBef>
+                        <a:spcAft>
+                          <a:spcPts val="0"/>
+                        </a:spcAft>
+                      </a:pPr>
+                      <a:r>
+                        <a:rPr lang="zh-TW" altLang="en-US" sz="7200" kern="1200" dirty="0" smtClean="0">
+                          <a:solidFill>
+                            <a:schemeClr val="tx1"/>
+                          </a:solidFill>
+                          <a:latin typeface="Times New Roman" panose="02020603050405020304" pitchFamily="18" charset="0"/>
+                          <a:ea typeface="SimHei" panose="02010609060101010101" pitchFamily="49" charset="-122"/>
+                          <a:cs typeface="Times New Roman" panose="02020603050405020304" pitchFamily="18" charset="0"/>
+                        </a:rPr>
+                        <a:t>如果傳統的重要族群活動，看不到文化，體會不到精神，</a:t>
+                      </a:r>
+                      <a:endParaRPr lang="en-US" altLang="zh-TW" sz="7200" kern="1200" dirty="0" smtClean="0">
+                        <a:solidFill>
+                          <a:schemeClr val="tx1"/>
+                        </a:solidFill>
+                        <a:latin typeface="Times New Roman" panose="02020603050405020304" pitchFamily="18" charset="0"/>
+                        <a:ea typeface="SimHei" panose="02010609060101010101" pitchFamily="49" charset="-122"/>
+                        <a:cs typeface="Times New Roman" panose="02020603050405020304" pitchFamily="18" charset="0"/>
+                      </a:endParaRPr>
+                    </a:p>
+                    <a:p>
+                      <a:pPr marL="0" algn="l" defTabSz="2270638" rtl="0" eaLnBrk="1" latinLnBrk="0" hangingPunct="1">
+                        <a:lnSpc>
+                          <a:spcPct val="100000"/>
+                        </a:lnSpc>
+                        <a:spcBef>
+                          <a:spcPts val="800"/>
+                        </a:spcBef>
+                        <a:spcAft>
+                          <a:spcPts val="0"/>
+                        </a:spcAft>
+                      </a:pPr>
+                      <a:r>
+                        <a:rPr lang="en-US" altLang="zh-TW" sz="1100" kern="1200" dirty="0" smtClean="0">
+                          <a:solidFill>
+                            <a:schemeClr val="tx1"/>
+                          </a:solidFill>
+                          <a:latin typeface="Times New Roman" panose="02020603050405020304" pitchFamily="18" charset="0"/>
+                          <a:ea typeface="SimHei" panose="02010609060101010101" pitchFamily="49" charset="-122"/>
+                          <a:cs typeface="Times New Roman" panose="02020603050405020304" pitchFamily="18" charset="0"/>
+                        </a:rPr>
+                        <a:t> </a:t>
+                      </a:r>
+                      <a:endParaRPr lang="en-US" altLang="zh-TW" sz="1100" kern="1200" dirty="0" smtClean="0">
+                        <a:solidFill>
+                          <a:schemeClr val="tx1"/>
+                        </a:solidFill>
+                        <a:latin typeface="Times New Roman" panose="02020603050405020304" pitchFamily="18" charset="0"/>
+                        <a:ea typeface="SimHei" panose="02010609060101010101" pitchFamily="49" charset="-122"/>
+                        <a:cs typeface="Times New Roman" panose="02020603050405020304" pitchFamily="18" charset="0"/>
+                      </a:endParaRPr>
+                    </a:p>
+                  </a:txBody>
+                  <a:tcPr/>
+                </a:tc>
+              </a:tr>
+            </a:tbl>
+          </a:graphicData>
+        </a:graphic>
+      </p:graphicFrame>
+      <p:graphicFrame>
+        <p:nvGraphicFramePr>
+          <p:cNvPr id="10" name="表格 9"/>
+          <p:cNvGraphicFramePr>
+            <a:graphicFrameLocks noGrp="1"/>
+          </p:cNvGraphicFramePr>
+          <p:nvPr>
+            <p:extLst>
+              <p:ext uri="{D42A27DB-BD31-4B8C-83A1-F6EECF244321}">
+                <p14:modId xmlns:p14="http://schemas.microsoft.com/office/powerpoint/2010/main" val="3631973673"/>
+              </p:ext>
+            </p:extLst>
+          </p:nvPr>
+        </p:nvGraphicFramePr>
+        <p:xfrm>
+          <a:off x="1995055" y="28348507"/>
+          <a:ext cx="26160264" cy="6339840"/>
+        </p:xfrm>
+        <a:graphic>
+          <a:graphicData uri="http://schemas.openxmlformats.org/drawingml/2006/table">
+            <a:tbl>
+              <a:tblPr firstCol="1" bandRow="1">
+                <a:tableStyleId>{0E3FDE45-AF77-4B5C-9715-49D594BDF05E}</a:tableStyleId>
+              </a:tblPr>
+              <a:tblGrid>
+                <a:gridCol w="5519546"/>
+                <a:gridCol w="20640718"/>
+              </a:tblGrid>
+              <a:tr h="1631942">
+                <a:tc>
+                  <a:txBody>
+                    <a:bodyPr/>
+                    <a:lstStyle/>
+                    <a:p>
+                      <a:pPr marL="0" indent="0" algn="ctr" defTabSz="2270638" rtl="0" eaLnBrk="1" latinLnBrk="0" hangingPunct="1">
+                        <a:lnSpc>
+                          <a:spcPct val="120000"/>
+                        </a:lnSpc>
+                        <a:spcBef>
+                          <a:spcPts val="2483"/>
+                        </a:spcBef>
+                        <a:buFont typeface="Arial" panose="020B0604020202020204" pitchFamily="34" charset="0"/>
+                        <a:buNone/>
+                      </a:pPr>
+                      <a:r>
+                        <a:rPr lang="zh-TW" altLang="en-US" sz="8000" b="1" kern="1200" dirty="0" smtClean="0">
+                          <a:solidFill>
+                            <a:schemeClr val="tx1"/>
+                          </a:solidFill>
+                          <a:latin typeface="Kozuka Mincho Pr6N R" panose="02020400000000000000" pitchFamily="18" charset="-128"/>
+                          <a:ea typeface="Kozuka Mincho Pr6N R" panose="02020400000000000000" pitchFamily="18" charset="-128"/>
+                          <a:cs typeface="+mn-cs"/>
+                        </a:rPr>
+                        <a:t>華語輸入</a:t>
+                      </a:r>
+                      <a:endParaRPr lang="zh-TW" altLang="en-US" sz="8000" b="1" kern="1200" dirty="0">
+                        <a:solidFill>
+                          <a:schemeClr val="tx1"/>
+                        </a:solidFill>
+                        <a:latin typeface="Kozuka Mincho Pr6N R" panose="02020400000000000000" pitchFamily="18" charset="-128"/>
+                        <a:ea typeface="Kozuka Mincho Pr6N R" panose="02020400000000000000" pitchFamily="18" charset="-128"/>
+                        <a:cs typeface="+mn-cs"/>
+                      </a:endParaRPr>
+                    </a:p>
+                  </a:txBody>
+                  <a:tcPr anchor="ctr"/>
+                </a:tc>
+                <a:tc>
+                  <a:txBody>
+                    <a:bodyPr/>
+                    <a:lstStyle/>
+                    <a:p>
+                      <a:pPr>
+                        <a:lnSpc>
+                          <a:spcPct val="100000"/>
+                        </a:lnSpc>
+                        <a:spcBef>
+                          <a:spcPts val="0"/>
+                        </a:spcBef>
+                        <a:spcAft>
+                          <a:spcPts val="200"/>
+                        </a:spcAft>
+                      </a:pPr>
+                      <a:endParaRPr lang="en-US" altLang="zh-TW" sz="1100" kern="1200" dirty="0" smtClean="0">
+                        <a:solidFill>
+                          <a:schemeClr val="tx1"/>
+                        </a:solidFill>
+                        <a:latin typeface="Times New Roman" panose="02020603050405020304" pitchFamily="18" charset="0"/>
+                        <a:ea typeface="SimHei" panose="02010609060101010101" pitchFamily="49" charset="-122"/>
+                        <a:cs typeface="Times New Roman" panose="02020603050405020304" pitchFamily="18" charset="0"/>
+                      </a:endParaRPr>
+                    </a:p>
+                    <a:p>
+                      <a:pPr marL="0" marR="0" indent="0" algn="l" defTabSz="2270638" rtl="0" eaLnBrk="1" fontAlgn="auto" latinLnBrk="0" hangingPunct="1">
+                        <a:lnSpc>
+                          <a:spcPts val="10000"/>
+                        </a:lnSpc>
+                        <a:spcBef>
+                          <a:spcPts val="600"/>
+                        </a:spcBef>
+                        <a:spcAft>
+                          <a:spcPts val="0"/>
+                        </a:spcAft>
+                        <a:buClrTx/>
+                        <a:buSzTx/>
+                        <a:buFontTx/>
+                        <a:buNone/>
+                        <a:tabLst/>
+                        <a:defRPr/>
+                      </a:pPr>
+                      <a:r>
+                        <a:rPr lang="zh-TW" altLang="en-US" sz="7200" kern="1200" dirty="0" smtClean="0">
+                          <a:solidFill>
+                            <a:schemeClr val="tx1"/>
+                          </a:solidFill>
+                          <a:latin typeface="Times New Roman" panose="02020603050405020304" pitchFamily="18" charset="0"/>
+                          <a:ea typeface="SimHei" panose="02010609060101010101" pitchFamily="49" charset="-122"/>
+                          <a:cs typeface="Times New Roman" panose="02020603050405020304" pitchFamily="18" charset="0"/>
+                        </a:rPr>
+                        <a:t>食</a:t>
+                      </a:r>
+                      <a:r>
+                        <a:rPr lang="zh-TW" altLang="en-US" sz="7200" kern="1200" dirty="0" smtClean="0">
+                          <a:solidFill>
+                            <a:schemeClr val="tx1"/>
+                          </a:solidFill>
+                          <a:latin typeface="Times New Roman" panose="02020603050405020304" pitchFamily="18" charset="0"/>
+                          <a:ea typeface="SimHei" panose="02010609060101010101" pitchFamily="49" charset="-122"/>
+                          <a:cs typeface="Times New Roman" panose="02020603050405020304" pitchFamily="18" charset="0"/>
+                        </a:rPr>
+                        <a:t>安問題連環爆，立法院長王金平下午主持</a:t>
+                      </a:r>
+                      <a:r>
+                        <a:rPr lang="en-US" altLang="zh-TW" sz="7200" kern="1200" dirty="0" smtClean="0">
+                          <a:solidFill>
+                            <a:schemeClr val="tx1"/>
+                          </a:solidFill>
+                          <a:latin typeface="Times New Roman" panose="02020603050405020304" pitchFamily="18" charset="0"/>
+                          <a:ea typeface="SimHei" panose="02010609060101010101" pitchFamily="49" charset="-122"/>
+                          <a:cs typeface="Times New Roman" panose="02020603050405020304" pitchFamily="18" charset="0"/>
+                        </a:rPr>
+                        <a:t>《</a:t>
+                      </a:r>
+                      <a:r>
+                        <a:rPr lang="zh-TW" altLang="en-US" sz="7200" kern="1200" dirty="0" smtClean="0">
+                          <a:solidFill>
+                            <a:schemeClr val="tx1"/>
+                          </a:solidFill>
+                          <a:latin typeface="Times New Roman" panose="02020603050405020304" pitchFamily="18" charset="0"/>
+                          <a:ea typeface="SimHei" panose="02010609060101010101" pitchFamily="49" charset="-122"/>
+                          <a:cs typeface="Times New Roman" panose="02020603050405020304" pitchFamily="18" charset="0"/>
+                        </a:rPr>
+                        <a:t>食品安全衛生管理法</a:t>
+                      </a:r>
+                      <a:r>
+                        <a:rPr lang="en-US" altLang="zh-TW" sz="7200" kern="1200" dirty="0" smtClean="0">
+                          <a:solidFill>
+                            <a:schemeClr val="tx1"/>
+                          </a:solidFill>
+                          <a:latin typeface="Times New Roman" panose="02020603050405020304" pitchFamily="18" charset="0"/>
+                          <a:ea typeface="SimHei" panose="02010609060101010101" pitchFamily="49" charset="-122"/>
+                          <a:cs typeface="Times New Roman" panose="02020603050405020304" pitchFamily="18" charset="0"/>
+                        </a:rPr>
+                        <a:t>》</a:t>
+                      </a:r>
+                      <a:r>
+                        <a:rPr lang="zh-TW" altLang="en-US" sz="7200" kern="1200" dirty="0" smtClean="0">
+                          <a:solidFill>
+                            <a:schemeClr val="tx1"/>
+                          </a:solidFill>
+                          <a:latin typeface="Times New Roman" panose="02020603050405020304" pitchFamily="18" charset="0"/>
+                          <a:ea typeface="SimHei" panose="02010609060101010101" pitchFamily="49" charset="-122"/>
+                          <a:cs typeface="Times New Roman" panose="02020603050405020304" pitchFamily="18" charset="0"/>
+                        </a:rPr>
+                        <a:t>協商仍未獲</a:t>
+                      </a:r>
+                      <a:r>
+                        <a:rPr lang="zh-TW" altLang="en-US" sz="7200" kern="1200" dirty="0" smtClean="0">
+                          <a:solidFill>
+                            <a:schemeClr val="tx1"/>
+                          </a:solidFill>
+                          <a:latin typeface="Times New Roman" panose="02020603050405020304" pitchFamily="18" charset="0"/>
+                          <a:ea typeface="SimHei" panose="02010609060101010101" pitchFamily="49" charset="-122"/>
+                          <a:cs typeface="Times New Roman" panose="02020603050405020304" pitchFamily="18" charset="0"/>
+                        </a:rPr>
+                        <a:t>共識</a:t>
+                      </a:r>
+                      <a:endParaRPr lang="en-US" altLang="zh-TW" sz="1100" kern="1200" dirty="0" smtClean="0">
+                        <a:solidFill>
+                          <a:schemeClr val="tx1"/>
+                        </a:solidFill>
+                        <a:latin typeface="Times New Roman" panose="02020603050405020304" pitchFamily="18" charset="0"/>
+                        <a:ea typeface="SimHei" panose="02010609060101010101" pitchFamily="49" charset="-122"/>
+                        <a:cs typeface="Times New Roman" panose="02020603050405020304" pitchFamily="18" charset="0"/>
+                      </a:endParaRPr>
+                    </a:p>
+                    <a:p>
+                      <a:pPr marL="0" marR="0" indent="0" algn="l" defTabSz="2270638" rtl="0" eaLnBrk="1" fontAlgn="auto" latinLnBrk="0" hangingPunct="1">
+                        <a:lnSpc>
+                          <a:spcPct val="100000"/>
+                        </a:lnSpc>
+                        <a:spcBef>
+                          <a:spcPts val="800"/>
+                        </a:spcBef>
+                        <a:spcAft>
+                          <a:spcPts val="0"/>
+                        </a:spcAft>
+                        <a:buClrTx/>
+                        <a:buSzTx/>
+                        <a:buFontTx/>
+                        <a:buNone/>
+                        <a:tabLst/>
+                        <a:defRPr/>
+                      </a:pPr>
+                      <a:r>
+                        <a:rPr lang="en-US" altLang="zh-TW" sz="1100" kern="1200" dirty="0" smtClean="0">
+                          <a:solidFill>
+                            <a:schemeClr val="tx1"/>
+                          </a:solidFill>
+                          <a:latin typeface="Times New Roman" panose="02020603050405020304" pitchFamily="18" charset="0"/>
+                          <a:ea typeface="SimHei" panose="02010609060101010101" pitchFamily="49" charset="-122"/>
+                          <a:cs typeface="Times New Roman" panose="02020603050405020304" pitchFamily="18" charset="0"/>
+                        </a:rPr>
+                        <a:t> </a:t>
+                      </a:r>
+                    </a:p>
+                  </a:txBody>
+                  <a:tcPr/>
+                </a:tc>
+              </a:tr>
+              <a:tr h="1111258">
+                <a:tc>
+                  <a:txBody>
+                    <a:bodyPr/>
+                    <a:lstStyle/>
+                    <a:p>
+                      <a:pPr marL="0" indent="0" algn="ctr" defTabSz="2270638" rtl="0" eaLnBrk="1" latinLnBrk="0" hangingPunct="1">
+                        <a:lnSpc>
+                          <a:spcPct val="120000"/>
+                        </a:lnSpc>
+                        <a:spcBef>
+                          <a:spcPts val="200"/>
+                        </a:spcBef>
+                        <a:buFont typeface="Arial" panose="020B0604020202020204" pitchFamily="34" charset="0"/>
+                        <a:buNone/>
+                      </a:pPr>
+                      <a:r>
+                        <a:rPr lang="zh-TW" altLang="en-US" sz="8000" b="1" kern="1200" dirty="0" smtClean="0">
+                          <a:solidFill>
+                            <a:schemeClr val="tx1"/>
+                          </a:solidFill>
+                          <a:latin typeface="Kozuka Mincho Pr6N R" panose="02020400000000000000" pitchFamily="18" charset="-128"/>
+                          <a:ea typeface="Kozuka Mincho Pr6N R" panose="02020400000000000000" pitchFamily="18" charset="-128"/>
+                          <a:cs typeface="+mn-cs"/>
+                        </a:rPr>
+                        <a:t>閩南語</a:t>
+                      </a:r>
+                      <a:endParaRPr lang="en-US" altLang="zh-TW" sz="8000" b="1" kern="1200" dirty="0" smtClean="0">
+                        <a:solidFill>
+                          <a:schemeClr val="tx1"/>
+                        </a:solidFill>
+                        <a:latin typeface="Kozuka Mincho Pr6N R" panose="02020400000000000000" pitchFamily="18" charset="-128"/>
+                        <a:ea typeface="Kozuka Mincho Pr6N R" panose="02020400000000000000" pitchFamily="18" charset="-128"/>
+                        <a:cs typeface="+mn-cs"/>
+                      </a:endParaRPr>
+                    </a:p>
+                    <a:p>
+                      <a:pPr marL="0" indent="0" algn="ctr" defTabSz="2270638" rtl="0" eaLnBrk="1" latinLnBrk="0" hangingPunct="1">
+                        <a:lnSpc>
+                          <a:spcPct val="120000"/>
+                        </a:lnSpc>
+                        <a:spcBef>
+                          <a:spcPts val="200"/>
+                        </a:spcBef>
+                        <a:buFont typeface="Arial" panose="020B0604020202020204" pitchFamily="34" charset="0"/>
+                        <a:buNone/>
+                      </a:pPr>
+                      <a:r>
+                        <a:rPr lang="zh-TW" altLang="en-US" sz="8000" b="1" kern="1200" dirty="0" smtClean="0">
+                          <a:solidFill>
+                            <a:schemeClr val="tx1"/>
+                          </a:solidFill>
+                          <a:latin typeface="Kozuka Mincho Pr6N R" panose="02020400000000000000" pitchFamily="18" charset="-128"/>
+                          <a:ea typeface="Kozuka Mincho Pr6N R" panose="02020400000000000000" pitchFamily="18" charset="-128"/>
+                          <a:cs typeface="+mn-cs"/>
+                        </a:rPr>
+                        <a:t>輸出</a:t>
+                      </a:r>
+                      <a:endParaRPr lang="zh-TW" altLang="en-US" sz="8000" b="1" kern="1200" dirty="0">
+                        <a:solidFill>
+                          <a:schemeClr val="tx1"/>
+                        </a:solidFill>
+                        <a:latin typeface="Kozuka Mincho Pr6N R" panose="02020400000000000000" pitchFamily="18" charset="-128"/>
+                        <a:ea typeface="Kozuka Mincho Pr6N R" panose="02020400000000000000" pitchFamily="18" charset="-128"/>
+                        <a:cs typeface="+mn-cs"/>
+                      </a:endParaRPr>
+                    </a:p>
+                  </a:txBody>
+                  <a:tcPr anchor="ctr"/>
+                </a:tc>
+                <a:tc>
+                  <a:txBody>
+                    <a:bodyPr/>
+                    <a:lstStyle/>
+                    <a:p>
+                      <a:pPr>
+                        <a:lnSpc>
+                          <a:spcPct val="100000"/>
+                        </a:lnSpc>
+                        <a:spcBef>
+                          <a:spcPts val="0"/>
+                        </a:spcBef>
+                        <a:spcAft>
+                          <a:spcPts val="200"/>
+                        </a:spcAft>
+                      </a:pPr>
+                      <a:endParaRPr lang="en-US" altLang="zh-TW" sz="1100" kern="1200" dirty="0" smtClean="0">
+                        <a:solidFill>
+                          <a:schemeClr val="tx1"/>
+                        </a:solidFill>
+                        <a:latin typeface="Times New Roman" panose="02020603050405020304" pitchFamily="18" charset="0"/>
+                        <a:ea typeface="SimHei" panose="02010609060101010101" pitchFamily="49" charset="-122"/>
+                        <a:cs typeface="Times New Roman" panose="02020603050405020304" pitchFamily="18" charset="0"/>
+                      </a:endParaRPr>
+                    </a:p>
+                    <a:p>
+                      <a:pPr marL="0" marR="0" indent="0" algn="l" defTabSz="2270638" rtl="0" eaLnBrk="1" fontAlgn="auto" latinLnBrk="0" hangingPunct="1">
+                        <a:lnSpc>
+                          <a:spcPts val="10000"/>
+                        </a:lnSpc>
+                        <a:spcBef>
+                          <a:spcPts val="600"/>
+                        </a:spcBef>
+                        <a:spcAft>
+                          <a:spcPts val="0"/>
+                        </a:spcAft>
+                        <a:buClrTx/>
+                        <a:buSzTx/>
+                        <a:buFontTx/>
+                        <a:buNone/>
+                        <a:tabLst/>
+                        <a:defRPr/>
+                      </a:pPr>
+                      <a:r>
+                        <a:rPr lang="zh-TW" altLang="en-US" sz="7200" kern="1200" dirty="0" smtClean="0">
+                          <a:solidFill>
+                            <a:schemeClr val="tx1"/>
+                          </a:solidFill>
+                          <a:latin typeface="Times New Roman" panose="02020603050405020304" pitchFamily="18" charset="0"/>
+                          <a:ea typeface="SimHei" panose="02010609060101010101" pitchFamily="49" charset="-122"/>
+                          <a:cs typeface="Times New Roman" panose="02020603050405020304" pitchFamily="18" charset="0"/>
+                        </a:rPr>
+                        <a:t>食安問題連環爆，立法院長王金平下主持</a:t>
+                      </a:r>
+                      <a:r>
+                        <a:rPr lang="en-US" altLang="zh-TW" sz="7200" kern="1200" dirty="0" smtClean="0">
+                          <a:solidFill>
+                            <a:schemeClr val="tx1"/>
+                          </a:solidFill>
+                          <a:latin typeface="Times New Roman" panose="02020603050405020304" pitchFamily="18" charset="0"/>
+                          <a:ea typeface="SimHei" panose="02010609060101010101" pitchFamily="49" charset="-122"/>
+                          <a:cs typeface="Times New Roman" panose="02020603050405020304" pitchFamily="18" charset="0"/>
+                        </a:rPr>
+                        <a:t>《</a:t>
+                      </a:r>
+                      <a:r>
+                        <a:rPr lang="zh-TW" altLang="en-US" sz="7200" kern="1200" dirty="0" smtClean="0">
+                          <a:solidFill>
+                            <a:schemeClr val="tx1"/>
+                          </a:solidFill>
+                          <a:latin typeface="Times New Roman" panose="02020603050405020304" pitchFamily="18" charset="0"/>
+                          <a:ea typeface="SimHei" panose="02010609060101010101" pitchFamily="49" charset="-122"/>
+                          <a:cs typeface="Times New Roman" panose="02020603050405020304" pitchFamily="18" charset="0"/>
+                        </a:rPr>
+                        <a:t>食品安全衛生管理法</a:t>
+                      </a:r>
+                      <a:r>
+                        <a:rPr lang="en-US" altLang="zh-TW" sz="7200" kern="1200" dirty="0" smtClean="0">
+                          <a:solidFill>
+                            <a:schemeClr val="tx1"/>
+                          </a:solidFill>
+                          <a:latin typeface="Times New Roman" panose="02020603050405020304" pitchFamily="18" charset="0"/>
+                          <a:ea typeface="SimHei" panose="02010609060101010101" pitchFamily="49" charset="-122"/>
+                          <a:cs typeface="Times New Roman" panose="02020603050405020304" pitchFamily="18" charset="0"/>
+                        </a:rPr>
+                        <a:t>》</a:t>
+                      </a:r>
+                      <a:r>
+                        <a:rPr lang="zh-TW" altLang="en-US" sz="7200" kern="1200" dirty="0" smtClean="0">
+                          <a:solidFill>
+                            <a:schemeClr val="tx1"/>
+                          </a:solidFill>
+                          <a:latin typeface="Times New Roman" panose="02020603050405020304" pitchFamily="18" charset="0"/>
+                          <a:ea typeface="SimHei" panose="02010609060101010101" pitchFamily="49" charset="-122"/>
+                          <a:cs typeface="Times New Roman" panose="02020603050405020304" pitchFamily="18" charset="0"/>
+                        </a:rPr>
+                        <a:t>協商猶未獲共識</a:t>
+                      </a:r>
+                      <a:endParaRPr lang="en-US" altLang="zh-TW" sz="1100" kern="1200" dirty="0" smtClean="0">
+                        <a:solidFill>
+                          <a:schemeClr val="tx1"/>
+                        </a:solidFill>
+                        <a:latin typeface="Times New Roman" panose="02020603050405020304" pitchFamily="18" charset="0"/>
+                        <a:ea typeface="SimHei" panose="02010609060101010101" pitchFamily="49" charset="-122"/>
+                        <a:cs typeface="Times New Roman" panose="02020603050405020304" pitchFamily="18" charset="0"/>
+                      </a:endParaRPr>
+                    </a:p>
+                    <a:p>
+                      <a:pPr marL="0" marR="0" indent="0" algn="l" defTabSz="2270638" rtl="0" eaLnBrk="1" fontAlgn="auto" latinLnBrk="0" hangingPunct="1">
+                        <a:lnSpc>
+                          <a:spcPct val="100000"/>
+                        </a:lnSpc>
+                        <a:spcBef>
+                          <a:spcPts val="800"/>
+                        </a:spcBef>
+                        <a:spcAft>
+                          <a:spcPts val="0"/>
+                        </a:spcAft>
+                        <a:buClrTx/>
+                        <a:buSzTx/>
+                        <a:buFontTx/>
+                        <a:buNone/>
+                        <a:tabLst/>
+                        <a:defRPr/>
+                      </a:pPr>
+                      <a:r>
+                        <a:rPr lang="en-US" altLang="zh-TW" sz="1100" kern="1200" dirty="0" smtClean="0">
+                          <a:solidFill>
+                            <a:schemeClr val="tx1"/>
+                          </a:solidFill>
+                          <a:latin typeface="Times New Roman" panose="02020603050405020304" pitchFamily="18" charset="0"/>
+                          <a:ea typeface="SimHei" panose="02010609060101010101" pitchFamily="49" charset="-122"/>
+                          <a:cs typeface="Times New Roman" panose="02020603050405020304" pitchFamily="18" charset="0"/>
+                        </a:rPr>
+                        <a:t> </a:t>
+                      </a:r>
+                      <a:endParaRPr lang="en-US" altLang="zh-TW" sz="1100" kern="1200" dirty="0" smtClean="0">
+                        <a:solidFill>
+                          <a:schemeClr val="tx1"/>
+                        </a:solidFill>
+                        <a:latin typeface="Times New Roman" panose="02020603050405020304" pitchFamily="18" charset="0"/>
+                        <a:ea typeface="SimHei" panose="02010609060101010101" pitchFamily="49" charset="-122"/>
+                        <a:cs typeface="Times New Roman" panose="02020603050405020304" pitchFamily="18" charset="0"/>
+                      </a:endParaRPr>
+                    </a:p>
+                  </a:txBody>
+                  <a:tcPr/>
+                </a:tc>
+              </a:tr>
+            </a:tbl>
+          </a:graphicData>
+        </a:graphic>
+      </p:graphicFrame>
+    </p:spTree>
+    <p:extLst>
+      <p:ext uri="{BB962C8B-B14F-4D97-AF65-F5344CB8AC3E}">
+        <p14:creationId xmlns:p14="http://schemas.microsoft.com/office/powerpoint/2010/main" val="3446936836"/>
       </p:ext>
     </p:extLst>
   </p:cSld>

--- a/翻譯海報.pptx
+++ b/翻譯海報.pptx
@@ -263,7 +263,7 @@
           <a:p>
             <a:fld id="{D6C2DB01-FA2F-4842-83FB-CEC0F2C70720}" type="datetimeFigureOut">
               <a:rPr lang="zh-TW" altLang="en-US" smtClean="0"/>
-              <a:t>2014/12/30</a:t>
+              <a:t>2014/12/31</a:t>
             </a:fld>
             <a:endParaRPr lang="zh-TW" altLang="en-US"/>
           </a:p>
@@ -433,7 +433,7 @@
           <a:p>
             <a:fld id="{D6C2DB01-FA2F-4842-83FB-CEC0F2C70720}" type="datetimeFigureOut">
               <a:rPr lang="zh-TW" altLang="en-US" smtClean="0"/>
-              <a:t>2014/12/30</a:t>
+              <a:t>2014/12/31</a:t>
             </a:fld>
             <a:endParaRPr lang="zh-TW" altLang="en-US"/>
           </a:p>
@@ -613,7 +613,7 @@
           <a:p>
             <a:fld id="{D6C2DB01-FA2F-4842-83FB-CEC0F2C70720}" type="datetimeFigureOut">
               <a:rPr lang="zh-TW" altLang="en-US" smtClean="0"/>
-              <a:t>2014/12/30</a:t>
+              <a:t>2014/12/31</a:t>
             </a:fld>
             <a:endParaRPr lang="zh-TW" altLang="en-US"/>
           </a:p>
@@ -783,7 +783,7 @@
           <a:p>
             <a:fld id="{D6C2DB01-FA2F-4842-83FB-CEC0F2C70720}" type="datetimeFigureOut">
               <a:rPr lang="zh-TW" altLang="en-US" smtClean="0"/>
-              <a:t>2014/12/30</a:t>
+              <a:t>2014/12/31</a:t>
             </a:fld>
             <a:endParaRPr lang="zh-TW" altLang="en-US"/>
           </a:p>
@@ -1029,7 +1029,7 @@
           <a:p>
             <a:fld id="{D6C2DB01-FA2F-4842-83FB-CEC0F2C70720}" type="datetimeFigureOut">
               <a:rPr lang="zh-TW" altLang="en-US" smtClean="0"/>
-              <a:t>2014/12/30</a:t>
+              <a:t>2014/12/31</a:t>
             </a:fld>
             <a:endParaRPr lang="zh-TW" altLang="en-US"/>
           </a:p>
@@ -1261,7 +1261,7 @@
           <a:p>
             <a:fld id="{D6C2DB01-FA2F-4842-83FB-CEC0F2C70720}" type="datetimeFigureOut">
               <a:rPr lang="zh-TW" altLang="en-US" smtClean="0"/>
-              <a:t>2014/12/30</a:t>
+              <a:t>2014/12/31</a:t>
             </a:fld>
             <a:endParaRPr lang="zh-TW" altLang="en-US"/>
           </a:p>
@@ -1628,7 +1628,7 @@
           <a:p>
             <a:fld id="{D6C2DB01-FA2F-4842-83FB-CEC0F2C70720}" type="datetimeFigureOut">
               <a:rPr lang="zh-TW" altLang="en-US" smtClean="0"/>
-              <a:t>2014/12/30</a:t>
+              <a:t>2014/12/31</a:t>
             </a:fld>
             <a:endParaRPr lang="zh-TW" altLang="en-US"/>
           </a:p>
@@ -1746,7 +1746,7 @@
           <a:p>
             <a:fld id="{D6C2DB01-FA2F-4842-83FB-CEC0F2C70720}" type="datetimeFigureOut">
               <a:rPr lang="zh-TW" altLang="en-US" smtClean="0"/>
-              <a:t>2014/12/30</a:t>
+              <a:t>2014/12/31</a:t>
             </a:fld>
             <a:endParaRPr lang="zh-TW" altLang="en-US"/>
           </a:p>
@@ -1841,7 +1841,7 @@
           <a:p>
             <a:fld id="{D6C2DB01-FA2F-4842-83FB-CEC0F2C70720}" type="datetimeFigureOut">
               <a:rPr lang="zh-TW" altLang="en-US" smtClean="0"/>
-              <a:t>2014/12/30</a:t>
+              <a:t>2014/12/31</a:t>
             </a:fld>
             <a:endParaRPr lang="zh-TW" altLang="en-US"/>
           </a:p>
@@ -2118,7 +2118,7 @@
           <a:p>
             <a:fld id="{D6C2DB01-FA2F-4842-83FB-CEC0F2C70720}" type="datetimeFigureOut">
               <a:rPr lang="zh-TW" altLang="en-US" smtClean="0"/>
-              <a:t>2014/12/30</a:t>
+              <a:t>2014/12/31</a:t>
             </a:fld>
             <a:endParaRPr lang="zh-TW" altLang="en-US"/>
           </a:p>
@@ -2371,7 +2371,7 @@
           <a:p>
             <a:fld id="{D6C2DB01-FA2F-4842-83FB-CEC0F2C70720}" type="datetimeFigureOut">
               <a:rPr lang="zh-TW" altLang="en-US" smtClean="0"/>
-              <a:t>2014/12/30</a:t>
+              <a:t>2014/12/31</a:t>
             </a:fld>
             <a:endParaRPr lang="zh-TW" altLang="en-US"/>
           </a:p>
@@ -2584,7 +2584,7 @@
           <a:p>
             <a:fld id="{D6C2DB01-FA2F-4842-83FB-CEC0F2C70720}" type="datetimeFigureOut">
               <a:rPr lang="zh-TW" altLang="en-US" smtClean="0"/>
-              <a:t>2014/12/30</a:t>
+              <a:t>2014/12/31</a:t>
             </a:fld>
             <a:endParaRPr lang="zh-TW" altLang="en-US"/>
           </a:p>
@@ -3142,77 +3142,7 @@
                 <a:latin typeface="Kozuka Gothic Pro L" panose="020B0200000000000000" pitchFamily="34" charset="-128"/>
                 <a:ea typeface="Kozuka Gothic Pro L" panose="020B0200000000000000" pitchFamily="34" charset="-128"/>
               </a:rPr>
-              <a:t>臺灣</a:t>
-            </a:r>
-            <a:r>
-              <a:rPr lang="zh-TW" altLang="en-US" sz="7200" dirty="0">
-                <a:latin typeface="Kozuka Gothic Pro L" panose="020B0200000000000000" pitchFamily="34" charset="-128"/>
-                <a:ea typeface="Kozuka Gothic Pro L" panose="020B0200000000000000" pitchFamily="34" charset="-128"/>
-              </a:rPr>
-              <a:t>本土語言百百種</a:t>
-            </a:r>
-            <a:r>
-              <a:rPr lang="zh-TW" altLang="en-US" sz="7200" dirty="0">
-                <a:latin typeface="Kozuka Gothic Pro L" panose="020B0200000000000000" pitchFamily="34" charset="-128"/>
-                <a:ea typeface="Kozuka Gothic Pro L" panose="020B0200000000000000" pitchFamily="34" charset="-128"/>
-              </a:rPr>
-              <a:t>，本</a:t>
-            </a:r>
-            <a:r>
-              <a:rPr lang="zh-TW" altLang="en-US" sz="7200" dirty="0">
-                <a:latin typeface="Kozuka Gothic Pro L" panose="020B0200000000000000" pitchFamily="34" charset="-128"/>
-                <a:ea typeface="Kozuka Gothic Pro L" panose="020B0200000000000000" pitchFamily="34" charset="-128"/>
-              </a:rPr>
-              <a:t>論文是針對閩南語</a:t>
-            </a:r>
-            <a:r>
-              <a:rPr lang="zh-TW" altLang="en-US" sz="7200" dirty="0">
-                <a:latin typeface="Kozuka Gothic Pro L" panose="020B0200000000000000" pitchFamily="34" charset="-128"/>
-                <a:ea typeface="Kozuka Gothic Pro L" panose="020B0200000000000000" pitchFamily="34" charset="-128"/>
-              </a:rPr>
-              <a:t>，研究</a:t>
-            </a:r>
-            <a:r>
-              <a:rPr lang="zh-TW" altLang="en-US" sz="7200" dirty="0">
-                <a:latin typeface="Kozuka Gothic Pro L" panose="020B0200000000000000" pitchFamily="34" charset="-128"/>
-                <a:ea typeface="Kozuka Gothic Pro L" panose="020B0200000000000000" pitchFamily="34" charset="-128"/>
-              </a:rPr>
-              <a:t>伊翻譯語料的特性</a:t>
-            </a:r>
-            <a:r>
-              <a:rPr lang="zh-TW" altLang="en-US" sz="7200" dirty="0">
-                <a:latin typeface="Kozuka Gothic Pro L" panose="020B0200000000000000" pitchFamily="34" charset="-128"/>
-                <a:ea typeface="Kozuka Gothic Pro L" panose="020B0200000000000000" pitchFamily="34" charset="-128"/>
-              </a:rPr>
-              <a:t>。除了</a:t>
-            </a:r>
-            <a:r>
-              <a:rPr lang="zh-TW" altLang="en-US" sz="7200" dirty="0">
-                <a:latin typeface="Kozuka Gothic Pro L" panose="020B0200000000000000" pitchFamily="34" charset="-128"/>
-                <a:ea typeface="Kozuka Gothic Pro L" panose="020B0200000000000000" pitchFamily="34" charset="-128"/>
-              </a:rPr>
-              <a:t>閩南語本身以外</a:t>
-            </a:r>
-            <a:r>
-              <a:rPr lang="zh-TW" altLang="en-US" sz="7200" dirty="0">
-                <a:latin typeface="Kozuka Gothic Pro L" panose="020B0200000000000000" pitchFamily="34" charset="-128"/>
-                <a:ea typeface="Kozuka Gothic Pro L" panose="020B0200000000000000" pitchFamily="34" charset="-128"/>
-              </a:rPr>
-              <a:t>，嘛</a:t>
-            </a:r>
-            <a:r>
-              <a:rPr lang="zh-TW" altLang="en-US" sz="7200" dirty="0">
-                <a:latin typeface="Kozuka Gothic Pro L" panose="020B0200000000000000" pitchFamily="34" charset="-128"/>
-                <a:ea typeface="Kozuka Gothic Pro L" panose="020B0200000000000000" pitchFamily="34" charset="-128"/>
-              </a:rPr>
-              <a:t>希望研究結果對別的本土語言有幫助</a:t>
-            </a:r>
-            <a:r>
-              <a:rPr lang="zh-TW" altLang="en-US" sz="7200" dirty="0">
-                <a:latin typeface="Kozuka Gothic Pro L" panose="020B0200000000000000" pitchFamily="34" charset="-128"/>
-                <a:ea typeface="Kozuka Gothic Pro L" panose="020B0200000000000000" pitchFamily="34" charset="-128"/>
-              </a:rPr>
-              <a:t>。</a:t>
+              <a:t>臺灣本土語言百百種，本論文是針對閩南語，研究伊翻譯語料的特性。除了閩南語本身以外，嘛希望研究結果對別的本土語言有幫助。</a:t>
             </a:r>
             <a:endParaRPr lang="en-US" altLang="zh-TW" sz="7200" dirty="0">
               <a:latin typeface="Kozuka Gothic Pro L" panose="020B0200000000000000" pitchFamily="34" charset="-128"/>
@@ -3246,154 +3176,77 @@
                 <a:latin typeface="Kozuka Gothic Pro L" panose="020B0200000000000000" pitchFamily="34" charset="-128"/>
                 <a:ea typeface="Kozuka Gothic Pro L" panose="020B0200000000000000" pitchFamily="34" charset="-128"/>
               </a:rPr>
-              <a:t>　　本</a:t>
+              <a:t>　　本論文提出一个自動整理漢語語料的方法，予資訊無完整的語料庫補足資訊，發揮上大的價值，</a:t>
+            </a:r>
+            <a:r>
+              <a:rPr lang="en-US" altLang="zh-TW" sz="7200" dirty="0">
+                <a:latin typeface="Kozuka Gothic Pro L" panose="020B0200000000000000" pitchFamily="34" charset="-128"/>
+                <a:ea typeface="Kozuka Gothic Pro L" panose="020B0200000000000000" pitchFamily="34" charset="-128"/>
+              </a:rPr>
+              <a:t>BLEU</a:t>
             </a:r>
             <a:r>
               <a:rPr lang="zh-TW" altLang="en-US" sz="7200" dirty="0">
                 <a:latin typeface="Kozuka Gothic Pro L" panose="020B0200000000000000" pitchFamily="34" charset="-128"/>
                 <a:ea typeface="Kozuka Gothic Pro L" panose="020B0200000000000000" pitchFamily="34" charset="-128"/>
               </a:rPr>
-              <a:t>論文提出一个自動整理漢語語料的方法</a:t>
+              <a:t>分數對</a:t>
+            </a:r>
+            <a:r>
+              <a:rPr lang="en-US" altLang="zh-TW" sz="7200" dirty="0">
+                <a:latin typeface="Kozuka Gothic Pro L" panose="020B0200000000000000" pitchFamily="34" charset="-128"/>
+                <a:ea typeface="Kozuka Gothic Pro L" panose="020B0200000000000000" pitchFamily="34" charset="-128"/>
+              </a:rPr>
+              <a:t>9.30</a:t>
             </a:r>
             <a:r>
               <a:rPr lang="zh-TW" altLang="en-US" sz="7200" dirty="0">
                 <a:latin typeface="Kozuka Gothic Pro L" panose="020B0200000000000000" pitchFamily="34" charset="-128"/>
                 <a:ea typeface="Kozuka Gothic Pro L" panose="020B0200000000000000" pitchFamily="34" charset="-128"/>
               </a:rPr>
-              <a:t>，予</a:t>
+              <a:t>搝到</a:t>
+            </a:r>
+            <a:r>
+              <a:rPr lang="en-US" altLang="zh-TW" sz="7200" dirty="0">
+                <a:latin typeface="Kozuka Gothic Pro L" panose="020B0200000000000000" pitchFamily="34" charset="-128"/>
+                <a:ea typeface="Kozuka Gothic Pro L" panose="020B0200000000000000" pitchFamily="34" charset="-128"/>
+              </a:rPr>
+              <a:t>13.82</a:t>
             </a:r>
             <a:r>
               <a:rPr lang="zh-TW" altLang="en-US" sz="7200" dirty="0">
                 <a:latin typeface="Kozuka Gothic Pro L" panose="020B0200000000000000" pitchFamily="34" charset="-128"/>
                 <a:ea typeface="Kozuka Gothic Pro L" panose="020B0200000000000000" pitchFamily="34" charset="-128"/>
               </a:rPr>
-              <a:t>資訊無完整的語料庫補足資訊</a:t>
+              <a:t>。另外閣用實驗證明平行語料數量無到十萬句的時，加語料對翻譯的效果影響非常大，原本</a:t>
+            </a:r>
+            <a:r>
+              <a:rPr lang="en-US" altLang="zh-TW" sz="7200" dirty="0">
+                <a:latin typeface="Kozuka Gothic Pro L" panose="020B0200000000000000" pitchFamily="34" charset="-128"/>
+                <a:ea typeface="Kozuka Gothic Pro L" panose="020B0200000000000000" pitchFamily="34" charset="-128"/>
+              </a:rPr>
+              <a:t>64121</a:t>
             </a:r>
             <a:r>
               <a:rPr lang="zh-TW" altLang="en-US" sz="7200" dirty="0">
                 <a:latin typeface="Kozuka Gothic Pro L" panose="020B0200000000000000" pitchFamily="34" charset="-128"/>
                 <a:ea typeface="Kozuka Gothic Pro L" panose="020B0200000000000000" pitchFamily="34" charset="-128"/>
               </a:rPr>
-              <a:t>，發揮</a:t>
+              <a:t>句加到</a:t>
+            </a:r>
+            <a:r>
+              <a:rPr lang="en-US" altLang="zh-TW" sz="7200" dirty="0">
+                <a:latin typeface="Kozuka Gothic Pro L" panose="020B0200000000000000" pitchFamily="34" charset="-128"/>
+                <a:ea typeface="Kozuka Gothic Pro L" panose="020B0200000000000000" pitchFamily="34" charset="-128"/>
+              </a:rPr>
+              <a:t>99147</a:t>
             </a:r>
             <a:r>
               <a:rPr lang="zh-TW" altLang="en-US" sz="7200" dirty="0">
                 <a:latin typeface="Kozuka Gothic Pro L" panose="020B0200000000000000" pitchFamily="34" charset="-128"/>
                 <a:ea typeface="Kozuka Gothic Pro L" panose="020B0200000000000000" pitchFamily="34" charset="-128"/>
               </a:rPr>
-              <a:t>上大的價值</a:t>
-            </a:r>
-            <a:r>
-              <a:rPr lang="zh-TW" altLang="en-US" sz="7200" dirty="0">
-                <a:latin typeface="Kozuka Gothic Pro L" panose="020B0200000000000000" pitchFamily="34" charset="-128"/>
-                <a:ea typeface="Kozuka Gothic Pro L" panose="020B0200000000000000" pitchFamily="34" charset="-128"/>
-              </a:rPr>
-              <a:t>，</a:t>
-            </a:r>
-            <a:r>
-              <a:rPr lang="en-US" altLang="zh-TW" sz="7200" dirty="0">
-                <a:latin typeface="Kozuka Gothic Pro L" panose="020B0200000000000000" pitchFamily="34" charset="-128"/>
-                <a:ea typeface="Kozuka Gothic Pro L" panose="020B0200000000000000" pitchFamily="34" charset="-128"/>
-              </a:rPr>
-              <a:t>BLEU</a:t>
-            </a:r>
-            <a:r>
-              <a:rPr lang="zh-TW" altLang="en-US" sz="7200" dirty="0">
-                <a:latin typeface="Kozuka Gothic Pro L" panose="020B0200000000000000" pitchFamily="34" charset="-128"/>
-                <a:ea typeface="Kozuka Gothic Pro L" panose="020B0200000000000000" pitchFamily="34" charset="-128"/>
-              </a:rPr>
-              <a:t>分數對</a:t>
-            </a:r>
-            <a:r>
-              <a:rPr lang="en-US" altLang="zh-TW" sz="7200" dirty="0">
-                <a:latin typeface="Kozuka Gothic Pro L" panose="020B0200000000000000" pitchFamily="34" charset="-128"/>
-                <a:ea typeface="Kozuka Gothic Pro L" panose="020B0200000000000000" pitchFamily="34" charset="-128"/>
-              </a:rPr>
-              <a:t>9.30</a:t>
-            </a:r>
-            <a:r>
-              <a:rPr lang="zh-TW" altLang="en-US" sz="7200" dirty="0">
-                <a:latin typeface="Kozuka Gothic Pro L" panose="020B0200000000000000" pitchFamily="34" charset="-128"/>
-                <a:ea typeface="Kozuka Gothic Pro L" panose="020B0200000000000000" pitchFamily="34" charset="-128"/>
-              </a:rPr>
-              <a:t>搝到</a:t>
-            </a:r>
-            <a:r>
-              <a:rPr lang="en-US" altLang="zh-TW" sz="7200" dirty="0">
-                <a:latin typeface="Kozuka Gothic Pro L" panose="020B0200000000000000" pitchFamily="34" charset="-128"/>
-                <a:ea typeface="Kozuka Gothic Pro L" panose="020B0200000000000000" pitchFamily="34" charset="-128"/>
-              </a:rPr>
-              <a:t>13.82</a:t>
-            </a:r>
-            <a:r>
-              <a:rPr lang="zh-TW" altLang="en-US" sz="7200" dirty="0">
-                <a:latin typeface="Kozuka Gothic Pro L" panose="020B0200000000000000" pitchFamily="34" charset="-128"/>
-                <a:ea typeface="Kozuka Gothic Pro L" panose="020B0200000000000000" pitchFamily="34" charset="-128"/>
-              </a:rPr>
-              <a:t>。另外</a:t>
-            </a:r>
-            <a:r>
-              <a:rPr lang="zh-TW" altLang="en-US" sz="7200" dirty="0">
-                <a:latin typeface="Kozuka Gothic Pro L" panose="020B0200000000000000" pitchFamily="34" charset="-128"/>
-                <a:ea typeface="Kozuka Gothic Pro L" panose="020B0200000000000000" pitchFamily="34" charset="-128"/>
-              </a:rPr>
-              <a:t>閣用實驗證明平行語料數量無到十萬句的</a:t>
-            </a:r>
-            <a:r>
-              <a:rPr lang="zh-TW" altLang="en-US" sz="7200" dirty="0">
-                <a:latin typeface="Kozuka Gothic Pro L" panose="020B0200000000000000" pitchFamily="34" charset="-128"/>
-                <a:ea typeface="Kozuka Gothic Pro L" panose="020B0200000000000000" pitchFamily="34" charset="-128"/>
-              </a:rPr>
-              <a:t>時，加</a:t>
-            </a:r>
-            <a:r>
-              <a:rPr lang="zh-TW" altLang="en-US" sz="7200" dirty="0">
-                <a:latin typeface="Kozuka Gothic Pro L" panose="020B0200000000000000" pitchFamily="34" charset="-128"/>
-                <a:ea typeface="Kozuka Gothic Pro L" panose="020B0200000000000000" pitchFamily="34" charset="-128"/>
-              </a:rPr>
-              <a:t>語料對翻譯的效果影響非常大</a:t>
-            </a:r>
-            <a:r>
-              <a:rPr lang="zh-TW" altLang="en-US" sz="7200" dirty="0">
-                <a:latin typeface="Kozuka Gothic Pro L" panose="020B0200000000000000" pitchFamily="34" charset="-128"/>
-                <a:ea typeface="Kozuka Gothic Pro L" panose="020B0200000000000000" pitchFamily="34" charset="-128"/>
-              </a:rPr>
-              <a:t>，原本</a:t>
-            </a:r>
-            <a:r>
-              <a:rPr lang="en-US" altLang="zh-TW" sz="7200" dirty="0">
-                <a:latin typeface="Kozuka Gothic Pro L" panose="020B0200000000000000" pitchFamily="34" charset="-128"/>
-                <a:ea typeface="Kozuka Gothic Pro L" panose="020B0200000000000000" pitchFamily="34" charset="-128"/>
-              </a:rPr>
-              <a:t>64121</a:t>
-            </a:r>
-            <a:r>
-              <a:rPr lang="zh-TW" altLang="en-US" sz="7200" dirty="0">
-                <a:latin typeface="Kozuka Gothic Pro L" panose="020B0200000000000000" pitchFamily="34" charset="-128"/>
-                <a:ea typeface="Kozuka Gothic Pro L" panose="020B0200000000000000" pitchFamily="34" charset="-128"/>
-              </a:rPr>
-              <a:t>句加到</a:t>
-            </a:r>
-            <a:r>
-              <a:rPr lang="en-US" altLang="zh-TW" sz="7200" dirty="0">
-                <a:latin typeface="Kozuka Gothic Pro L" panose="020B0200000000000000" pitchFamily="34" charset="-128"/>
-                <a:ea typeface="Kozuka Gothic Pro L" panose="020B0200000000000000" pitchFamily="34" charset="-128"/>
-              </a:rPr>
-              <a:t>99147</a:t>
-            </a:r>
-            <a:r>
-              <a:rPr lang="zh-TW" altLang="en-US" sz="7200" dirty="0">
-                <a:latin typeface="Kozuka Gothic Pro L" panose="020B0200000000000000" pitchFamily="34" charset="-128"/>
-                <a:ea typeface="Kozuka Gothic Pro L" panose="020B0200000000000000" pitchFamily="34" charset="-128"/>
-              </a:rPr>
-              <a:t>句了後</a:t>
-            </a:r>
-            <a:r>
-              <a:rPr lang="zh-TW" altLang="en-US" sz="7200" dirty="0">
-                <a:latin typeface="Kozuka Gothic Pro L" panose="020B0200000000000000" pitchFamily="34" charset="-128"/>
-                <a:ea typeface="Kozuka Gothic Pro L" panose="020B0200000000000000" pitchFamily="34" charset="-128"/>
-              </a:rPr>
-              <a:t>，</a:t>
+              <a:t>句了後，</a:t>
             </a:r>
             <a:r>
               <a:rPr lang="en-US" altLang="zh-TW" sz="7200" dirty="0">
@@ -3453,13 +3306,7 @@
               <a:rPr lang="zh-TW" altLang="en-US" sz="6600" dirty="0">
                 <a:ea typeface="SimHei" panose="02010609060101010101" pitchFamily="49" charset="-122"/>
               </a:rPr>
-              <a:t>關鍵字：</a:t>
-            </a:r>
-            <a:r>
-              <a:rPr lang="zh-TW" altLang="en-US" sz="6600" dirty="0">
-                <a:ea typeface="SimHei" panose="02010609060101010101" pitchFamily="49" charset="-122"/>
-              </a:rPr>
-              <a:t>臺灣閩南語、華語、翻譯、語料、斷詞、語言分類</a:t>
+              <a:t>關鍵字：臺灣閩南語、華語、翻譯、語料、斷詞、語言分類</a:t>
             </a:r>
             <a:br>
               <a:rPr lang="zh-TW" altLang="en-US" sz="6600" dirty="0">
@@ -3585,14 +3432,7 @@
                 <a:latin typeface="Kozuka Mincho Pr6N R" panose="02020400000000000000" pitchFamily="18" charset="-128"/>
                 <a:ea typeface="Kozuka Mincho Pr6N R" panose="02020400000000000000" pitchFamily="18" charset="-128"/>
               </a:rPr>
-              <a:t>指導教授</a:t>
-            </a:r>
-            <a:r>
-              <a:rPr lang="zh-TW" altLang="en-US" sz="6600" b="1" dirty="0">
-                <a:latin typeface="Kozuka Mincho Pr6N R" panose="02020400000000000000" pitchFamily="18" charset="-128"/>
-                <a:ea typeface="Kozuka Mincho Pr6N R" panose="02020400000000000000" pitchFamily="18" charset="-128"/>
-              </a:rPr>
-              <a:t>：張智星</a:t>
+              <a:t>指導教授：張智星</a:t>
             </a:r>
             <a:endParaRPr lang="en-US" altLang="zh-TW" sz="6600" b="1" dirty="0">
               <a:latin typeface="Kozuka Mincho Pr6N R" panose="02020400000000000000" pitchFamily="18" charset="-128"/>
@@ -3654,14 +3494,7 @@
                 <a:latin typeface="Adobe 仿宋 Std R" panose="02020400000000000000" pitchFamily="18" charset="-128"/>
                 <a:ea typeface="Adobe 仿宋 Std R" panose="02020400000000000000" pitchFamily="18" charset="-128"/>
               </a:rPr>
-              <a:t>處理 </a:t>
-            </a:r>
-            <a:r>
-              <a:rPr lang="zh-TW" altLang="en-US" sz="9800" spc="600" dirty="0" smtClean="0">
-                <a:latin typeface="Adobe 仿宋 Std R" panose="02020400000000000000" pitchFamily="18" charset="-128"/>
-                <a:ea typeface="Adobe 仿宋 Std R" panose="02020400000000000000" pitchFamily="18" charset="-128"/>
-              </a:rPr>
-              <a:t>－</a:t>
+              <a:t>處理 －</a:t>
             </a:r>
             <a:r>
               <a:rPr lang="en-US" altLang="zh-TW" sz="9800" spc="600" dirty="0">
@@ -3824,29 +3657,7 @@
                           <a:ea typeface="SimHei" panose="02010609060101010101" pitchFamily="49" charset="-122"/>
                           <a:cs typeface="Times New Roman" panose="02020603050405020304" pitchFamily="18" charset="0"/>
                         </a:rPr>
-                        <a:t>如果</a:t>
-                      </a:r>
-                      <a:r>
-                        <a:rPr lang="zh-TW" altLang="en-US" sz="7200" kern="1200" dirty="0" smtClean="0">
-                          <a:solidFill>
-                            <a:schemeClr val="tx1"/>
-                          </a:solidFill>
-                          <a:latin typeface="Times New Roman" panose="02020603050405020304" pitchFamily="18" charset="0"/>
-                          <a:ea typeface="SimHei" panose="02010609060101010101" pitchFamily="49" charset="-122"/>
-                          <a:cs typeface="Times New Roman" panose="02020603050405020304" pitchFamily="18" charset="0"/>
-                        </a:rPr>
-                        <a:t>傳統的重要族群活動，看不到文化，體會不到精神</a:t>
-                      </a:r>
-                      <a:r>
-                        <a:rPr lang="zh-TW" altLang="en-US" sz="7200" kern="1200" dirty="0" smtClean="0">
-                          <a:solidFill>
-                            <a:schemeClr val="tx1"/>
-                          </a:solidFill>
-                          <a:latin typeface="Times New Roman" panose="02020603050405020304" pitchFamily="18" charset="0"/>
-                          <a:ea typeface="SimHei" panose="02010609060101010101" pitchFamily="49" charset="-122"/>
-                          <a:cs typeface="Times New Roman" panose="02020603050405020304" pitchFamily="18" charset="0"/>
-                        </a:rPr>
-                        <a:t>，</a:t>
+                        <a:t>如果傳統的重要族群活動，看不到文化，體會不到精神，</a:t>
                       </a:r>
                       <a:endParaRPr lang="en-US" altLang="zh-TW" sz="7200" kern="1200" dirty="0" smtClean="0">
                         <a:solidFill>
@@ -4041,14 +3852,6 @@
                         </a:rPr>
                         <a:t> </a:t>
                       </a:r>
-                      <a:endParaRPr lang="en-US" altLang="zh-TW" sz="1100" kern="1200" dirty="0" smtClean="0">
-                        <a:solidFill>
-                          <a:schemeClr val="tx1"/>
-                        </a:solidFill>
-                        <a:latin typeface="Times New Roman" panose="02020603050405020304" pitchFamily="18" charset="0"/>
-                        <a:ea typeface="SimHei" panose="02010609060101010101" pitchFamily="49" charset="-122"/>
-                        <a:cs typeface="Times New Roman" panose="02020603050405020304" pitchFamily="18" charset="0"/>
-                      </a:endParaRPr>
                     </a:p>
                   </a:txBody>
                   <a:tcPr/>
@@ -4177,18 +3980,7 @@
                           <a:ea typeface="SimHei" panose="02010609060101010101" pitchFamily="49" charset="-122"/>
                           <a:cs typeface="Times New Roman" panose="02020603050405020304" pitchFamily="18" charset="0"/>
                         </a:rPr>
-                        <a:t>食</a:t>
-                      </a:r>
-                      <a:r>
-                        <a:rPr lang="zh-TW" altLang="en-US" sz="7200" kern="1200" dirty="0" smtClean="0">
-                          <a:solidFill>
-                            <a:schemeClr val="tx1"/>
-                          </a:solidFill>
-                          <a:latin typeface="Times New Roman" panose="02020603050405020304" pitchFamily="18" charset="0"/>
-                          <a:ea typeface="SimHei" panose="02010609060101010101" pitchFamily="49" charset="-122"/>
-                          <a:cs typeface="Times New Roman" panose="02020603050405020304" pitchFamily="18" charset="0"/>
-                        </a:rPr>
-                        <a:t>安問題連環爆，立法院長王金平下午主持</a:t>
+                        <a:t>食安問題連環爆，立法院長王金平下午主持</a:t>
                       </a:r>
                       <a:r>
                         <a:rPr lang="en-US" altLang="zh-TW" sz="7200" kern="1200" dirty="0" smtClean="0">
@@ -4232,18 +4024,7 @@
                           <a:ea typeface="SimHei" panose="02010609060101010101" pitchFamily="49" charset="-122"/>
                           <a:cs typeface="Times New Roman" panose="02020603050405020304" pitchFamily="18" charset="0"/>
                         </a:rPr>
-                        <a:t>協商仍未獲</a:t>
-                      </a:r>
-                      <a:r>
-                        <a:rPr lang="zh-TW" altLang="en-US" sz="7200" kern="1200" dirty="0" smtClean="0">
-                          <a:solidFill>
-                            <a:schemeClr val="tx1"/>
-                          </a:solidFill>
-                          <a:latin typeface="Times New Roman" panose="02020603050405020304" pitchFamily="18" charset="0"/>
-                          <a:ea typeface="SimHei" panose="02010609060101010101" pitchFamily="49" charset="-122"/>
-                          <a:cs typeface="Times New Roman" panose="02020603050405020304" pitchFamily="18" charset="0"/>
-                        </a:rPr>
-                        <a:t>共識</a:t>
+                        <a:t>協商仍未獲共識</a:t>
                       </a:r>
                       <a:endParaRPr lang="en-US" altLang="zh-TW" sz="1100" kern="1200" dirty="0" smtClean="0">
                         <a:solidFill>
@@ -4494,14 +4275,6 @@
                         </a:rPr>
                         <a:t> </a:t>
                       </a:r>
-                      <a:endParaRPr lang="en-US" altLang="zh-TW" sz="1100" kern="1200" dirty="0" smtClean="0">
-                        <a:solidFill>
-                          <a:schemeClr val="tx1"/>
-                        </a:solidFill>
-                        <a:latin typeface="Times New Roman" panose="02020603050405020304" pitchFamily="18" charset="0"/>
-                        <a:ea typeface="SimHei" panose="02010609060101010101" pitchFamily="49" charset="-122"/>
-                        <a:cs typeface="Times New Roman" panose="02020603050405020304" pitchFamily="18" charset="0"/>
-                      </a:endParaRPr>
                     </a:p>
                   </a:txBody>
                   <a:tcPr/>
@@ -4511,6 +4284,36 @@
           </a:graphicData>
         </a:graphic>
       </p:graphicFrame>
+      <p:sp>
+        <p:nvSpPr>
+          <p:cNvPr id="2" name="文字方塊 1"/>
+          <p:cNvSpPr txBox="1"/>
+          <p:nvPr/>
+        </p:nvSpPr>
+        <p:spPr>
+          <a:xfrm>
+            <a:off x="17370833" y="207779"/>
+            <a:ext cx="12670456" cy="1015663"/>
+          </a:xfrm>
+          <a:prstGeom prst="rect">
+            <a:avLst/>
+          </a:prstGeom>
+          <a:noFill/>
+        </p:spPr>
+        <p:txBody>
+          <a:bodyPr wrap="none" rtlCol="0">
+            <a:spAutoFit/>
+          </a:bodyPr>
+          <a:lstStyle/>
+          <a:p>
+            <a:r>
+              <a:rPr lang="zh-TW" altLang="en-US" sz="6000" dirty="0" smtClean="0"/>
+              <a:t>國立交通大學 資訊工程與科學研究所</a:t>
+            </a:r>
+            <a:endParaRPr lang="zh-TW" altLang="en-US" sz="6000" dirty="0"/>
+          </a:p>
+        </p:txBody>
+      </p:sp>
     </p:spTree>
     <p:extLst>
       <p:ext uri="{BB962C8B-B14F-4D97-AF65-F5344CB8AC3E}">
